--- a/Presentations/ContainersForWindowsDevs.pptx
+++ b/Presentations/ContainersForWindowsDevs.pptx
@@ -36,7 +36,7 @@
     <p:sldId id="1468" r:id="rId27"/>
     <p:sldId id="1467" r:id="rId28"/>
     <p:sldId id="1469" r:id="rId29"/>
-    <p:sldId id="1430" r:id="rId30"/>
+    <p:sldId id="1470" r:id="rId30"/>
     <p:sldId id="1433" r:id="rId31"/>
   </p:sldIdLst>
   <p:sldSz cx="12436475" cy="6994525"/>
@@ -189,7 +189,7 @@
         </p14:section>
         <p14:section name="Learning Materials" id="{21B3198B-573B-4F42-852C-50B67AABFFFE}">
           <p14:sldIdLst>
-            <p14:sldId id="1430"/>
+            <p14:sldId id="1470"/>
             <p14:sldId id="1433"/>
           </p14:sldIdLst>
         </p14:section>
@@ -326,7 +326,7 @@
               <a:rPr lang="en-US" smtClean="0">
                 <a:latin typeface="Segoe UI" pitchFamily="34" charset="0"/>
               </a:rPr>
-              <a:t>8/23/2016 6:05 PM</a:t>
+              <a:t>8/24/2016 8:35 PM</a:t>
             </a:fld>
             <a:endParaRPr lang="en-US" dirty="0">
               <a:latin typeface="Segoe UI" pitchFamily="34" charset="0"/>
@@ -687,7 +687,7 @@
           <a:p>
             <a:fld id="{38EEC551-8CDA-4EB6-89BB-2A86C9F091C8}" type="datetime8">
               <a:rPr lang="en-US" smtClean="0"/>
-              <a:t>8/23/2016 6:05 PM</a:t>
+              <a:t>8/24/2016 8:35 PM</a:t>
             </a:fld>
             <a:endParaRPr lang="en-US" dirty="0"/>
           </a:p>
@@ -1054,7 +1054,7 @@
           <a:p>
             <a:fld id="{90EC29EE-A8AD-4CE0-9C0B-116E0D4D7533}" type="datetime8">
               <a:rPr lang="en-US" smtClean="0"/>
-              <a:t>8/23/2016 6:05 PM</a:t>
+              <a:t>8/24/2016 8:35 PM</a:t>
             </a:fld>
             <a:endParaRPr lang="en-US" dirty="0"/>
           </a:p>
@@ -1256,7 +1256,7 @@
           <a:p>
             <a:fld id="{38EEC551-8CDA-4EB6-89BB-2A86C9F091C8}" type="datetime8">
               <a:rPr lang="en-US" smtClean="0"/>
-              <a:t>8/23/2016 6:05 PM</a:t>
+              <a:t>8/24/2016 8:35 PM</a:t>
             </a:fld>
             <a:endParaRPr lang="en-US" dirty="0"/>
           </a:p>
@@ -4152,7 +4152,7 @@
           <a:p>
             <a:fld id="{90EC29EE-A8AD-4CE0-9C0B-116E0D4D7533}" type="datetime8">
               <a:rPr lang="en-US" smtClean="0"/>
-              <a:t>8/23/2016 6:05 PM</a:t>
+              <a:t>8/24/2016 8:35 PM</a:t>
             </a:fld>
             <a:endParaRPr lang="en-US" dirty="0"/>
           </a:p>
@@ -4241,19 +4241,295 @@
           <a:p>
             <a:r>
               <a:rPr lang="en-US" dirty="0"/>
-              <a:t>Use developer type photo.</a:t>
-            </a:r>
+              <a:t>Lets take a closer look at a </a:t>
+            </a:r>
+            <a:r>
+              <a:rPr lang="en-US" dirty="0" err="1"/>
+              <a:t>Dockerfile</a:t>
+            </a:r>
+            <a:r>
+              <a:rPr lang="en-US" baseline="0" dirty="0"/>
+              <a:t> as this is really the preferred method if you can’t pull an existing image from a registry. </a:t>
+            </a:r>
+          </a:p>
+          <a:p>
+            <a:endParaRPr lang="en-US" baseline="0" dirty="0"/>
+          </a:p>
+          <a:p>
+            <a:r>
+              <a:rPr lang="en-US" b="1" baseline="0" dirty="0"/>
+              <a:t>#click (method for automated creation)</a:t>
+            </a:r>
+          </a:p>
+          <a:p>
+            <a:r>
+              <a:rPr lang="en-US" baseline="0" dirty="0"/>
+              <a:t>read</a:t>
+            </a:r>
+          </a:p>
+          <a:p>
+            <a:endParaRPr lang="en-US" baseline="0" dirty="0"/>
+          </a:p>
+          <a:p>
+            <a:r>
+              <a:rPr lang="en-US" b="1" baseline="0" dirty="0"/>
+              <a:t>#click (consumed when running </a:t>
+            </a:r>
+            <a:r>
+              <a:rPr lang="en-US" b="1" baseline="0" dirty="0" err="1"/>
+              <a:t>docker</a:t>
+            </a:r>
+            <a:r>
+              <a:rPr lang="en-US" b="1" baseline="0" dirty="0"/>
+              <a:t> build)</a:t>
+            </a:r>
+          </a:p>
+          <a:p>
+            <a:r>
+              <a:rPr lang="en-US" baseline="0" dirty="0"/>
+              <a:t>Its consumed when we say “</a:t>
+            </a:r>
+            <a:r>
+              <a:rPr lang="en-US" baseline="0" dirty="0" err="1"/>
+              <a:t>docker</a:t>
+            </a:r>
+            <a:r>
+              <a:rPr lang="en-US" baseline="0" dirty="0"/>
+              <a:t> build”. The build process reads this file</a:t>
+            </a:r>
+          </a:p>
+          <a:p>
+            <a:endParaRPr lang="en-US" baseline="0" dirty="0"/>
+          </a:p>
+          <a:p>
+            <a:r>
+              <a:rPr lang="en-US" b="1" baseline="0" dirty="0"/>
+              <a:t>#click (automated builds via </a:t>
+            </a:r>
+            <a:r>
+              <a:rPr lang="en-US" b="1" baseline="0" dirty="0" err="1"/>
+              <a:t>docker</a:t>
+            </a:r>
+            <a:r>
+              <a:rPr lang="en-US" b="1" baseline="0" dirty="0"/>
+              <a:t> hub)</a:t>
+            </a:r>
+          </a:p>
+          <a:p>
+            <a:r>
+              <a:rPr lang="en-US" baseline="0" dirty="0"/>
+              <a:t>It can also be used as part of automation. You can upload your </a:t>
+            </a:r>
+            <a:r>
+              <a:rPr lang="en-US" baseline="0" dirty="0" err="1"/>
+              <a:t>dockerfile</a:t>
+            </a:r>
+            <a:r>
+              <a:rPr lang="en-US" baseline="0" dirty="0"/>
+              <a:t> to the </a:t>
+            </a:r>
+            <a:r>
+              <a:rPr lang="en-US" baseline="0" dirty="0" err="1"/>
+              <a:t>docker</a:t>
+            </a:r>
+            <a:r>
+              <a:rPr lang="en-US" baseline="0" dirty="0"/>
+              <a:t> hub, it will help perform automated, triggered builds. So if an image (layer) that you’re dependent on changes, your image will also be updated. This includes a web hook that you can use to start any CI testing or even a redeployment of your image. </a:t>
+            </a:r>
+          </a:p>
+          <a:p>
+            <a:endParaRPr lang="en-US" baseline="0" dirty="0"/>
+          </a:p>
+          <a:p>
+            <a:r>
+              <a:rPr lang="en-US" b="1" baseline="0" dirty="0"/>
+              <a:t>#click (cache unchanged commands)</a:t>
+            </a:r>
+          </a:p>
+          <a:p>
+            <a:r>
+              <a:rPr lang="en-US" baseline="0" dirty="0"/>
+              <a:t>Anything that’s unchanged, just gets cached and reused. </a:t>
+            </a:r>
+          </a:p>
+          <a:p>
+            <a:endParaRPr lang="en-US" baseline="0" dirty="0"/>
+          </a:p>
+          <a:p>
+            <a:r>
+              <a:rPr lang="en-US" b="1" baseline="0" dirty="0"/>
+              <a:t>#click (IIS Image)</a:t>
+            </a:r>
+          </a:p>
+          <a:p>
+            <a:r>
+              <a:rPr lang="en-US" baseline="0" dirty="0"/>
+              <a:t>If we take an example of a </a:t>
+            </a:r>
+            <a:r>
+              <a:rPr lang="en-US" baseline="0" dirty="0" err="1"/>
+              <a:t>dockerfile</a:t>
+            </a:r>
+            <a:r>
+              <a:rPr lang="en-US" baseline="0" dirty="0"/>
+              <a:t> to build an IIS image. </a:t>
+            </a:r>
+          </a:p>
+          <a:p>
+            <a:r>
+              <a:rPr lang="en-US" baseline="0" dirty="0"/>
+              <a:t>From – we start with where we’re starting from, in this case a base Nano Server image. Then we have two ‘adds’</a:t>
+            </a:r>
+          </a:p>
+          <a:p>
+            <a:r>
+              <a:rPr lang="en-US" baseline="0" dirty="0"/>
+              <a:t>Unattended – the first is an unintended install file and this is how you’d install IIS with </a:t>
+            </a:r>
+            <a:r>
+              <a:rPr lang="en-US" baseline="0" dirty="0" err="1"/>
+              <a:t>nano</a:t>
+            </a:r>
+            <a:r>
+              <a:rPr lang="en-US" baseline="0" dirty="0"/>
+              <a:t> server technical preview 4</a:t>
+            </a:r>
+          </a:p>
+          <a:p>
+            <a:r>
+              <a:rPr lang="en-US" baseline="0" dirty="0"/>
+              <a:t>Packages – then we add in this case, the “packages” folder where those optional roles/features are stored as we discussed earlier. </a:t>
+            </a:r>
+          </a:p>
+          <a:p>
+            <a:r>
+              <a:rPr lang="en-US" baseline="0" dirty="0"/>
+              <a:t>Run – then within the container we’re going to use DISM to apply the </a:t>
+            </a:r>
+            <a:r>
+              <a:rPr lang="en-US" baseline="0" dirty="0" err="1"/>
+              <a:t>unattend</a:t>
+            </a:r>
+            <a:r>
+              <a:rPr lang="en-US" baseline="0" dirty="0"/>
+              <a:t> file we added. </a:t>
+            </a:r>
+          </a:p>
+          <a:p>
+            <a:endParaRPr lang="en-US" baseline="0" dirty="0"/>
+          </a:p>
+          <a:p>
+            <a:r>
+              <a:rPr lang="en-US" baseline="0" dirty="0"/>
+              <a:t>When its all done, we’ll have the layers we see on the right with the base image at the bottom, and our layers added on. </a:t>
+            </a:r>
+            <a:r>
+              <a:rPr lang="en-US" baseline="0" dirty="0" err="1"/>
+              <a:t>Mysite</a:t>
+            </a:r>
+            <a:r>
+              <a:rPr lang="en-US" baseline="0" dirty="0"/>
+              <a:t> depends on IIS, which depends on the Container image. Now if I wanted to share this with you, and you already have the container base image, all I’d need to ship him is the IIS image, and web image. If he had the IIS image, I’d just send him the web image. I only need to give him enough to provision what he needs to get started. </a:t>
+            </a:r>
+          </a:p>
+          <a:p>
+            <a:endParaRPr lang="en-US" baseline="0" dirty="0"/>
+          </a:p>
+          <a:p>
+            <a:r>
+              <a:rPr lang="en-US" baseline="0" dirty="0"/>
+              <a:t>This makes this approach very handy for sharing work. </a:t>
+            </a:r>
+          </a:p>
+          <a:p>
+            <a:endParaRPr lang="en-US" baseline="0" dirty="0"/>
+          </a:p>
+          <a:p>
+            <a:r>
+              <a:rPr lang="en-US" baseline="0" dirty="0"/>
+              <a:t>And there’s the 4 basic steps to build your own IIS container image. </a:t>
+            </a:r>
+          </a:p>
+          <a:p>
+            <a:endParaRPr lang="en-US" baseline="0" dirty="0"/>
+          </a:p>
+          <a:p>
+            <a:r>
+              <a:rPr lang="en-US" baseline="0" dirty="0"/>
+              <a:t>So lets talk about what “unchanged values are cached”. Lets say I made an mistake and I need to change the folder where my attend file was. Docker’s build process will look at it and say “I’ll keep the first three layers, and only throw away the last one”. So it’s the only one that gets re-run. It doesn’t have to re-add the </a:t>
+            </a:r>
+            <a:r>
+              <a:rPr lang="en-US" baseline="0" dirty="0" err="1"/>
+              <a:t>unattend</a:t>
+            </a:r>
+            <a:r>
+              <a:rPr lang="en-US" baseline="0" dirty="0"/>
+              <a:t> file, or the packages. It just updates the run layer. </a:t>
+            </a:r>
+          </a:p>
+          <a:p>
+            <a:endParaRPr lang="en-US" baseline="0" dirty="0"/>
+          </a:p>
+          <a:p>
+            <a:r>
+              <a:rPr lang="en-US" b="1" baseline="0" dirty="0"/>
+              <a:t>#click (</a:t>
+            </a:r>
+            <a:r>
+              <a:rPr lang="en-US" b="1" baseline="0" dirty="0" err="1"/>
+              <a:t>WebApp</a:t>
+            </a:r>
+            <a:r>
+              <a:rPr lang="en-US" b="1" baseline="0" dirty="0"/>
+              <a:t> image)</a:t>
+            </a:r>
+          </a:p>
+          <a:p>
+            <a:r>
+              <a:rPr lang="en-US" dirty="0"/>
+              <a:t>Now IIS is pretty useless without a web site, so lets create a new image that add this</a:t>
+            </a:r>
+          </a:p>
+          <a:p>
+            <a:r>
+              <a:rPr lang="en-US" dirty="0"/>
+              <a:t>From</a:t>
+            </a:r>
+            <a:r>
+              <a:rPr lang="en-US" baseline="0" dirty="0"/>
+              <a:t> – we’ll use the image we created previously </a:t>
+            </a:r>
+          </a:p>
+          <a:p>
+            <a:r>
+              <a:rPr lang="en-US" baseline="0" dirty="0"/>
+              <a:t>Add – and I’m going to add mysite.htm to the image in the /</a:t>
+            </a:r>
+            <a:r>
+              <a:rPr lang="en-US" baseline="0" dirty="0" err="1"/>
+              <a:t>inetpub</a:t>
+            </a:r>
+            <a:r>
+              <a:rPr lang="en-US" baseline="0" dirty="0"/>
+              <a:t> folder</a:t>
+            </a:r>
+          </a:p>
+          <a:p>
+            <a:endParaRPr lang="en-US" baseline="0" dirty="0"/>
+          </a:p>
+          <a:p>
+            <a:endParaRPr lang="en-US" dirty="0"/>
           </a:p>
         </p:txBody>
       </p:sp>
       <p:sp>
         <p:nvSpPr>
-          <p:cNvPr id="4" name="Header Placeholder 3"/>
+          <p:cNvPr id="4" name="Slide Number Placeholder 3"/>
           <p:cNvSpPr>
             <a:spLocks noGrp="1"/>
           </p:cNvSpPr>
           <p:nvPr>
-            <p:ph type="hdr" sz="quarter" idx="10"/>
+            <p:ph type="sldNum" sz="quarter" idx="10"/>
           </p:nvPr>
         </p:nvSpPr>
         <p:spPr/>
@@ -4261,99 +4537,18 @@
           <a:bodyPr/>
           <a:lstStyle/>
           <a:p>
-            <a:endParaRPr lang="en-US" dirty="0"/>
-          </a:p>
-        </p:txBody>
-      </p:sp>
-      <p:sp>
-        <p:nvSpPr>
-          <p:cNvPr id="5" name="Footer Placeholder 4"/>
-          <p:cNvSpPr>
-            <a:spLocks noGrp="1"/>
-          </p:cNvSpPr>
-          <p:nvPr>
-            <p:ph type="ftr" sz="quarter" idx="11"/>
-          </p:nvPr>
-        </p:nvSpPr>
-        <p:spPr/>
-        <p:txBody>
-          <a:bodyPr/>
-          <a:lstStyle/>
-          <a:p>
-            <a:pPr defTabSz="914099" eaLnBrk="0" hangingPunct="0"/>
-            <a:r>
-              <a:rPr lang="en-US" sz="400" dirty="0">
-                <a:gradFill>
-                  <a:gsLst>
-                    <a:gs pos="0">
-                      <a:prstClr val="black"/>
-                    </a:gs>
-                    <a:gs pos="100000">
-                      <a:prstClr val="black"/>
-                    </a:gs>
-                  </a:gsLst>
-                  <a:lin ang="5400000" scaled="0"/>
-                </a:gradFill>
-                <a:latin typeface="Segoe UI" pitchFamily="34" charset="0"/>
-                <a:ea typeface="Segoe UI" pitchFamily="34" charset="0"/>
-                <a:cs typeface="Segoe UI" pitchFamily="34" charset="0"/>
-              </a:rPr>
-              <a:t>© 2016 Microsoft Corporation. All rights reserved. MICROSOFT MAKES NO WARRANTIES, EXPRESS, IMPLIED OR STATUTORY, AS TO THE INFORMATION IN THIS PRESENTATION.</a:t>
-            </a:r>
-          </a:p>
-        </p:txBody>
-      </p:sp>
-      <p:sp>
-        <p:nvSpPr>
-          <p:cNvPr id="6" name="Date Placeholder 5"/>
-          <p:cNvSpPr>
-            <a:spLocks noGrp="1"/>
-          </p:cNvSpPr>
-          <p:nvPr>
-            <p:ph type="dt" idx="12"/>
-          </p:nvPr>
-        </p:nvSpPr>
-        <p:spPr/>
-        <p:txBody>
-          <a:bodyPr/>
-          <a:lstStyle/>
-          <a:p>
-            <a:fld id="{23A5C127-CB05-47B6-8D1E-7BC74A68F508}" type="datetime8">
+            <a:fld id="{EF64FA26-052C-4EE5-A78C-762B03CD0F2A}" type="slidenum">
               <a:rPr lang="en-US" smtClean="0"/>
-              <a:t>8/23/2016 6:05 PM</a:t>
-            </a:fld>
-            <a:endParaRPr lang="en-US" dirty="0"/>
-          </a:p>
-        </p:txBody>
-      </p:sp>
-      <p:sp>
-        <p:nvSpPr>
-          <p:cNvPr id="7" name="Slide Number Placeholder 6"/>
-          <p:cNvSpPr>
-            <a:spLocks noGrp="1"/>
-          </p:cNvSpPr>
-          <p:nvPr>
-            <p:ph type="sldNum" sz="quarter" idx="13"/>
-          </p:nvPr>
-        </p:nvSpPr>
-        <p:spPr/>
-        <p:txBody>
-          <a:bodyPr/>
-          <a:lstStyle/>
-          <a:p>
-            <a:fld id="{B4008EB6-D09E-4580-8CD6-DDB14511944F}" type="slidenum">
-              <a:rPr lang="en-US" smtClean="0"/>
-              <a:pPr/>
               <a:t>25</a:t>
             </a:fld>
-            <a:endParaRPr lang="en-US" dirty="0"/>
+            <a:endParaRPr lang="en-US"/>
           </a:p>
         </p:txBody>
       </p:sp>
     </p:spTree>
     <p:extLst>
       <p:ext uri="{BB962C8B-B14F-4D97-AF65-F5344CB8AC3E}">
-        <p14:creationId xmlns:p14="http://schemas.microsoft.com/office/powerpoint/2010/main" val="3363897050"/>
+        <p14:creationId xmlns:p14="http://schemas.microsoft.com/office/powerpoint/2010/main" val="3673557410"/>
       </p:ext>
     </p:extLst>
   </p:cSld>
@@ -4452,7 +4647,7 @@
           <a:p>
             <a:fld id="{6108602D-D426-4C00-B215-BFA18C076426}" type="datetime8">
               <a:rPr lang="en-US" smtClean="0"/>
-              <a:t>8/23/2016 6:05 PM</a:t>
+              <a:t>8/24/2016 9:50 PM</a:t>
             </a:fld>
             <a:endParaRPr lang="en-US" dirty="0"/>
           </a:p>
@@ -4659,7 +4854,7 @@
           <a:p>
             <a:fld id="{90EC29EE-A8AD-4CE0-9C0B-116E0D4D7533}" type="datetime8">
               <a:rPr lang="en-US" smtClean="0"/>
-              <a:t>8/23/2016 6:05 PM</a:t>
+              <a:t>8/24/2016 8:35 PM</a:t>
             </a:fld>
             <a:endParaRPr lang="en-US" dirty="0"/>
           </a:p>
@@ -4833,7 +5028,7 @@
           <a:p>
             <a:fld id="{90EC29EE-A8AD-4CE0-9C0B-116E0D4D7533}" type="datetime8">
               <a:rPr lang="en-US" smtClean="0"/>
-              <a:t>8/23/2016 6:05 PM</a:t>
+              <a:t>8/24/2016 8:35 PM</a:t>
             </a:fld>
             <a:endParaRPr lang="en-US" dirty="0"/>
           </a:p>
@@ -5117,7 +5312,7 @@
               <a:pPr defTabSz="932742">
                 <a:defRPr/>
               </a:pPr>
-              <a:t>8/23/2016</a:t>
+              <a:t>8/24/2016</a:t>
             </a:fld>
             <a:endParaRPr lang="en-US" dirty="0">
               <a:solidFill>
@@ -5849,7 +6044,7 @@
           <a:p>
             <a:fld id="{E74353ED-ACB2-44BF-A903-985B0AF962B7}" type="datetime1">
               <a:rPr lang="en-US" smtClean="0"/>
-              <a:t>8/23/2016</a:t>
+              <a:t>8/24/2016</a:t>
             </a:fld>
             <a:endParaRPr lang="en-US" dirty="0"/>
           </a:p>
@@ -6038,7 +6233,7 @@
           <a:p>
             <a:fld id="{38EEC551-8CDA-4EB6-89BB-2A86C9F091C8}" type="datetime8">
               <a:rPr lang="en-US" smtClean="0"/>
-              <a:t>8/23/2016 6:05 PM</a:t>
+              <a:t>8/24/2016 8:35 PM</a:t>
             </a:fld>
             <a:endParaRPr lang="en-US" dirty="0"/>
           </a:p>
@@ -21187,20 +21382,19 @@
             <p:ph type="body" sz="quarter" idx="12"/>
           </p:nvPr>
         </p:nvSpPr>
-        <p:spPr/>
+        <p:spPr>
+          <a:xfrm>
+            <a:off x="274701" y="4806855"/>
+            <a:ext cx="10058337" cy="1828007"/>
+          </a:xfrm>
+        </p:spPr>
         <p:txBody>
           <a:bodyPr/>
           <a:lstStyle/>
           <a:p>
             <a:r>
               <a:rPr lang="en-US" dirty="0"/>
-              <a:t>Brent Stineman</a:t>
-            </a:r>
-          </a:p>
-          <a:p>
-            <a:r>
-              <a:rPr lang="en-US" dirty="0"/>
-              <a:t>Azure Evangelist</a:t>
+              <a:t>Presented By: someone that still plays with cars</a:t>
             </a:r>
           </a:p>
         </p:txBody>
@@ -21327,10 +21521,15 @@
             <p:ph type="body" sz="quarter" idx="10"/>
           </p:nvPr>
         </p:nvSpPr>
-        <p:spPr/>
+        <p:spPr>
+          <a:xfrm>
+            <a:off x="274638" y="1212850"/>
+            <a:ext cx="9861218" cy="3361292"/>
+          </a:xfrm>
+        </p:spPr>
         <p:txBody>
           <a:bodyPr>
-            <a:normAutofit fontScale="92500" lnSpcReduction="20000"/>
+            <a:normAutofit fontScale="92500"/>
           </a:bodyPr>
           <a:lstStyle/>
           <a:p>
@@ -21342,6 +21541,13 @@
               </a:rPr>
               <a:t>Optimized for next-gen distributed applications</a:t>
             </a:r>
+          </a:p>
+          <a:p>
+            <a:endParaRPr lang="en-US" dirty="0">
+              <a:solidFill>
+                <a:schemeClr val="tx1"/>
+              </a:solidFill>
+            </a:endParaRPr>
           </a:p>
           <a:p>
             <a:pPr marL="342834" lvl="1" indent="-342834">
@@ -21426,7 +21632,7 @@
         </p:nvSpPr>
         <p:spPr bwMode="auto">
           <a:xfrm>
-            <a:off x="10270748" y="2337849"/>
+            <a:off x="10454508" y="2660701"/>
             <a:ext cx="1655674" cy="3887563"/>
           </a:xfrm>
           <a:prstGeom prst="rect">
@@ -21498,7 +21704,7 @@
         </p:nvSpPr>
         <p:spPr>
           <a:xfrm>
-            <a:off x="6689979" y="3900749"/>
+            <a:off x="6873739" y="4223601"/>
             <a:ext cx="1642738" cy="997196"/>
           </a:xfrm>
           <a:prstGeom prst="rect">
@@ -21535,7 +21741,7 @@
         </p:nvSpPr>
         <p:spPr>
           <a:xfrm>
-            <a:off x="10270749" y="4280818"/>
+            <a:off x="10454509" y="4603670"/>
             <a:ext cx="1640004" cy="997196"/>
           </a:xfrm>
           <a:prstGeom prst="rect">
@@ -21596,7 +21802,7 @@
         </p:nvSpPr>
         <p:spPr bwMode="auto">
           <a:xfrm>
-            <a:off x="10817566" y="3611858"/>
+            <a:off x="11001326" y="3934710"/>
             <a:ext cx="269963" cy="463087"/>
           </a:xfrm>
           <a:custGeom>
@@ -21684,7 +21890,7 @@
         </p:nvSpPr>
         <p:spPr bwMode="auto">
           <a:xfrm>
-            <a:off x="11087350" y="3611858"/>
+            <a:off x="11271110" y="3934710"/>
             <a:ext cx="267941" cy="463087"/>
           </a:xfrm>
           <a:custGeom>
@@ -21772,7 +21978,7 @@
         </p:nvSpPr>
         <p:spPr bwMode="auto">
           <a:xfrm>
-            <a:off x="10820002" y="3461126"/>
+            <a:off x="11003762" y="3783978"/>
             <a:ext cx="533864" cy="303330"/>
           </a:xfrm>
           <a:custGeom>
@@ -21858,7 +22064,7 @@
         </p:nvSpPr>
         <p:spPr>
           <a:xfrm>
-            <a:off x="10215701" y="1345610"/>
+            <a:off x="10399461" y="1668462"/>
             <a:ext cx="1762376" cy="934589"/>
           </a:xfrm>
           <a:prstGeom prst="rect">
@@ -21909,7 +22115,7 @@
         </p:nvSpPr>
         <p:spPr bwMode="auto">
           <a:xfrm>
-            <a:off x="8480182" y="3526386"/>
+            <a:off x="8663942" y="3849238"/>
             <a:ext cx="1655674" cy="2685708"/>
           </a:xfrm>
           <a:prstGeom prst="rect">
@@ -21983,7 +22189,7 @@
         </p:nvSpPr>
         <p:spPr bwMode="auto">
           <a:xfrm>
-            <a:off x="9046616" y="4042825"/>
+            <a:off x="9230376" y="4365677"/>
             <a:ext cx="269962" cy="463087"/>
           </a:xfrm>
           <a:custGeom>
@@ -22071,7 +22277,7 @@
         </p:nvSpPr>
         <p:spPr bwMode="auto">
           <a:xfrm>
-            <a:off x="9316402" y="4042825"/>
+            <a:off x="9500162" y="4365677"/>
             <a:ext cx="267941" cy="463087"/>
           </a:xfrm>
           <a:custGeom>
@@ -22159,7 +22365,7 @@
         </p:nvSpPr>
         <p:spPr bwMode="auto">
           <a:xfrm>
-            <a:off x="9049054" y="3892093"/>
+            <a:off x="9232814" y="4214945"/>
             <a:ext cx="533864" cy="303330"/>
           </a:xfrm>
           <a:custGeom>
@@ -22243,7 +22449,7 @@
         </p:nvSpPr>
         <p:spPr>
           <a:xfrm>
-            <a:off x="8302650" y="4623501"/>
+            <a:off x="8486410" y="4946353"/>
             <a:ext cx="2026673" cy="997197"/>
           </a:xfrm>
           <a:prstGeom prst="rect">
@@ -22302,7 +22508,7 @@
         </p:nvSpPr>
         <p:spPr>
           <a:xfrm>
-            <a:off x="8468902" y="2859759"/>
+            <a:off x="8652662" y="3182611"/>
             <a:ext cx="1694168" cy="642384"/>
           </a:xfrm>
           <a:prstGeom prst="rect">
@@ -22339,7 +22545,7 @@
         </p:nvSpPr>
         <p:spPr bwMode="auto">
           <a:xfrm>
-            <a:off x="6683512" y="4799848"/>
+            <a:off x="6867272" y="5122700"/>
             <a:ext cx="1655674" cy="1412245"/>
           </a:xfrm>
           <a:prstGeom prst="rect">
@@ -22413,7 +22619,7 @@
         </p:nvSpPr>
         <p:spPr bwMode="auto">
           <a:xfrm>
-            <a:off x="7219221" y="5018651"/>
+            <a:off x="7402981" y="5341503"/>
             <a:ext cx="269963" cy="463087"/>
           </a:xfrm>
           <a:custGeom>
@@ -22501,7 +22707,7 @@
         </p:nvSpPr>
         <p:spPr bwMode="auto">
           <a:xfrm>
-            <a:off x="7489005" y="5018651"/>
+            <a:off x="7672765" y="5341503"/>
             <a:ext cx="267941" cy="463087"/>
           </a:xfrm>
           <a:custGeom>
@@ -22587,7 +22793,7 @@
         </p:nvSpPr>
         <p:spPr bwMode="auto">
           <a:xfrm>
-            <a:off x="7221658" y="4867920"/>
+            <a:off x="7405418" y="5190772"/>
             <a:ext cx="533864" cy="303330"/>
           </a:xfrm>
           <a:custGeom>
@@ -22671,7 +22877,7 @@
         </p:nvSpPr>
         <p:spPr>
           <a:xfrm>
-            <a:off x="6569425" y="5446503"/>
+            <a:off x="6753185" y="5769355"/>
             <a:ext cx="1838330" cy="997196"/>
           </a:xfrm>
           <a:prstGeom prst="rect">
@@ -32137,7 +32343,7 @@
           <a:p>
             <a:r>
               <a:rPr lang="en-US" dirty="0"/>
-              <a:t>Getting Started</a:t>
+              <a:t>Tell and Show</a:t>
             </a:r>
           </a:p>
         </p:txBody>
@@ -32770,7 +32976,7 @@
 </file>
 
 <file path=ppt/slides/slide17.xml><?xml version="1.0" encoding="utf-8"?>
-<p:sld xmlns:a="http://schemas.openxmlformats.org/drawingml/2006/main" xmlns:r="http://schemas.openxmlformats.org/officeDocument/2006/relationships" xmlns:p="http://schemas.openxmlformats.org/presentationml/2006/main" show="0">
+<p:sld xmlns:a="http://schemas.openxmlformats.org/drawingml/2006/main" xmlns:r="http://schemas.openxmlformats.org/officeDocument/2006/relationships" xmlns:p="http://schemas.openxmlformats.org/presentationml/2006/main">
   <p:cSld>
     <p:spTree>
       <p:nvGrpSpPr>
@@ -32815,13 +33021,13 @@
             <a:spLocks noGrp="1"/>
           </p:cNvSpPr>
           <p:nvPr>
-            <p:ph type="body" sz="quarter" idx="4294967295"/>
+            <p:ph type="body" sz="quarter" idx="10"/>
           </p:nvPr>
         </p:nvSpPr>
         <p:spPr>
           <a:xfrm>
-            <a:off x="549275" y="2049462"/>
-            <a:ext cx="5287962" cy="4371976"/>
+            <a:off x="350837" y="2315938"/>
+            <a:ext cx="5410199" cy="4284020"/>
           </a:xfrm>
         </p:spPr>
         <p:txBody>
@@ -32852,7 +33058,6 @@
               <a:rPr lang="en-US" sz="4400" dirty="0"/>
               <a:t>(--help is your friend)</a:t>
             </a:r>
-            <a:endParaRPr lang="en-US" sz="4400" b="1" dirty="0"/>
           </a:p>
         </p:txBody>
       </p:sp>
@@ -33012,6 +33217,434 @@
     <p:extLst>
       <p:ext uri="{BB962C8B-B14F-4D97-AF65-F5344CB8AC3E}">
         <p14:creationId xmlns:p14="http://schemas.microsoft.com/office/powerpoint/2010/main" val="2929222572"/>
+      </p:ext>
+    </p:extLst>
+  </p:cSld>
+  <p:clrMapOvr>
+    <a:masterClrMapping/>
+  </p:clrMapOvr>
+  <p:transition>
+    <p:fade/>
+  </p:transition>
+  <p:timing>
+    <p:tnLst>
+      <p:par>
+        <p:cTn id="1" dur="indefinite" restart="never" nodeType="tmRoot">
+          <p:childTnLst>
+            <p:seq concurrent="1" nextAc="seek">
+              <p:cTn id="2" dur="indefinite" nodeType="mainSeq">
+                <p:childTnLst>
+                  <p:par>
+                    <p:cTn id="3" fill="hold">
+                      <p:stCondLst>
+                        <p:cond delay="indefinite"/>
+                      </p:stCondLst>
+                      <p:childTnLst>
+                        <p:par>
+                          <p:cTn id="4" fill="hold">
+                            <p:stCondLst>
+                              <p:cond delay="0"/>
+                            </p:stCondLst>
+                            <p:childTnLst>
+                              <p:par>
+                                <p:cTn id="5" presetID="1" presetClass="entr" presetSubtype="0" fill="hold" grpId="0" nodeType="clickEffect">
+                                  <p:stCondLst>
+                                    <p:cond delay="0"/>
+                                  </p:stCondLst>
+                                  <p:childTnLst>
+                                    <p:set>
+                                      <p:cBhvr>
+                                        <p:cTn id="6" dur="1" fill="hold">
+                                          <p:stCondLst>
+                                            <p:cond delay="0"/>
+                                          </p:stCondLst>
+                                        </p:cTn>
+                                        <p:tgtEl>
+                                          <p:spTgt spid="3">
+                                            <p:txEl>
+                                              <p:pRg st="0" end="0"/>
+                                            </p:txEl>
+                                          </p:spTgt>
+                                        </p:tgtEl>
+                                        <p:attrNameLst>
+                                          <p:attrName>style.visibility</p:attrName>
+                                        </p:attrNameLst>
+                                      </p:cBhvr>
+                                      <p:to>
+                                        <p:strVal val="visible"/>
+                                      </p:to>
+                                    </p:set>
+                                  </p:childTnLst>
+                                </p:cTn>
+                              </p:par>
+                            </p:childTnLst>
+                          </p:cTn>
+                        </p:par>
+                      </p:childTnLst>
+                    </p:cTn>
+                  </p:par>
+                  <p:par>
+                    <p:cTn id="7" fill="hold">
+                      <p:stCondLst>
+                        <p:cond delay="indefinite"/>
+                      </p:stCondLst>
+                      <p:childTnLst>
+                        <p:par>
+                          <p:cTn id="8" fill="hold">
+                            <p:stCondLst>
+                              <p:cond delay="0"/>
+                            </p:stCondLst>
+                            <p:childTnLst>
+                              <p:par>
+                                <p:cTn id="9" presetID="1" presetClass="entr" presetSubtype="0" fill="hold" grpId="0" nodeType="clickEffect">
+                                  <p:stCondLst>
+                                    <p:cond delay="0"/>
+                                  </p:stCondLst>
+                                  <p:childTnLst>
+                                    <p:set>
+                                      <p:cBhvr>
+                                        <p:cTn id="10" dur="1" fill="hold">
+                                          <p:stCondLst>
+                                            <p:cond delay="0"/>
+                                          </p:stCondLst>
+                                        </p:cTn>
+                                        <p:tgtEl>
+                                          <p:spTgt spid="3">
+                                            <p:txEl>
+                                              <p:pRg st="2" end="2"/>
+                                            </p:txEl>
+                                          </p:spTgt>
+                                        </p:tgtEl>
+                                        <p:attrNameLst>
+                                          <p:attrName>style.visibility</p:attrName>
+                                        </p:attrNameLst>
+                                      </p:cBhvr>
+                                      <p:to>
+                                        <p:strVal val="visible"/>
+                                      </p:to>
+                                    </p:set>
+                                  </p:childTnLst>
+                                </p:cTn>
+                              </p:par>
+                              <p:par>
+                                <p:cTn id="11" presetID="1" presetClass="entr" presetSubtype="0" fill="hold" grpId="0" nodeType="withEffect">
+                                  <p:stCondLst>
+                                    <p:cond delay="0"/>
+                                  </p:stCondLst>
+                                  <p:childTnLst>
+                                    <p:set>
+                                      <p:cBhvr>
+                                        <p:cTn id="12" dur="1" fill="hold">
+                                          <p:stCondLst>
+                                            <p:cond delay="0"/>
+                                          </p:stCondLst>
+                                        </p:cTn>
+                                        <p:tgtEl>
+                                          <p:spTgt spid="4"/>
+                                        </p:tgtEl>
+                                        <p:attrNameLst>
+                                          <p:attrName>style.visibility</p:attrName>
+                                        </p:attrNameLst>
+                                      </p:cBhvr>
+                                      <p:to>
+                                        <p:strVal val="visible"/>
+                                      </p:to>
+                                    </p:set>
+                                  </p:childTnLst>
+                                </p:cTn>
+                              </p:par>
+                            </p:childTnLst>
+                          </p:cTn>
+                        </p:par>
+                      </p:childTnLst>
+                    </p:cTn>
+                  </p:par>
+                </p:childTnLst>
+              </p:cTn>
+              <p:prevCondLst>
+                <p:cond evt="onPrev" delay="0">
+                  <p:tgtEl>
+                    <p:sldTgt/>
+                  </p:tgtEl>
+                </p:cond>
+              </p:prevCondLst>
+              <p:nextCondLst>
+                <p:cond evt="onNext" delay="0">
+                  <p:tgtEl>
+                    <p:sldTgt/>
+                  </p:tgtEl>
+                </p:cond>
+              </p:nextCondLst>
+            </p:seq>
+          </p:childTnLst>
+        </p:cTn>
+      </p:par>
+    </p:tnLst>
+    <p:bldLst>
+      <p:bldP spid="3" grpId="0" build="p"/>
+      <p:bldP spid="4" grpId="0" animBg="1"/>
+    </p:bldLst>
+  </p:timing>
+</p:sld>
+</file>
+
+<file path=ppt/slides/slide18.xml><?xml version="1.0" encoding="utf-8"?>
+<p:sld xmlns:a="http://schemas.openxmlformats.org/drawingml/2006/main" xmlns:r="http://schemas.openxmlformats.org/officeDocument/2006/relationships" xmlns:p="http://schemas.openxmlformats.org/presentationml/2006/main">
+  <p:cSld>
+    <p:spTree>
+      <p:nvGrpSpPr>
+        <p:cNvPr id="1" name=""/>
+        <p:cNvGrpSpPr/>
+        <p:nvPr/>
+      </p:nvGrpSpPr>
+      <p:grpSpPr>
+        <a:xfrm>
+          <a:off x="0" y="0"/>
+          <a:ext cx="0" cy="0"/>
+          <a:chOff x="0" y="0"/>
+          <a:chExt cx="0" cy="0"/>
+        </a:xfrm>
+      </p:grpSpPr>
+      <p:sp>
+        <p:nvSpPr>
+          <p:cNvPr id="2" name="Title 1"/>
+          <p:cNvSpPr>
+            <a:spLocks noGrp="1"/>
+          </p:cNvSpPr>
+          <p:nvPr>
+            <p:ph type="title"/>
+          </p:nvPr>
+        </p:nvSpPr>
+        <p:spPr/>
+        <p:txBody>
+          <a:bodyPr/>
+          <a:lstStyle/>
+          <a:p>
+            <a:r>
+              <a:rPr lang="en-US" dirty="0"/>
+              <a:t>Managing Images</a:t>
+            </a:r>
+          </a:p>
+        </p:txBody>
+      </p:sp>
+      <p:sp>
+        <p:nvSpPr>
+          <p:cNvPr id="3" name="Text Placeholder 2"/>
+          <p:cNvSpPr>
+            <a:spLocks noGrp="1"/>
+          </p:cNvSpPr>
+          <p:nvPr>
+            <p:ph type="body" sz="quarter" idx="10"/>
+          </p:nvPr>
+        </p:nvSpPr>
+        <p:spPr>
+          <a:xfrm>
+            <a:off x="309593" y="1126724"/>
+            <a:ext cx="11887200" cy="5484812"/>
+          </a:xfrm>
+        </p:spPr>
+        <p:txBody>
+          <a:bodyPr>
+            <a:noAutofit/>
+          </a:bodyPr>
+          <a:lstStyle/>
+          <a:p>
+            <a:pPr marL="0" indent="0">
+              <a:buNone/>
+            </a:pPr>
+            <a:r>
+              <a:rPr lang="en-US" sz="4400" b="1" dirty="0">
+                <a:latin typeface="+mn-lt"/>
+              </a:rPr>
+              <a:t>hub.docker.com</a:t>
+            </a:r>
+          </a:p>
+          <a:p>
+            <a:pPr marL="0" indent="0">
+              <a:buNone/>
+            </a:pPr>
+            <a:r>
+              <a:rPr lang="en-US" sz="2800" dirty="0"/>
+              <a:t>	VERSION! VERSION! VERSION!</a:t>
+            </a:r>
+          </a:p>
+          <a:p>
+            <a:pPr marL="0" indent="0">
+              <a:buNone/>
+            </a:pPr>
+            <a:r>
+              <a:rPr lang="en-US" sz="1400" dirty="0"/>
+              <a:t> </a:t>
+            </a:r>
+            <a:endParaRPr lang="en-US" sz="2400" dirty="0"/>
+          </a:p>
+          <a:p>
+            <a:pPr marL="0" indent="0">
+              <a:buNone/>
+            </a:pPr>
+            <a:r>
+              <a:rPr lang="en-US" sz="3600" b="1" dirty="0">
+                <a:latin typeface="+mn-lt"/>
+              </a:rPr>
+              <a:t>Pulling images</a:t>
+            </a:r>
+          </a:p>
+          <a:p>
+            <a:pPr marL="0" indent="0">
+              <a:buNone/>
+            </a:pPr>
+            <a:r>
+              <a:rPr lang="en-US" sz="2800" dirty="0"/>
+              <a:t>	</a:t>
+            </a:r>
+            <a:r>
+              <a:rPr lang="en-US" sz="2800" dirty="0" err="1"/>
+              <a:t>docker</a:t>
+            </a:r>
+            <a:r>
+              <a:rPr lang="en-US" sz="2800" dirty="0"/>
+              <a:t> pull </a:t>
+            </a:r>
+            <a:r>
+              <a:rPr lang="en-US" sz="2800" i="1" dirty="0"/>
+              <a:t>&lt;image&gt;</a:t>
+            </a:r>
+          </a:p>
+          <a:p>
+            <a:pPr marL="0" indent="0">
+              <a:buNone/>
+            </a:pPr>
+            <a:r>
+              <a:rPr lang="en-US" sz="1400" i="1" dirty="0"/>
+              <a:t> </a:t>
+            </a:r>
+            <a:endParaRPr lang="en-US" sz="3200" i="1" dirty="0"/>
+          </a:p>
+          <a:p>
+            <a:pPr marL="0" indent="0">
+              <a:buNone/>
+            </a:pPr>
+            <a:r>
+              <a:rPr lang="en-US" sz="3600" b="1" dirty="0">
+                <a:latin typeface="+mn-lt"/>
+              </a:rPr>
+              <a:t>Listing our local (on host) images</a:t>
+            </a:r>
+          </a:p>
+          <a:p>
+            <a:pPr marL="0" indent="0">
+              <a:buNone/>
+            </a:pPr>
+            <a:r>
+              <a:rPr lang="en-US" sz="2800" dirty="0"/>
+              <a:t>	</a:t>
+            </a:r>
+            <a:r>
+              <a:rPr lang="en-US" sz="2800" dirty="0" err="1"/>
+              <a:t>docker</a:t>
+            </a:r>
+            <a:r>
+              <a:rPr lang="en-US" sz="2800" dirty="0"/>
+              <a:t> images</a:t>
+            </a:r>
+          </a:p>
+          <a:p>
+            <a:pPr marL="0" indent="0">
+              <a:buNone/>
+            </a:pPr>
+            <a:r>
+              <a:rPr lang="en-US" sz="1400" dirty="0"/>
+              <a:t> </a:t>
+            </a:r>
+            <a:endParaRPr lang="en-US" sz="3600" dirty="0"/>
+          </a:p>
+          <a:p>
+            <a:pPr marL="0" indent="0">
+              <a:buNone/>
+            </a:pPr>
+            <a:r>
+              <a:rPr lang="en-US" sz="3600" b="1" dirty="0">
+                <a:latin typeface="+mn-lt"/>
+              </a:rPr>
+              <a:t>Removing images</a:t>
+            </a:r>
+          </a:p>
+          <a:p>
+            <a:pPr marL="0" indent="0">
+              <a:buNone/>
+            </a:pPr>
+            <a:r>
+              <a:rPr lang="en-US" sz="2800" dirty="0"/>
+              <a:t>	</a:t>
+            </a:r>
+            <a:r>
+              <a:rPr lang="en-US" sz="2800" dirty="0" err="1"/>
+              <a:t>docker</a:t>
+            </a:r>
+            <a:r>
+              <a:rPr lang="en-US" sz="2800" dirty="0"/>
+              <a:t> </a:t>
+            </a:r>
+            <a:r>
+              <a:rPr lang="en-US" sz="2800" dirty="0" err="1"/>
+              <a:t>rm</a:t>
+            </a:r>
+            <a:r>
+              <a:rPr lang="en-US" sz="2800" dirty="0"/>
+              <a:t> </a:t>
+            </a:r>
+            <a:r>
+              <a:rPr lang="en-US" sz="2800" i="1" dirty="0"/>
+              <a:t>&lt;</a:t>
+            </a:r>
+            <a:r>
+              <a:rPr lang="en-US" sz="2800" i="1" dirty="0" err="1"/>
+              <a:t>imageId</a:t>
+            </a:r>
+            <a:r>
+              <a:rPr lang="en-US" sz="2800" i="1" dirty="0"/>
+              <a:t>&gt;</a:t>
+            </a:r>
+          </a:p>
+        </p:txBody>
+      </p:sp>
+      <p:sp>
+        <p:nvSpPr>
+          <p:cNvPr id="16" name="TextBox 15"/>
+          <p:cNvSpPr txBox="1"/>
+          <p:nvPr/>
+        </p:nvSpPr>
+        <p:spPr>
+          <a:xfrm>
+            <a:off x="10187781" y="6599958"/>
+            <a:ext cx="927323" cy="190239"/>
+          </a:xfrm>
+          <a:prstGeom prst="rect">
+            <a:avLst/>
+          </a:prstGeom>
+          <a:noFill/>
+        </p:spPr>
+        <p:txBody>
+          <a:bodyPr wrap="none" rtlCol="0">
+            <a:spAutoFit/>
+          </a:bodyPr>
+          <a:lstStyle/>
+          <a:p>
+            <a:r>
+              <a:rPr lang="en-US" sz="612" dirty="0">
+                <a:solidFill>
+                  <a:schemeClr val="bg1"/>
+                </a:solidFill>
+              </a:rPr>
+              <a:t>Content © Microsoft</a:t>
+            </a:r>
+          </a:p>
+        </p:txBody>
+      </p:sp>
+    </p:spTree>
+    <p:extLst>
+      <p:ext uri="{BB962C8B-B14F-4D97-AF65-F5344CB8AC3E}">
+        <p14:creationId xmlns:p14="http://schemas.microsoft.com/office/powerpoint/2010/main" val="2759098099"/>
       </p:ext>
     </p:extLst>
   </p:cSld>
@@ -33118,7 +33751,7 @@
                                         <p:tgtEl>
                                           <p:spTgt spid="3">
                                             <p:txEl>
-                                              <p:pRg st="2" end="2"/>
+                                              <p:pRg st="1" end="1"/>
                                             </p:txEl>
                                           </p:spTgt>
                                         </p:tgtEl>
@@ -33136,7 +33769,556 @@
                                         <p:tgtEl>
                                           <p:spTgt spid="3">
                                             <p:txEl>
+                                              <p:pRg st="1" end="1"/>
+                                            </p:txEl>
+                                          </p:spTgt>
+                                        </p:tgtEl>
+                                      </p:cBhvr>
+                                    </p:animEffect>
+                                  </p:childTnLst>
+                                </p:cTn>
+                              </p:par>
+                            </p:childTnLst>
+                          </p:cTn>
+                        </p:par>
+                      </p:childTnLst>
+                    </p:cTn>
+                  </p:par>
+                  <p:par>
+                    <p:cTn id="13" fill="hold">
+                      <p:stCondLst>
+                        <p:cond delay="indefinite"/>
+                      </p:stCondLst>
+                      <p:childTnLst>
+                        <p:par>
+                          <p:cTn id="14" fill="hold">
+                            <p:stCondLst>
+                              <p:cond delay="0"/>
+                            </p:stCondLst>
+                            <p:childTnLst>
+                              <p:par>
+                                <p:cTn id="15" presetID="10" presetClass="entr" presetSubtype="0" fill="hold" nodeType="clickEffect">
+                                  <p:stCondLst>
+                                    <p:cond delay="0"/>
+                                  </p:stCondLst>
+                                  <p:childTnLst>
+                                    <p:set>
+                                      <p:cBhvr>
+                                        <p:cTn id="16" dur="1" fill="hold">
+                                          <p:stCondLst>
+                                            <p:cond delay="0"/>
+                                          </p:stCondLst>
+                                        </p:cTn>
+                                        <p:tgtEl>
+                                          <p:spTgt spid="3">
+                                            <p:txEl>
                                               <p:pRg st="2" end="2"/>
+                                            </p:txEl>
+                                          </p:spTgt>
+                                        </p:tgtEl>
+                                        <p:attrNameLst>
+                                          <p:attrName>style.visibility</p:attrName>
+                                        </p:attrNameLst>
+                                      </p:cBhvr>
+                                      <p:to>
+                                        <p:strVal val="visible"/>
+                                      </p:to>
+                                    </p:set>
+                                    <p:animEffect transition="in" filter="fade">
+                                      <p:cBhvr>
+                                        <p:cTn id="17" dur="500"/>
+                                        <p:tgtEl>
+                                          <p:spTgt spid="3">
+                                            <p:txEl>
+                                              <p:pRg st="2" end="2"/>
+                                            </p:txEl>
+                                          </p:spTgt>
+                                        </p:tgtEl>
+                                      </p:cBhvr>
+                                    </p:animEffect>
+                                  </p:childTnLst>
+                                </p:cTn>
+                              </p:par>
+                            </p:childTnLst>
+                          </p:cTn>
+                        </p:par>
+                      </p:childTnLst>
+                    </p:cTn>
+                  </p:par>
+                  <p:par>
+                    <p:cTn id="18" fill="hold">
+                      <p:stCondLst>
+                        <p:cond delay="indefinite"/>
+                      </p:stCondLst>
+                      <p:childTnLst>
+                        <p:par>
+                          <p:cTn id="19" fill="hold">
+                            <p:stCondLst>
+                              <p:cond delay="0"/>
+                            </p:stCondLst>
+                            <p:childTnLst>
+                              <p:par>
+                                <p:cTn id="20" presetID="10" presetClass="entr" presetSubtype="0" fill="hold" nodeType="clickEffect">
+                                  <p:stCondLst>
+                                    <p:cond delay="0"/>
+                                  </p:stCondLst>
+                                  <p:childTnLst>
+                                    <p:set>
+                                      <p:cBhvr>
+                                        <p:cTn id="21" dur="1" fill="hold">
+                                          <p:stCondLst>
+                                            <p:cond delay="0"/>
+                                          </p:stCondLst>
+                                        </p:cTn>
+                                        <p:tgtEl>
+                                          <p:spTgt spid="3">
+                                            <p:txEl>
+                                              <p:pRg st="3" end="3"/>
+                                            </p:txEl>
+                                          </p:spTgt>
+                                        </p:tgtEl>
+                                        <p:attrNameLst>
+                                          <p:attrName>style.visibility</p:attrName>
+                                        </p:attrNameLst>
+                                      </p:cBhvr>
+                                      <p:to>
+                                        <p:strVal val="visible"/>
+                                      </p:to>
+                                    </p:set>
+                                    <p:animEffect transition="in" filter="fade">
+                                      <p:cBhvr>
+                                        <p:cTn id="22" dur="500"/>
+                                        <p:tgtEl>
+                                          <p:spTgt spid="3">
+                                            <p:txEl>
+                                              <p:pRg st="3" end="3"/>
+                                            </p:txEl>
+                                          </p:spTgt>
+                                        </p:tgtEl>
+                                      </p:cBhvr>
+                                    </p:animEffect>
+                                  </p:childTnLst>
+                                </p:cTn>
+                              </p:par>
+                            </p:childTnLst>
+                          </p:cTn>
+                        </p:par>
+                      </p:childTnLst>
+                    </p:cTn>
+                  </p:par>
+                  <p:par>
+                    <p:cTn id="23" fill="hold">
+                      <p:stCondLst>
+                        <p:cond delay="indefinite"/>
+                      </p:stCondLst>
+                      <p:childTnLst>
+                        <p:par>
+                          <p:cTn id="24" fill="hold">
+                            <p:stCondLst>
+                              <p:cond delay="0"/>
+                            </p:stCondLst>
+                            <p:childTnLst>
+                              <p:par>
+                                <p:cTn id="25" presetID="10" presetClass="entr" presetSubtype="0" fill="hold" nodeType="clickEffect">
+                                  <p:stCondLst>
+                                    <p:cond delay="0"/>
+                                  </p:stCondLst>
+                                  <p:childTnLst>
+                                    <p:set>
+                                      <p:cBhvr>
+                                        <p:cTn id="26" dur="1" fill="hold">
+                                          <p:stCondLst>
+                                            <p:cond delay="0"/>
+                                          </p:stCondLst>
+                                        </p:cTn>
+                                        <p:tgtEl>
+                                          <p:spTgt spid="3">
+                                            <p:txEl>
+                                              <p:pRg st="4" end="4"/>
+                                            </p:txEl>
+                                          </p:spTgt>
+                                        </p:tgtEl>
+                                        <p:attrNameLst>
+                                          <p:attrName>style.visibility</p:attrName>
+                                        </p:attrNameLst>
+                                      </p:cBhvr>
+                                      <p:to>
+                                        <p:strVal val="visible"/>
+                                      </p:to>
+                                    </p:set>
+                                    <p:animEffect transition="in" filter="fade">
+                                      <p:cBhvr>
+                                        <p:cTn id="27" dur="500"/>
+                                        <p:tgtEl>
+                                          <p:spTgt spid="3">
+                                            <p:txEl>
+                                              <p:pRg st="4" end="4"/>
+                                            </p:txEl>
+                                          </p:spTgt>
+                                        </p:tgtEl>
+                                      </p:cBhvr>
+                                    </p:animEffect>
+                                  </p:childTnLst>
+                                </p:cTn>
+                              </p:par>
+                            </p:childTnLst>
+                          </p:cTn>
+                        </p:par>
+                      </p:childTnLst>
+                    </p:cTn>
+                  </p:par>
+                  <p:par>
+                    <p:cTn id="28" fill="hold">
+                      <p:stCondLst>
+                        <p:cond delay="indefinite"/>
+                      </p:stCondLst>
+                      <p:childTnLst>
+                        <p:par>
+                          <p:cTn id="29" fill="hold">
+                            <p:stCondLst>
+                              <p:cond delay="0"/>
+                            </p:stCondLst>
+                            <p:childTnLst>
+                              <p:par>
+                                <p:cTn id="30" presetID="10" presetClass="entr" presetSubtype="0" fill="hold" nodeType="clickEffect">
+                                  <p:stCondLst>
+                                    <p:cond delay="0"/>
+                                  </p:stCondLst>
+                                  <p:childTnLst>
+                                    <p:set>
+                                      <p:cBhvr>
+                                        <p:cTn id="31" dur="1" fill="hold">
+                                          <p:stCondLst>
+                                            <p:cond delay="0"/>
+                                          </p:stCondLst>
+                                        </p:cTn>
+                                        <p:tgtEl>
+                                          <p:spTgt spid="3">
+                                            <p:txEl>
+                                              <p:pRg st="5" end="5"/>
+                                            </p:txEl>
+                                          </p:spTgt>
+                                        </p:tgtEl>
+                                        <p:attrNameLst>
+                                          <p:attrName>style.visibility</p:attrName>
+                                        </p:attrNameLst>
+                                      </p:cBhvr>
+                                      <p:to>
+                                        <p:strVal val="visible"/>
+                                      </p:to>
+                                    </p:set>
+                                    <p:animEffect transition="in" filter="fade">
+                                      <p:cBhvr>
+                                        <p:cTn id="32" dur="500"/>
+                                        <p:tgtEl>
+                                          <p:spTgt spid="3">
+                                            <p:txEl>
+                                              <p:pRg st="5" end="5"/>
+                                            </p:txEl>
+                                          </p:spTgt>
+                                        </p:tgtEl>
+                                      </p:cBhvr>
+                                    </p:animEffect>
+                                  </p:childTnLst>
+                                </p:cTn>
+                              </p:par>
+                            </p:childTnLst>
+                          </p:cTn>
+                        </p:par>
+                      </p:childTnLst>
+                    </p:cTn>
+                  </p:par>
+                  <p:par>
+                    <p:cTn id="33" fill="hold">
+                      <p:stCondLst>
+                        <p:cond delay="indefinite"/>
+                      </p:stCondLst>
+                      <p:childTnLst>
+                        <p:par>
+                          <p:cTn id="34" fill="hold">
+                            <p:stCondLst>
+                              <p:cond delay="0"/>
+                            </p:stCondLst>
+                            <p:childTnLst>
+                              <p:par>
+                                <p:cTn id="35" presetID="10" presetClass="entr" presetSubtype="0" fill="hold" nodeType="clickEffect">
+                                  <p:stCondLst>
+                                    <p:cond delay="0"/>
+                                  </p:stCondLst>
+                                  <p:childTnLst>
+                                    <p:set>
+                                      <p:cBhvr>
+                                        <p:cTn id="36" dur="1" fill="hold">
+                                          <p:stCondLst>
+                                            <p:cond delay="0"/>
+                                          </p:stCondLst>
+                                        </p:cTn>
+                                        <p:tgtEl>
+                                          <p:spTgt spid="3">
+                                            <p:txEl>
+                                              <p:pRg st="6" end="6"/>
+                                            </p:txEl>
+                                          </p:spTgt>
+                                        </p:tgtEl>
+                                        <p:attrNameLst>
+                                          <p:attrName>style.visibility</p:attrName>
+                                        </p:attrNameLst>
+                                      </p:cBhvr>
+                                      <p:to>
+                                        <p:strVal val="visible"/>
+                                      </p:to>
+                                    </p:set>
+                                    <p:animEffect transition="in" filter="fade">
+                                      <p:cBhvr>
+                                        <p:cTn id="37" dur="500"/>
+                                        <p:tgtEl>
+                                          <p:spTgt spid="3">
+                                            <p:txEl>
+                                              <p:pRg st="6" end="6"/>
+                                            </p:txEl>
+                                          </p:spTgt>
+                                        </p:tgtEl>
+                                      </p:cBhvr>
+                                    </p:animEffect>
+                                  </p:childTnLst>
+                                </p:cTn>
+                              </p:par>
+                            </p:childTnLst>
+                          </p:cTn>
+                        </p:par>
+                      </p:childTnLst>
+                    </p:cTn>
+                  </p:par>
+                  <p:par>
+                    <p:cTn id="38" fill="hold">
+                      <p:stCondLst>
+                        <p:cond delay="indefinite"/>
+                      </p:stCondLst>
+                      <p:childTnLst>
+                        <p:par>
+                          <p:cTn id="39" fill="hold">
+                            <p:stCondLst>
+                              <p:cond delay="0"/>
+                            </p:stCondLst>
+                            <p:childTnLst>
+                              <p:par>
+                                <p:cTn id="40" presetID="10" presetClass="entr" presetSubtype="0" fill="hold" nodeType="clickEffect">
+                                  <p:stCondLst>
+                                    <p:cond delay="0"/>
+                                  </p:stCondLst>
+                                  <p:childTnLst>
+                                    <p:set>
+                                      <p:cBhvr>
+                                        <p:cTn id="41" dur="1" fill="hold">
+                                          <p:stCondLst>
+                                            <p:cond delay="0"/>
+                                          </p:stCondLst>
+                                        </p:cTn>
+                                        <p:tgtEl>
+                                          <p:spTgt spid="3">
+                                            <p:txEl>
+                                              <p:pRg st="7" end="7"/>
+                                            </p:txEl>
+                                          </p:spTgt>
+                                        </p:tgtEl>
+                                        <p:attrNameLst>
+                                          <p:attrName>style.visibility</p:attrName>
+                                        </p:attrNameLst>
+                                      </p:cBhvr>
+                                      <p:to>
+                                        <p:strVal val="visible"/>
+                                      </p:to>
+                                    </p:set>
+                                    <p:animEffect transition="in" filter="fade">
+                                      <p:cBhvr>
+                                        <p:cTn id="42" dur="500"/>
+                                        <p:tgtEl>
+                                          <p:spTgt spid="3">
+                                            <p:txEl>
+                                              <p:pRg st="7" end="7"/>
+                                            </p:txEl>
+                                          </p:spTgt>
+                                        </p:tgtEl>
+                                      </p:cBhvr>
+                                    </p:animEffect>
+                                  </p:childTnLst>
+                                </p:cTn>
+                              </p:par>
+                            </p:childTnLst>
+                          </p:cTn>
+                        </p:par>
+                      </p:childTnLst>
+                    </p:cTn>
+                  </p:par>
+                  <p:par>
+                    <p:cTn id="43" fill="hold">
+                      <p:stCondLst>
+                        <p:cond delay="indefinite"/>
+                      </p:stCondLst>
+                      <p:childTnLst>
+                        <p:par>
+                          <p:cTn id="44" fill="hold">
+                            <p:stCondLst>
+                              <p:cond delay="0"/>
+                            </p:stCondLst>
+                            <p:childTnLst>
+                              <p:par>
+                                <p:cTn id="45" presetID="10" presetClass="entr" presetSubtype="0" fill="hold" nodeType="clickEffect">
+                                  <p:stCondLst>
+                                    <p:cond delay="0"/>
+                                  </p:stCondLst>
+                                  <p:childTnLst>
+                                    <p:set>
+                                      <p:cBhvr>
+                                        <p:cTn id="46" dur="1" fill="hold">
+                                          <p:stCondLst>
+                                            <p:cond delay="0"/>
+                                          </p:stCondLst>
+                                        </p:cTn>
+                                        <p:tgtEl>
+                                          <p:spTgt spid="3">
+                                            <p:txEl>
+                                              <p:pRg st="8" end="8"/>
+                                            </p:txEl>
+                                          </p:spTgt>
+                                        </p:tgtEl>
+                                        <p:attrNameLst>
+                                          <p:attrName>style.visibility</p:attrName>
+                                        </p:attrNameLst>
+                                      </p:cBhvr>
+                                      <p:to>
+                                        <p:strVal val="visible"/>
+                                      </p:to>
+                                    </p:set>
+                                    <p:animEffect transition="in" filter="fade">
+                                      <p:cBhvr>
+                                        <p:cTn id="47" dur="500"/>
+                                        <p:tgtEl>
+                                          <p:spTgt spid="3">
+                                            <p:txEl>
+                                              <p:pRg st="8" end="8"/>
+                                            </p:txEl>
+                                          </p:spTgt>
+                                        </p:tgtEl>
+                                      </p:cBhvr>
+                                    </p:animEffect>
+                                  </p:childTnLst>
+                                </p:cTn>
+                              </p:par>
+                            </p:childTnLst>
+                          </p:cTn>
+                        </p:par>
+                      </p:childTnLst>
+                    </p:cTn>
+                  </p:par>
+                  <p:par>
+                    <p:cTn id="48" fill="hold">
+                      <p:stCondLst>
+                        <p:cond delay="indefinite"/>
+                      </p:stCondLst>
+                      <p:childTnLst>
+                        <p:par>
+                          <p:cTn id="49" fill="hold">
+                            <p:stCondLst>
+                              <p:cond delay="0"/>
+                            </p:stCondLst>
+                            <p:childTnLst>
+                              <p:par>
+                                <p:cTn id="50" presetID="10" presetClass="entr" presetSubtype="0" fill="hold" nodeType="clickEffect">
+                                  <p:stCondLst>
+                                    <p:cond delay="0"/>
+                                  </p:stCondLst>
+                                  <p:childTnLst>
+                                    <p:set>
+                                      <p:cBhvr>
+                                        <p:cTn id="51" dur="1" fill="hold">
+                                          <p:stCondLst>
+                                            <p:cond delay="0"/>
+                                          </p:stCondLst>
+                                        </p:cTn>
+                                        <p:tgtEl>
+                                          <p:spTgt spid="3">
+                                            <p:txEl>
+                                              <p:pRg st="9" end="9"/>
+                                            </p:txEl>
+                                          </p:spTgt>
+                                        </p:tgtEl>
+                                        <p:attrNameLst>
+                                          <p:attrName>style.visibility</p:attrName>
+                                        </p:attrNameLst>
+                                      </p:cBhvr>
+                                      <p:to>
+                                        <p:strVal val="visible"/>
+                                      </p:to>
+                                    </p:set>
+                                    <p:animEffect transition="in" filter="fade">
+                                      <p:cBhvr>
+                                        <p:cTn id="52" dur="500"/>
+                                        <p:tgtEl>
+                                          <p:spTgt spid="3">
+                                            <p:txEl>
+                                              <p:pRg st="9" end="9"/>
+                                            </p:txEl>
+                                          </p:spTgt>
+                                        </p:tgtEl>
+                                      </p:cBhvr>
+                                    </p:animEffect>
+                                  </p:childTnLst>
+                                </p:cTn>
+                              </p:par>
+                            </p:childTnLst>
+                          </p:cTn>
+                        </p:par>
+                      </p:childTnLst>
+                    </p:cTn>
+                  </p:par>
+                  <p:par>
+                    <p:cTn id="53" fill="hold">
+                      <p:stCondLst>
+                        <p:cond delay="indefinite"/>
+                      </p:stCondLst>
+                      <p:childTnLst>
+                        <p:par>
+                          <p:cTn id="54" fill="hold">
+                            <p:stCondLst>
+                              <p:cond delay="0"/>
+                            </p:stCondLst>
+                            <p:childTnLst>
+                              <p:par>
+                                <p:cTn id="55" presetID="10" presetClass="entr" presetSubtype="0" fill="hold" nodeType="clickEffect">
+                                  <p:stCondLst>
+                                    <p:cond delay="0"/>
+                                  </p:stCondLst>
+                                  <p:childTnLst>
+                                    <p:set>
+                                      <p:cBhvr>
+                                        <p:cTn id="56" dur="1" fill="hold">
+                                          <p:stCondLst>
+                                            <p:cond delay="0"/>
+                                          </p:stCondLst>
+                                        </p:cTn>
+                                        <p:tgtEl>
+                                          <p:spTgt spid="3">
+                                            <p:txEl>
+                                              <p:pRg st="10" end="10"/>
+                                            </p:txEl>
+                                          </p:spTgt>
+                                        </p:tgtEl>
+                                        <p:attrNameLst>
+                                          <p:attrName>style.visibility</p:attrName>
+                                        </p:attrNameLst>
+                                      </p:cBhvr>
+                                      <p:to>
+                                        <p:strVal val="visible"/>
+                                      </p:to>
+                                    </p:set>
+                                    <p:animEffect transition="in" filter="fade">
+                                      <p:cBhvr>
+                                        <p:cTn id="57" dur="500"/>
+                                        <p:tgtEl>
+                                          <p:spTgt spid="3">
+                                            <p:txEl>
+                                              <p:pRg st="10" end="10"/>
                                             </p:txEl>
                                           </p:spTgt>
                                         </p:tgtEl>
@@ -33176,7 +34358,7 @@
 </p:sld>
 </file>
 
-<file path=ppt/slides/slide18.xml><?xml version="1.0" encoding="utf-8"?>
+<file path=ppt/slides/slide19.xml><?xml version="1.0" encoding="utf-8"?>
 <p:sld xmlns:a="http://schemas.openxmlformats.org/drawingml/2006/main" xmlns:r="http://schemas.openxmlformats.org/officeDocument/2006/relationships" xmlns:p="http://schemas.openxmlformats.org/presentationml/2006/main">
   <p:cSld>
     <p:spTree>
@@ -33210,7 +34392,7 @@
           <a:p>
             <a:r>
               <a:rPr lang="en-US" dirty="0"/>
-              <a:t>Managing Images</a:t>
+              <a:t>Running our first Container/Image</a:t>
             </a:r>
           </a:p>
         </p:txBody>
@@ -33222,170 +34404,123 @@
             <a:spLocks noGrp="1"/>
           </p:cNvSpPr>
           <p:nvPr>
-            <p:ph type="body" sz="quarter" idx="4294967295"/>
+            <p:ph type="body" sz="quarter" idx="10"/>
           </p:nvPr>
         </p:nvSpPr>
         <p:spPr>
           <a:xfrm>
-            <a:off x="309593" y="1212849"/>
-            <a:ext cx="11887200" cy="5713872"/>
+            <a:off x="274638" y="1212850"/>
+            <a:ext cx="11887200" cy="5484812"/>
           </a:xfrm>
         </p:spPr>
         <p:txBody>
           <a:bodyPr>
-            <a:normAutofit lnSpcReduction="10000"/>
+            <a:normAutofit fontScale="85000" lnSpcReduction="20000"/>
           </a:bodyPr>
           <a:lstStyle/>
           <a:p>
-            <a:pPr marL="0" indent="0">
-              <a:buNone/>
-            </a:pPr>
-            <a:r>
-              <a:rPr lang="en-US" b="1" dirty="0">
+            <a:r>
+              <a:rPr lang="en-US" sz="4800" b="1" dirty="0">
                 <a:latin typeface="+mn-lt"/>
               </a:rPr>
-              <a:t>hub.docker.com</a:t>
-            </a:r>
-          </a:p>
-          <a:p>
-            <a:pPr marL="0" indent="0">
-              <a:buNone/>
-            </a:pPr>
-            <a:r>
-              <a:rPr lang="en-US" sz="3200" dirty="0"/>
+              <a:t>Create a container from an images</a:t>
+            </a:r>
+            <a:endParaRPr lang="en-US" sz="7200" b="1" dirty="0"/>
+          </a:p>
+          <a:p>
+            <a:r>
+              <a:rPr lang="en-US" sz="3300" dirty="0"/>
               <a:t>	</a:t>
             </a:r>
             <a:r>
-              <a:rPr lang="en-US" sz="2800" dirty="0"/>
-              <a:t>VERSION! VERSION! VERSION!</a:t>
-            </a:r>
-          </a:p>
-          <a:p>
-            <a:pPr marL="0" indent="0">
-              <a:buNone/>
-            </a:pPr>
-            <a:endParaRPr lang="en-US" sz="3200" dirty="0"/>
-          </a:p>
-          <a:p>
-            <a:pPr marL="0" indent="0">
-              <a:buNone/>
-            </a:pPr>
-            <a:r>
-              <a:rPr lang="en-US" sz="3200" b="1" dirty="0">
+              <a:rPr lang="en-US" sz="3300" dirty="0" err="1"/>
+              <a:t>docker</a:t>
+            </a:r>
+            <a:r>
+              <a:rPr lang="en-US" sz="3300" dirty="0"/>
+              <a:t> run &lt;image&gt;</a:t>
+            </a:r>
+          </a:p>
+          <a:p>
+            <a:endParaRPr lang="en-US" sz="2448" dirty="0"/>
+          </a:p>
+          <a:p>
+            <a:r>
+              <a:rPr lang="en-US" sz="4800" b="1" dirty="0">
                 <a:latin typeface="+mn-lt"/>
               </a:rPr>
-              <a:t>Pulling images</a:t>
-            </a:r>
-          </a:p>
-          <a:p>
-            <a:pPr marL="0" indent="0">
-              <a:buNone/>
-            </a:pPr>
-            <a:r>
-              <a:rPr lang="en-US" sz="3200" dirty="0"/>
-              <a:t>	</a:t>
-            </a:r>
-            <a:r>
-              <a:rPr lang="en-US" sz="3200" dirty="0" err="1"/>
-              <a:t>docker</a:t>
-            </a:r>
-            <a:r>
-              <a:rPr lang="en-US" sz="3200" dirty="0"/>
-              <a:t> pull </a:t>
-            </a:r>
-            <a:r>
-              <a:rPr lang="en-US" sz="3200" i="1" dirty="0"/>
-              <a:t>&lt;image&gt;</a:t>
-            </a:r>
-          </a:p>
-          <a:p>
-            <a:pPr marL="0" indent="0">
-              <a:buNone/>
-            </a:pPr>
-            <a:endParaRPr lang="en-US" sz="3200" dirty="0"/>
-          </a:p>
-          <a:p>
-            <a:pPr marL="0" indent="0">
-              <a:buNone/>
-            </a:pPr>
-            <a:r>
-              <a:rPr lang="en-US" sz="3200" b="1" dirty="0">
+              <a:t>Run an existing container</a:t>
+            </a:r>
+            <a:endParaRPr lang="en-US" sz="9600" b="1" dirty="0"/>
+          </a:p>
+          <a:p>
+            <a:r>
+              <a:rPr lang="en-US" sz="3300" dirty="0"/>
+              <a:t>	Docker start (-</a:t>
+            </a:r>
+            <a:r>
+              <a:rPr lang="en-US" sz="3300" dirty="0" err="1"/>
+              <a:t>ia</a:t>
+            </a:r>
+            <a:r>
+              <a:rPr lang="en-US" sz="3300" dirty="0"/>
+              <a:t> for interactive sessions, -a just for output)</a:t>
+            </a:r>
+          </a:p>
+          <a:p>
+            <a:endParaRPr lang="en-US" sz="2448" dirty="0"/>
+          </a:p>
+          <a:p>
+            <a:endParaRPr lang="en-US" sz="2448" dirty="0"/>
+          </a:p>
+          <a:p>
+            <a:r>
+              <a:rPr lang="en-US" sz="4800" b="1" dirty="0">
                 <a:latin typeface="+mn-lt"/>
               </a:rPr>
-              <a:t>Listing our local (on host) images</a:t>
-            </a:r>
-          </a:p>
-          <a:p>
-            <a:pPr marL="0" indent="0">
-              <a:buNone/>
-            </a:pPr>
-            <a:r>
-              <a:rPr lang="en-US" sz="3200" dirty="0"/>
+              <a:t>Stop a running container</a:t>
+            </a:r>
+            <a:endParaRPr lang="en-US" sz="11500" b="1" dirty="0"/>
+          </a:p>
+          <a:p>
+            <a:r>
+              <a:rPr lang="en-US" sz="3300" dirty="0"/>
               <a:t>	</a:t>
             </a:r>
             <a:r>
-              <a:rPr lang="en-US" sz="3200" dirty="0" err="1"/>
+              <a:rPr lang="en-US" sz="3300" dirty="0" err="1"/>
               <a:t>docker</a:t>
             </a:r>
             <a:r>
-              <a:rPr lang="en-US" sz="3200" dirty="0"/>
-              <a:t> images</a:t>
-            </a:r>
-          </a:p>
-          <a:p>
-            <a:pPr marL="0" indent="0">
-              <a:buNone/>
-            </a:pPr>
-            <a:endParaRPr lang="en-US" sz="3200" dirty="0"/>
-          </a:p>
-          <a:p>
-            <a:pPr marL="0" indent="0">
-              <a:buNone/>
-            </a:pPr>
-            <a:r>
-              <a:rPr lang="en-US" sz="3200" b="1" dirty="0">
+              <a:rPr lang="en-US" sz="3300" dirty="0"/>
+              <a:t> stop </a:t>
+            </a:r>
+          </a:p>
+          <a:p>
+            <a:endParaRPr lang="en-US" sz="2448" dirty="0"/>
+          </a:p>
+          <a:p>
+            <a:r>
+              <a:rPr lang="en-US" sz="5200" b="1" dirty="0">
                 <a:latin typeface="+mn-lt"/>
               </a:rPr>
-              <a:t>Removing images</a:t>
-            </a:r>
-          </a:p>
-          <a:p>
-            <a:pPr marL="0" indent="0">
-              <a:buNone/>
-            </a:pPr>
-            <a:r>
-              <a:rPr lang="en-US" sz="3200" dirty="0"/>
+              <a:t>Attach to an existing, running container</a:t>
+            </a:r>
+            <a:endParaRPr lang="en-US" sz="12500" b="1" dirty="0"/>
+          </a:p>
+          <a:p>
+            <a:r>
+              <a:rPr lang="en-US" sz="3300" dirty="0"/>
               <a:t>	</a:t>
             </a:r>
             <a:r>
-              <a:rPr lang="en-US" sz="3200" dirty="0" err="1"/>
+              <a:rPr lang="en-US" sz="3300" dirty="0" err="1"/>
               <a:t>docker</a:t>
             </a:r>
             <a:r>
-              <a:rPr lang="en-US" sz="3200" dirty="0"/>
-              <a:t> </a:t>
-            </a:r>
-            <a:r>
-              <a:rPr lang="en-US" sz="3200" dirty="0" err="1"/>
-              <a:t>rm</a:t>
-            </a:r>
-            <a:r>
-              <a:rPr lang="en-US" sz="3200" dirty="0"/>
-              <a:t> </a:t>
-            </a:r>
-            <a:r>
-              <a:rPr lang="en-US" sz="3200" i="1" dirty="0"/>
-              <a:t>&lt;</a:t>
-            </a:r>
-            <a:r>
-              <a:rPr lang="en-US" sz="3200" i="1" dirty="0" err="1"/>
-              <a:t>imageId</a:t>
-            </a:r>
-            <a:r>
-              <a:rPr lang="en-US" sz="3200" i="1" dirty="0"/>
-              <a:t>&gt;</a:t>
-            </a:r>
-            <a:endParaRPr lang="en-US" sz="2448" i="1" dirty="0"/>
+              <a:rPr lang="en-US" sz="3300" dirty="0"/>
+              <a:t> attach (use crtl-0 + crtl-1 to detach)</a:t>
+            </a:r>
           </a:p>
         </p:txBody>
       </p:sp>
@@ -33425,7 +34560,7 @@
     </p:spTree>
     <p:extLst>
       <p:ext uri="{BB962C8B-B14F-4D97-AF65-F5344CB8AC3E}">
-        <p14:creationId xmlns:p14="http://schemas.microsoft.com/office/powerpoint/2010/main" val="2759098099"/>
+        <p14:creationId xmlns:p14="http://schemas.microsoft.com/office/powerpoint/2010/main" val="895880987"/>
       </p:ext>
     </p:extLst>
   </p:cSld>
@@ -33715,7 +34850,7 @@
                                         <p:tgtEl>
                                           <p:spTgt spid="3">
                                             <p:txEl>
-                                              <p:pRg st="6" end="6"/>
+                                              <p:pRg st="7" end="7"/>
                                             </p:txEl>
                                           </p:spTgt>
                                         </p:tgtEl>
@@ -33733,7 +34868,7 @@
                                         <p:tgtEl>
                                           <p:spTgt spid="3">
                                             <p:txEl>
-                                              <p:pRg st="6" end="6"/>
+                                              <p:pRg st="7" end="7"/>
                                             </p:txEl>
                                           </p:spTgt>
                                         </p:tgtEl>
@@ -33776,7 +34911,7 @@
                                         <p:tgtEl>
                                           <p:spTgt spid="3">
                                             <p:txEl>
-                                              <p:pRg st="7" end="7"/>
+                                              <p:pRg st="8" end="8"/>
                                             </p:txEl>
                                           </p:spTgt>
                                         </p:tgtEl>
@@ -33794,7 +34929,7 @@
                                         <p:tgtEl>
                                           <p:spTgt spid="3">
                                             <p:txEl>
-                                              <p:pRg st="7" end="7"/>
+                                              <p:pRg st="8" end="8"/>
                                             </p:txEl>
                                           </p:spTgt>
                                         </p:tgtEl>
@@ -33837,7 +34972,7 @@
                                         <p:tgtEl>
                                           <p:spTgt spid="3">
                                             <p:txEl>
-                                              <p:pRg st="9" end="9"/>
+                                              <p:pRg st="10" end="10"/>
                                             </p:txEl>
                                           </p:spTgt>
                                         </p:tgtEl>
@@ -33855,7 +34990,7 @@
                                         <p:tgtEl>
                                           <p:spTgt spid="3">
                                             <p:txEl>
-                                              <p:pRg st="9" end="9"/>
+                                              <p:pRg st="10" end="10"/>
                                             </p:txEl>
                                           </p:spTgt>
                                         </p:tgtEl>
@@ -33898,7 +35033,7 @@
                                         <p:tgtEl>
                                           <p:spTgt spid="3">
                                             <p:txEl>
-                                              <p:pRg st="10" end="10"/>
+                                              <p:pRg st="11" end="11"/>
                                             </p:txEl>
                                           </p:spTgt>
                                         </p:tgtEl>
@@ -33916,503 +35051,7 @@
                                         <p:tgtEl>
                                           <p:spTgt spid="3">
                                             <p:txEl>
-                                              <p:pRg st="10" end="10"/>
-                                            </p:txEl>
-                                          </p:spTgt>
-                                        </p:tgtEl>
-                                      </p:cBhvr>
-                                    </p:animEffect>
-                                  </p:childTnLst>
-                                </p:cTn>
-                              </p:par>
-                            </p:childTnLst>
-                          </p:cTn>
-                        </p:par>
-                      </p:childTnLst>
-                    </p:cTn>
-                  </p:par>
-                </p:childTnLst>
-              </p:cTn>
-              <p:prevCondLst>
-                <p:cond evt="onPrev" delay="0">
-                  <p:tgtEl>
-                    <p:sldTgt/>
-                  </p:tgtEl>
-                </p:cond>
-              </p:prevCondLst>
-              <p:nextCondLst>
-                <p:cond evt="onNext" delay="0">
-                  <p:tgtEl>
-                    <p:sldTgt/>
-                  </p:tgtEl>
-                </p:cond>
-              </p:nextCondLst>
-            </p:seq>
-          </p:childTnLst>
-        </p:cTn>
-      </p:par>
-    </p:tnLst>
-  </p:timing>
-</p:sld>
-</file>
-
-<file path=ppt/slides/slide19.xml><?xml version="1.0" encoding="utf-8"?>
-<p:sld xmlns:a="http://schemas.openxmlformats.org/drawingml/2006/main" xmlns:r="http://schemas.openxmlformats.org/officeDocument/2006/relationships" xmlns:p="http://schemas.openxmlformats.org/presentationml/2006/main">
-  <p:cSld>
-    <p:spTree>
-      <p:nvGrpSpPr>
-        <p:cNvPr id="1" name=""/>
-        <p:cNvGrpSpPr/>
-        <p:nvPr/>
-      </p:nvGrpSpPr>
-      <p:grpSpPr>
-        <a:xfrm>
-          <a:off x="0" y="0"/>
-          <a:ext cx="0" cy="0"/>
-          <a:chOff x="0" y="0"/>
-          <a:chExt cx="0" cy="0"/>
-        </a:xfrm>
-      </p:grpSpPr>
-      <p:sp>
-        <p:nvSpPr>
-          <p:cNvPr id="2" name="Title 1"/>
-          <p:cNvSpPr>
-            <a:spLocks noGrp="1"/>
-          </p:cNvSpPr>
-          <p:nvPr>
-            <p:ph type="title"/>
-          </p:nvPr>
-        </p:nvSpPr>
-        <p:spPr/>
-        <p:txBody>
-          <a:bodyPr/>
-          <a:lstStyle/>
-          <a:p>
-            <a:r>
-              <a:rPr lang="en-US" dirty="0"/>
-              <a:t>Running our first Container/Image</a:t>
-            </a:r>
-          </a:p>
-        </p:txBody>
-      </p:sp>
-      <p:sp>
-        <p:nvSpPr>
-          <p:cNvPr id="3" name="Text Placeholder 2"/>
-          <p:cNvSpPr>
-            <a:spLocks noGrp="1"/>
-          </p:cNvSpPr>
-          <p:nvPr>
-            <p:ph type="body" sz="quarter" idx="4294967295"/>
-          </p:nvPr>
-        </p:nvSpPr>
-        <p:spPr>
-          <a:xfrm>
-            <a:off x="549275" y="1076325"/>
-            <a:ext cx="11887200" cy="5345113"/>
-          </a:xfrm>
-        </p:spPr>
-        <p:txBody>
-          <a:bodyPr>
-            <a:normAutofit/>
-          </a:bodyPr>
-          <a:lstStyle/>
-          <a:p>
-            <a:r>
-              <a:rPr lang="en-US" sz="2448" dirty="0"/>
-              <a:t>Docker run (creates a container instance from an image)</a:t>
-            </a:r>
-          </a:p>
-          <a:p>
-            <a:endParaRPr lang="en-US" sz="2448" dirty="0"/>
-          </a:p>
-          <a:p>
-            <a:r>
-              <a:rPr lang="en-US" sz="2448" dirty="0"/>
-              <a:t>Docker start (-</a:t>
-            </a:r>
-            <a:r>
-              <a:rPr lang="en-US" sz="2448" dirty="0" err="1"/>
-              <a:t>ia</a:t>
-            </a:r>
-            <a:r>
-              <a:rPr lang="en-US" sz="2448" dirty="0"/>
-              <a:t> for interactive sessions, -a just for output)</a:t>
-            </a:r>
-          </a:p>
-          <a:p>
-            <a:endParaRPr lang="en-US" sz="2448" dirty="0"/>
-          </a:p>
-          <a:p>
-            <a:r>
-              <a:rPr lang="en-US" sz="2448" dirty="0"/>
-              <a:t>Docker stop </a:t>
-            </a:r>
-          </a:p>
-          <a:p>
-            <a:endParaRPr lang="en-US" sz="2448" dirty="0"/>
-          </a:p>
-          <a:p>
-            <a:r>
-              <a:rPr lang="en-US" sz="2448" dirty="0"/>
-              <a:t>Docker attach</a:t>
-            </a:r>
-          </a:p>
-          <a:p>
-            <a:endParaRPr lang="en-US" sz="2448" dirty="0"/>
-          </a:p>
-          <a:p>
-            <a:r>
-              <a:rPr lang="en-US" sz="2448" dirty="0"/>
-              <a:t>crtl-0 + crtl-1</a:t>
-            </a:r>
-          </a:p>
-        </p:txBody>
-      </p:sp>
-      <p:sp>
-        <p:nvSpPr>
-          <p:cNvPr id="16" name="TextBox 15"/>
-          <p:cNvSpPr txBox="1"/>
-          <p:nvPr/>
-        </p:nvSpPr>
-        <p:spPr>
-          <a:xfrm>
-            <a:off x="10187781" y="6599958"/>
-            <a:ext cx="927323" cy="190239"/>
-          </a:xfrm>
-          <a:prstGeom prst="rect">
-            <a:avLst/>
-          </a:prstGeom>
-          <a:noFill/>
-        </p:spPr>
-        <p:txBody>
-          <a:bodyPr wrap="none" rtlCol="0">
-            <a:spAutoFit/>
-          </a:bodyPr>
-          <a:lstStyle/>
-          <a:p>
-            <a:r>
-              <a:rPr lang="en-US" sz="612" dirty="0">
-                <a:solidFill>
-                  <a:schemeClr val="bg1"/>
-                </a:solidFill>
-              </a:rPr>
-              <a:t>Content © Microsoft</a:t>
-            </a:r>
-          </a:p>
-        </p:txBody>
-      </p:sp>
-    </p:spTree>
-    <p:extLst>
-      <p:ext uri="{BB962C8B-B14F-4D97-AF65-F5344CB8AC3E}">
-        <p14:creationId xmlns:p14="http://schemas.microsoft.com/office/powerpoint/2010/main" val="895880987"/>
-      </p:ext>
-    </p:extLst>
-  </p:cSld>
-  <p:clrMapOvr>
-    <a:masterClrMapping/>
-  </p:clrMapOvr>
-  <p:transition>
-    <p:fade/>
-  </p:transition>
-  <p:timing>
-    <p:tnLst>
-      <p:par>
-        <p:cTn id="1" dur="indefinite" restart="never" nodeType="tmRoot">
-          <p:childTnLst>
-            <p:seq concurrent="1" nextAc="seek">
-              <p:cTn id="2" dur="indefinite" nodeType="mainSeq">
-                <p:childTnLst>
-                  <p:par>
-                    <p:cTn id="3" fill="hold">
-                      <p:stCondLst>
-                        <p:cond delay="indefinite"/>
-                      </p:stCondLst>
-                      <p:childTnLst>
-                        <p:par>
-                          <p:cTn id="4" fill="hold">
-                            <p:stCondLst>
-                              <p:cond delay="0"/>
-                            </p:stCondLst>
-                            <p:childTnLst>
-                              <p:par>
-                                <p:cTn id="5" presetID="10" presetClass="entr" presetSubtype="0" fill="hold" nodeType="clickEffect">
-                                  <p:stCondLst>
-                                    <p:cond delay="0"/>
-                                  </p:stCondLst>
-                                  <p:childTnLst>
-                                    <p:set>
-                                      <p:cBhvr>
-                                        <p:cTn id="6" dur="1" fill="hold">
-                                          <p:stCondLst>
-                                            <p:cond delay="0"/>
-                                          </p:stCondLst>
-                                        </p:cTn>
-                                        <p:tgtEl>
-                                          <p:spTgt spid="3">
-                                            <p:txEl>
-                                              <p:pRg st="0" end="0"/>
-                                            </p:txEl>
-                                          </p:spTgt>
-                                        </p:tgtEl>
-                                        <p:attrNameLst>
-                                          <p:attrName>style.visibility</p:attrName>
-                                        </p:attrNameLst>
-                                      </p:cBhvr>
-                                      <p:to>
-                                        <p:strVal val="visible"/>
-                                      </p:to>
-                                    </p:set>
-                                    <p:animEffect transition="in" filter="fade">
-                                      <p:cBhvr>
-                                        <p:cTn id="7" dur="500"/>
-                                        <p:tgtEl>
-                                          <p:spTgt spid="3">
-                                            <p:txEl>
-                                              <p:pRg st="0" end="0"/>
-                                            </p:txEl>
-                                          </p:spTgt>
-                                        </p:tgtEl>
-                                      </p:cBhvr>
-                                    </p:animEffect>
-                                  </p:childTnLst>
-                                </p:cTn>
-                              </p:par>
-                            </p:childTnLst>
-                          </p:cTn>
-                        </p:par>
-                      </p:childTnLst>
-                    </p:cTn>
-                  </p:par>
-                  <p:par>
-                    <p:cTn id="8" fill="hold">
-                      <p:stCondLst>
-                        <p:cond delay="indefinite"/>
-                      </p:stCondLst>
-                      <p:childTnLst>
-                        <p:par>
-                          <p:cTn id="9" fill="hold">
-                            <p:stCondLst>
-                              <p:cond delay="0"/>
-                            </p:stCondLst>
-                            <p:childTnLst>
-                              <p:par>
-                                <p:cTn id="10" presetID="10" presetClass="entr" presetSubtype="0" fill="hold" nodeType="clickEffect">
-                                  <p:stCondLst>
-                                    <p:cond delay="0"/>
-                                  </p:stCondLst>
-                                  <p:childTnLst>
-                                    <p:set>
-                                      <p:cBhvr>
-                                        <p:cTn id="11" dur="1" fill="hold">
-                                          <p:stCondLst>
-                                            <p:cond delay="0"/>
-                                          </p:stCondLst>
-                                        </p:cTn>
-                                        <p:tgtEl>
-                                          <p:spTgt spid="3">
-                                            <p:txEl>
-                                              <p:pRg st="2" end="2"/>
-                                            </p:txEl>
-                                          </p:spTgt>
-                                        </p:tgtEl>
-                                        <p:attrNameLst>
-                                          <p:attrName>style.visibility</p:attrName>
-                                        </p:attrNameLst>
-                                      </p:cBhvr>
-                                      <p:to>
-                                        <p:strVal val="visible"/>
-                                      </p:to>
-                                    </p:set>
-                                    <p:animEffect transition="in" filter="fade">
-                                      <p:cBhvr>
-                                        <p:cTn id="12" dur="500"/>
-                                        <p:tgtEl>
-                                          <p:spTgt spid="3">
-                                            <p:txEl>
-                                              <p:pRg st="2" end="2"/>
-                                            </p:txEl>
-                                          </p:spTgt>
-                                        </p:tgtEl>
-                                      </p:cBhvr>
-                                    </p:animEffect>
-                                  </p:childTnLst>
-                                </p:cTn>
-                              </p:par>
-                            </p:childTnLst>
-                          </p:cTn>
-                        </p:par>
-                      </p:childTnLst>
-                    </p:cTn>
-                  </p:par>
-                  <p:par>
-                    <p:cTn id="13" fill="hold">
-                      <p:stCondLst>
-                        <p:cond delay="indefinite"/>
-                      </p:stCondLst>
-                      <p:childTnLst>
-                        <p:par>
-                          <p:cTn id="14" fill="hold">
-                            <p:stCondLst>
-                              <p:cond delay="0"/>
-                            </p:stCondLst>
-                            <p:childTnLst>
-                              <p:par>
-                                <p:cTn id="15" presetID="10" presetClass="entr" presetSubtype="0" fill="hold" nodeType="clickEffect">
-                                  <p:stCondLst>
-                                    <p:cond delay="0"/>
-                                  </p:stCondLst>
-                                  <p:childTnLst>
-                                    <p:set>
-                                      <p:cBhvr>
-                                        <p:cTn id="16" dur="1" fill="hold">
-                                          <p:stCondLst>
-                                            <p:cond delay="0"/>
-                                          </p:stCondLst>
-                                        </p:cTn>
-                                        <p:tgtEl>
-                                          <p:spTgt spid="3">
-                                            <p:txEl>
-                                              <p:pRg st="4" end="4"/>
-                                            </p:txEl>
-                                          </p:spTgt>
-                                        </p:tgtEl>
-                                        <p:attrNameLst>
-                                          <p:attrName>style.visibility</p:attrName>
-                                        </p:attrNameLst>
-                                      </p:cBhvr>
-                                      <p:to>
-                                        <p:strVal val="visible"/>
-                                      </p:to>
-                                    </p:set>
-                                    <p:animEffect transition="in" filter="fade">
-                                      <p:cBhvr>
-                                        <p:cTn id="17" dur="500"/>
-                                        <p:tgtEl>
-                                          <p:spTgt spid="3">
-                                            <p:txEl>
-                                              <p:pRg st="4" end="4"/>
-                                            </p:txEl>
-                                          </p:spTgt>
-                                        </p:tgtEl>
-                                      </p:cBhvr>
-                                    </p:animEffect>
-                                  </p:childTnLst>
-                                </p:cTn>
-                              </p:par>
-                            </p:childTnLst>
-                          </p:cTn>
-                        </p:par>
-                      </p:childTnLst>
-                    </p:cTn>
-                  </p:par>
-                  <p:par>
-                    <p:cTn id="18" fill="hold">
-                      <p:stCondLst>
-                        <p:cond delay="indefinite"/>
-                      </p:stCondLst>
-                      <p:childTnLst>
-                        <p:par>
-                          <p:cTn id="19" fill="hold">
-                            <p:stCondLst>
-                              <p:cond delay="0"/>
-                            </p:stCondLst>
-                            <p:childTnLst>
-                              <p:par>
-                                <p:cTn id="20" presetID="10" presetClass="entr" presetSubtype="0" fill="hold" nodeType="clickEffect">
-                                  <p:stCondLst>
-                                    <p:cond delay="0"/>
-                                  </p:stCondLst>
-                                  <p:childTnLst>
-                                    <p:set>
-                                      <p:cBhvr>
-                                        <p:cTn id="21" dur="1" fill="hold">
-                                          <p:stCondLst>
-                                            <p:cond delay="0"/>
-                                          </p:stCondLst>
-                                        </p:cTn>
-                                        <p:tgtEl>
-                                          <p:spTgt spid="3">
-                                            <p:txEl>
-                                              <p:pRg st="6" end="6"/>
-                                            </p:txEl>
-                                          </p:spTgt>
-                                        </p:tgtEl>
-                                        <p:attrNameLst>
-                                          <p:attrName>style.visibility</p:attrName>
-                                        </p:attrNameLst>
-                                      </p:cBhvr>
-                                      <p:to>
-                                        <p:strVal val="visible"/>
-                                      </p:to>
-                                    </p:set>
-                                    <p:animEffect transition="in" filter="fade">
-                                      <p:cBhvr>
-                                        <p:cTn id="22" dur="500"/>
-                                        <p:tgtEl>
-                                          <p:spTgt spid="3">
-                                            <p:txEl>
-                                              <p:pRg st="6" end="6"/>
-                                            </p:txEl>
-                                          </p:spTgt>
-                                        </p:tgtEl>
-                                      </p:cBhvr>
-                                    </p:animEffect>
-                                  </p:childTnLst>
-                                </p:cTn>
-                              </p:par>
-                            </p:childTnLst>
-                          </p:cTn>
-                        </p:par>
-                      </p:childTnLst>
-                    </p:cTn>
-                  </p:par>
-                  <p:par>
-                    <p:cTn id="23" fill="hold">
-                      <p:stCondLst>
-                        <p:cond delay="indefinite"/>
-                      </p:stCondLst>
-                      <p:childTnLst>
-                        <p:par>
-                          <p:cTn id="24" fill="hold">
-                            <p:stCondLst>
-                              <p:cond delay="0"/>
-                            </p:stCondLst>
-                            <p:childTnLst>
-                              <p:par>
-                                <p:cTn id="25" presetID="10" presetClass="entr" presetSubtype="0" fill="hold" nodeType="clickEffect">
-                                  <p:stCondLst>
-                                    <p:cond delay="0"/>
-                                  </p:stCondLst>
-                                  <p:childTnLst>
-                                    <p:set>
-                                      <p:cBhvr>
-                                        <p:cTn id="26" dur="1" fill="hold">
-                                          <p:stCondLst>
-                                            <p:cond delay="0"/>
-                                          </p:stCondLst>
-                                        </p:cTn>
-                                        <p:tgtEl>
-                                          <p:spTgt spid="3">
-                                            <p:txEl>
-                                              <p:pRg st="8" end="8"/>
-                                            </p:txEl>
-                                          </p:spTgt>
-                                        </p:tgtEl>
-                                        <p:attrNameLst>
-                                          <p:attrName>style.visibility</p:attrName>
-                                        </p:attrNameLst>
-                                      </p:cBhvr>
-                                      <p:to>
-                                        <p:strVal val="visible"/>
-                                      </p:to>
-                                    </p:set>
-                                    <p:animEffect transition="in" filter="fade">
-                                      <p:cBhvr>
-                                        <p:cTn id="27" dur="500"/>
-                                        <p:tgtEl>
-                                          <p:spTgt spid="3">
-                                            <p:txEl>
-                                              <p:pRg st="8" end="8"/>
+                                              <p:pRg st="11" end="11"/>
                                             </p:txEl>
                                           </p:spTgt>
                                         </p:tgtEl>
@@ -34624,13 +35263,13 @@
             <a:spLocks noGrp="1"/>
           </p:cNvSpPr>
           <p:nvPr>
-            <p:ph type="body" sz="quarter" idx="4294967295"/>
+            <p:ph type="body" sz="quarter" idx="10"/>
           </p:nvPr>
         </p:nvSpPr>
         <p:spPr>
           <a:xfrm>
-            <a:off x="549275" y="1076325"/>
-            <a:ext cx="11887200" cy="5345113"/>
+            <a:off x="274638" y="1212850"/>
+            <a:ext cx="11887200" cy="5103812"/>
           </a:xfrm>
         </p:spPr>
         <p:txBody>
@@ -34639,52 +35278,71 @@
           </a:bodyPr>
           <a:lstStyle/>
           <a:p>
-            <a:pPr marL="0" indent="0">
-              <a:buNone/>
-            </a:pPr>
-            <a:r>
-              <a:rPr lang="en-US" sz="2448" dirty="0"/>
-              <a:t>Docker </a:t>
-            </a:r>
-            <a:r>
-              <a:rPr lang="en-US" sz="2448" dirty="0" err="1"/>
+            <a:r>
+              <a:rPr lang="en-US" sz="4400" b="1" dirty="0">
+                <a:latin typeface="+mn-lt"/>
+              </a:rPr>
+              <a:t>List containers</a:t>
+            </a:r>
+          </a:p>
+          <a:p>
+            <a:r>
+              <a:rPr lang="en-US" sz="3200" dirty="0"/>
+              <a:t>	</a:t>
+            </a:r>
+            <a:r>
+              <a:rPr lang="en-US" sz="2400" dirty="0" err="1"/>
+              <a:t>docker</a:t>
+            </a:r>
+            <a:r>
+              <a:rPr lang="en-US" sz="2400" dirty="0"/>
+              <a:t> </a:t>
+            </a:r>
+            <a:r>
+              <a:rPr lang="en-US" sz="2400" dirty="0" err="1"/>
               <a:t>ps</a:t>
             </a:r>
             <a:r>
-              <a:rPr lang="en-US" sz="2448" dirty="0"/>
-              <a:t> –a </a:t>
-            </a:r>
-          </a:p>
-          <a:p>
-            <a:pPr marL="0" indent="0">
-              <a:buNone/>
-            </a:pPr>
-            <a:r>
-              <a:rPr lang="en-US" sz="2448" dirty="0" err="1"/>
+              <a:rPr lang="en-US" sz="2400" dirty="0"/>
+              <a:t> –a (‘-a’ says to include stopped containers)</a:t>
+            </a:r>
+          </a:p>
+          <a:p>
+            <a:endParaRPr lang="en-US" sz="2400" dirty="0"/>
+          </a:p>
+          <a:p>
+            <a:r>
+              <a:rPr lang="en-US" sz="4400" dirty="0">
+                <a:latin typeface="+mn-lt"/>
+              </a:rPr>
+              <a:t>Remove an existing container</a:t>
+            </a:r>
+            <a:endParaRPr lang="en-US" sz="7200" b="1" dirty="0"/>
+          </a:p>
+          <a:p>
+            <a:r>
+              <a:rPr lang="en-US" sz="2800" dirty="0"/>
+              <a:t>	</a:t>
+            </a:r>
+            <a:r>
+              <a:rPr lang="en-US" sz="2800" dirty="0" err="1"/>
               <a:t>docker</a:t>
             </a:r>
             <a:r>
-              <a:rPr lang="en-US" sz="2448" dirty="0"/>
-              <a:t> start --attach 4653cf206442</a:t>
-            </a:r>
-          </a:p>
-          <a:p>
-            <a:pPr marL="0" indent="0">
-              <a:buNone/>
-            </a:pPr>
-            <a:r>
-              <a:rPr lang="en-US" sz="2448" dirty="0" err="1"/>
-              <a:t>docker</a:t>
-            </a:r>
-            <a:r>
-              <a:rPr lang="en-US" sz="2448" dirty="0"/>
+              <a:rPr lang="en-US" sz="2800" dirty="0"/>
               <a:t> </a:t>
             </a:r>
             <a:r>
-              <a:rPr lang="en-US" sz="2448" dirty="0" err="1"/>
+              <a:rPr lang="en-US" sz="2800" dirty="0" err="1"/>
               <a:t>rm</a:t>
             </a:r>
-            <a:endParaRPr lang="en-US" sz="2448" dirty="0"/>
+            <a:r>
+              <a:rPr lang="en-US" sz="2800" dirty="0"/>
+              <a:t> &lt;container&gt; (add a –f to remove ‘force’)</a:t>
+            </a:r>
+            <a:endParaRPr lang="en-US" sz="2800" dirty="0">
+              <a:latin typeface="+mn-lt"/>
+            </a:endParaRPr>
           </a:p>
           <a:p>
             <a:pPr marL="0" indent="0">
@@ -34693,42 +35351,50 @@
             <a:endParaRPr lang="en-US" sz="2448" dirty="0"/>
           </a:p>
           <a:p>
-            <a:pPr marL="0" indent="0">
-              <a:buNone/>
-            </a:pPr>
-            <a:r>
-              <a:rPr lang="en-US" sz="2448" dirty="0"/>
-              <a:t>Docker </a:t>
-            </a:r>
-            <a:r>
-              <a:rPr lang="en-US" sz="2448" dirty="0" err="1"/>
+            <a:r>
+              <a:rPr lang="en-US" sz="4400" b="1" dirty="0">
+                <a:latin typeface="+mn-lt"/>
+              </a:rPr>
+              <a:t>Remove all containers</a:t>
+            </a:r>
+          </a:p>
+          <a:p>
+            <a:r>
+              <a:rPr lang="en-US" sz="1600" dirty="0"/>
+              <a:t>	</a:t>
+            </a:r>
+            <a:r>
+              <a:rPr lang="en-US" sz="2800" dirty="0" err="1"/>
+              <a:t>docker</a:t>
+            </a:r>
+            <a:r>
+              <a:rPr lang="en-US" sz="2800" dirty="0"/>
+              <a:t> </a:t>
+            </a:r>
+            <a:r>
+              <a:rPr lang="en-US" sz="2800" dirty="0" err="1"/>
               <a:t>ps</a:t>
             </a:r>
             <a:r>
-              <a:rPr lang="en-US" sz="2448" dirty="0"/>
+              <a:rPr lang="en-US" sz="2800" dirty="0"/>
               <a:t> –a –format “{{.ID}}” | %{</a:t>
             </a:r>
             <a:r>
-              <a:rPr lang="en-US" sz="2448" dirty="0" err="1"/>
+              <a:rPr lang="en-US" sz="2800" dirty="0" err="1"/>
               <a:t>docker</a:t>
             </a:r>
             <a:r>
-              <a:rPr lang="en-US" sz="2448" dirty="0"/>
+              <a:rPr lang="en-US" sz="2800" dirty="0"/>
               <a:t> </a:t>
             </a:r>
             <a:r>
-              <a:rPr lang="en-US" sz="2448" dirty="0" err="1"/>
+              <a:rPr lang="en-US" sz="2800" dirty="0" err="1"/>
               <a:t>rm</a:t>
             </a:r>
             <a:r>
-              <a:rPr lang="en-US" sz="2448" dirty="0"/>
+              <a:rPr lang="en-US" sz="2800" dirty="0"/>
               <a:t> $_}</a:t>
             </a:r>
-          </a:p>
-          <a:p>
-            <a:pPr marL="0" indent="0">
-              <a:buNone/>
-            </a:pPr>
             <a:endParaRPr lang="en-US" sz="2448" dirty="0"/>
           </a:p>
         </p:txBody>
@@ -34815,7 +35481,7 @@
                                         <p:tgtEl>
                                           <p:spTgt spid="3">
                                             <p:txEl>
-                                              <p:pRg st="0" end="0"/>
+                                              <p:pRg st="1" end="1"/>
                                             </p:txEl>
                                           </p:spTgt>
                                         </p:tgtEl>
@@ -34833,7 +35499,7 @@
                                         <p:tgtEl>
                                           <p:spTgt spid="3">
                                             <p:txEl>
-                                              <p:pRg st="0" end="0"/>
+                                              <p:pRg st="1" end="1"/>
                                             </p:txEl>
                                           </p:spTgt>
                                         </p:tgtEl>
@@ -34876,7 +35542,7 @@
                                         <p:tgtEl>
                                           <p:spTgt spid="3">
                                             <p:txEl>
-                                              <p:pRg st="1" end="1"/>
+                                              <p:pRg st="0" end="0"/>
                                             </p:txEl>
                                           </p:spTgt>
                                         </p:tgtEl>
@@ -34894,7 +35560,7 @@
                                         <p:tgtEl>
                                           <p:spTgt spid="3">
                                             <p:txEl>
-                                              <p:pRg st="1" end="1"/>
+                                              <p:pRg st="0" end="0"/>
                                             </p:txEl>
                                           </p:spTgt>
                                         </p:tgtEl>
@@ -34937,7 +35603,7 @@
                                         <p:tgtEl>
                                           <p:spTgt spid="3">
                                             <p:txEl>
-                                              <p:pRg st="2" end="2"/>
+                                              <p:pRg st="3" end="3"/>
                                             </p:txEl>
                                           </p:spTgt>
                                         </p:tgtEl>
@@ -34955,7 +35621,7 @@
                                         <p:tgtEl>
                                           <p:spTgt spid="3">
                                             <p:txEl>
-                                              <p:pRg st="2" end="2"/>
+                                              <p:pRg st="3" end="3"/>
                                             </p:txEl>
                                           </p:spTgt>
                                         </p:tgtEl>
@@ -35031,6 +35697,128 @@
                       </p:childTnLst>
                     </p:cTn>
                   </p:par>
+                  <p:par>
+                    <p:cTn id="23" fill="hold">
+                      <p:stCondLst>
+                        <p:cond delay="indefinite"/>
+                      </p:stCondLst>
+                      <p:childTnLst>
+                        <p:par>
+                          <p:cTn id="24" fill="hold">
+                            <p:stCondLst>
+                              <p:cond delay="0"/>
+                            </p:stCondLst>
+                            <p:childTnLst>
+                              <p:par>
+                                <p:cTn id="25" presetID="10" presetClass="entr" presetSubtype="0" fill="hold" nodeType="clickEffect">
+                                  <p:stCondLst>
+                                    <p:cond delay="0"/>
+                                  </p:stCondLst>
+                                  <p:childTnLst>
+                                    <p:set>
+                                      <p:cBhvr>
+                                        <p:cTn id="26" dur="1" fill="hold">
+                                          <p:stCondLst>
+                                            <p:cond delay="0"/>
+                                          </p:stCondLst>
+                                        </p:cTn>
+                                        <p:tgtEl>
+                                          <p:spTgt spid="3">
+                                            <p:txEl>
+                                              <p:pRg st="7" end="7"/>
+                                            </p:txEl>
+                                          </p:spTgt>
+                                        </p:tgtEl>
+                                        <p:attrNameLst>
+                                          <p:attrName>style.visibility</p:attrName>
+                                        </p:attrNameLst>
+                                      </p:cBhvr>
+                                      <p:to>
+                                        <p:strVal val="visible"/>
+                                      </p:to>
+                                    </p:set>
+                                    <p:animEffect transition="in" filter="fade">
+                                      <p:cBhvr>
+                                        <p:cTn id="27" dur="500"/>
+                                        <p:tgtEl>
+                                          <p:spTgt spid="3">
+                                            <p:txEl>
+                                              <p:pRg st="7" end="7"/>
+                                            </p:txEl>
+                                          </p:spTgt>
+                                        </p:tgtEl>
+                                      </p:cBhvr>
+                                    </p:animEffect>
+                                  </p:childTnLst>
+                                </p:cTn>
+                              </p:par>
+                            </p:childTnLst>
+                          </p:cTn>
+                        </p:par>
+                      </p:childTnLst>
+                    </p:cTn>
+                  </p:par>
+                  <p:par>
+                    <p:cTn id="28" fill="hold">
+                      <p:stCondLst>
+                        <p:cond delay="indefinite"/>
+                      </p:stCondLst>
+                      <p:childTnLst>
+                        <p:par>
+                          <p:cTn id="29" fill="hold">
+                            <p:stCondLst>
+                              <p:cond delay="0"/>
+                            </p:stCondLst>
+                            <p:childTnLst>
+                              <p:par>
+                                <p:cTn id="30" presetID="10" presetClass="entr" presetSubtype="0" fill="hold" nodeType="clickEffect">
+                                  <p:stCondLst>
+                                    <p:cond delay="0"/>
+                                  </p:stCondLst>
+                                  <p:childTnLst>
+                                    <p:set>
+                                      <p:cBhvr>
+                                        <p:cTn id="31" dur="1" fill="hold">
+                                          <p:stCondLst>
+                                            <p:cond delay="0"/>
+                                          </p:stCondLst>
+                                        </p:cTn>
+                                        <p:tgtEl>
+                                          <p:spTgt spid="3">
+                                            <p:txEl>
+                                              <p:pRg st="6" end="6"/>
+                                            </p:txEl>
+                                          </p:spTgt>
+                                        </p:tgtEl>
+                                        <p:attrNameLst>
+                                          <p:attrName>style.visibility</p:attrName>
+                                        </p:attrNameLst>
+                                      </p:cBhvr>
+                                      <p:to>
+                                        <p:strVal val="visible"/>
+                                      </p:to>
+                                    </p:set>
+                                    <p:animEffect transition="in" filter="fade">
+                                      <p:cBhvr>
+                                        <p:cTn id="32" dur="500"/>
+                                        <p:tgtEl>
+                                          <p:spTgt spid="3">
+                                            <p:txEl>
+                                              <p:pRg st="6" end="6"/>
+                                            </p:txEl>
+                                          </p:spTgt>
+                                        </p:tgtEl>
+                                      </p:cBhvr>
+                                    </p:animEffect>
+                                  </p:childTnLst>
+                                </p:cTn>
+                              </p:par>
+                            </p:childTnLst>
+                          </p:cTn>
+                        </p:par>
+                      </p:childTnLst>
+                    </p:cTn>
+                  </p:par>
                 </p:childTnLst>
               </p:cTn>
               <p:prevCondLst>
@@ -35075,6 +35863,85 @@
       </p:grpSpPr>
       <p:sp>
         <p:nvSpPr>
+          <p:cNvPr id="20" name="Rectangle 19"/>
+          <p:cNvSpPr/>
+          <p:nvPr/>
+        </p:nvSpPr>
+        <p:spPr bwMode="auto">
+          <a:xfrm>
+            <a:off x="8275637" y="1820862"/>
+            <a:ext cx="4160838" cy="5173663"/>
+          </a:xfrm>
+          <a:prstGeom prst="rect">
+            <a:avLst/>
+          </a:prstGeom>
+          <a:solidFill>
+            <a:schemeClr val="accent5">
+              <a:lumMod val="20000"/>
+              <a:lumOff val="80000"/>
+            </a:schemeClr>
+          </a:solidFill>
+          <a:ln>
+            <a:noFill/>
+            <a:headEnd type="none" w="med" len="med"/>
+            <a:tailEnd type="none" w="med" len="med"/>
+          </a:ln>
+          <a:effectLst/>
+        </p:spPr>
+        <p:style>
+          <a:lnRef idx="1">
+            <a:schemeClr val="accent2"/>
+          </a:lnRef>
+          <a:fillRef idx="3">
+            <a:schemeClr val="accent2"/>
+          </a:fillRef>
+          <a:effectRef idx="2">
+            <a:schemeClr val="accent2"/>
+          </a:effectRef>
+          <a:fontRef idx="minor">
+            <a:schemeClr val="lt1"/>
+          </a:fontRef>
+        </p:style>
+        <p:txBody>
+          <a:bodyPr rot="0" spcFirstLastPara="0" vertOverflow="overflow" horzOverflow="overflow" vert="horz" wrap="square" lIns="182880" tIns="146304" rIns="182880" bIns="146304" numCol="1" spcCol="0" rtlCol="0" fromWordArt="0" anchor="t" anchorCtr="0" forceAA="0" compatLnSpc="1">
+            <a:prstTxWarp prst="textNoShape">
+              <a:avLst/>
+            </a:prstTxWarp>
+            <a:noAutofit/>
+          </a:bodyPr>
+          <a:lstStyle/>
+          <a:p>
+            <a:pPr algn="ctr" defTabSz="932472" fontAlgn="base">
+              <a:lnSpc>
+                <a:spcPct val="90000"/>
+              </a:lnSpc>
+              <a:spcBef>
+                <a:spcPct val="0"/>
+              </a:spcBef>
+              <a:spcAft>
+                <a:spcPct val="0"/>
+              </a:spcAft>
+            </a:pPr>
+            <a:endParaRPr lang="en-US" sz="2400" dirty="0" err="1">
+              <a:gradFill>
+                <a:gsLst>
+                  <a:gs pos="0">
+                    <a:srgbClr val="FFFFFF"/>
+                  </a:gs>
+                  <a:gs pos="100000">
+                    <a:srgbClr val="FFFFFF"/>
+                  </a:gs>
+                </a:gsLst>
+                <a:lin ang="5400000" scaled="0"/>
+              </a:gradFill>
+              <a:ea typeface="Segoe UI" pitchFamily="34" charset="0"/>
+              <a:cs typeface="Segoe UI" pitchFamily="34" charset="0"/>
+            </a:endParaRPr>
+          </a:p>
+        </p:txBody>
+      </p:sp>
+      <p:sp>
+        <p:nvSpPr>
           <p:cNvPr id="2" name="Title 1"/>
           <p:cNvSpPr>
             <a:spLocks noGrp="1"/>
@@ -35107,386 +35974,79 @@
             <a:spLocks noGrp="1"/>
           </p:cNvSpPr>
           <p:nvPr>
-            <p:ph type="body" sz="quarter" idx="4294967295"/>
+            <p:ph type="body" sz="quarter" idx="10"/>
           </p:nvPr>
         </p:nvSpPr>
         <p:spPr>
           <a:xfrm>
-            <a:off x="549275" y="1076325"/>
-            <a:ext cx="11887200" cy="5345113"/>
+            <a:off x="280447" y="1129307"/>
+            <a:ext cx="8979884" cy="5577348"/>
           </a:xfrm>
         </p:spPr>
         <p:txBody>
           <a:bodyPr>
-            <a:normAutofit fontScale="92500" lnSpcReduction="10000"/>
+            <a:normAutofit/>
           </a:bodyPr>
           <a:lstStyle/>
           <a:p>
             <a:r>
-              <a:rPr lang="en-US" sz="2448" dirty="0"/>
+              <a:rPr lang="en-US" dirty="0"/>
               <a:t>Method for automated container image creation</a:t>
             </a:r>
           </a:p>
           <a:p>
             <a:r>
-              <a:rPr lang="en-US" sz="2448" dirty="0"/>
+              <a:rPr lang="en-US" dirty="0"/>
               <a:t>Consumed when running “</a:t>
             </a:r>
             <a:r>
-              <a:rPr lang="en-US" sz="2448" dirty="0" err="1"/>
+              <a:rPr lang="en-US" dirty="0" err="1"/>
               <a:t>docker</a:t>
             </a:r>
             <a:r>
-              <a:rPr lang="en-US" sz="2448" dirty="0"/>
+              <a:rPr lang="en-US" dirty="0"/>
               <a:t> build” </a:t>
             </a:r>
           </a:p>
           <a:p>
             <a:r>
-              <a:rPr lang="en-US" sz="2448" dirty="0"/>
+              <a:rPr lang="en-US" dirty="0"/>
               <a:t>Enables automated builds via </a:t>
             </a:r>
             <a:r>
-              <a:rPr lang="en-US" sz="2448" dirty="0" err="1"/>
+              <a:rPr lang="en-US" dirty="0" err="1"/>
               <a:t>docker</a:t>
             </a:r>
             <a:r>
-              <a:rPr lang="en-US" sz="2448" dirty="0"/>
+              <a:rPr lang="en-US" dirty="0"/>
               <a:t> hub</a:t>
             </a:r>
           </a:p>
           <a:p>
             <a:r>
-              <a:rPr lang="en-US" sz="2448" dirty="0"/>
+              <a:rPr lang="en-US" dirty="0"/>
               <a:t>Caches unchanged commands</a:t>
-            </a:r>
-          </a:p>
-          <a:p>
-            <a:endParaRPr lang="en-US" sz="2856" dirty="0"/>
-          </a:p>
-          <a:p>
-            <a:r>
-              <a:rPr lang="en-US" sz="2856" dirty="0"/>
-              <a:t>IIS Image</a:t>
-            </a:r>
-          </a:p>
-          <a:p>
-            <a:pPr marL="342834" lvl="1" indent="0">
-              <a:buNone/>
-            </a:pPr>
-            <a:r>
-              <a:rPr lang="en-US" sz="2448" dirty="0"/>
-              <a:t>FROM </a:t>
-            </a:r>
-            <a:r>
-              <a:rPr lang="en-US" sz="2448" dirty="0" err="1"/>
-              <a:t>nanoserver</a:t>
-            </a:r>
-            <a:endParaRPr lang="en-US" sz="2448" dirty="0"/>
-          </a:p>
-          <a:p>
-            <a:pPr marL="342834" lvl="1" indent="0">
-              <a:buNone/>
-            </a:pPr>
-            <a:r>
-              <a:rPr lang="en-US" sz="2448" dirty="0"/>
-              <a:t>COPY unattend.xml /unattend.xml</a:t>
-            </a:r>
-          </a:p>
-          <a:p>
-            <a:pPr marL="342834" lvl="1" indent="0">
-              <a:buNone/>
-            </a:pPr>
-            <a:r>
-              <a:rPr lang="en-US" sz="2448" dirty="0"/>
-              <a:t>COPY packages /packages</a:t>
-            </a:r>
-          </a:p>
-          <a:p>
-            <a:pPr marL="342834" lvl="1" indent="0">
-              <a:buNone/>
-            </a:pPr>
-            <a:r>
-              <a:rPr lang="en-US" sz="2448" dirty="0"/>
-              <a:t>RUN </a:t>
-            </a:r>
-            <a:r>
-              <a:rPr lang="en-US" sz="2448" dirty="0" err="1"/>
-              <a:t>dism</a:t>
-            </a:r>
-            <a:r>
-              <a:rPr lang="en-US" sz="2448" dirty="0"/>
-              <a:t> /online /apply-</a:t>
-            </a:r>
-            <a:r>
-              <a:rPr lang="en-US" sz="2448" dirty="0" err="1"/>
-              <a:t>unattend</a:t>
-            </a:r>
-            <a:r>
-              <a:rPr lang="en-US" sz="2448" dirty="0"/>
-              <a:t>:.\unattend.xml</a:t>
-            </a:r>
-          </a:p>
-          <a:p>
-            <a:pPr marL="342834" lvl="1" indent="0">
-              <a:buNone/>
-            </a:pPr>
-            <a:endParaRPr lang="en-US" dirty="0"/>
-          </a:p>
-          <a:p>
-            <a:r>
-              <a:rPr lang="en-US" sz="2856" dirty="0" err="1"/>
-              <a:t>WebApp</a:t>
-            </a:r>
-            <a:r>
-              <a:rPr lang="en-US" sz="2856" dirty="0"/>
-              <a:t> Image</a:t>
-            </a:r>
-          </a:p>
-          <a:p>
-            <a:pPr marL="342834" lvl="1" indent="0">
-              <a:buNone/>
-            </a:pPr>
-            <a:r>
-              <a:rPr lang="en-US" sz="2448" dirty="0"/>
-              <a:t>FROM </a:t>
-            </a:r>
-            <a:r>
-              <a:rPr lang="en-US" sz="2448" dirty="0" err="1"/>
-              <a:t>iis</a:t>
-            </a:r>
-            <a:endParaRPr lang="en-US" sz="2448" dirty="0"/>
-          </a:p>
-          <a:p>
-            <a:pPr marL="342834" lvl="1" indent="0">
-              <a:buNone/>
-            </a:pPr>
-            <a:r>
-              <a:rPr lang="en-US" sz="2448" dirty="0"/>
-              <a:t>COPY mysite.htm </a:t>
-            </a:r>
-            <a:r>
-              <a:rPr lang="en-US" sz="2448" dirty="0" err="1"/>
-              <a:t>inetpub</a:t>
-            </a:r>
-            <a:r>
-              <a:rPr lang="en-US" sz="2448" dirty="0"/>
-              <a:t>\mysite.html</a:t>
-            </a:r>
-          </a:p>
-        </p:txBody>
-      </p:sp>
-      <p:pic>
-        <p:nvPicPr>
-          <p:cNvPr id="4" name="Picture 3"/>
-          <p:cNvPicPr>
-            <a:picLocks noChangeAspect="1"/>
-          </p:cNvPicPr>
-          <p:nvPr/>
-        </p:nvPicPr>
-        <p:blipFill>
-          <a:blip r:embed="rId3"/>
-          <a:stretch>
-            <a:fillRect/>
-          </a:stretch>
-        </p:blipFill>
-        <p:spPr>
-          <a:xfrm>
-            <a:off x="9653481" y="4387590"/>
-            <a:ext cx="2320104" cy="1329342"/>
-          </a:xfrm>
-          <a:prstGeom prst="rect">
-            <a:avLst/>
-          </a:prstGeom>
-        </p:spPr>
-      </p:pic>
-      <p:pic>
-        <p:nvPicPr>
-          <p:cNvPr id="5" name="Picture 4"/>
-          <p:cNvPicPr>
-            <a:picLocks noChangeAspect="1"/>
-          </p:cNvPicPr>
-          <p:nvPr/>
-        </p:nvPicPr>
-        <p:blipFill>
-          <a:blip r:embed="rId4">
-            <a:extLst>
-              <a:ext uri="{28A0092B-C50C-407E-A947-70E740481C1C}">
-                <a14:useLocalDpi xmlns:a14="http://schemas.microsoft.com/office/drawing/2010/main" val="0"/>
-              </a:ext>
-            </a:extLst>
-          </a:blip>
-          <a:stretch>
-            <a:fillRect/>
-          </a:stretch>
-        </p:blipFill>
-        <p:spPr>
-          <a:xfrm>
-            <a:off x="9927910" y="5200855"/>
-            <a:ext cx="1771246" cy="407275"/>
-          </a:xfrm>
-          <a:prstGeom prst="rect">
-            <a:avLst/>
-          </a:prstGeom>
-        </p:spPr>
-      </p:pic>
-      <p:sp>
-        <p:nvSpPr>
-          <p:cNvPr id="6" name="TextBox 5"/>
-          <p:cNvSpPr txBox="1"/>
-          <p:nvPr/>
-        </p:nvSpPr>
-        <p:spPr>
-          <a:xfrm>
-            <a:off x="9726961" y="4387588"/>
-            <a:ext cx="2208138" cy="1050811"/>
-          </a:xfrm>
-          <a:prstGeom prst="rect">
-            <a:avLst/>
-          </a:prstGeom>
-          <a:noFill/>
-        </p:spPr>
-        <p:txBody>
-          <a:bodyPr wrap="none" lIns="182646" tIns="146117" rIns="182646" bIns="146117" rtlCol="0">
-            <a:spAutoFit/>
-          </a:bodyPr>
-          <a:lstStyle/>
-          <a:p>
-            <a:pPr>
-              <a:lnSpc>
-                <a:spcPct val="90000"/>
-              </a:lnSpc>
-              <a:spcAft>
-                <a:spcPts val="599"/>
-              </a:spcAft>
-            </a:pPr>
-            <a:r>
-              <a:rPr lang="en-US" sz="2397" dirty="0">
-                <a:gradFill>
-                  <a:gsLst>
-                    <a:gs pos="2917">
-                      <a:srgbClr val="FFFFFF"/>
-                    </a:gs>
-                    <a:gs pos="30000">
-                      <a:srgbClr val="FFFFFF"/>
-                    </a:gs>
-                  </a:gsLst>
-                  <a:lin ang="5400000" scaled="0"/>
-                </a:gradFill>
-              </a:rPr>
-              <a:t>Container OS</a:t>
-            </a:r>
-          </a:p>
-          <a:p>
-            <a:pPr algn="ctr">
-              <a:lnSpc>
-                <a:spcPct val="90000"/>
-              </a:lnSpc>
-              <a:spcAft>
-                <a:spcPts val="599"/>
-              </a:spcAft>
-            </a:pPr>
-            <a:r>
-              <a:rPr lang="en-US" sz="2397" dirty="0">
-                <a:gradFill>
-                  <a:gsLst>
-                    <a:gs pos="2917">
-                      <a:srgbClr val="FFFFFF"/>
-                    </a:gs>
-                    <a:gs pos="30000">
-                      <a:srgbClr val="FFFFFF"/>
-                    </a:gs>
-                  </a:gsLst>
-                  <a:lin ang="5400000" scaled="0"/>
-                </a:gradFill>
-              </a:rPr>
-              <a:t>Image</a:t>
             </a:r>
           </a:p>
         </p:txBody>
       </p:sp>
       <p:grpSp>
         <p:nvGrpSpPr>
-          <p:cNvPr id="17" name="Group 16"/>
+          <p:cNvPr id="21" name="Group 20"/>
           <p:cNvGrpSpPr/>
           <p:nvPr/>
         </p:nvGrpSpPr>
         <p:grpSpPr>
           <a:xfrm>
-            <a:off x="9637979" y="2994171"/>
-            <a:ext cx="2335604" cy="1335432"/>
-            <a:chOff x="9448992" y="2935729"/>
-            <a:chExt cx="2290016" cy="1309366"/>
+            <a:off x="9254523" y="2146690"/>
+            <a:ext cx="2335606" cy="4149261"/>
+            <a:chOff x="9637979" y="1567671"/>
+            <a:chExt cx="2335606" cy="4149261"/>
           </a:xfrm>
         </p:grpSpPr>
         <p:pic>
           <p:nvPicPr>
-            <p:cNvPr id="7" name="Picture 6"/>
-            <p:cNvPicPr>
-              <a:picLocks noChangeAspect="1"/>
-            </p:cNvPicPr>
-            <p:nvPr/>
-          </p:nvPicPr>
-          <p:blipFill>
-            <a:blip r:embed="rId5"/>
-            <a:stretch>
-              <a:fillRect/>
-            </a:stretch>
-          </p:blipFill>
-          <p:spPr>
-            <a:xfrm>
-              <a:off x="9448992" y="2935729"/>
-              <a:ext cx="2290016" cy="1309365"/>
-            </a:xfrm>
-            <a:prstGeom prst="rect">
-              <a:avLst/>
-            </a:prstGeom>
-          </p:spPr>
-        </p:pic>
-        <p:sp>
-          <p:nvSpPr>
-            <p:cNvPr id="8" name="TextBox 7"/>
-            <p:cNvSpPr txBox="1"/>
-            <p:nvPr/>
-          </p:nvSpPr>
-          <p:spPr>
-            <a:xfrm>
-              <a:off x="9733264" y="3317443"/>
-              <a:ext cx="1736673" cy="621342"/>
-            </a:xfrm>
-            <a:prstGeom prst="rect">
-              <a:avLst/>
-            </a:prstGeom>
-            <a:noFill/>
-          </p:spPr>
-          <p:txBody>
-            <a:bodyPr wrap="square" lIns="182646" tIns="146117" rIns="182646" bIns="146117" rtlCol="0">
-              <a:spAutoFit/>
-            </a:bodyPr>
-            <a:lstStyle/>
-            <a:p>
-              <a:pPr algn="ctr">
-                <a:lnSpc>
-                  <a:spcPct val="90000"/>
-                </a:lnSpc>
-                <a:spcAft>
-                  <a:spcPts val="599"/>
-                </a:spcAft>
-              </a:pPr>
-              <a:r>
-                <a:rPr lang="en-US" sz="2397" dirty="0">
-                  <a:solidFill>
-                    <a:srgbClr val="0078D7"/>
-                  </a:solidFill>
-                </a:rPr>
-                <a:t>Sandbox</a:t>
-              </a:r>
-            </a:p>
-          </p:txBody>
-        </p:sp>
-        <p:pic>
-          <p:nvPicPr>
-            <p:cNvPr id="9" name="Picture 8"/>
+            <p:cNvPr id="4" name="Picture 3"/>
             <p:cNvPicPr>
               <a:picLocks noChangeAspect="1"/>
             </p:cNvPicPr>
@@ -35500,8 +36060,38 @@
           </p:blipFill>
           <p:spPr>
             <a:xfrm>
-              <a:off x="9456073" y="2941700"/>
-              <a:ext cx="2274818" cy="1303395"/>
+              <a:off x="9653481" y="4387590"/>
+              <a:ext cx="2320104" cy="1329342"/>
+            </a:xfrm>
+            <a:prstGeom prst="rect">
+              <a:avLst/>
+            </a:prstGeom>
+          </p:spPr>
+        </p:pic>
+        <p:pic>
+          <p:nvPicPr>
+            <p:cNvPr id="5" name="Picture 4"/>
+            <p:cNvPicPr>
+              <a:picLocks noChangeAspect="1"/>
+            </p:cNvPicPr>
+            <p:nvPr/>
+          </p:nvPicPr>
+          <p:blipFill>
+            <a:blip r:embed="rId4">
+              <a:extLst>
+                <a:ext uri="{28A0092B-C50C-407E-A947-70E740481C1C}">
+                  <a14:useLocalDpi xmlns:a14="http://schemas.microsoft.com/office/drawing/2010/main" val="0"/>
+                </a:ext>
+              </a:extLst>
+            </a:blip>
+            <a:stretch>
+              <a:fillRect/>
+            </a:stretch>
+          </p:blipFill>
+          <p:spPr>
+            <a:xfrm>
+              <a:off x="9927910" y="5200855"/>
+              <a:ext cx="1771246" cy="407275"/>
             </a:xfrm>
             <a:prstGeom prst="rect">
               <a:avLst/>
@@ -35510,14 +36100,14 @@
         </p:pic>
         <p:sp>
           <p:nvSpPr>
-            <p:cNvPr id="10" name="TextBox 9"/>
+            <p:cNvPr id="6" name="TextBox 5"/>
             <p:cNvSpPr txBox="1"/>
             <p:nvPr/>
           </p:nvSpPr>
           <p:spPr>
             <a:xfrm>
-              <a:off x="9603522" y="2961952"/>
-              <a:ext cx="2032759" cy="621342"/>
+              <a:off x="9726961" y="4387588"/>
+              <a:ext cx="2208138" cy="1050811"/>
             </a:xfrm>
             <a:prstGeom prst="rect">
               <a:avLst/>
@@ -35530,7 +36120,7 @@
             </a:bodyPr>
             <a:lstStyle/>
             <a:p>
-              <a:pPr algn="ctr">
+              <a:pPr>
                 <a:lnSpc>
                   <a:spcPct val="90000"/>
                 </a:lnSpc>
@@ -35538,22 +36128,6 @@
                   <a:spcPts val="599"/>
                 </a:spcAft>
               </a:pPr>
-              <a:r>
-                <a:rPr lang="en-US" sz="2397" dirty="0" err="1">
-                  <a:gradFill>
-                    <a:gsLst>
-                      <a:gs pos="2917">
-                        <a:srgbClr val="FFFFFF"/>
-                      </a:gs>
-                      <a:gs pos="30000">
-                        <a:srgbClr val="FFFFFF"/>
-                      </a:gs>
-                    </a:gsLst>
-                    <a:lin ang="5400000" scaled="0"/>
-                  </a:gradFill>
-                </a:rPr>
-                <a:t>microsoft</a:t>
-              </a:r>
               <a:r>
                 <a:rPr lang="en-US" sz="2397" dirty="0">
                   <a:gradFill>
@@ -35568,205 +36142,9 @@
                     <a:lin ang="5400000" scaled="0"/>
                   </a:gradFill>
                 </a:rPr>
-                <a:t>/</a:t>
-              </a:r>
-              <a:r>
-                <a:rPr lang="en-US" sz="2397" dirty="0" err="1">
-                  <a:gradFill>
-                    <a:gsLst>
-                      <a:gs pos="2917">
-                        <a:srgbClr val="FFFFFF"/>
-                      </a:gs>
-                      <a:gs pos="30000">
-                        <a:srgbClr val="FFFFFF"/>
-                      </a:gs>
-                    </a:gsLst>
-                    <a:lin ang="5400000" scaled="0"/>
-                  </a:gradFill>
-                </a:rPr>
-                <a:t>iis</a:t>
-              </a:r>
-              <a:endParaRPr lang="en-US" sz="2397" dirty="0">
-                <a:gradFill>
-                  <a:gsLst>
-                    <a:gs pos="2917">
-                      <a:srgbClr val="FFFFFF"/>
-                    </a:gs>
-                    <a:gs pos="30000">
-                      <a:srgbClr val="FFFFFF"/>
-                    </a:gs>
-                  </a:gsLst>
-                  <a:lin ang="5400000" scaled="0"/>
-                </a:gradFill>
-              </a:endParaRPr>
-            </a:p>
-          </p:txBody>
-        </p:sp>
-        <p:sp>
-          <p:nvSpPr>
-            <p:cNvPr id="11" name="Rectangle 10"/>
-            <p:cNvSpPr/>
-            <p:nvPr/>
-          </p:nvSpPr>
-          <p:spPr bwMode="auto">
-            <a:xfrm>
-              <a:off x="9856872" y="3558517"/>
-              <a:ext cx="1482848" cy="423074"/>
-            </a:xfrm>
-            <a:prstGeom prst="rect">
-              <a:avLst/>
-            </a:prstGeom>
-            <a:noFill/>
-            <a:ln w="38100">
-              <a:solidFill>
-                <a:schemeClr val="bg1"/>
-              </a:solidFill>
-              <a:headEnd type="none" w="med" len="med"/>
-              <a:tailEnd type="none" w="med" len="med"/>
-            </a:ln>
-          </p:spPr>
-          <p:style>
-            <a:lnRef idx="2">
-              <a:schemeClr val="accent1"/>
-            </a:lnRef>
-            <a:fillRef idx="1">
-              <a:schemeClr val="lt1"/>
-            </a:fillRef>
-            <a:effectRef idx="0">
-              <a:schemeClr val="accent1"/>
-            </a:effectRef>
-            <a:fontRef idx="minor">
-              <a:schemeClr val="dk1"/>
-            </a:fontRef>
-          </p:style>
-          <p:txBody>
-            <a:bodyPr vert="horz" wrap="square" lIns="0" tIns="46577" rIns="0" bIns="46577" numCol="1" rtlCol="0" anchor="ctr" anchorCtr="0" compatLnSpc="1">
-              <a:prstTxWarp prst="textNoShape">
-                <a:avLst/>
-              </a:prstTxWarp>
-            </a:bodyPr>
-            <a:lstStyle/>
-            <a:p>
-              <a:pPr algn="ctr" defTabSz="931193" fontAlgn="base">
-                <a:spcBef>
-                  <a:spcPct val="0"/>
-                </a:spcBef>
-                <a:spcAft>
-                  <a:spcPct val="0"/>
-                </a:spcAft>
-              </a:pPr>
-              <a:r>
-                <a:rPr lang="en-US" sz="1798" dirty="0">
-                  <a:solidFill>
-                    <a:schemeClr val="bg1"/>
-                  </a:solidFill>
-                </a:rPr>
-                <a:t>Layer 1</a:t>
+                <a:t>Container OS</a:t>
               </a:r>
             </a:p>
-          </p:txBody>
-        </p:sp>
-      </p:grpSp>
-      <p:grpSp>
-        <p:nvGrpSpPr>
-          <p:cNvPr id="18" name="Group 17"/>
-          <p:cNvGrpSpPr/>
-          <p:nvPr/>
-        </p:nvGrpSpPr>
-        <p:grpSpPr>
-          <a:xfrm>
-            <a:off x="9646753" y="1567671"/>
-            <a:ext cx="2320104" cy="1329342"/>
-            <a:chOff x="9457595" y="1537072"/>
-            <a:chExt cx="2274818" cy="1303395"/>
-          </a:xfrm>
-        </p:grpSpPr>
-        <p:sp>
-          <p:nvSpPr>
-            <p:cNvPr id="12" name="TextBox 11"/>
-            <p:cNvSpPr txBox="1"/>
-            <p:nvPr/>
-          </p:nvSpPr>
-          <p:spPr>
-            <a:xfrm>
-              <a:off x="9740343" y="1957194"/>
-              <a:ext cx="1736673" cy="621342"/>
-            </a:xfrm>
-            <a:prstGeom prst="rect">
-              <a:avLst/>
-            </a:prstGeom>
-            <a:noFill/>
-          </p:spPr>
-          <p:txBody>
-            <a:bodyPr wrap="square" lIns="182646" tIns="146117" rIns="182646" bIns="146117" rtlCol="0">
-              <a:spAutoFit/>
-            </a:bodyPr>
-            <a:lstStyle/>
-            <a:p>
-              <a:pPr algn="ctr">
-                <a:lnSpc>
-                  <a:spcPct val="90000"/>
-                </a:lnSpc>
-                <a:spcAft>
-                  <a:spcPts val="599"/>
-                </a:spcAft>
-              </a:pPr>
-              <a:r>
-                <a:rPr lang="en-US" sz="2397" dirty="0">
-                  <a:solidFill>
-                    <a:srgbClr val="0078D7"/>
-                  </a:solidFill>
-                </a:rPr>
-                <a:t>Sandbox</a:t>
-              </a:r>
-            </a:p>
-          </p:txBody>
-        </p:sp>
-        <p:pic>
-          <p:nvPicPr>
-            <p:cNvPr id="13" name="Picture 12"/>
-            <p:cNvPicPr>
-              <a:picLocks noChangeAspect="1"/>
-            </p:cNvPicPr>
-            <p:nvPr/>
-          </p:nvPicPr>
-          <p:blipFill>
-            <a:blip r:embed="rId3"/>
-            <a:stretch>
-              <a:fillRect/>
-            </a:stretch>
-          </p:blipFill>
-          <p:spPr>
-            <a:xfrm>
-              <a:off x="9457595" y="1537072"/>
-              <a:ext cx="2274818" cy="1303395"/>
-            </a:xfrm>
-            <a:prstGeom prst="rect">
-              <a:avLst/>
-            </a:prstGeom>
-          </p:spPr>
-        </p:pic>
-        <p:sp>
-          <p:nvSpPr>
-            <p:cNvPr id="14" name="TextBox 13"/>
-            <p:cNvSpPr txBox="1"/>
-            <p:nvPr/>
-          </p:nvSpPr>
-          <p:spPr>
-            <a:xfrm>
-              <a:off x="9575718" y="1682593"/>
-              <a:ext cx="1936643" cy="621342"/>
-            </a:xfrm>
-            <a:prstGeom prst="rect">
-              <a:avLst/>
-            </a:prstGeom>
-            <a:noFill/>
-          </p:spPr>
-          <p:txBody>
-            <a:bodyPr wrap="none" lIns="182646" tIns="146117" rIns="182646" bIns="146117" rtlCol="0">
-              <a:spAutoFit/>
-            </a:bodyPr>
-            <a:lstStyle/>
             <a:p>
               <a:pPr algn="ctr">
                 <a:lnSpc>
@@ -35790,75 +36168,466 @@
                     <a:lin ang="5400000" scaled="0"/>
                   </a:gradFill>
                 </a:rPr>
-                <a:t>Mysite.html</a:t>
+                <a:t>Image</a:t>
               </a:r>
             </a:p>
           </p:txBody>
         </p:sp>
-        <p:sp>
-          <p:nvSpPr>
-            <p:cNvPr id="15" name="Rectangle 14"/>
-            <p:cNvSpPr/>
+        <p:grpSp>
+          <p:nvGrpSpPr>
+            <p:cNvPr id="17" name="Group 16"/>
+            <p:cNvGrpSpPr/>
             <p:nvPr/>
-          </p:nvSpPr>
-          <p:spPr bwMode="auto">
+          </p:nvGrpSpPr>
+          <p:grpSpPr>
             <a:xfrm>
-              <a:off x="9852055" y="2199827"/>
-              <a:ext cx="1482848" cy="423074"/>
+              <a:off x="9637979" y="2994171"/>
+              <a:ext cx="2335604" cy="1335432"/>
+              <a:chOff x="9448992" y="2935729"/>
+              <a:chExt cx="2290016" cy="1309366"/>
             </a:xfrm>
-            <a:prstGeom prst="rect">
-              <a:avLst/>
-            </a:prstGeom>
-            <a:noFill/>
-            <a:ln w="38100">
-              <a:solidFill>
-                <a:schemeClr val="bg1"/>
-              </a:solidFill>
-              <a:headEnd type="none" w="med" len="med"/>
-              <a:tailEnd type="none" w="med" len="med"/>
-            </a:ln>
-          </p:spPr>
-          <p:style>
-            <a:lnRef idx="2">
-              <a:schemeClr val="accent1"/>
-            </a:lnRef>
-            <a:fillRef idx="1">
-              <a:schemeClr val="lt1"/>
-            </a:fillRef>
-            <a:effectRef idx="0">
-              <a:schemeClr val="accent1"/>
-            </a:effectRef>
-            <a:fontRef idx="minor">
-              <a:schemeClr val="dk1"/>
-            </a:fontRef>
-          </p:style>
-          <p:txBody>
-            <a:bodyPr vert="horz" wrap="square" lIns="0" tIns="46577" rIns="0" bIns="46577" numCol="1" rtlCol="0" anchor="ctr" anchorCtr="0" compatLnSpc="1">
-              <a:prstTxWarp prst="textNoShape">
+          </p:grpSpPr>
+          <p:pic>
+            <p:nvPicPr>
+              <p:cNvPr id="7" name="Picture 6"/>
+              <p:cNvPicPr>
+                <a:picLocks noChangeAspect="1"/>
+              </p:cNvPicPr>
+              <p:nvPr/>
+            </p:nvPicPr>
+            <p:blipFill>
+              <a:blip r:embed="rId5"/>
+              <a:stretch>
+                <a:fillRect/>
+              </a:stretch>
+            </p:blipFill>
+            <p:spPr>
+              <a:xfrm>
+                <a:off x="9448992" y="2935729"/>
+                <a:ext cx="2290016" cy="1309365"/>
+              </a:xfrm>
+              <a:prstGeom prst="rect">
                 <a:avLst/>
-              </a:prstTxWarp>
-            </a:bodyPr>
-            <a:lstStyle/>
-            <a:p>
-              <a:pPr algn="ctr" defTabSz="931193" fontAlgn="base">
-                <a:spcBef>
-                  <a:spcPct val="0"/>
-                </a:spcBef>
-                <a:spcAft>
-                  <a:spcPct val="0"/>
-                </a:spcAft>
-              </a:pPr>
-              <a:r>
-                <a:rPr lang="en-US" sz="1798" dirty="0">
-                  <a:solidFill>
-                    <a:schemeClr val="bg1"/>
-                  </a:solidFill>
-                </a:rPr>
-                <a:t>Layer 2</a:t>
-              </a:r>
-            </a:p>
-          </p:txBody>
-        </p:sp>
+              </a:prstGeom>
+            </p:spPr>
+          </p:pic>
+          <p:sp>
+            <p:nvSpPr>
+              <p:cNvPr id="8" name="TextBox 7"/>
+              <p:cNvSpPr txBox="1"/>
+              <p:nvPr/>
+            </p:nvSpPr>
+            <p:spPr>
+              <a:xfrm>
+                <a:off x="9733264" y="3317443"/>
+                <a:ext cx="1736673" cy="621342"/>
+              </a:xfrm>
+              <a:prstGeom prst="rect">
+                <a:avLst/>
+              </a:prstGeom>
+              <a:noFill/>
+            </p:spPr>
+            <p:txBody>
+              <a:bodyPr wrap="square" lIns="182646" tIns="146117" rIns="182646" bIns="146117" rtlCol="0">
+                <a:spAutoFit/>
+              </a:bodyPr>
+              <a:lstStyle/>
+              <a:p>
+                <a:pPr algn="ctr">
+                  <a:lnSpc>
+                    <a:spcPct val="90000"/>
+                  </a:lnSpc>
+                  <a:spcAft>
+                    <a:spcPts val="599"/>
+                  </a:spcAft>
+                </a:pPr>
+                <a:r>
+                  <a:rPr lang="en-US" sz="2397" dirty="0">
+                    <a:solidFill>
+                      <a:srgbClr val="0078D7"/>
+                    </a:solidFill>
+                  </a:rPr>
+                  <a:t>Sandbox</a:t>
+                </a:r>
+              </a:p>
+            </p:txBody>
+          </p:sp>
+          <p:pic>
+            <p:nvPicPr>
+              <p:cNvPr id="9" name="Picture 8"/>
+              <p:cNvPicPr>
+                <a:picLocks noChangeAspect="1"/>
+              </p:cNvPicPr>
+              <p:nvPr/>
+            </p:nvPicPr>
+            <p:blipFill>
+              <a:blip r:embed="rId3"/>
+              <a:stretch>
+                <a:fillRect/>
+              </a:stretch>
+            </p:blipFill>
+            <p:spPr>
+              <a:xfrm>
+                <a:off x="9456073" y="2941700"/>
+                <a:ext cx="2274818" cy="1303395"/>
+              </a:xfrm>
+              <a:prstGeom prst="rect">
+                <a:avLst/>
+              </a:prstGeom>
+            </p:spPr>
+          </p:pic>
+          <p:sp>
+            <p:nvSpPr>
+              <p:cNvPr id="10" name="TextBox 9"/>
+              <p:cNvSpPr txBox="1"/>
+              <p:nvPr/>
+            </p:nvSpPr>
+            <p:spPr>
+              <a:xfrm>
+                <a:off x="9603522" y="2961952"/>
+                <a:ext cx="2032759" cy="621342"/>
+              </a:xfrm>
+              <a:prstGeom prst="rect">
+                <a:avLst/>
+              </a:prstGeom>
+              <a:noFill/>
+            </p:spPr>
+            <p:txBody>
+              <a:bodyPr wrap="none" lIns="182646" tIns="146117" rIns="182646" bIns="146117" rtlCol="0">
+                <a:spAutoFit/>
+              </a:bodyPr>
+              <a:lstStyle/>
+              <a:p>
+                <a:pPr algn="ctr">
+                  <a:lnSpc>
+                    <a:spcPct val="90000"/>
+                  </a:lnSpc>
+                  <a:spcAft>
+                    <a:spcPts val="599"/>
+                  </a:spcAft>
+                </a:pPr>
+                <a:r>
+                  <a:rPr lang="en-US" sz="2397" dirty="0" err="1">
+                    <a:gradFill>
+                      <a:gsLst>
+                        <a:gs pos="2917">
+                          <a:srgbClr val="FFFFFF"/>
+                        </a:gs>
+                        <a:gs pos="30000">
+                          <a:srgbClr val="FFFFFF"/>
+                        </a:gs>
+                      </a:gsLst>
+                      <a:lin ang="5400000" scaled="0"/>
+                    </a:gradFill>
+                  </a:rPr>
+                  <a:t>microsoft</a:t>
+                </a:r>
+                <a:r>
+                  <a:rPr lang="en-US" sz="2397" dirty="0">
+                    <a:gradFill>
+                      <a:gsLst>
+                        <a:gs pos="2917">
+                          <a:srgbClr val="FFFFFF"/>
+                        </a:gs>
+                        <a:gs pos="30000">
+                          <a:srgbClr val="FFFFFF"/>
+                        </a:gs>
+                      </a:gsLst>
+                      <a:lin ang="5400000" scaled="0"/>
+                    </a:gradFill>
+                  </a:rPr>
+                  <a:t>/</a:t>
+                </a:r>
+                <a:r>
+                  <a:rPr lang="en-US" sz="2397" dirty="0" err="1">
+                    <a:gradFill>
+                      <a:gsLst>
+                        <a:gs pos="2917">
+                          <a:srgbClr val="FFFFFF"/>
+                        </a:gs>
+                        <a:gs pos="30000">
+                          <a:srgbClr val="FFFFFF"/>
+                        </a:gs>
+                      </a:gsLst>
+                      <a:lin ang="5400000" scaled="0"/>
+                    </a:gradFill>
+                  </a:rPr>
+                  <a:t>iis</a:t>
+                </a:r>
+                <a:endParaRPr lang="en-US" sz="2397" dirty="0">
+                  <a:gradFill>
+                    <a:gsLst>
+                      <a:gs pos="2917">
+                        <a:srgbClr val="FFFFFF"/>
+                      </a:gs>
+                      <a:gs pos="30000">
+                        <a:srgbClr val="FFFFFF"/>
+                      </a:gs>
+                    </a:gsLst>
+                    <a:lin ang="5400000" scaled="0"/>
+                  </a:gradFill>
+                </a:endParaRPr>
+              </a:p>
+            </p:txBody>
+          </p:sp>
+          <p:sp>
+            <p:nvSpPr>
+              <p:cNvPr id="11" name="Rectangle 10"/>
+              <p:cNvSpPr/>
+              <p:nvPr/>
+            </p:nvSpPr>
+            <p:spPr bwMode="auto">
+              <a:xfrm>
+                <a:off x="9856872" y="3558517"/>
+                <a:ext cx="1482848" cy="423074"/>
+              </a:xfrm>
+              <a:prstGeom prst="rect">
+                <a:avLst/>
+              </a:prstGeom>
+              <a:noFill/>
+              <a:ln w="38100">
+                <a:solidFill>
+                  <a:schemeClr val="bg1"/>
+                </a:solidFill>
+                <a:headEnd type="none" w="med" len="med"/>
+                <a:tailEnd type="none" w="med" len="med"/>
+              </a:ln>
+            </p:spPr>
+            <p:style>
+              <a:lnRef idx="2">
+                <a:schemeClr val="accent1"/>
+              </a:lnRef>
+              <a:fillRef idx="1">
+                <a:schemeClr val="lt1"/>
+              </a:fillRef>
+              <a:effectRef idx="0">
+                <a:schemeClr val="accent1"/>
+              </a:effectRef>
+              <a:fontRef idx="minor">
+                <a:schemeClr val="dk1"/>
+              </a:fontRef>
+            </p:style>
+            <p:txBody>
+              <a:bodyPr vert="horz" wrap="square" lIns="0" tIns="46577" rIns="0" bIns="46577" numCol="1" rtlCol="0" anchor="ctr" anchorCtr="0" compatLnSpc="1">
+                <a:prstTxWarp prst="textNoShape">
+                  <a:avLst/>
+                </a:prstTxWarp>
+              </a:bodyPr>
+              <a:lstStyle/>
+              <a:p>
+                <a:pPr algn="ctr" defTabSz="931193" fontAlgn="base">
+                  <a:spcBef>
+                    <a:spcPct val="0"/>
+                  </a:spcBef>
+                  <a:spcAft>
+                    <a:spcPct val="0"/>
+                  </a:spcAft>
+                </a:pPr>
+                <a:r>
+                  <a:rPr lang="en-US" sz="1798" dirty="0">
+                    <a:solidFill>
+                      <a:schemeClr val="bg1"/>
+                    </a:solidFill>
+                  </a:rPr>
+                  <a:t>Layer 1</a:t>
+                </a:r>
+              </a:p>
+            </p:txBody>
+          </p:sp>
+        </p:grpSp>
+        <p:grpSp>
+          <p:nvGrpSpPr>
+            <p:cNvPr id="18" name="Group 17"/>
+            <p:cNvGrpSpPr/>
+            <p:nvPr/>
+          </p:nvGrpSpPr>
+          <p:grpSpPr>
+            <a:xfrm>
+              <a:off x="9646753" y="1567671"/>
+              <a:ext cx="2320104" cy="1329342"/>
+              <a:chOff x="9457595" y="1537072"/>
+              <a:chExt cx="2274818" cy="1303395"/>
+            </a:xfrm>
+          </p:grpSpPr>
+          <p:sp>
+            <p:nvSpPr>
+              <p:cNvPr id="12" name="TextBox 11"/>
+              <p:cNvSpPr txBox="1"/>
+              <p:nvPr/>
+            </p:nvSpPr>
+            <p:spPr>
+              <a:xfrm>
+                <a:off x="9740343" y="1957194"/>
+                <a:ext cx="1736673" cy="621342"/>
+              </a:xfrm>
+              <a:prstGeom prst="rect">
+                <a:avLst/>
+              </a:prstGeom>
+              <a:noFill/>
+            </p:spPr>
+            <p:txBody>
+              <a:bodyPr wrap="square" lIns="182646" tIns="146117" rIns="182646" bIns="146117" rtlCol="0">
+                <a:spAutoFit/>
+              </a:bodyPr>
+              <a:lstStyle/>
+              <a:p>
+                <a:pPr algn="ctr">
+                  <a:lnSpc>
+                    <a:spcPct val="90000"/>
+                  </a:lnSpc>
+                  <a:spcAft>
+                    <a:spcPts val="599"/>
+                  </a:spcAft>
+                </a:pPr>
+                <a:r>
+                  <a:rPr lang="en-US" sz="2397" dirty="0">
+                    <a:solidFill>
+                      <a:srgbClr val="0078D7"/>
+                    </a:solidFill>
+                  </a:rPr>
+                  <a:t>Sandbox</a:t>
+                </a:r>
+              </a:p>
+            </p:txBody>
+          </p:sp>
+          <p:pic>
+            <p:nvPicPr>
+              <p:cNvPr id="13" name="Picture 12"/>
+              <p:cNvPicPr>
+                <a:picLocks noChangeAspect="1"/>
+              </p:cNvPicPr>
+              <p:nvPr/>
+            </p:nvPicPr>
+            <p:blipFill>
+              <a:blip r:embed="rId3"/>
+              <a:stretch>
+                <a:fillRect/>
+              </a:stretch>
+            </p:blipFill>
+            <p:spPr>
+              <a:xfrm>
+                <a:off x="9457595" y="1537072"/>
+                <a:ext cx="2274818" cy="1303395"/>
+              </a:xfrm>
+              <a:prstGeom prst="rect">
+                <a:avLst/>
+              </a:prstGeom>
+            </p:spPr>
+          </p:pic>
+          <p:sp>
+            <p:nvSpPr>
+              <p:cNvPr id="14" name="TextBox 13"/>
+              <p:cNvSpPr txBox="1"/>
+              <p:nvPr/>
+            </p:nvSpPr>
+            <p:spPr>
+              <a:xfrm>
+                <a:off x="9575718" y="1682593"/>
+                <a:ext cx="1936643" cy="621342"/>
+              </a:xfrm>
+              <a:prstGeom prst="rect">
+                <a:avLst/>
+              </a:prstGeom>
+              <a:noFill/>
+            </p:spPr>
+            <p:txBody>
+              <a:bodyPr wrap="none" lIns="182646" tIns="146117" rIns="182646" bIns="146117" rtlCol="0">
+                <a:spAutoFit/>
+              </a:bodyPr>
+              <a:lstStyle/>
+              <a:p>
+                <a:pPr algn="ctr">
+                  <a:lnSpc>
+                    <a:spcPct val="90000"/>
+                  </a:lnSpc>
+                  <a:spcAft>
+                    <a:spcPts val="599"/>
+                  </a:spcAft>
+                </a:pPr>
+                <a:r>
+                  <a:rPr lang="en-US" sz="2397" dirty="0">
+                    <a:gradFill>
+                      <a:gsLst>
+                        <a:gs pos="2917">
+                          <a:srgbClr val="FFFFFF"/>
+                        </a:gs>
+                        <a:gs pos="30000">
+                          <a:srgbClr val="FFFFFF"/>
+                        </a:gs>
+                      </a:gsLst>
+                      <a:lin ang="5400000" scaled="0"/>
+                    </a:gradFill>
+                  </a:rPr>
+                  <a:t>Mysite.html</a:t>
+                </a:r>
+              </a:p>
+            </p:txBody>
+          </p:sp>
+          <p:sp>
+            <p:nvSpPr>
+              <p:cNvPr id="15" name="Rectangle 14"/>
+              <p:cNvSpPr/>
+              <p:nvPr/>
+            </p:nvSpPr>
+            <p:spPr bwMode="auto">
+              <a:xfrm>
+                <a:off x="9852055" y="2199827"/>
+                <a:ext cx="1482848" cy="423074"/>
+              </a:xfrm>
+              <a:prstGeom prst="rect">
+                <a:avLst/>
+              </a:prstGeom>
+              <a:noFill/>
+              <a:ln w="38100">
+                <a:solidFill>
+                  <a:schemeClr val="bg1"/>
+                </a:solidFill>
+                <a:headEnd type="none" w="med" len="med"/>
+                <a:tailEnd type="none" w="med" len="med"/>
+              </a:ln>
+            </p:spPr>
+            <p:style>
+              <a:lnRef idx="2">
+                <a:schemeClr val="accent1"/>
+              </a:lnRef>
+              <a:fillRef idx="1">
+                <a:schemeClr val="lt1"/>
+              </a:fillRef>
+              <a:effectRef idx="0">
+                <a:schemeClr val="accent1"/>
+              </a:effectRef>
+              <a:fontRef idx="minor">
+                <a:schemeClr val="dk1"/>
+              </a:fontRef>
+            </p:style>
+            <p:txBody>
+              <a:bodyPr vert="horz" wrap="square" lIns="0" tIns="46577" rIns="0" bIns="46577" numCol="1" rtlCol="0" anchor="ctr" anchorCtr="0" compatLnSpc="1">
+                <a:prstTxWarp prst="textNoShape">
+                  <a:avLst/>
+                </a:prstTxWarp>
+              </a:bodyPr>
+              <a:lstStyle/>
+              <a:p>
+                <a:pPr algn="ctr" defTabSz="931193" fontAlgn="base">
+                  <a:spcBef>
+                    <a:spcPct val="0"/>
+                  </a:spcBef>
+                  <a:spcAft>
+                    <a:spcPct val="0"/>
+                  </a:spcAft>
+                </a:pPr>
+                <a:r>
+                  <a:rPr lang="en-US" sz="1798" dirty="0">
+                    <a:solidFill>
+                      <a:schemeClr val="bg1"/>
+                    </a:solidFill>
+                  </a:rPr>
+                  <a:t>Layer 2</a:t>
+                </a:r>
+              </a:p>
+            </p:txBody>
+          </p:sp>
+        </p:grpSp>
       </p:grpSp>
       <p:sp>
         <p:nvSpPr>
@@ -36158,440 +36927,6 @@
                       </p:childTnLst>
                     </p:cTn>
                   </p:par>
-                  <p:par>
-                    <p:cTn id="23" fill="hold">
-                      <p:stCondLst>
-                        <p:cond delay="indefinite"/>
-                      </p:stCondLst>
-                      <p:childTnLst>
-                        <p:par>
-                          <p:cTn id="24" fill="hold">
-                            <p:stCondLst>
-                              <p:cond delay="0"/>
-                            </p:stCondLst>
-                            <p:childTnLst>
-                              <p:par>
-                                <p:cTn id="25" presetID="10" presetClass="entr" presetSubtype="0" fill="hold" nodeType="clickEffect">
-                                  <p:stCondLst>
-                                    <p:cond delay="0"/>
-                                  </p:stCondLst>
-                                  <p:childTnLst>
-                                    <p:set>
-                                      <p:cBhvr>
-                                        <p:cTn id="26" dur="1" fill="hold">
-                                          <p:stCondLst>
-                                            <p:cond delay="0"/>
-                                          </p:stCondLst>
-                                        </p:cTn>
-                                        <p:tgtEl>
-                                          <p:spTgt spid="3">
-                                            <p:txEl>
-                                              <p:pRg st="5" end="5"/>
-                                            </p:txEl>
-                                          </p:spTgt>
-                                        </p:tgtEl>
-                                        <p:attrNameLst>
-                                          <p:attrName>style.visibility</p:attrName>
-                                        </p:attrNameLst>
-                                      </p:cBhvr>
-                                      <p:to>
-                                        <p:strVal val="visible"/>
-                                      </p:to>
-                                    </p:set>
-                                    <p:animEffect transition="in" filter="fade">
-                                      <p:cBhvr>
-                                        <p:cTn id="27" dur="500"/>
-                                        <p:tgtEl>
-                                          <p:spTgt spid="3">
-                                            <p:txEl>
-                                              <p:pRg st="5" end="5"/>
-                                            </p:txEl>
-                                          </p:spTgt>
-                                        </p:tgtEl>
-                                      </p:cBhvr>
-                                    </p:animEffect>
-                                  </p:childTnLst>
-                                </p:cTn>
-                              </p:par>
-                              <p:par>
-                                <p:cTn id="28" presetID="10" presetClass="entr" presetSubtype="0" fill="hold" nodeType="withEffect">
-                                  <p:stCondLst>
-                                    <p:cond delay="0"/>
-                                  </p:stCondLst>
-                                  <p:childTnLst>
-                                    <p:set>
-                                      <p:cBhvr>
-                                        <p:cTn id="29" dur="1" fill="hold">
-                                          <p:stCondLst>
-                                            <p:cond delay="0"/>
-                                          </p:stCondLst>
-                                        </p:cTn>
-                                        <p:tgtEl>
-                                          <p:spTgt spid="3">
-                                            <p:txEl>
-                                              <p:pRg st="6" end="6"/>
-                                            </p:txEl>
-                                          </p:spTgt>
-                                        </p:tgtEl>
-                                        <p:attrNameLst>
-                                          <p:attrName>style.visibility</p:attrName>
-                                        </p:attrNameLst>
-                                      </p:cBhvr>
-                                      <p:to>
-                                        <p:strVal val="visible"/>
-                                      </p:to>
-                                    </p:set>
-                                    <p:animEffect transition="in" filter="fade">
-                                      <p:cBhvr>
-                                        <p:cTn id="30" dur="500"/>
-                                        <p:tgtEl>
-                                          <p:spTgt spid="3">
-                                            <p:txEl>
-                                              <p:pRg st="6" end="6"/>
-                                            </p:txEl>
-                                          </p:spTgt>
-                                        </p:tgtEl>
-                                      </p:cBhvr>
-                                    </p:animEffect>
-                                  </p:childTnLst>
-                                </p:cTn>
-                              </p:par>
-                              <p:par>
-                                <p:cTn id="31" presetID="10" presetClass="entr" presetSubtype="0" fill="hold" nodeType="withEffect">
-                                  <p:stCondLst>
-                                    <p:cond delay="0"/>
-                                  </p:stCondLst>
-                                  <p:childTnLst>
-                                    <p:set>
-                                      <p:cBhvr>
-                                        <p:cTn id="32" dur="1" fill="hold">
-                                          <p:stCondLst>
-                                            <p:cond delay="0"/>
-                                          </p:stCondLst>
-                                        </p:cTn>
-                                        <p:tgtEl>
-                                          <p:spTgt spid="3">
-                                            <p:txEl>
-                                              <p:pRg st="7" end="7"/>
-                                            </p:txEl>
-                                          </p:spTgt>
-                                        </p:tgtEl>
-                                        <p:attrNameLst>
-                                          <p:attrName>style.visibility</p:attrName>
-                                        </p:attrNameLst>
-                                      </p:cBhvr>
-                                      <p:to>
-                                        <p:strVal val="visible"/>
-                                      </p:to>
-                                    </p:set>
-                                    <p:animEffect transition="in" filter="fade">
-                                      <p:cBhvr>
-                                        <p:cTn id="33" dur="500"/>
-                                        <p:tgtEl>
-                                          <p:spTgt spid="3">
-                                            <p:txEl>
-                                              <p:pRg st="7" end="7"/>
-                                            </p:txEl>
-                                          </p:spTgt>
-                                        </p:tgtEl>
-                                      </p:cBhvr>
-                                    </p:animEffect>
-                                  </p:childTnLst>
-                                </p:cTn>
-                              </p:par>
-                              <p:par>
-                                <p:cTn id="34" presetID="10" presetClass="entr" presetSubtype="0" fill="hold" nodeType="withEffect">
-                                  <p:stCondLst>
-                                    <p:cond delay="0"/>
-                                  </p:stCondLst>
-                                  <p:childTnLst>
-                                    <p:set>
-                                      <p:cBhvr>
-                                        <p:cTn id="35" dur="1" fill="hold">
-                                          <p:stCondLst>
-                                            <p:cond delay="0"/>
-                                          </p:stCondLst>
-                                        </p:cTn>
-                                        <p:tgtEl>
-                                          <p:spTgt spid="3">
-                                            <p:txEl>
-                                              <p:pRg st="8" end="8"/>
-                                            </p:txEl>
-                                          </p:spTgt>
-                                        </p:tgtEl>
-                                        <p:attrNameLst>
-                                          <p:attrName>style.visibility</p:attrName>
-                                        </p:attrNameLst>
-                                      </p:cBhvr>
-                                      <p:to>
-                                        <p:strVal val="visible"/>
-                                      </p:to>
-                                    </p:set>
-                                    <p:animEffect transition="in" filter="fade">
-                                      <p:cBhvr>
-                                        <p:cTn id="36" dur="500"/>
-                                        <p:tgtEl>
-                                          <p:spTgt spid="3">
-                                            <p:txEl>
-                                              <p:pRg st="8" end="8"/>
-                                            </p:txEl>
-                                          </p:spTgt>
-                                        </p:tgtEl>
-                                      </p:cBhvr>
-                                    </p:animEffect>
-                                  </p:childTnLst>
-                                </p:cTn>
-                              </p:par>
-                              <p:par>
-                                <p:cTn id="37" presetID="10" presetClass="entr" presetSubtype="0" fill="hold" nodeType="withEffect">
-                                  <p:stCondLst>
-                                    <p:cond delay="0"/>
-                                  </p:stCondLst>
-                                  <p:childTnLst>
-                                    <p:set>
-                                      <p:cBhvr>
-                                        <p:cTn id="38" dur="1" fill="hold">
-                                          <p:stCondLst>
-                                            <p:cond delay="0"/>
-                                          </p:stCondLst>
-                                        </p:cTn>
-                                        <p:tgtEl>
-                                          <p:spTgt spid="3">
-                                            <p:txEl>
-                                              <p:pRg st="9" end="9"/>
-                                            </p:txEl>
-                                          </p:spTgt>
-                                        </p:tgtEl>
-                                        <p:attrNameLst>
-                                          <p:attrName>style.visibility</p:attrName>
-                                        </p:attrNameLst>
-                                      </p:cBhvr>
-                                      <p:to>
-                                        <p:strVal val="visible"/>
-                                      </p:to>
-                                    </p:set>
-                                    <p:animEffect transition="in" filter="fade">
-                                      <p:cBhvr>
-                                        <p:cTn id="39" dur="500"/>
-                                        <p:tgtEl>
-                                          <p:spTgt spid="3">
-                                            <p:txEl>
-                                              <p:pRg st="9" end="9"/>
-                                            </p:txEl>
-                                          </p:spTgt>
-                                        </p:tgtEl>
-                                      </p:cBhvr>
-                                    </p:animEffect>
-                                  </p:childTnLst>
-                                </p:cTn>
-                              </p:par>
-                              <p:par>
-                                <p:cTn id="40" presetID="1" presetClass="entr" presetSubtype="0" fill="hold" nodeType="withEffect">
-                                  <p:stCondLst>
-                                    <p:cond delay="0"/>
-                                  </p:stCondLst>
-                                  <p:childTnLst>
-                                    <p:set>
-                                      <p:cBhvr>
-                                        <p:cTn id="41" dur="1" fill="hold">
-                                          <p:stCondLst>
-                                            <p:cond delay="0"/>
-                                          </p:stCondLst>
-                                        </p:cTn>
-                                        <p:tgtEl>
-                                          <p:spTgt spid="17"/>
-                                        </p:tgtEl>
-                                        <p:attrNameLst>
-                                          <p:attrName>style.visibility</p:attrName>
-                                        </p:attrNameLst>
-                                      </p:cBhvr>
-                                      <p:to>
-                                        <p:strVal val="visible"/>
-                                      </p:to>
-                                    </p:set>
-                                  </p:childTnLst>
-                                </p:cTn>
-                              </p:par>
-                            </p:childTnLst>
-                          </p:cTn>
-                        </p:par>
-                      </p:childTnLst>
-                    </p:cTn>
-                  </p:par>
-                  <p:par>
-                    <p:cTn id="42" fill="hold">
-                      <p:stCondLst>
-                        <p:cond delay="indefinite"/>
-                      </p:stCondLst>
-                      <p:childTnLst>
-                        <p:par>
-                          <p:cTn id="43" fill="hold">
-                            <p:stCondLst>
-                              <p:cond delay="0"/>
-                            </p:stCondLst>
-                            <p:childTnLst>
-                              <p:par>
-                                <p:cTn id="44" presetID="10" presetClass="entr" presetSubtype="0" fill="hold" nodeType="clickEffect">
-                                  <p:stCondLst>
-                                    <p:cond delay="0"/>
-                                  </p:stCondLst>
-                                  <p:childTnLst>
-                                    <p:set>
-                                      <p:cBhvr>
-                                        <p:cTn id="45" dur="1" fill="hold">
-                                          <p:stCondLst>
-                                            <p:cond delay="0"/>
-                                          </p:stCondLst>
-                                        </p:cTn>
-                                        <p:tgtEl>
-                                          <p:spTgt spid="3">
-                                            <p:txEl>
-                                              <p:pRg st="11" end="11"/>
-                                            </p:txEl>
-                                          </p:spTgt>
-                                        </p:tgtEl>
-                                        <p:attrNameLst>
-                                          <p:attrName>style.visibility</p:attrName>
-                                        </p:attrNameLst>
-                                      </p:cBhvr>
-                                      <p:to>
-                                        <p:strVal val="visible"/>
-                                      </p:to>
-                                    </p:set>
-                                    <p:animEffect transition="in" filter="fade">
-                                      <p:cBhvr>
-                                        <p:cTn id="46" dur="500"/>
-                                        <p:tgtEl>
-                                          <p:spTgt spid="3">
-                                            <p:txEl>
-                                              <p:pRg st="11" end="11"/>
-                                            </p:txEl>
-                                          </p:spTgt>
-                                        </p:tgtEl>
-                                      </p:cBhvr>
-                                    </p:animEffect>
-                                  </p:childTnLst>
-                                </p:cTn>
-                              </p:par>
-                              <p:par>
-                                <p:cTn id="47" presetID="10" presetClass="entr" presetSubtype="0" fill="hold" nodeType="withEffect">
-                                  <p:stCondLst>
-                                    <p:cond delay="0"/>
-                                  </p:stCondLst>
-                                  <p:childTnLst>
-                                    <p:set>
-                                      <p:cBhvr>
-                                        <p:cTn id="48" dur="1" fill="hold">
-                                          <p:stCondLst>
-                                            <p:cond delay="0"/>
-                                          </p:stCondLst>
-                                        </p:cTn>
-                                        <p:tgtEl>
-                                          <p:spTgt spid="3">
-                                            <p:txEl>
-                                              <p:pRg st="12" end="12"/>
-                                            </p:txEl>
-                                          </p:spTgt>
-                                        </p:tgtEl>
-                                        <p:attrNameLst>
-                                          <p:attrName>style.visibility</p:attrName>
-                                        </p:attrNameLst>
-                                      </p:cBhvr>
-                                      <p:to>
-                                        <p:strVal val="visible"/>
-                                      </p:to>
-                                    </p:set>
-                                    <p:animEffect transition="in" filter="fade">
-                                      <p:cBhvr>
-                                        <p:cTn id="49" dur="500"/>
-                                        <p:tgtEl>
-                                          <p:spTgt spid="3">
-                                            <p:txEl>
-                                              <p:pRg st="12" end="12"/>
-                                            </p:txEl>
-                                          </p:spTgt>
-                                        </p:tgtEl>
-                                      </p:cBhvr>
-                                    </p:animEffect>
-                                  </p:childTnLst>
-                                </p:cTn>
-                              </p:par>
-                              <p:par>
-                                <p:cTn id="50" presetID="10" presetClass="entr" presetSubtype="0" fill="hold" nodeType="withEffect">
-                                  <p:stCondLst>
-                                    <p:cond delay="0"/>
-                                  </p:stCondLst>
-                                  <p:childTnLst>
-                                    <p:set>
-                                      <p:cBhvr>
-                                        <p:cTn id="51" dur="1" fill="hold">
-                                          <p:stCondLst>
-                                            <p:cond delay="0"/>
-                                          </p:stCondLst>
-                                        </p:cTn>
-                                        <p:tgtEl>
-                                          <p:spTgt spid="3">
-                                            <p:txEl>
-                                              <p:pRg st="13" end="13"/>
-                                            </p:txEl>
-                                          </p:spTgt>
-                                        </p:tgtEl>
-                                        <p:attrNameLst>
-                                          <p:attrName>style.visibility</p:attrName>
-                                        </p:attrNameLst>
-                                      </p:cBhvr>
-                                      <p:to>
-                                        <p:strVal val="visible"/>
-                                      </p:to>
-                                    </p:set>
-                                    <p:animEffect transition="in" filter="fade">
-                                      <p:cBhvr>
-                                        <p:cTn id="52" dur="500"/>
-                                        <p:tgtEl>
-                                          <p:spTgt spid="3">
-                                            <p:txEl>
-                                              <p:pRg st="13" end="13"/>
-                                            </p:txEl>
-                                          </p:spTgt>
-                                        </p:tgtEl>
-                                      </p:cBhvr>
-                                    </p:animEffect>
-                                  </p:childTnLst>
-                                </p:cTn>
-                              </p:par>
-                              <p:par>
-                                <p:cTn id="53" presetID="1" presetClass="entr" presetSubtype="0" fill="hold" nodeType="withEffect">
-                                  <p:stCondLst>
-                                    <p:cond delay="0"/>
-                                  </p:stCondLst>
-                                  <p:childTnLst>
-                                    <p:set>
-                                      <p:cBhvr>
-                                        <p:cTn id="54" dur="1" fill="hold">
-                                          <p:stCondLst>
-                                            <p:cond delay="0"/>
-                                          </p:stCondLst>
-                                        </p:cTn>
-                                        <p:tgtEl>
-                                          <p:spTgt spid="18"/>
-                                        </p:tgtEl>
-                                        <p:attrNameLst>
-                                          <p:attrName>style.visibility</p:attrName>
-                                        </p:attrNameLst>
-                                      </p:cBhvr>
-                                      <p:to>
-                                        <p:strVal val="visible"/>
-                                      </p:to>
-                                    </p:set>
-                                  </p:childTnLst>
-                                </p:cTn>
-                              </p:par>
-                            </p:childTnLst>
-                          </p:cTn>
-                        </p:par>
-                      </p:childTnLst>
-                    </p:cTn>
-                  </p:par>
                 </p:childTnLst>
               </p:cTn>
               <p:prevCondLst>
@@ -36658,27 +36993,297 @@
       </p:sp>
       <p:sp>
         <p:nvSpPr>
-          <p:cNvPr id="3" name="Text Placeholder 2"/>
-          <p:cNvSpPr>
-            <a:spLocks noGrp="1"/>
+          <p:cNvPr id="4" name="Text Placeholder 2"/>
+          <p:cNvSpPr txBox="1">
+            <a:spLocks/>
           </p:cNvSpPr>
-          <p:nvPr>
-            <p:ph type="body" sz="quarter" idx="4294967295"/>
-          </p:nvPr>
+          <p:nvPr/>
         </p:nvSpPr>
         <p:spPr>
           <a:xfrm>
-            <a:off x="549275" y="1076325"/>
-            <a:ext cx="11887200" cy="5345113"/>
+            <a:off x="280447" y="1129307"/>
+            <a:ext cx="11347990" cy="5577348"/>
           </a:xfrm>
+          <a:prstGeom prst="rect">
+            <a:avLst/>
+          </a:prstGeom>
         </p:spPr>
         <p:txBody>
           <a:bodyPr>
             <a:normAutofit/>
           </a:bodyPr>
-          <a:lstStyle/>
-          <a:p>
-            <a:endParaRPr lang="en-US" sz="2448" dirty="0"/>
+          <a:lstStyle>
+            <a:lvl1pPr marL="342900" marR="0" indent="-342900" algn="l" defTabSz="932742" rtl="0" eaLnBrk="1" fontAlgn="auto" latinLnBrk="0" hangingPunct="1">
+              <a:lnSpc>
+                <a:spcPct val="90000"/>
+              </a:lnSpc>
+              <a:spcBef>
+                <a:spcPct val="20000"/>
+              </a:spcBef>
+              <a:spcAft>
+                <a:spcPts val="0"/>
+              </a:spcAft>
+              <a:buClrTx/>
+              <a:buSzPct val="90000"/>
+              <a:buFont typeface="Arial" pitchFamily="34" charset="0"/>
+              <a:buChar char="•"/>
+              <a:tabLst/>
+              <a:defRPr sz="4000" kern="1200" spc="0" baseline="0">
+                <a:gradFill>
+                  <a:gsLst>
+                    <a:gs pos="1250">
+                      <a:schemeClr val="tx1"/>
+                    </a:gs>
+                    <a:gs pos="100000">
+                      <a:schemeClr val="tx1"/>
+                    </a:gs>
+                  </a:gsLst>
+                  <a:lin ang="5400000" scaled="0"/>
+                </a:gradFill>
+                <a:latin typeface="+mj-lt"/>
+                <a:ea typeface="+mn-ea"/>
+                <a:cs typeface="+mn-cs"/>
+              </a:defRPr>
+            </a:lvl1pPr>
+            <a:lvl2pPr marL="584200" marR="0" indent="-241300" algn="l" defTabSz="932742" rtl="0" eaLnBrk="1" fontAlgn="auto" latinLnBrk="0" hangingPunct="1">
+              <a:lnSpc>
+                <a:spcPct val="90000"/>
+              </a:lnSpc>
+              <a:spcBef>
+                <a:spcPct val="20000"/>
+              </a:spcBef>
+              <a:spcAft>
+                <a:spcPts val="0"/>
+              </a:spcAft>
+              <a:buClrTx/>
+              <a:buSzPct val="90000"/>
+              <a:buFont typeface="Arial" pitchFamily="34" charset="0"/>
+              <a:buChar char="•"/>
+              <a:tabLst/>
+              <a:defRPr sz="2400" kern="1200" spc="0" baseline="0">
+                <a:gradFill>
+                  <a:gsLst>
+                    <a:gs pos="1250">
+                      <a:schemeClr val="tx1"/>
+                    </a:gs>
+                    <a:gs pos="100000">
+                      <a:schemeClr val="tx1"/>
+                    </a:gs>
+                  </a:gsLst>
+                  <a:lin ang="5400000" scaled="0"/>
+                </a:gradFill>
+                <a:latin typeface="+mn-lt"/>
+                <a:ea typeface="+mn-ea"/>
+                <a:cs typeface="+mn-cs"/>
+              </a:defRPr>
+            </a:lvl2pPr>
+            <a:lvl3pPr marL="800100" marR="0" indent="-228600" algn="l" defTabSz="932742" rtl="0" eaLnBrk="1" fontAlgn="auto" latinLnBrk="0" hangingPunct="1">
+              <a:lnSpc>
+                <a:spcPct val="90000"/>
+              </a:lnSpc>
+              <a:spcBef>
+                <a:spcPct val="20000"/>
+              </a:spcBef>
+              <a:spcAft>
+                <a:spcPts val="0"/>
+              </a:spcAft>
+              <a:buClrTx/>
+              <a:buSzPct val="90000"/>
+              <a:buFont typeface="Arial" pitchFamily="34" charset="0"/>
+              <a:buChar char="•"/>
+              <a:tabLst/>
+              <a:defRPr sz="2000" kern="1200" spc="0" baseline="0">
+                <a:gradFill>
+                  <a:gsLst>
+                    <a:gs pos="1250">
+                      <a:schemeClr val="tx1"/>
+                    </a:gs>
+                    <a:gs pos="100000">
+                      <a:schemeClr val="tx1"/>
+                    </a:gs>
+                  </a:gsLst>
+                  <a:lin ang="5400000" scaled="0"/>
+                </a:gradFill>
+                <a:latin typeface="+mn-lt"/>
+                <a:ea typeface="+mn-ea"/>
+                <a:cs typeface="+mn-cs"/>
+              </a:defRPr>
+            </a:lvl3pPr>
+            <a:lvl4pPr marL="1028700" marR="0" indent="-228600" algn="l" defTabSz="932742" rtl="0" eaLnBrk="1" fontAlgn="auto" latinLnBrk="0" hangingPunct="1">
+              <a:lnSpc>
+                <a:spcPct val="90000"/>
+              </a:lnSpc>
+              <a:spcBef>
+                <a:spcPct val="20000"/>
+              </a:spcBef>
+              <a:spcAft>
+                <a:spcPts val="0"/>
+              </a:spcAft>
+              <a:buClrTx/>
+              <a:buSzPct val="90000"/>
+              <a:buFont typeface="Arial" pitchFamily="34" charset="0"/>
+              <a:buChar char="•"/>
+              <a:tabLst/>
+              <a:defRPr sz="1800" kern="1200" spc="0" baseline="0">
+                <a:gradFill>
+                  <a:gsLst>
+                    <a:gs pos="1250">
+                      <a:schemeClr val="tx1"/>
+                    </a:gs>
+                    <a:gs pos="100000">
+                      <a:schemeClr val="tx1"/>
+                    </a:gs>
+                  </a:gsLst>
+                  <a:lin ang="5400000" scaled="0"/>
+                </a:gradFill>
+                <a:latin typeface="+mn-lt"/>
+                <a:ea typeface="+mn-ea"/>
+                <a:cs typeface="+mn-cs"/>
+              </a:defRPr>
+            </a:lvl4pPr>
+            <a:lvl5pPr marL="1257300" marR="0" indent="-228600" algn="l" defTabSz="932742" rtl="0" eaLnBrk="1" fontAlgn="auto" latinLnBrk="0" hangingPunct="1">
+              <a:lnSpc>
+                <a:spcPct val="90000"/>
+              </a:lnSpc>
+              <a:spcBef>
+                <a:spcPct val="20000"/>
+              </a:spcBef>
+              <a:spcAft>
+                <a:spcPts val="0"/>
+              </a:spcAft>
+              <a:buClrTx/>
+              <a:buSzPct val="90000"/>
+              <a:buFont typeface="Arial" pitchFamily="34" charset="0"/>
+              <a:buChar char="•"/>
+              <a:tabLst/>
+              <a:defRPr sz="1800" kern="1200" spc="0" baseline="0">
+                <a:gradFill>
+                  <a:gsLst>
+                    <a:gs pos="1250">
+                      <a:schemeClr val="tx1"/>
+                    </a:gs>
+                    <a:gs pos="100000">
+                      <a:schemeClr val="tx1"/>
+                    </a:gs>
+                  </a:gsLst>
+                  <a:lin ang="5400000" scaled="0"/>
+                </a:gradFill>
+                <a:latin typeface="+mn-lt"/>
+                <a:ea typeface="+mn-ea"/>
+                <a:cs typeface="+mn-cs"/>
+              </a:defRPr>
+            </a:lvl5pPr>
+            <a:lvl6pPr marL="2565040" indent="-233186" algn="l" defTabSz="932742" rtl="0" eaLnBrk="1" latinLnBrk="0" hangingPunct="1">
+              <a:spcBef>
+                <a:spcPct val="20000"/>
+              </a:spcBef>
+              <a:buFont typeface="Arial" pitchFamily="34" charset="0"/>
+              <a:buChar char="•"/>
+              <a:defRPr sz="2000" kern="1200">
+                <a:solidFill>
+                  <a:schemeClr val="tx1"/>
+                </a:solidFill>
+                <a:latin typeface="+mn-lt"/>
+                <a:ea typeface="+mn-ea"/>
+                <a:cs typeface="+mn-cs"/>
+              </a:defRPr>
+            </a:lvl6pPr>
+            <a:lvl7pPr marL="3031412" indent="-233186" algn="l" defTabSz="932742" rtl="0" eaLnBrk="1" latinLnBrk="0" hangingPunct="1">
+              <a:spcBef>
+                <a:spcPct val="20000"/>
+              </a:spcBef>
+              <a:buFont typeface="Arial" pitchFamily="34" charset="0"/>
+              <a:buChar char="•"/>
+              <a:defRPr sz="2000" kern="1200">
+                <a:solidFill>
+                  <a:schemeClr val="tx1"/>
+                </a:solidFill>
+                <a:latin typeface="+mn-lt"/>
+                <a:ea typeface="+mn-ea"/>
+                <a:cs typeface="+mn-cs"/>
+              </a:defRPr>
+            </a:lvl7pPr>
+            <a:lvl8pPr marL="3497783" indent="-233186" algn="l" defTabSz="932742" rtl="0" eaLnBrk="1" latinLnBrk="0" hangingPunct="1">
+              <a:spcBef>
+                <a:spcPct val="20000"/>
+              </a:spcBef>
+              <a:buFont typeface="Arial" pitchFamily="34" charset="0"/>
+              <a:buChar char="•"/>
+              <a:defRPr sz="2000" kern="1200">
+                <a:solidFill>
+                  <a:schemeClr val="tx1"/>
+                </a:solidFill>
+                <a:latin typeface="+mn-lt"/>
+                <a:ea typeface="+mn-ea"/>
+                <a:cs typeface="+mn-cs"/>
+              </a:defRPr>
+            </a:lvl8pPr>
+            <a:lvl9pPr marL="3964155" indent="-233186" algn="l" defTabSz="932742" rtl="0" eaLnBrk="1" latinLnBrk="0" hangingPunct="1">
+              <a:spcBef>
+                <a:spcPct val="20000"/>
+              </a:spcBef>
+              <a:buFont typeface="Arial" pitchFamily="34" charset="0"/>
+              <a:buChar char="•"/>
+              <a:defRPr sz="2000" kern="1200">
+                <a:solidFill>
+                  <a:schemeClr val="tx1"/>
+                </a:solidFill>
+                <a:latin typeface="+mn-lt"/>
+                <a:ea typeface="+mn-ea"/>
+                <a:cs typeface="+mn-cs"/>
+              </a:defRPr>
+            </a:lvl9pPr>
+          </a:lstStyle>
+          <a:p>
+            <a:r>
+              <a:rPr lang="en-US" dirty="0"/>
+              <a:t>hub.docker.com</a:t>
+            </a:r>
+          </a:p>
+          <a:p>
+            <a:pPr lvl="1"/>
+            <a:r>
+              <a:rPr lang="en-US" dirty="0"/>
+              <a:t>Allows you to create public or private organizational repositories</a:t>
+            </a:r>
+          </a:p>
+          <a:p>
+            <a:pPr lvl="1"/>
+            <a:endParaRPr lang="en-US" dirty="0"/>
+          </a:p>
+          <a:p>
+            <a:r>
+              <a:rPr lang="en-US" dirty="0"/>
+              <a:t>Host your own</a:t>
+            </a:r>
+          </a:p>
+          <a:p>
+            <a:pPr lvl="1"/>
+            <a:r>
+              <a:rPr lang="en-US" dirty="0"/>
+              <a:t>Requires </a:t>
+            </a:r>
+            <a:r>
+              <a:rPr lang="en-US" dirty="0" err="1"/>
+              <a:t>linux</a:t>
+            </a:r>
+            <a:endParaRPr lang="en-US" dirty="0"/>
+          </a:p>
+          <a:p>
+            <a:endParaRPr lang="en-US" dirty="0"/>
+          </a:p>
+          <a:p>
+            <a:r>
+              <a:rPr lang="en-US" dirty="0"/>
+              <a:t>Avoid custom base images</a:t>
+            </a:r>
+          </a:p>
+          <a:p>
+            <a:pPr lvl="1"/>
+            <a:r>
+              <a:rPr lang="en-US" dirty="0"/>
+              <a:t>Creates problems with sharing images (missing underlying layers)</a:t>
+            </a:r>
           </a:p>
         </p:txBody>
       </p:sp>
@@ -36716,15 +37321,10 @@
                             </p:stCondLst>
                             <p:childTnLst>
                               <p:par>
-                                <p:cTn id="5" presetID="10" presetClass="entr" presetSubtype="0" fill="hold" nodeType="clickEffect" nodePh="1">
+                                <p:cTn id="5" presetID="10" presetClass="entr" presetSubtype="0" fill="hold" nodeType="clickEffect">
                                   <p:stCondLst>
                                     <p:cond delay="0"/>
                                   </p:stCondLst>
-                                  <p:endCondLst>
-                                    <p:cond evt="begin" delay="0">
-                                      <p:tn val="5"/>
-                                    </p:cond>
-                                  </p:endCondLst>
                                   <p:childTnLst>
                                     <p:set>
                                       <p:cBhvr>
@@ -36734,7 +37334,7 @@
                                           </p:stCondLst>
                                         </p:cTn>
                                         <p:tgtEl>
-                                          <p:spTgt spid="3">
+                                          <p:spTgt spid="4">
                                             <p:txEl>
                                               <p:pRg st="0" end="0"/>
                                             </p:txEl>
@@ -36752,9 +37352,314 @@
                                       <p:cBhvr>
                                         <p:cTn id="7" dur="500"/>
                                         <p:tgtEl>
-                                          <p:spTgt spid="3">
+                                          <p:spTgt spid="4">
                                             <p:txEl>
                                               <p:pRg st="0" end="0"/>
+                                            </p:txEl>
+                                          </p:spTgt>
+                                        </p:tgtEl>
+                                      </p:cBhvr>
+                                    </p:animEffect>
+                                  </p:childTnLst>
+                                </p:cTn>
+                              </p:par>
+                            </p:childTnLst>
+                          </p:cTn>
+                        </p:par>
+                      </p:childTnLst>
+                    </p:cTn>
+                  </p:par>
+                  <p:par>
+                    <p:cTn id="8" fill="hold">
+                      <p:stCondLst>
+                        <p:cond delay="indefinite"/>
+                      </p:stCondLst>
+                      <p:childTnLst>
+                        <p:par>
+                          <p:cTn id="9" fill="hold">
+                            <p:stCondLst>
+                              <p:cond delay="0"/>
+                            </p:stCondLst>
+                            <p:childTnLst>
+                              <p:par>
+                                <p:cTn id="10" presetID="10" presetClass="entr" presetSubtype="0" fill="hold" nodeType="clickEffect">
+                                  <p:stCondLst>
+                                    <p:cond delay="0"/>
+                                  </p:stCondLst>
+                                  <p:childTnLst>
+                                    <p:set>
+                                      <p:cBhvr>
+                                        <p:cTn id="11" dur="1" fill="hold">
+                                          <p:stCondLst>
+                                            <p:cond delay="0"/>
+                                          </p:stCondLst>
+                                        </p:cTn>
+                                        <p:tgtEl>
+                                          <p:spTgt spid="4">
+                                            <p:txEl>
+                                              <p:pRg st="1" end="1"/>
+                                            </p:txEl>
+                                          </p:spTgt>
+                                        </p:tgtEl>
+                                        <p:attrNameLst>
+                                          <p:attrName>style.visibility</p:attrName>
+                                        </p:attrNameLst>
+                                      </p:cBhvr>
+                                      <p:to>
+                                        <p:strVal val="visible"/>
+                                      </p:to>
+                                    </p:set>
+                                    <p:animEffect transition="in" filter="fade">
+                                      <p:cBhvr>
+                                        <p:cTn id="12" dur="500"/>
+                                        <p:tgtEl>
+                                          <p:spTgt spid="4">
+                                            <p:txEl>
+                                              <p:pRg st="1" end="1"/>
+                                            </p:txEl>
+                                          </p:spTgt>
+                                        </p:tgtEl>
+                                      </p:cBhvr>
+                                    </p:animEffect>
+                                  </p:childTnLst>
+                                </p:cTn>
+                              </p:par>
+                            </p:childTnLst>
+                          </p:cTn>
+                        </p:par>
+                      </p:childTnLst>
+                    </p:cTn>
+                  </p:par>
+                  <p:par>
+                    <p:cTn id="13" fill="hold">
+                      <p:stCondLst>
+                        <p:cond delay="indefinite"/>
+                      </p:stCondLst>
+                      <p:childTnLst>
+                        <p:par>
+                          <p:cTn id="14" fill="hold">
+                            <p:stCondLst>
+                              <p:cond delay="0"/>
+                            </p:stCondLst>
+                            <p:childTnLst>
+                              <p:par>
+                                <p:cTn id="15" presetID="10" presetClass="entr" presetSubtype="0" fill="hold" nodeType="clickEffect">
+                                  <p:stCondLst>
+                                    <p:cond delay="0"/>
+                                  </p:stCondLst>
+                                  <p:childTnLst>
+                                    <p:set>
+                                      <p:cBhvr>
+                                        <p:cTn id="16" dur="1" fill="hold">
+                                          <p:stCondLst>
+                                            <p:cond delay="0"/>
+                                          </p:stCondLst>
+                                        </p:cTn>
+                                        <p:tgtEl>
+                                          <p:spTgt spid="4">
+                                            <p:txEl>
+                                              <p:pRg st="3" end="3"/>
+                                            </p:txEl>
+                                          </p:spTgt>
+                                        </p:tgtEl>
+                                        <p:attrNameLst>
+                                          <p:attrName>style.visibility</p:attrName>
+                                        </p:attrNameLst>
+                                      </p:cBhvr>
+                                      <p:to>
+                                        <p:strVal val="visible"/>
+                                      </p:to>
+                                    </p:set>
+                                    <p:animEffect transition="in" filter="fade">
+                                      <p:cBhvr>
+                                        <p:cTn id="17" dur="500"/>
+                                        <p:tgtEl>
+                                          <p:spTgt spid="4">
+                                            <p:txEl>
+                                              <p:pRg st="3" end="3"/>
+                                            </p:txEl>
+                                          </p:spTgt>
+                                        </p:tgtEl>
+                                      </p:cBhvr>
+                                    </p:animEffect>
+                                  </p:childTnLst>
+                                </p:cTn>
+                              </p:par>
+                            </p:childTnLst>
+                          </p:cTn>
+                        </p:par>
+                      </p:childTnLst>
+                    </p:cTn>
+                  </p:par>
+                  <p:par>
+                    <p:cTn id="18" fill="hold">
+                      <p:stCondLst>
+                        <p:cond delay="indefinite"/>
+                      </p:stCondLst>
+                      <p:childTnLst>
+                        <p:par>
+                          <p:cTn id="19" fill="hold">
+                            <p:stCondLst>
+                              <p:cond delay="0"/>
+                            </p:stCondLst>
+                            <p:childTnLst>
+                              <p:par>
+                                <p:cTn id="20" presetID="10" presetClass="entr" presetSubtype="0" fill="hold" nodeType="clickEffect">
+                                  <p:stCondLst>
+                                    <p:cond delay="0"/>
+                                  </p:stCondLst>
+                                  <p:childTnLst>
+                                    <p:set>
+                                      <p:cBhvr>
+                                        <p:cTn id="21" dur="1" fill="hold">
+                                          <p:stCondLst>
+                                            <p:cond delay="0"/>
+                                          </p:stCondLst>
+                                        </p:cTn>
+                                        <p:tgtEl>
+                                          <p:spTgt spid="4">
+                                            <p:txEl>
+                                              <p:pRg st="4" end="4"/>
+                                            </p:txEl>
+                                          </p:spTgt>
+                                        </p:tgtEl>
+                                        <p:attrNameLst>
+                                          <p:attrName>style.visibility</p:attrName>
+                                        </p:attrNameLst>
+                                      </p:cBhvr>
+                                      <p:to>
+                                        <p:strVal val="visible"/>
+                                      </p:to>
+                                    </p:set>
+                                    <p:animEffect transition="in" filter="fade">
+                                      <p:cBhvr>
+                                        <p:cTn id="22" dur="500"/>
+                                        <p:tgtEl>
+                                          <p:spTgt spid="4">
+                                            <p:txEl>
+                                              <p:pRg st="4" end="4"/>
+                                            </p:txEl>
+                                          </p:spTgt>
+                                        </p:tgtEl>
+                                      </p:cBhvr>
+                                    </p:animEffect>
+                                  </p:childTnLst>
+                                </p:cTn>
+                              </p:par>
+                            </p:childTnLst>
+                          </p:cTn>
+                        </p:par>
+                      </p:childTnLst>
+                    </p:cTn>
+                  </p:par>
+                  <p:par>
+                    <p:cTn id="23" fill="hold">
+                      <p:stCondLst>
+                        <p:cond delay="indefinite"/>
+                      </p:stCondLst>
+                      <p:childTnLst>
+                        <p:par>
+                          <p:cTn id="24" fill="hold">
+                            <p:stCondLst>
+                              <p:cond delay="0"/>
+                            </p:stCondLst>
+                            <p:childTnLst>
+                              <p:par>
+                                <p:cTn id="25" presetID="10" presetClass="entr" presetSubtype="0" fill="hold" nodeType="clickEffect">
+                                  <p:stCondLst>
+                                    <p:cond delay="0"/>
+                                  </p:stCondLst>
+                                  <p:childTnLst>
+                                    <p:set>
+                                      <p:cBhvr>
+                                        <p:cTn id="26" dur="1" fill="hold">
+                                          <p:stCondLst>
+                                            <p:cond delay="0"/>
+                                          </p:stCondLst>
+                                        </p:cTn>
+                                        <p:tgtEl>
+                                          <p:spTgt spid="4">
+                                            <p:txEl>
+                                              <p:pRg st="6" end="6"/>
+                                            </p:txEl>
+                                          </p:spTgt>
+                                        </p:tgtEl>
+                                        <p:attrNameLst>
+                                          <p:attrName>style.visibility</p:attrName>
+                                        </p:attrNameLst>
+                                      </p:cBhvr>
+                                      <p:to>
+                                        <p:strVal val="visible"/>
+                                      </p:to>
+                                    </p:set>
+                                    <p:animEffect transition="in" filter="fade">
+                                      <p:cBhvr>
+                                        <p:cTn id="27" dur="500"/>
+                                        <p:tgtEl>
+                                          <p:spTgt spid="4">
+                                            <p:txEl>
+                                              <p:pRg st="6" end="6"/>
+                                            </p:txEl>
+                                          </p:spTgt>
+                                        </p:tgtEl>
+                                      </p:cBhvr>
+                                    </p:animEffect>
+                                  </p:childTnLst>
+                                </p:cTn>
+                              </p:par>
+                            </p:childTnLst>
+                          </p:cTn>
+                        </p:par>
+                      </p:childTnLst>
+                    </p:cTn>
+                  </p:par>
+                  <p:par>
+                    <p:cTn id="28" fill="hold">
+                      <p:stCondLst>
+                        <p:cond delay="indefinite"/>
+                      </p:stCondLst>
+                      <p:childTnLst>
+                        <p:par>
+                          <p:cTn id="29" fill="hold">
+                            <p:stCondLst>
+                              <p:cond delay="0"/>
+                            </p:stCondLst>
+                            <p:childTnLst>
+                              <p:par>
+                                <p:cTn id="30" presetID="10" presetClass="entr" presetSubtype="0" fill="hold" nodeType="clickEffect">
+                                  <p:stCondLst>
+                                    <p:cond delay="0"/>
+                                  </p:stCondLst>
+                                  <p:childTnLst>
+                                    <p:set>
+                                      <p:cBhvr>
+                                        <p:cTn id="31" dur="1" fill="hold">
+                                          <p:stCondLst>
+                                            <p:cond delay="0"/>
+                                          </p:stCondLst>
+                                        </p:cTn>
+                                        <p:tgtEl>
+                                          <p:spTgt spid="4">
+                                            <p:txEl>
+                                              <p:pRg st="7" end="7"/>
+                                            </p:txEl>
+                                          </p:spTgt>
+                                        </p:tgtEl>
+                                        <p:attrNameLst>
+                                          <p:attrName>style.visibility</p:attrName>
+                                        </p:attrNameLst>
+                                      </p:cBhvr>
+                                      <p:to>
+                                        <p:strVal val="visible"/>
+                                      </p:to>
+                                    </p:set>
+                                    <p:animEffect transition="in" filter="fade">
+                                      <p:cBhvr>
+                                        <p:cTn id="32" dur="500"/>
+                                        <p:tgtEl>
+                                          <p:spTgt spid="4">
+                                            <p:txEl>
+                                              <p:pRg st="7" end="7"/>
                                             </p:txEl>
                                           </p:spTgt>
                                         </p:tgtEl>
@@ -36828,7 +37733,289 @@
           <a:p>
             <a:r>
               <a:rPr lang="en-US" dirty="0"/>
-              <a:t>Orchestrations</a:t>
+              <a:t>Orchestrations – multiple hosts</a:t>
+            </a:r>
+          </a:p>
+        </p:txBody>
+      </p:sp>
+      <p:grpSp>
+        <p:nvGrpSpPr>
+          <p:cNvPr id="11" name="Group 10"/>
+          <p:cNvGrpSpPr/>
+          <p:nvPr/>
+        </p:nvGrpSpPr>
+        <p:grpSpPr>
+          <a:xfrm>
+            <a:off x="3398837" y="4092320"/>
+            <a:ext cx="2667000" cy="2470667"/>
+            <a:chOff x="4389437" y="3978388"/>
+            <a:chExt cx="2667000" cy="2470667"/>
+          </a:xfrm>
+        </p:grpSpPr>
+        <p:pic>
+          <p:nvPicPr>
+            <p:cNvPr id="1026" name="Picture 2" descr="Image result for kubernetes"/>
+            <p:cNvPicPr>
+              <a:picLocks noChangeAspect="1" noChangeArrowheads="1"/>
+            </p:cNvPicPr>
+            <p:nvPr/>
+          </p:nvPicPr>
+          <p:blipFill>
+            <a:blip r:embed="rId3">
+              <a:extLst>
+                <a:ext uri="{28A0092B-C50C-407E-A947-70E740481C1C}">
+                  <a14:useLocalDpi xmlns:a14="http://schemas.microsoft.com/office/drawing/2010/main" val="0"/>
+                </a:ext>
+              </a:extLst>
+            </a:blip>
+            <a:srcRect/>
+            <a:stretch>
+              <a:fillRect/>
+            </a:stretch>
+          </p:blipFill>
+          <p:spPr bwMode="auto">
+            <a:xfrm>
+              <a:off x="4389437" y="3978388"/>
+              <a:ext cx="2667000" cy="2286001"/>
+            </a:xfrm>
+            <a:prstGeom prst="rect">
+              <a:avLst/>
+            </a:prstGeom>
+            <a:noFill/>
+            <a:extLst>
+              <a:ext uri="{909E8E84-426E-40DD-AFC4-6F175D3DCCD1}">
+                <a14:hiddenFill xmlns:a14="http://schemas.microsoft.com/office/drawing/2010/main">
+                  <a:solidFill>
+                    <a:srgbClr val="FFFFFF"/>
+                  </a:solidFill>
+                </a14:hiddenFill>
+              </a:ext>
+            </a:extLst>
+          </p:spPr>
+        </p:pic>
+        <p:sp>
+          <p:nvSpPr>
+            <p:cNvPr id="8" name="Rectangle 7"/>
+            <p:cNvSpPr/>
+            <p:nvPr/>
+          </p:nvSpPr>
+          <p:spPr>
+            <a:xfrm>
+              <a:off x="4634124" y="6079723"/>
+              <a:ext cx="2293577" cy="369332"/>
+            </a:xfrm>
+            <a:prstGeom prst="rect">
+              <a:avLst/>
+            </a:prstGeom>
+          </p:spPr>
+          <p:txBody>
+            <a:bodyPr wrap="none">
+              <a:spAutoFit/>
+            </a:bodyPr>
+            <a:lstStyle/>
+            <a:p>
+              <a:r>
+                <a:rPr lang="en-US" dirty="0">
+                  <a:hlinkClick r:id="rId4"/>
+                </a:rPr>
+                <a:t>http://kubernetes.io/</a:t>
+              </a:r>
+              <a:endParaRPr lang="en-US" dirty="0"/>
+            </a:p>
+          </p:txBody>
+        </p:sp>
+      </p:grpSp>
+      <p:grpSp>
+        <p:nvGrpSpPr>
+          <p:cNvPr id="12" name="Group 11"/>
+          <p:cNvGrpSpPr/>
+          <p:nvPr/>
+        </p:nvGrpSpPr>
+        <p:grpSpPr>
+          <a:xfrm>
+            <a:off x="1570037" y="1676546"/>
+            <a:ext cx="3364706" cy="2021387"/>
+            <a:chOff x="1570037" y="1676546"/>
+            <a:chExt cx="3364706" cy="2021387"/>
+          </a:xfrm>
+        </p:grpSpPr>
+        <p:pic>
+          <p:nvPicPr>
+            <p:cNvPr id="7" name="Picture 6"/>
+            <p:cNvPicPr>
+              <a:picLocks noChangeAspect="1"/>
+            </p:cNvPicPr>
+            <p:nvPr/>
+          </p:nvPicPr>
+          <p:blipFill>
+            <a:blip r:embed="rId5"/>
+            <a:stretch>
+              <a:fillRect/>
+            </a:stretch>
+          </p:blipFill>
+          <p:spPr>
+            <a:xfrm>
+              <a:off x="1570037" y="1676546"/>
+              <a:ext cx="3364706" cy="1371600"/>
+            </a:xfrm>
+            <a:prstGeom prst="rect">
+              <a:avLst/>
+            </a:prstGeom>
+          </p:spPr>
+        </p:pic>
+        <p:sp>
+          <p:nvSpPr>
+            <p:cNvPr id="9" name="Rectangle 8"/>
+            <p:cNvSpPr/>
+            <p:nvPr/>
+          </p:nvSpPr>
+          <p:spPr>
+            <a:xfrm>
+              <a:off x="1870923" y="3328601"/>
+              <a:ext cx="2748060" cy="369332"/>
+            </a:xfrm>
+            <a:prstGeom prst="rect">
+              <a:avLst/>
+            </a:prstGeom>
+          </p:spPr>
+          <p:txBody>
+            <a:bodyPr wrap="none">
+              <a:spAutoFit/>
+            </a:bodyPr>
+            <a:lstStyle/>
+            <a:p>
+              <a:r>
+                <a:rPr lang="en-US" dirty="0">
+                  <a:hlinkClick r:id="rId6"/>
+                </a:rPr>
+                <a:t>https://mesosphere.com/</a:t>
+              </a:r>
+              <a:endParaRPr lang="en-US" dirty="0"/>
+            </a:p>
+          </p:txBody>
+        </p:sp>
+      </p:grpSp>
+      <p:grpSp>
+        <p:nvGrpSpPr>
+          <p:cNvPr id="13" name="Group 12"/>
+          <p:cNvGrpSpPr/>
+          <p:nvPr/>
+        </p:nvGrpSpPr>
+        <p:grpSpPr>
+          <a:xfrm>
+            <a:off x="6946306" y="1897062"/>
+            <a:ext cx="5153911" cy="2662221"/>
+            <a:chOff x="6751637" y="551965"/>
+            <a:chExt cx="5153911" cy="2662221"/>
+          </a:xfrm>
+        </p:grpSpPr>
+        <p:pic>
+          <p:nvPicPr>
+            <p:cNvPr id="5" name="Picture 4"/>
+            <p:cNvPicPr>
+              <a:picLocks noChangeAspect="1"/>
+            </p:cNvPicPr>
+            <p:nvPr/>
+          </p:nvPicPr>
+          <p:blipFill>
+            <a:blip r:embed="rId7"/>
+            <a:stretch>
+              <a:fillRect/>
+            </a:stretch>
+          </p:blipFill>
+          <p:spPr>
+            <a:xfrm>
+              <a:off x="8504237" y="551965"/>
+              <a:ext cx="3295650" cy="2197100"/>
+            </a:xfrm>
+            <a:prstGeom prst="rect">
+              <a:avLst/>
+            </a:prstGeom>
+          </p:spPr>
+        </p:pic>
+        <p:sp>
+          <p:nvSpPr>
+            <p:cNvPr id="10" name="Rectangle 9"/>
+            <p:cNvSpPr/>
+            <p:nvPr/>
+          </p:nvSpPr>
+          <p:spPr>
+            <a:xfrm>
+              <a:off x="6751637" y="2844854"/>
+              <a:ext cx="5153911" cy="369332"/>
+            </a:xfrm>
+            <a:prstGeom prst="rect">
+              <a:avLst/>
+            </a:prstGeom>
+          </p:spPr>
+          <p:txBody>
+            <a:bodyPr wrap="none">
+              <a:spAutoFit/>
+            </a:bodyPr>
+            <a:lstStyle/>
+            <a:p>
+              <a:r>
+                <a:rPr lang="en-US" dirty="0">
+                  <a:hlinkClick r:id="rId8"/>
+                </a:rPr>
+                <a:t>https://www.docker.com/products/docker-swarm</a:t>
+              </a:r>
+              <a:endParaRPr lang="en-US" dirty="0"/>
+            </a:p>
+          </p:txBody>
+        </p:sp>
+      </p:grpSp>
+    </p:spTree>
+    <p:extLst>
+      <p:ext uri="{BB962C8B-B14F-4D97-AF65-F5344CB8AC3E}">
+        <p14:creationId xmlns:p14="http://schemas.microsoft.com/office/powerpoint/2010/main" val="728485559"/>
+      </p:ext>
+    </p:extLst>
+  </p:cSld>
+  <p:clrMapOvr>
+    <a:masterClrMapping/>
+  </p:clrMapOvr>
+  <p:transition>
+    <p:fade/>
+  </p:transition>
+</p:sld>
+</file>
+
+<file path=ppt/slides/slide24.xml><?xml version="1.0" encoding="utf-8"?>
+<p:sld xmlns:a="http://schemas.openxmlformats.org/drawingml/2006/main" xmlns:r="http://schemas.openxmlformats.org/officeDocument/2006/relationships" xmlns:p="http://schemas.openxmlformats.org/presentationml/2006/main">
+  <p:cSld>
+    <p:spTree>
+      <p:nvGrpSpPr>
+        <p:cNvPr id="1" name=""/>
+        <p:cNvGrpSpPr/>
+        <p:nvPr/>
+      </p:nvGrpSpPr>
+      <p:grpSpPr>
+        <a:xfrm>
+          <a:off x="0" y="0"/>
+          <a:ext cx="0" cy="0"/>
+          <a:chOff x="0" y="0"/>
+          <a:chExt cx="0" cy="0"/>
+        </a:xfrm>
+      </p:grpSpPr>
+      <p:sp>
+        <p:nvSpPr>
+          <p:cNvPr id="2" name="Title 1"/>
+          <p:cNvSpPr>
+            <a:spLocks noGrp="1"/>
+          </p:cNvSpPr>
+          <p:nvPr>
+            <p:ph type="title"/>
+          </p:nvPr>
+        </p:nvSpPr>
+        <p:spPr/>
+        <p:txBody>
+          <a:bodyPr/>
+          <a:lstStyle/>
+          <a:p>
+            <a:r>
+              <a:rPr lang="en-US" dirty="0"/>
+              <a:t>Azure Container Service</a:t>
             </a:r>
           </a:p>
         </p:txBody>
@@ -36845,8 +38032,8 @@
         </p:nvSpPr>
         <p:spPr>
           <a:xfrm>
-            <a:off x="549275" y="1076325"/>
-            <a:ext cx="11887200" cy="5345113"/>
+            <a:off x="30797" y="6587332"/>
+            <a:ext cx="11887200" cy="1230313"/>
           </a:xfrm>
         </p:spPr>
         <p:txBody>
@@ -36855,14 +38042,143 @@
           </a:bodyPr>
           <a:lstStyle/>
           <a:p>
-            <a:endParaRPr lang="en-US" sz="2448" dirty="0"/>
+            <a:pPr marL="0" indent="0">
+              <a:buNone/>
+            </a:pPr>
+            <a:r>
+              <a:rPr lang="en-US" sz="1600" dirty="0"/>
+              <a:t>https://azure.microsoft.com/en-us/blog/windows-server-containers-using-docker-swarm-on-azure-container-service-private-preview/</a:t>
+            </a:r>
           </a:p>
         </p:txBody>
       </p:sp>
+      <p:sp>
+        <p:nvSpPr>
+          <p:cNvPr id="5" name="Rectangle 4"/>
+          <p:cNvSpPr/>
+          <p:nvPr/>
+        </p:nvSpPr>
+        <p:spPr>
+          <a:xfrm>
+            <a:off x="503237" y="958107"/>
+            <a:ext cx="11734800" cy="5632311"/>
+          </a:xfrm>
+          <a:prstGeom prst="rect">
+            <a:avLst/>
+          </a:prstGeom>
+        </p:spPr>
+        <p:txBody>
+          <a:bodyPr wrap="square">
+            <a:spAutoFit/>
+          </a:bodyPr>
+          <a:lstStyle/>
+          <a:p>
+            <a:r>
+              <a:rPr lang="en-US" sz="2400" b="1" dirty="0">
+                <a:solidFill>
+                  <a:srgbClr val="505050"/>
+                </a:solidFill>
+                <a:latin typeface="Segoe UI Condensed"/>
+              </a:rPr>
+              <a:t>We are excited to announce a limited preview of Azure Container Service for Windows Server containers. </a:t>
+            </a:r>
+            <a:r>
+              <a:rPr lang="en-US" sz="2400" dirty="0">
+                <a:solidFill>
+                  <a:srgbClr val="505050"/>
+                </a:solidFill>
+                <a:latin typeface="Segoe UI Condensed"/>
+              </a:rPr>
+              <a:t>To join the preview, please register </a:t>
+            </a:r>
+            <a:r>
+              <a:rPr lang="en-US" sz="2400" dirty="0">
+                <a:solidFill>
+                  <a:srgbClr val="00ABEC"/>
+                </a:solidFill>
+                <a:latin typeface="Segoe UI Condensed"/>
+                <a:hlinkClick r:id="rId3"/>
+              </a:rPr>
+              <a:t>here</a:t>
+            </a:r>
+            <a:r>
+              <a:rPr lang="en-US" sz="2400" dirty="0">
+                <a:solidFill>
+                  <a:srgbClr val="505050"/>
+                </a:solidFill>
+                <a:latin typeface="Segoe UI Condensed"/>
+              </a:rPr>
+              <a:t>. We look forward to receiving your feedback!</a:t>
+            </a:r>
+          </a:p>
+          <a:p>
+            <a:endParaRPr lang="en-US" sz="2400" dirty="0">
+              <a:solidFill>
+                <a:srgbClr val="505050"/>
+              </a:solidFill>
+              <a:latin typeface="Segoe UI Condensed"/>
+            </a:endParaRPr>
+          </a:p>
+          <a:p>
+            <a:r>
+              <a:rPr lang="en-US" sz="2400" dirty="0">
+                <a:solidFill>
+                  <a:srgbClr val="505050"/>
+                </a:solidFill>
+                <a:latin typeface="Segoe UI Condensed"/>
+              </a:rPr>
+              <a:t>Azure Container Service is designed for enterprises, ISVs and startups looking to put containers into production, quickly and simply. It combines Azure’s infrastructure with a choice of open source container orchestration technology: DC/OS or Docker Swarm. To provision your container service, you simply select the VM cluster size, DC/OS or Swarm, and the Azure region, and the container service handles everything else. This preview of Windows Server containers under the Azure Container Service currently only supports Docker Swarm as the orchestrator.</a:t>
+            </a:r>
+          </a:p>
+          <a:p>
+            <a:endParaRPr lang="en-US" sz="2400" dirty="0">
+              <a:solidFill>
+                <a:srgbClr val="505050"/>
+              </a:solidFill>
+              <a:latin typeface="Segoe UI Condensed"/>
+            </a:endParaRPr>
+          </a:p>
+          <a:p>
+            <a:r>
+              <a:rPr lang="en-US" sz="2400" dirty="0">
+                <a:solidFill>
+                  <a:srgbClr val="505050"/>
+                </a:solidFill>
+                <a:latin typeface="Segoe UI Condensed"/>
+              </a:rPr>
+              <a:t>Azure is founded on maximum choice for all developers and ITPros. With this preview, we’re opening the Azure Container Service to Windows Server developers for the first time.</a:t>
+            </a:r>
+          </a:p>
+        </p:txBody>
+      </p:sp>
+      <p:pic>
+        <p:nvPicPr>
+          <p:cNvPr id="4" name="Picture 3"/>
+          <p:cNvPicPr>
+            <a:picLocks noChangeAspect="1"/>
+          </p:cNvPicPr>
+          <p:nvPr/>
+        </p:nvPicPr>
+        <p:blipFill>
+          <a:blip r:embed="rId4"/>
+          <a:stretch>
+            <a:fillRect/>
+          </a:stretch>
+        </p:blipFill>
+        <p:spPr>
+          <a:xfrm>
+            <a:off x="-30163" y="-7939"/>
+            <a:ext cx="13411202" cy="7543801"/>
+          </a:xfrm>
+          <a:prstGeom prst="rect">
+            <a:avLst/>
+          </a:prstGeom>
+        </p:spPr>
+      </p:pic>
     </p:spTree>
     <p:extLst>
       <p:ext uri="{BB962C8B-B14F-4D97-AF65-F5344CB8AC3E}">
-        <p14:creationId xmlns:p14="http://schemas.microsoft.com/office/powerpoint/2010/main" val="728485559"/>
+        <p14:creationId xmlns:p14="http://schemas.microsoft.com/office/powerpoint/2010/main" val="1769345541"/>
       </p:ext>
     </p:extLst>
   </p:cSld>
@@ -36893,15 +38209,267 @@
                             </p:stCondLst>
                             <p:childTnLst>
                               <p:par>
-                                <p:cTn id="5" presetID="10" presetClass="entr" presetSubtype="0" fill="hold" nodeType="clickEffect" nodePh="1">
+                                <p:cTn id="5" presetID="10" presetClass="entr" presetSubtype="0" fill="hold" nodeType="clickEffect">
                                   <p:stCondLst>
                                     <p:cond delay="0"/>
                                   </p:stCondLst>
-                                  <p:endCondLst>
-                                    <p:cond evt="begin" delay="0">
-                                      <p:tn val="5"/>
-                                    </p:cond>
-                                  </p:endCondLst>
+                                  <p:childTnLst>
+                                    <p:set>
+                                      <p:cBhvr>
+                                        <p:cTn id="6" dur="1" fill="hold">
+                                          <p:stCondLst>
+                                            <p:cond delay="0"/>
+                                          </p:stCondLst>
+                                        </p:cTn>
+                                        <p:tgtEl>
+                                          <p:spTgt spid="3">
+                                            <p:txEl>
+                                              <p:pRg st="0" end="0"/>
+                                            </p:txEl>
+                                          </p:spTgt>
+                                        </p:tgtEl>
+                                        <p:attrNameLst>
+                                          <p:attrName>style.visibility</p:attrName>
+                                        </p:attrNameLst>
+                                      </p:cBhvr>
+                                      <p:to>
+                                        <p:strVal val="visible"/>
+                                      </p:to>
+                                    </p:set>
+                                    <p:animEffect transition="in" filter="fade">
+                                      <p:cBhvr>
+                                        <p:cTn id="7" dur="500"/>
+                                        <p:tgtEl>
+                                          <p:spTgt spid="3">
+                                            <p:txEl>
+                                              <p:pRg st="0" end="0"/>
+                                            </p:txEl>
+                                          </p:spTgt>
+                                        </p:tgtEl>
+                                      </p:cBhvr>
+                                    </p:animEffect>
+                                  </p:childTnLst>
+                                </p:cTn>
+                              </p:par>
+                            </p:childTnLst>
+                          </p:cTn>
+                        </p:par>
+                      </p:childTnLst>
+                    </p:cTn>
+                  </p:par>
+                  <p:par>
+                    <p:cTn id="8" fill="hold">
+                      <p:stCondLst>
+                        <p:cond delay="indefinite"/>
+                      </p:stCondLst>
+                      <p:childTnLst>
+                        <p:par>
+                          <p:cTn id="9" fill="hold">
+                            <p:stCondLst>
+                              <p:cond delay="0"/>
+                            </p:stCondLst>
+                            <p:childTnLst>
+                              <p:par>
+                                <p:cTn id="10" presetID="1" presetClass="exit" presetSubtype="0" fill="hold" nodeType="clickEffect">
+                                  <p:stCondLst>
+                                    <p:cond delay="0"/>
+                                  </p:stCondLst>
+                                  <p:childTnLst>
+                                    <p:set>
+                                      <p:cBhvr>
+                                        <p:cTn id="11" dur="1" fill="hold">
+                                          <p:stCondLst>
+                                            <p:cond delay="0"/>
+                                          </p:stCondLst>
+                                        </p:cTn>
+                                        <p:tgtEl>
+                                          <p:spTgt spid="4"/>
+                                        </p:tgtEl>
+                                        <p:attrNameLst>
+                                          <p:attrName>style.visibility</p:attrName>
+                                        </p:attrNameLst>
+                                      </p:cBhvr>
+                                      <p:to>
+                                        <p:strVal val="hidden"/>
+                                      </p:to>
+                                    </p:set>
+                                  </p:childTnLst>
+                                </p:cTn>
+                              </p:par>
+                            </p:childTnLst>
+                          </p:cTn>
+                        </p:par>
+                      </p:childTnLst>
+                    </p:cTn>
+                  </p:par>
+                </p:childTnLst>
+              </p:cTn>
+              <p:prevCondLst>
+                <p:cond evt="onPrev" delay="0">
+                  <p:tgtEl>
+                    <p:sldTgt/>
+                  </p:tgtEl>
+                </p:cond>
+              </p:prevCondLst>
+              <p:nextCondLst>
+                <p:cond evt="onNext" delay="0">
+                  <p:tgtEl>
+                    <p:sldTgt/>
+                  </p:tgtEl>
+                </p:cond>
+              </p:nextCondLst>
+            </p:seq>
+          </p:childTnLst>
+        </p:cTn>
+      </p:par>
+    </p:tnLst>
+  </p:timing>
+</p:sld>
+</file>
+
+<file path=ppt/slides/slide25.xml><?xml version="1.0" encoding="utf-8"?>
+<p:sld xmlns:a="http://schemas.openxmlformats.org/drawingml/2006/main" xmlns:r="http://schemas.openxmlformats.org/officeDocument/2006/relationships" xmlns:p="http://schemas.openxmlformats.org/presentationml/2006/main">
+  <p:cSld>
+    <p:spTree>
+      <p:nvGrpSpPr>
+        <p:cNvPr id="1" name=""/>
+        <p:cNvGrpSpPr/>
+        <p:nvPr/>
+      </p:nvGrpSpPr>
+      <p:grpSpPr>
+        <a:xfrm>
+          <a:off x="0" y="0"/>
+          <a:ext cx="0" cy="0"/>
+          <a:chOff x="0" y="0"/>
+          <a:chExt cx="0" cy="0"/>
+        </a:xfrm>
+      </p:grpSpPr>
+      <p:sp>
+        <p:nvSpPr>
+          <p:cNvPr id="2" name="Title 1"/>
+          <p:cNvSpPr>
+            <a:spLocks noGrp="1"/>
+          </p:cNvSpPr>
+          <p:nvPr>
+            <p:ph type="title"/>
+          </p:nvPr>
+        </p:nvSpPr>
+        <p:spPr/>
+        <p:txBody>
+          <a:bodyPr/>
+          <a:lstStyle/>
+          <a:p>
+            <a:r>
+              <a:rPr lang="en-US" dirty="0"/>
+              <a:t>Interested in More?</a:t>
+            </a:r>
+          </a:p>
+        </p:txBody>
+      </p:sp>
+      <p:sp>
+        <p:nvSpPr>
+          <p:cNvPr id="3" name="Text Placeholder 2"/>
+          <p:cNvSpPr>
+            <a:spLocks noGrp="1"/>
+          </p:cNvSpPr>
+          <p:nvPr>
+            <p:ph type="body" sz="quarter" idx="10"/>
+          </p:nvPr>
+        </p:nvSpPr>
+        <p:spPr>
+          <a:xfrm>
+            <a:off x="274638" y="2659062"/>
+            <a:ext cx="11887200" cy="3657600"/>
+          </a:xfrm>
+        </p:spPr>
+        <p:txBody>
+          <a:bodyPr>
+            <a:normAutofit/>
+          </a:bodyPr>
+          <a:lstStyle/>
+          <a:p>
+            <a:pPr algn="ctr"/>
+            <a:r>
+              <a:rPr lang="en-US" sz="4400" b="1" dirty="0">
+                <a:latin typeface="+mn-lt"/>
+              </a:rPr>
+              <a:t>https://aka.ms/brent-clouddevelop2016</a:t>
+            </a:r>
+            <a:endParaRPr lang="en-US" sz="2448" dirty="0"/>
+          </a:p>
+        </p:txBody>
+      </p:sp>
+      <p:sp>
+        <p:nvSpPr>
+          <p:cNvPr id="16" name="TextBox 15"/>
+          <p:cNvSpPr txBox="1"/>
+          <p:nvPr/>
+        </p:nvSpPr>
+        <p:spPr>
+          <a:xfrm>
+            <a:off x="10187781" y="6599958"/>
+            <a:ext cx="927323" cy="190239"/>
+          </a:xfrm>
+          <a:prstGeom prst="rect">
+            <a:avLst/>
+          </a:prstGeom>
+          <a:noFill/>
+        </p:spPr>
+        <p:txBody>
+          <a:bodyPr wrap="none" rtlCol="0">
+            <a:spAutoFit/>
+          </a:bodyPr>
+          <a:lstStyle/>
+          <a:p>
+            <a:r>
+              <a:rPr lang="en-US" sz="612" dirty="0">
+                <a:solidFill>
+                  <a:schemeClr val="bg1"/>
+                </a:solidFill>
+              </a:rPr>
+              <a:t>Content © Microsoft</a:t>
+            </a:r>
+          </a:p>
+        </p:txBody>
+      </p:sp>
+    </p:spTree>
+    <p:extLst>
+      <p:ext uri="{BB962C8B-B14F-4D97-AF65-F5344CB8AC3E}">
+        <p14:creationId xmlns:p14="http://schemas.microsoft.com/office/powerpoint/2010/main" val="3893319887"/>
+      </p:ext>
+    </p:extLst>
+  </p:cSld>
+  <p:clrMapOvr>
+    <a:masterClrMapping/>
+  </p:clrMapOvr>
+  <p:transition>
+    <p:fade/>
+  </p:transition>
+  <p:timing>
+    <p:tnLst>
+      <p:par>
+        <p:cTn id="1" dur="indefinite" restart="never" nodeType="tmRoot">
+          <p:childTnLst>
+            <p:seq concurrent="1" nextAc="seek">
+              <p:cTn id="2" dur="indefinite" nodeType="mainSeq">
+                <p:childTnLst>
+                  <p:par>
+                    <p:cTn id="3" fill="hold">
+                      <p:stCondLst>
+                        <p:cond delay="indefinite"/>
+                      </p:stCondLst>
+                      <p:childTnLst>
+                        <p:par>
+                          <p:cTn id="4" fill="hold">
+                            <p:stCondLst>
+                              <p:cond delay="0"/>
+                            </p:stCondLst>
+                            <p:childTnLst>
+                              <p:par>
+                                <p:cTn id="5" presetID="10" presetClass="entr" presetSubtype="0" fill="hold" nodeType="clickEffect">
+                                  <p:stCondLst>
+                                    <p:cond delay="0"/>
+                                  </p:stCondLst>
                                   <p:childTnLst>
                                     <p:set>
                                       <p:cBhvr>
@@ -36971,7 +38539,7 @@
 </p:sld>
 </file>
 
-<file path=ppt/slides/slide24.xml><?xml version="1.0" encoding="utf-8"?>
+<file path=ppt/slides/slide26.xml><?xml version="1.0" encoding="utf-8"?>
 <p:sld xmlns:a="http://schemas.openxmlformats.org/drawingml/2006/main" xmlns:r="http://schemas.openxmlformats.org/officeDocument/2006/relationships" xmlns:p="http://schemas.openxmlformats.org/presentationml/2006/main">
   <p:cSld>
     <p:spTree>
@@ -36990,7 +38558,7 @@
       </p:grpSpPr>
       <p:sp>
         <p:nvSpPr>
-          <p:cNvPr id="2" name="Title 1"/>
+          <p:cNvPr id="4" name="Title 3"/>
           <p:cNvSpPr>
             <a:spLocks noGrp="1"/>
           </p:cNvSpPr>
@@ -37005,50 +38573,355 @@
           <a:p>
             <a:r>
               <a:rPr lang="en-US" dirty="0"/>
-              <a:t>Swarm, DC/OS, Kubernetes</a:t>
+              <a:t>Thank you!</a:t>
+            </a:r>
+          </a:p>
+        </p:txBody>
+      </p:sp>
+      <p:grpSp>
+        <p:nvGrpSpPr>
+          <p:cNvPr id="12" name="Group 11"/>
+          <p:cNvGrpSpPr/>
+          <p:nvPr/>
+        </p:nvGrpSpPr>
+        <p:grpSpPr>
+          <a:xfrm>
+            <a:off x="3365" y="5755561"/>
+            <a:ext cx="12433110" cy="1246901"/>
+            <a:chOff x="0" y="5280782"/>
+            <a:chExt cx="12188825" cy="1605349"/>
+          </a:xfrm>
+          <a:solidFill>
+            <a:srgbClr val="505050"/>
+          </a:solidFill>
+        </p:grpSpPr>
+        <p:sp>
+          <p:nvSpPr>
+            <p:cNvPr id="13" name="Rectangle 12"/>
+            <p:cNvSpPr/>
+            <p:nvPr/>
+          </p:nvSpPr>
+          <p:spPr>
+            <a:xfrm>
+              <a:off x="0" y="5280782"/>
+              <a:ext cx="12188825" cy="1605349"/>
+            </a:xfrm>
+            <a:prstGeom prst="rect">
+              <a:avLst/>
+            </a:prstGeom>
+            <a:grpFill/>
+            <a:ln>
+              <a:noFill/>
+            </a:ln>
+          </p:spPr>
+          <p:style>
+            <a:lnRef idx="2">
+              <a:schemeClr val="accent1">
+                <a:shade val="50000"/>
+              </a:schemeClr>
+            </a:lnRef>
+            <a:fillRef idx="1">
+              <a:schemeClr val="accent1"/>
+            </a:fillRef>
+            <a:effectRef idx="0">
+              <a:schemeClr val="accent1"/>
+            </a:effectRef>
+            <a:fontRef idx="minor">
+              <a:schemeClr val="lt1"/>
+            </a:fontRef>
+          </p:style>
+          <p:txBody>
+            <a:bodyPr rtlCol="0" anchor="ctr"/>
+            <a:lstStyle/>
+            <a:p>
+              <a:pPr algn="ctr" defTabSz="685692"/>
+              <a:endParaRPr lang="en-US" sz="1350">
+                <a:solidFill>
+                  <a:srgbClr val="FFFFFF"/>
+                </a:solidFill>
+              </a:endParaRPr>
+            </a:p>
+          </p:txBody>
+        </p:sp>
+        <p:sp>
+          <p:nvSpPr>
+            <p:cNvPr id="14" name="TextBox 13"/>
+            <p:cNvSpPr txBox="1"/>
+            <p:nvPr/>
+          </p:nvSpPr>
+          <p:spPr>
+            <a:xfrm>
+              <a:off x="603198" y="5519896"/>
+              <a:ext cx="1071615" cy="1010281"/>
+            </a:xfrm>
+            <a:prstGeom prst="rect">
+              <a:avLst/>
+            </a:prstGeom>
+            <a:grpFill/>
+            <a:ln>
+              <a:noFill/>
+            </a:ln>
+          </p:spPr>
+          <p:txBody>
+            <a:bodyPr wrap="square" rtlCol="0" anchor="ctr">
+              <a:spAutoFit/>
+            </a:bodyPr>
+            <a:lstStyle/>
+            <a:p>
+              <a:pPr defTabSz="685692"/>
+              <a:r>
+                <a:rPr lang="en-US" sz="4499" dirty="0">
+                  <a:latin typeface="Segoe UI Light"/>
+                  <a:sym typeface="Wingdings" panose="05000000000000000000" pitchFamily="2" charset="2"/>
+                </a:rPr>
+                <a:t></a:t>
+              </a:r>
+              <a:endParaRPr lang="en-US" sz="2700" u="sng" dirty="0">
+                <a:latin typeface="Segoe UI Light"/>
+              </a:endParaRPr>
+            </a:p>
+          </p:txBody>
+        </p:sp>
+        <p:sp>
+          <p:nvSpPr>
+            <p:cNvPr id="15" name="TextBox 14"/>
+            <p:cNvSpPr txBox="1"/>
+            <p:nvPr/>
+          </p:nvSpPr>
+          <p:spPr>
+            <a:xfrm>
+              <a:off x="1674813" y="5705081"/>
+              <a:ext cx="6060404" cy="653818"/>
+            </a:xfrm>
+            <a:prstGeom prst="rect">
+              <a:avLst/>
+            </a:prstGeom>
+            <a:grpFill/>
+            <a:ln>
+              <a:noFill/>
+            </a:ln>
+          </p:spPr>
+          <p:txBody>
+            <a:bodyPr wrap="square" rtlCol="0" anchor="ctr">
+              <a:spAutoFit/>
+            </a:bodyPr>
+            <a:lstStyle/>
+            <a:p>
+              <a:pPr defTabSz="685692"/>
+              <a:r>
+                <a:rPr lang="en-US" sz="2700" b="1" dirty="0">
+                  <a:latin typeface="Segoe UI Light"/>
+                </a:rPr>
+                <a:t>Creating quality bugs since 1992!</a:t>
+              </a:r>
+              <a:endParaRPr lang="en-US" sz="2700" b="1" u="sng" dirty="0">
+                <a:latin typeface="Segoe UI Light"/>
+              </a:endParaRPr>
+            </a:p>
+          </p:txBody>
+        </p:sp>
+      </p:grpSp>
+      <p:pic>
+        <p:nvPicPr>
+          <p:cNvPr id="16" name="Picture 15"/>
+          <p:cNvPicPr>
+            <a:picLocks noChangeAspect="1"/>
+          </p:cNvPicPr>
+          <p:nvPr/>
+        </p:nvPicPr>
+        <p:blipFill>
+          <a:blip r:embed="rId3">
+            <a:extLst>
+              <a:ext uri="{28A0092B-C50C-407E-A947-70E740481C1C}">
+                <a14:useLocalDpi xmlns:a14="http://schemas.microsoft.com/office/drawing/2010/main" val="0"/>
+              </a:ext>
+            </a:extLst>
+          </a:blip>
+          <a:stretch>
+            <a:fillRect/>
+          </a:stretch>
+        </p:blipFill>
+        <p:spPr>
+          <a:xfrm>
+            <a:off x="8190454" y="1212849"/>
+            <a:ext cx="4246021" cy="5781676"/>
+          </a:xfrm>
+          <a:prstGeom prst="rect">
+            <a:avLst/>
+          </a:prstGeom>
+        </p:spPr>
+      </p:pic>
+      <p:sp>
+        <p:nvSpPr>
+          <p:cNvPr id="17" name="Rectangle 16"/>
+          <p:cNvSpPr/>
+          <p:nvPr/>
+        </p:nvSpPr>
+        <p:spPr>
+          <a:xfrm>
+            <a:off x="306729" y="1385034"/>
+            <a:ext cx="7571987" cy="4093428"/>
+          </a:xfrm>
+          <a:prstGeom prst="rect">
+            <a:avLst/>
+          </a:prstGeom>
+        </p:spPr>
+        <p:txBody>
+          <a:bodyPr wrap="square">
+            <a:spAutoFit/>
+          </a:bodyPr>
+          <a:lstStyle/>
+          <a:p>
+            <a:r>
+              <a:rPr lang="en-US" sz="4000" dirty="0">
+                <a:solidFill>
+                  <a:schemeClr val="bg1"/>
+                </a:solidFill>
+              </a:rPr>
+              <a:t>Brent Stineman</a:t>
+            </a:r>
+          </a:p>
+          <a:p>
+            <a:r>
+              <a:rPr lang="en-US" sz="2000" dirty="0">
+                <a:solidFill>
+                  <a:srgbClr val="00B0F0"/>
+                </a:solidFill>
+              </a:rPr>
+              <a:t>DX/TED, Azure Specialist, Cloud Evangelist</a:t>
+            </a:r>
+            <a:endParaRPr lang="en-US" sz="2000" dirty="0">
+              <a:solidFill>
+                <a:schemeClr val="bg1"/>
+              </a:solidFill>
+            </a:endParaRPr>
+          </a:p>
+          <a:p>
+            <a:endParaRPr lang="en-US" sz="2000" dirty="0">
+              <a:solidFill>
+                <a:schemeClr val="bg1"/>
+              </a:solidFill>
+            </a:endParaRPr>
+          </a:p>
+          <a:p>
+            <a:r>
+              <a:rPr lang="en-US" sz="3200" dirty="0">
+                <a:solidFill>
+                  <a:schemeClr val="bg1"/>
+                </a:solidFill>
+              </a:rPr>
+              <a:t>Email: brestin@microsoft.com</a:t>
+            </a:r>
+          </a:p>
+          <a:p>
+            <a:endParaRPr lang="en-US" sz="2800" dirty="0">
+              <a:solidFill>
+                <a:schemeClr val="bg1"/>
+              </a:solidFill>
+            </a:endParaRPr>
+          </a:p>
+          <a:p>
+            <a:r>
+              <a:rPr lang="en-US" sz="3200" dirty="0">
+                <a:solidFill>
+                  <a:schemeClr val="bg1"/>
+                </a:solidFill>
+              </a:rPr>
+              <a:t>Twitter: @</a:t>
+            </a:r>
+            <a:r>
+              <a:rPr lang="en-US" sz="3200" dirty="0" err="1">
+                <a:solidFill>
+                  <a:schemeClr val="bg1"/>
+                </a:solidFill>
+              </a:rPr>
+              <a:t>brentcodemonkey</a:t>
+            </a:r>
+            <a:endParaRPr lang="en-US" sz="3200" dirty="0">
+              <a:solidFill>
+                <a:schemeClr val="bg1"/>
+              </a:solidFill>
+            </a:endParaRPr>
+          </a:p>
+          <a:p>
+            <a:endParaRPr lang="en-US" sz="2800" dirty="0">
+              <a:solidFill>
+                <a:schemeClr val="bg1"/>
+              </a:solidFill>
+            </a:endParaRPr>
+          </a:p>
+          <a:p>
+            <a:r>
+              <a:rPr lang="en-US" sz="3200" dirty="0">
+                <a:solidFill>
+                  <a:schemeClr val="bg1"/>
+                </a:solidFill>
+              </a:rPr>
+              <a:t>Web: </a:t>
+            </a:r>
+            <a:r>
+              <a:rPr lang="en-US" sz="2800" dirty="0">
+                <a:solidFill>
+                  <a:schemeClr val="bg1"/>
+                </a:solidFill>
+              </a:rPr>
+              <a:t>http://brentdacodemonkey.wordpress.com</a:t>
             </a:r>
           </a:p>
         </p:txBody>
       </p:sp>
       <p:sp>
         <p:nvSpPr>
-          <p:cNvPr id="3" name="Text Placeholder 2"/>
-          <p:cNvSpPr>
-            <a:spLocks noGrp="1"/>
-          </p:cNvSpPr>
-          <p:nvPr>
-            <p:ph type="body" sz="quarter" idx="4294967295"/>
-          </p:nvPr>
+          <p:cNvPr id="3" name="Rectangle 2"/>
+          <p:cNvSpPr/>
+          <p:nvPr/>
         </p:nvSpPr>
         <p:spPr>
           <a:xfrm>
-            <a:off x="549275" y="1076325"/>
-            <a:ext cx="11887200" cy="5345113"/>
+            <a:off x="5345257" y="-7938"/>
+            <a:ext cx="7121380" cy="523220"/>
           </a:xfrm>
+          <a:prstGeom prst="rect">
+            <a:avLst/>
+          </a:prstGeom>
         </p:spPr>
         <p:txBody>
-          <a:bodyPr>
-            <a:normAutofit/>
+          <a:bodyPr wrap="square">
+            <a:spAutoFit/>
           </a:bodyPr>
           <a:lstStyle/>
           <a:p>
-            <a:endParaRPr lang="en-US" sz="2448" dirty="0"/>
+            <a:pPr algn="ctr"/>
+            <a:r>
+              <a:rPr lang="en-US" sz="2800" b="1" dirty="0"/>
+              <a:t>https://aka.ms/brent-clouddevelop2016</a:t>
+            </a:r>
+            <a:endParaRPr lang="en-US" sz="1600" dirty="0"/>
           </a:p>
         </p:txBody>
       </p:sp>
     </p:spTree>
     <p:extLst>
       <p:ext uri="{BB962C8B-B14F-4D97-AF65-F5344CB8AC3E}">
-        <p14:creationId xmlns:p14="http://schemas.microsoft.com/office/powerpoint/2010/main" val="1769345541"/>
+        <p14:creationId xmlns:p14="http://schemas.microsoft.com/office/powerpoint/2010/main" val="2428524462"/>
       </p:ext>
     </p:extLst>
   </p:cSld>
   <p:clrMapOvr>
     <a:masterClrMapping/>
   </p:clrMapOvr>
-  <p:transition>
-    <p:fade/>
-  </p:transition>
+  <mc:AlternateContent xmlns:mc="http://schemas.openxmlformats.org/markup-compatibility/2006" xmlns:p14="http://schemas.microsoft.com/office/powerpoint/2010/main">
+    <mc:Choice Requires="p14">
+      <p:transition spd="med" p14:dur="700">
+        <p:fade/>
+      </p:transition>
+    </mc:Choice>
+    <mc:Fallback xmlns="">
+      <p:transition spd="med">
+        <p:fade/>
+      </p:transition>
+    </mc:Fallback>
+  </mc:AlternateContent>
   <p:timing>
     <p:tnLst>
       <p:par>
@@ -37061,6 +38934,9 @@
                     <p:cTn id="3" fill="hold">
                       <p:stCondLst>
                         <p:cond delay="indefinite"/>
+                        <p:cond evt="onBegin" delay="0">
+                          <p:tn val="2"/>
+                        </p:cond>
                       </p:stCondLst>
                       <p:childTnLst>
                         <p:par>
@@ -37070,15 +38946,10 @@
                             </p:stCondLst>
                             <p:childTnLst>
                               <p:par>
-                                <p:cTn id="5" presetID="10" presetClass="entr" presetSubtype="0" fill="hold" nodeType="clickEffect" nodePh="1">
+                                <p:cTn id="5" presetID="42" presetClass="entr" presetSubtype="0" fill="hold" nodeType="afterEffect">
                                   <p:stCondLst>
-                                    <p:cond delay="0"/>
+                                    <p:cond delay="500"/>
                                   </p:stCondLst>
-                                  <p:endCondLst>
-                                    <p:cond evt="begin" delay="0">
-                                      <p:tn val="5"/>
-                                    </p:cond>
-                                  </p:endCondLst>
                                   <p:childTnLst>
                                     <p:set>
                                       <p:cBhvr>
@@ -37088,11 +38959,7 @@
                                           </p:stCondLst>
                                         </p:cTn>
                                         <p:tgtEl>
-                                          <p:spTgt spid="3">
-                                            <p:txEl>
-                                              <p:pRg st="0" end="0"/>
-                                            </p:txEl>
-                                          </p:spTgt>
+                                          <p:spTgt spid="12"/>
                                         </p:tgtEl>
                                         <p:attrNameLst>
                                           <p:attrName>style.visibility</p:attrName>
@@ -37104,16 +38971,58 @@
                                     </p:set>
                                     <p:animEffect transition="in" filter="fade">
                                       <p:cBhvr>
-                                        <p:cTn id="7" dur="500"/>
+                                        <p:cTn id="7" dur="750"/>
                                         <p:tgtEl>
-                                          <p:spTgt spid="3">
-                                            <p:txEl>
-                                              <p:pRg st="0" end="0"/>
-                                            </p:txEl>
-                                          </p:spTgt>
+                                          <p:spTgt spid="12"/>
                                         </p:tgtEl>
                                       </p:cBhvr>
                                     </p:animEffect>
+                                    <p:anim calcmode="lin" valueType="num">
+                                      <p:cBhvr>
+                                        <p:cTn id="8" dur="750" fill="hold"/>
+                                        <p:tgtEl>
+                                          <p:spTgt spid="12"/>
+                                        </p:tgtEl>
+                                        <p:attrNameLst>
+                                          <p:attrName>ppt_x</p:attrName>
+                                        </p:attrNameLst>
+                                      </p:cBhvr>
+                                      <p:tavLst>
+                                        <p:tav tm="0">
+                                          <p:val>
+                                            <p:strVal val="#ppt_x"/>
+                                          </p:val>
+                                        </p:tav>
+                                        <p:tav tm="100000">
+                                          <p:val>
+                                            <p:strVal val="#ppt_x"/>
+                                          </p:val>
+                                        </p:tav>
+                                      </p:tavLst>
+                                    </p:anim>
+                                    <p:anim calcmode="lin" valueType="num">
+                                      <p:cBhvr>
+                                        <p:cTn id="9" dur="750" fill="hold"/>
+                                        <p:tgtEl>
+                                          <p:spTgt spid="12"/>
+                                        </p:tgtEl>
+                                        <p:attrNameLst>
+                                          <p:attrName>ppt_y</p:attrName>
+                                        </p:attrNameLst>
+                                      </p:cBhvr>
+                                      <p:tavLst>
+                                        <p:tav tm="0">
+                                          <p:val>
+                                            <p:strVal val="#ppt_y+.1"/>
+                                          </p:val>
+                                        </p:tav>
+                                        <p:tav tm="100000">
+                                          <p:val>
+                                            <p:strVal val="#ppt_y"/>
+                                          </p:val>
+                                        </p:tav>
+                                      </p:tavLst>
+                                    </p:anim>
                                   </p:childTnLst>
                                 </p:cTn>
                               </p:par>
@@ -37145,159 +39054,6 @@
       </p:par>
     </p:tnLst>
   </p:timing>
-</p:sld>
-</file>
-
-<file path=ppt/slides/slide25.xml><?xml version="1.0" encoding="utf-8"?>
-<p:sld xmlns:a="http://schemas.openxmlformats.org/drawingml/2006/main" xmlns:r="http://schemas.openxmlformats.org/officeDocument/2006/relationships" xmlns:p="http://schemas.openxmlformats.org/presentationml/2006/main">
-  <p:cSld>
-    <p:spTree>
-      <p:nvGrpSpPr>
-        <p:cNvPr id="1" name=""/>
-        <p:cNvGrpSpPr/>
-        <p:nvPr/>
-      </p:nvGrpSpPr>
-      <p:grpSpPr>
-        <a:xfrm>
-          <a:off x="0" y="0"/>
-          <a:ext cx="0" cy="0"/>
-          <a:chOff x="0" y="0"/>
-          <a:chExt cx="0" cy="0"/>
-        </a:xfrm>
-      </p:grpSpPr>
-      <p:sp>
-        <p:nvSpPr>
-          <p:cNvPr id="2" name="Title 1"/>
-          <p:cNvSpPr>
-            <a:spLocks noGrp="1"/>
-          </p:cNvSpPr>
-          <p:nvPr>
-            <p:ph type="title"/>
-          </p:nvPr>
-        </p:nvSpPr>
-        <p:spPr/>
-        <p:txBody>
-          <a:bodyPr/>
-          <a:lstStyle/>
-          <a:p>
-            <a:r>
-              <a:rPr lang="en-US" dirty="0"/>
-              <a:t>Photo layout 1</a:t>
-            </a:r>
-          </a:p>
-        </p:txBody>
-      </p:sp>
-      <p:sp>
-        <p:nvSpPr>
-          <p:cNvPr id="3" name="Picture Placeholder 2"/>
-          <p:cNvSpPr>
-            <a:spLocks noGrp="1"/>
-          </p:cNvSpPr>
-          <p:nvPr>
-            <p:ph type="pic" sz="quarter" idx="10"/>
-          </p:nvPr>
-        </p:nvSpPr>
-        <p:spPr/>
-      </p:sp>
-    </p:spTree>
-    <p:extLst>
-      <p:ext uri="{BB962C8B-B14F-4D97-AF65-F5344CB8AC3E}">
-        <p14:creationId xmlns:p14="http://schemas.microsoft.com/office/powerpoint/2010/main" val="3538090293"/>
-      </p:ext>
-    </p:extLst>
-  </p:cSld>
-  <p:clrMapOvr>
-    <a:masterClrMapping/>
-  </p:clrMapOvr>
-  <p:transition>
-    <p:fade/>
-  </p:transition>
-</p:sld>
-</file>
-
-<file path=ppt/slides/slide26.xml><?xml version="1.0" encoding="utf-8"?>
-<p:sld xmlns:a="http://schemas.openxmlformats.org/drawingml/2006/main" xmlns:r="http://schemas.openxmlformats.org/officeDocument/2006/relationships" xmlns:p="http://schemas.openxmlformats.org/presentationml/2006/main">
-  <p:cSld>
-    <p:spTree>
-      <p:nvGrpSpPr>
-        <p:cNvPr id="1" name=""/>
-        <p:cNvGrpSpPr/>
-        <p:nvPr/>
-      </p:nvGrpSpPr>
-      <p:grpSpPr>
-        <a:xfrm>
-          <a:off x="0" y="0"/>
-          <a:ext cx="0" cy="0"/>
-          <a:chOff x="0" y="0"/>
-          <a:chExt cx="0" cy="0"/>
-        </a:xfrm>
-      </p:grpSpPr>
-      <p:sp>
-        <p:nvSpPr>
-          <p:cNvPr id="4" name="Title 3"/>
-          <p:cNvSpPr>
-            <a:spLocks noGrp="1"/>
-          </p:cNvSpPr>
-          <p:nvPr>
-            <p:ph type="title"/>
-          </p:nvPr>
-        </p:nvSpPr>
-        <p:spPr/>
-        <p:txBody>
-          <a:bodyPr/>
-          <a:lstStyle/>
-          <a:p>
-            <a:r>
-              <a:rPr lang="en-US" dirty="0"/>
-              <a:t>Software code slide</a:t>
-            </a:r>
-          </a:p>
-        </p:txBody>
-      </p:sp>
-      <p:sp>
-        <p:nvSpPr>
-          <p:cNvPr id="5" name="Text Placeholder 4"/>
-          <p:cNvSpPr>
-            <a:spLocks noGrp="1"/>
-          </p:cNvSpPr>
-          <p:nvPr>
-            <p:ph type="body" sz="quarter" idx="10"/>
-          </p:nvPr>
-        </p:nvSpPr>
-        <p:spPr/>
-        <p:txBody>
-          <a:bodyPr/>
-          <a:lstStyle/>
-          <a:p>
-            <a:r>
-              <a:rPr lang="en-US" dirty="0"/>
-              <a:t>This slide layout uses Consolas, a monotype font which is ideal for showing software code. </a:t>
-            </a:r>
-          </a:p>
-        </p:txBody>
-      </p:sp>
-    </p:spTree>
-    <p:extLst>
-      <p:ext uri="{BB962C8B-B14F-4D97-AF65-F5344CB8AC3E}">
-        <p14:creationId xmlns:p14="http://schemas.microsoft.com/office/powerpoint/2010/main" val="2428524462"/>
-      </p:ext>
-    </p:extLst>
-  </p:cSld>
-  <p:clrMapOvr>
-    <a:masterClrMapping/>
-  </p:clrMapOvr>
-  <mc:AlternateContent xmlns:mc="http://schemas.openxmlformats.org/markup-compatibility/2006" xmlns:p14="http://schemas.microsoft.com/office/powerpoint/2010/main">
-    <mc:Choice Requires="p14">
-      <p:transition spd="med" p14:dur="700">
-        <p:fade/>
-      </p:transition>
-    </mc:Choice>
-    <mc:Fallback xmlns="">
-      <p:transition spd="med">
-        <p:fade/>
-      </p:transition>
-    </mc:Fallback>
-  </mc:AlternateContent>
 </p:sld>
 </file>
 

--- a/Presentations/ContainersForWindowsDevs.pptx
+++ b/Presentations/ContainersForWindowsDevs.pptx
@@ -326,7 +326,7 @@
               <a:rPr lang="en-US" smtClean="0">
                 <a:latin typeface="Segoe UI" pitchFamily="34" charset="0"/>
               </a:rPr>
-              <a:t>8/24/2016 8:35 PM</a:t>
+              <a:t>8/25/2016 9:37 AM</a:t>
             </a:fld>
             <a:endParaRPr lang="en-US" dirty="0">
               <a:latin typeface="Segoe UI" pitchFamily="34" charset="0"/>
@@ -687,7 +687,7 @@
           <a:p>
             <a:fld id="{38EEC551-8CDA-4EB6-89BB-2A86C9F091C8}" type="datetime8">
               <a:rPr lang="en-US" smtClean="0"/>
-              <a:t>8/24/2016 8:35 PM</a:t>
+              <a:t>8/25/2016 9:37 AM</a:t>
             </a:fld>
             <a:endParaRPr lang="en-US" dirty="0"/>
           </a:p>
@@ -976,7 +976,10 @@
           <a:bodyPr/>
           <a:lstStyle/>
           <a:p>
-            <a:endParaRPr lang="en-US" dirty="0"/>
+            <a:r>
+              <a:rPr lang="en-US" dirty="0"/>
+              <a:t>Do introduction</a:t>
+            </a:r>
           </a:p>
         </p:txBody>
       </p:sp>
@@ -995,6 +998,10 @@
           <a:bodyPr/>
           <a:lstStyle/>
           <a:p>
+            <a:r>
+              <a:rPr lang="en-US"/>
+              <a:t>Microsoft Build 2016</a:t>
+            </a:r>
             <a:endParaRPr lang="en-US" dirty="0"/>
           </a:p>
         </p:txBody>
@@ -1016,7 +1023,7 @@
           <a:p>
             <a:pPr defTabSz="914099" eaLnBrk="0" hangingPunct="0"/>
             <a:r>
-              <a:rPr lang="en-US" sz="400" dirty="0">
+              <a:rPr lang="en-US" sz="400">
                 <a:gradFill>
                   <a:gsLst>
                     <a:gs pos="0">
@@ -1034,6 +1041,22 @@
               </a:rPr>
               <a:t>© 2016 Microsoft Corporation. All rights reserved. MICROSOFT MAKES NO WARRANTIES, EXPRESS, IMPLIED OR STATUTORY, AS TO THE INFORMATION IN THIS PRESENTATION.</a:t>
             </a:r>
+            <a:endParaRPr lang="en-US" sz="400" dirty="0">
+              <a:gradFill>
+                <a:gsLst>
+                  <a:gs pos="0">
+                    <a:prstClr val="black"/>
+                  </a:gs>
+                  <a:gs pos="100000">
+                    <a:prstClr val="black"/>
+                  </a:gs>
+                </a:gsLst>
+                <a:lin ang="5400000" scaled="0"/>
+              </a:gradFill>
+              <a:latin typeface="Segoe UI" pitchFamily="34" charset="0"/>
+              <a:ea typeface="Segoe UI" pitchFamily="34" charset="0"/>
+              <a:cs typeface="Segoe UI" pitchFamily="34" charset="0"/>
+            </a:endParaRPr>
           </a:p>
         </p:txBody>
       </p:sp>
@@ -1052,9 +1075,9 @@
           <a:bodyPr/>
           <a:lstStyle/>
           <a:p>
-            <a:fld id="{90EC29EE-A8AD-4CE0-9C0B-116E0D4D7533}" type="datetime8">
+            <a:fld id="{38EEC551-8CDA-4EB6-89BB-2A86C9F091C8}" type="datetime8">
               <a:rPr lang="en-US" smtClean="0"/>
-              <a:t>8/24/2016 8:35 PM</a:t>
+              <a:t>8/25/2016 9:37 AM</a:t>
             </a:fld>
             <a:endParaRPr lang="en-US" dirty="0"/>
           </a:p>
@@ -1078,7 +1101,7 @@
             <a:fld id="{B4008EB6-D09E-4580-8CD6-DDB14511944F}" type="slidenum">
               <a:rPr lang="en-US" smtClean="0"/>
               <a:pPr/>
-              <a:t>3</a:t>
+              <a:t>1</a:t>
             </a:fld>
             <a:endParaRPr lang="en-US" dirty="0"/>
           </a:p>
@@ -1087,7 +1110,7 @@
     </p:spTree>
     <p:extLst>
       <p:ext uri="{BB962C8B-B14F-4D97-AF65-F5344CB8AC3E}">
-        <p14:creationId xmlns:p14="http://schemas.microsoft.com/office/powerpoint/2010/main" val="3483740363"/>
+        <p14:creationId xmlns:p14="http://schemas.microsoft.com/office/powerpoint/2010/main" val="3582614928"/>
       </p:ext>
     </p:extLst>
   </p:cSld>
@@ -1141,58 +1164,52 @@
           <a:bodyPr/>
           <a:lstStyle/>
           <a:p>
-            <a:pPr marL="0" indent="0">
-              <a:buNone/>
-            </a:pPr>
-            <a:r>
-              <a:rPr lang="en-US" sz="900" dirty="0" err="1"/>
-              <a:t>docker</a:t>
-            </a:r>
-            <a:r>
-              <a:rPr lang="en-US" sz="900" dirty="0"/>
-              <a:t> build clouddevelop2016 -t '</a:t>
-            </a:r>
-            <a:r>
-              <a:rPr lang="en-US" sz="900" dirty="0" err="1"/>
-              <a:t>myimage:latest</a:t>
-            </a:r>
-            <a:r>
-              <a:rPr lang="en-US" sz="900" dirty="0"/>
-              <a:t>'</a:t>
-            </a:r>
+            <a:r>
+              <a:rPr lang="en-US" dirty="0"/>
+              <a:t>So a</a:t>
+            </a:r>
+            <a:r>
+              <a:rPr lang="en-US" baseline="0" dirty="0"/>
+              <a:t> couple notes on the deployment model… </a:t>
+            </a:r>
+          </a:p>
+          <a:p>
+            <a:endParaRPr lang="en-US" baseline="0" dirty="0"/>
+          </a:p>
+          <a:p>
+            <a:r>
+              <a:rPr lang="en-US" baseline="0" dirty="0"/>
+              <a:t>With Windows Server Container, the container must be matching the host. If I’m running a Nano Container, it must be running on a Nano Container Host. Server Core must be on Server Core. We’re working to relax this for the General Availability of Windows Server 2016, but at least through Technical Preview 5, this will be the case. </a:t>
+            </a:r>
+          </a:p>
+          <a:p>
+            <a:endParaRPr lang="en-US" baseline="0" dirty="0"/>
+          </a:p>
+          <a:p>
+            <a:r>
+              <a:rPr lang="en-US" baseline="0" dirty="0"/>
+              <a:t>With Hyper-V containers, we currently only support Nano Server containers, at least through TP5. Server Core support will arrive by the time Server 2016 GA’s. However, the host can be anything we want… Nano Server, Server Core, or even Windows Server/Desktop. This is because the </a:t>
+            </a:r>
+            <a:r>
+              <a:rPr lang="en-US" baseline="0" dirty="0" err="1"/>
+              <a:t>hyper-v</a:t>
+            </a:r>
+            <a:r>
+              <a:rPr lang="en-US" baseline="0" dirty="0"/>
+              <a:t> container has its own, independent copy of the kernel. </a:t>
+            </a:r>
+            <a:endParaRPr lang="en-US" dirty="0"/>
           </a:p>
         </p:txBody>
       </p:sp>
       <p:sp>
         <p:nvSpPr>
-          <p:cNvPr id="4" name="Header Placeholder 3"/>
+          <p:cNvPr id="4" name="Footer Placeholder 3"/>
           <p:cNvSpPr>
             <a:spLocks noGrp="1"/>
           </p:cNvSpPr>
           <p:nvPr>
-            <p:ph type="hdr" sz="quarter" idx="10"/>
-          </p:nvPr>
-        </p:nvSpPr>
-        <p:spPr/>
-        <p:txBody>
-          <a:bodyPr/>
-          <a:lstStyle/>
-          <a:p>
-            <a:r>
-              <a:rPr lang="en-US" dirty="0"/>
-              <a:t>Microsoft Build 2016</a:t>
-            </a:r>
-          </a:p>
-        </p:txBody>
-      </p:sp>
-      <p:sp>
-        <p:nvSpPr>
-          <p:cNvPr id="5" name="Footer Placeholder 4"/>
-          <p:cNvSpPr>
-            <a:spLocks noGrp="1"/>
-          </p:cNvSpPr>
-          <p:nvPr>
-            <p:ph type="ftr" sz="quarter" idx="11"/>
+            <p:ph type="ftr" sz="quarter" idx="10"/>
           </p:nvPr>
         </p:nvSpPr>
         <p:spPr/>
@@ -1218,7 +1235,7 @@
                 <a:ea typeface="Segoe UI" pitchFamily="34" charset="0"/>
                 <a:cs typeface="Segoe UI" pitchFamily="34" charset="0"/>
               </a:rPr>
-              <a:t>© 2016 Microsoft Corporation. All rights reserved. MICROSOFT MAKES NO WARRANTIES, EXPRESS, IMPLIED OR STATUTORY, AS TO THE INFORMATION IN THIS PRESENTATION.</a:t>
+              <a:t>© 2015 Microsoft Corporation. All rights reserved. Microsoft, Windows, and other product names are or may be registered trademarks and/or trademarks in the U.S. and/or other countries. The information herein is for informational purposes only and represents the current view of Microsoft Corporation as of the date of this presentation.  Because Microsoft must respond to changing market conditions, it should not be interpreted to be a commitment on the part of Microsoft, and Microsoft cannot guarantee the accuracy of any information provided after the date of this presentation.  MICROSOFT MAKES NO WARRANTIES, EXPRESS, IMPLIED OR STATUTORY, AS TO THE INFORMATION IN THIS PRESENTATION.</a:t>
             </a:r>
             <a:endParaRPr lang="en-US" sz="400" dirty="0">
               <a:gradFill>
@@ -1241,12 +1258,12 @@
       </p:sp>
       <p:sp>
         <p:nvSpPr>
-          <p:cNvPr id="6" name="Date Placeholder 5"/>
+          <p:cNvPr id="5" name="Date Placeholder 4"/>
           <p:cNvSpPr>
             <a:spLocks noGrp="1"/>
           </p:cNvSpPr>
           <p:nvPr>
-            <p:ph type="dt" idx="12"/>
+            <p:ph type="dt" idx="11"/>
           </p:nvPr>
         </p:nvSpPr>
         <p:spPr/>
@@ -1254,9 +1271,9 @@
           <a:bodyPr/>
           <a:lstStyle/>
           <a:p>
-            <a:fld id="{38EEC551-8CDA-4EB6-89BB-2A86C9F091C8}" type="datetime8">
+            <a:fld id="{E74353ED-ACB2-44BF-A903-985B0AF962B7}" type="datetime1">
               <a:rPr lang="en-US" smtClean="0"/>
-              <a:t>8/24/2016 8:35 PM</a:t>
+              <a:t>8/25/2016</a:t>
             </a:fld>
             <a:endParaRPr lang="en-US" dirty="0"/>
           </a:p>
@@ -1264,12 +1281,12 @@
       </p:sp>
       <p:sp>
         <p:nvSpPr>
-          <p:cNvPr id="7" name="Slide Number Placeholder 6"/>
+          <p:cNvPr id="6" name="Slide Number Placeholder 5"/>
           <p:cNvSpPr>
             <a:spLocks noGrp="1"/>
           </p:cNvSpPr>
           <p:nvPr>
-            <p:ph type="sldNum" sz="quarter" idx="13"/>
+            <p:ph type="sldNum" sz="quarter" idx="12"/>
           </p:nvPr>
         </p:nvSpPr>
         <p:spPr/>
@@ -1280,7 +1297,7 @@
             <a:fld id="{B4008EB6-D09E-4580-8CD6-DDB14511944F}" type="slidenum">
               <a:rPr lang="en-US" smtClean="0"/>
               <a:pPr/>
-              <a:t>15</a:t>
+              <a:t>13</a:t>
             </a:fld>
             <a:endParaRPr lang="en-US" dirty="0"/>
           </a:p>
@@ -1289,7 +1306,7 @@
     </p:spTree>
     <p:extLst>
       <p:ext uri="{BB962C8B-B14F-4D97-AF65-F5344CB8AC3E}">
-        <p14:creationId xmlns:p14="http://schemas.microsoft.com/office/powerpoint/2010/main" val="489510181"/>
+        <p14:creationId xmlns:p14="http://schemas.microsoft.com/office/powerpoint/2010/main" val="1043206396"/>
       </p:ext>
     </p:extLst>
   </p:cSld>
@@ -1343,29 +1360,18 @@
           <a:bodyPr/>
           <a:lstStyle/>
           <a:p>
-            <a:r>
-              <a:rPr lang="en-US" dirty="0"/>
-              <a:t>Image</a:t>
-            </a:r>
-            <a:r>
-              <a:rPr lang="en-US" baseline="0" dirty="0"/>
-              <a:t> from: </a:t>
-            </a:r>
-            <a:r>
-              <a:rPr lang="en-US" dirty="0"/>
-              <a:t>https://docs.docker.com/docker-for-windows/</a:t>
-            </a:r>
+            <a:endParaRPr lang="en-US" dirty="0"/>
           </a:p>
         </p:txBody>
       </p:sp>
       <p:sp>
         <p:nvSpPr>
-          <p:cNvPr id="4" name="Slide Number Placeholder 3"/>
+          <p:cNvPr id="4" name="Header Placeholder 3"/>
           <p:cNvSpPr>
             <a:spLocks noGrp="1"/>
           </p:cNvSpPr>
           <p:nvPr>
-            <p:ph type="sldNum" sz="quarter" idx="10"/>
+            <p:ph type="hdr" sz="quarter" idx="10"/>
           </p:nvPr>
         </p:nvSpPr>
         <p:spPr/>
@@ -1373,18 +1379,123 @@
           <a:bodyPr/>
           <a:lstStyle/>
           <a:p>
-            <a:fld id="{EF64FA26-052C-4EE5-A78C-762B03CD0F2A}" type="slidenum">
+            <a:r>
+              <a:rPr lang="en-US">
+                <a:latin typeface="Segoe UI" pitchFamily="34" charset="0"/>
+              </a:rPr>
+              <a:t>Build 2015</a:t>
+            </a:r>
+            <a:endParaRPr lang="en-US" dirty="0">
+              <a:latin typeface="Segoe UI" pitchFamily="34" charset="0"/>
+            </a:endParaRPr>
+          </a:p>
+        </p:txBody>
+      </p:sp>
+      <p:sp>
+        <p:nvSpPr>
+          <p:cNvPr id="5" name="Footer Placeholder 4"/>
+          <p:cNvSpPr>
+            <a:spLocks noGrp="1"/>
+          </p:cNvSpPr>
+          <p:nvPr>
+            <p:ph type="ftr" sz="quarter" idx="11"/>
+          </p:nvPr>
+        </p:nvSpPr>
+        <p:spPr/>
+        <p:txBody>
+          <a:bodyPr/>
+          <a:lstStyle/>
+          <a:p>
+            <a:pPr defTabSz="914099" eaLnBrk="0" hangingPunct="0"/>
+            <a:r>
+              <a:rPr lang="en-US" sz="400">
+                <a:gradFill>
+                  <a:gsLst>
+                    <a:gs pos="0">
+                      <a:prstClr val="black"/>
+                    </a:gs>
+                    <a:gs pos="100000">
+                      <a:prstClr val="black"/>
+                    </a:gs>
+                  </a:gsLst>
+                  <a:lin ang="5400000" scaled="0"/>
+                </a:gradFill>
+                <a:latin typeface="Segoe UI" pitchFamily="34" charset="0"/>
+                <a:ea typeface="Segoe UI" pitchFamily="34" charset="0"/>
+                <a:cs typeface="Segoe UI" pitchFamily="34" charset="0"/>
+              </a:rPr>
+              <a:t>© 2015 Microsoft Corporation. All rights reserved. MICROSOFT MAKES NO WARRANTIES, EXPRESS, IMPLIED OR STATUTORY, AS TO THE INFORMATION IN THIS PRESENTATION.</a:t>
+            </a:r>
+            <a:endParaRPr lang="en-US" sz="400" dirty="0">
+              <a:gradFill>
+                <a:gsLst>
+                  <a:gs pos="0">
+                    <a:prstClr val="black"/>
+                  </a:gs>
+                  <a:gs pos="100000">
+                    <a:prstClr val="black"/>
+                  </a:gs>
+                </a:gsLst>
+                <a:lin ang="5400000" scaled="0"/>
+              </a:gradFill>
+              <a:latin typeface="Segoe UI" pitchFamily="34" charset="0"/>
+              <a:ea typeface="Segoe UI" pitchFamily="34" charset="0"/>
+              <a:cs typeface="Segoe UI" pitchFamily="34" charset="0"/>
+            </a:endParaRPr>
+          </a:p>
+        </p:txBody>
+      </p:sp>
+      <p:sp>
+        <p:nvSpPr>
+          <p:cNvPr id="6" name="Date Placeholder 5"/>
+          <p:cNvSpPr>
+            <a:spLocks noGrp="1"/>
+          </p:cNvSpPr>
+          <p:nvPr>
+            <p:ph type="dt" idx="12"/>
+          </p:nvPr>
+        </p:nvSpPr>
+        <p:spPr/>
+        <p:txBody>
+          <a:bodyPr/>
+          <a:lstStyle/>
+          <a:p>
+            <a:fld id="{38EEC551-8CDA-4EB6-89BB-2A86C9F091C8}" type="datetime8">
               <a:rPr lang="en-US" smtClean="0"/>
-              <a:t>16</a:t>
+              <a:t>8/25/2016 9:37 AM</a:t>
             </a:fld>
-            <a:endParaRPr lang="en-US"/>
+            <a:endParaRPr lang="en-US" dirty="0"/>
+          </a:p>
+        </p:txBody>
+      </p:sp>
+      <p:sp>
+        <p:nvSpPr>
+          <p:cNvPr id="7" name="Slide Number Placeholder 6"/>
+          <p:cNvSpPr>
+            <a:spLocks noGrp="1"/>
+          </p:cNvSpPr>
+          <p:nvPr>
+            <p:ph type="sldNum" sz="quarter" idx="13"/>
+          </p:nvPr>
+        </p:nvSpPr>
+        <p:spPr/>
+        <p:txBody>
+          <a:bodyPr/>
+          <a:lstStyle/>
+          <a:p>
+            <a:fld id="{B4008EB6-D09E-4580-8CD6-DDB14511944F}" type="slidenum">
+              <a:rPr lang="en-US" smtClean="0"/>
+              <a:pPr/>
+              <a:t>14</a:t>
+            </a:fld>
+            <a:endParaRPr lang="en-US" dirty="0"/>
           </a:p>
         </p:txBody>
       </p:sp>
     </p:spTree>
     <p:extLst>
       <p:ext uri="{BB962C8B-B14F-4D97-AF65-F5344CB8AC3E}">
-        <p14:creationId xmlns:p14="http://schemas.microsoft.com/office/powerpoint/2010/main" val="152790187"/>
+        <p14:creationId xmlns:p14="http://schemas.microsoft.com/office/powerpoint/2010/main" val="3450359370"/>
       </p:ext>
     </p:extLst>
   </p:cSld>
@@ -1438,29 +1549,36 @@
           <a:bodyPr/>
           <a:lstStyle/>
           <a:p>
-            <a:r>
-              <a:rPr lang="en-US" dirty="0"/>
-              <a:t>Image</a:t>
-            </a:r>
-            <a:r>
-              <a:rPr lang="en-US" baseline="0" dirty="0"/>
-              <a:t> from: </a:t>
-            </a:r>
-            <a:r>
-              <a:rPr lang="en-US" dirty="0"/>
-              <a:t>https://docs.docker.com/docker-for-windows/</a:t>
+            <a:pPr marL="0" indent="0">
+              <a:buNone/>
+            </a:pPr>
+            <a:r>
+              <a:rPr lang="en-US" sz="900" dirty="0" err="1"/>
+              <a:t>docker</a:t>
+            </a:r>
+            <a:r>
+              <a:rPr lang="en-US" sz="900" dirty="0"/>
+              <a:t> build clouddevelop2016 -t '</a:t>
+            </a:r>
+            <a:r>
+              <a:rPr lang="en-US" sz="900" dirty="0" err="1"/>
+              <a:t>myimage:latest</a:t>
+            </a:r>
+            <a:r>
+              <a:rPr lang="en-US" sz="900" dirty="0"/>
+              <a:t>'</a:t>
             </a:r>
           </a:p>
         </p:txBody>
       </p:sp>
       <p:sp>
         <p:nvSpPr>
-          <p:cNvPr id="4" name="Slide Number Placeholder 3"/>
+          <p:cNvPr id="4" name="Header Placeholder 3"/>
           <p:cNvSpPr>
             <a:spLocks noGrp="1"/>
           </p:cNvSpPr>
           <p:nvPr>
-            <p:ph type="sldNum" sz="quarter" idx="10"/>
+            <p:ph type="hdr" sz="quarter" idx="10"/>
           </p:nvPr>
         </p:nvSpPr>
         <p:spPr/>
@@ -1468,18 +1586,118 @@
           <a:bodyPr/>
           <a:lstStyle/>
           <a:p>
-            <a:fld id="{EF64FA26-052C-4EE5-A78C-762B03CD0F2A}" type="slidenum">
+            <a:r>
+              <a:rPr lang="en-US" dirty="0"/>
+              <a:t>Microsoft Build 2016</a:t>
+            </a:r>
+          </a:p>
+        </p:txBody>
+      </p:sp>
+      <p:sp>
+        <p:nvSpPr>
+          <p:cNvPr id="5" name="Footer Placeholder 4"/>
+          <p:cNvSpPr>
+            <a:spLocks noGrp="1"/>
+          </p:cNvSpPr>
+          <p:nvPr>
+            <p:ph type="ftr" sz="quarter" idx="11"/>
+          </p:nvPr>
+        </p:nvSpPr>
+        <p:spPr/>
+        <p:txBody>
+          <a:bodyPr/>
+          <a:lstStyle/>
+          <a:p>
+            <a:pPr defTabSz="914099" eaLnBrk="0" hangingPunct="0"/>
+            <a:r>
+              <a:rPr lang="en-US" sz="400">
+                <a:gradFill>
+                  <a:gsLst>
+                    <a:gs pos="0">
+                      <a:prstClr val="black"/>
+                    </a:gs>
+                    <a:gs pos="100000">
+                      <a:prstClr val="black"/>
+                    </a:gs>
+                  </a:gsLst>
+                  <a:lin ang="5400000" scaled="0"/>
+                </a:gradFill>
+                <a:latin typeface="Segoe UI" pitchFamily="34" charset="0"/>
+                <a:ea typeface="Segoe UI" pitchFamily="34" charset="0"/>
+                <a:cs typeface="Segoe UI" pitchFamily="34" charset="0"/>
+              </a:rPr>
+              <a:t>© 2016 Microsoft Corporation. All rights reserved. MICROSOFT MAKES NO WARRANTIES, EXPRESS, IMPLIED OR STATUTORY, AS TO THE INFORMATION IN THIS PRESENTATION.</a:t>
+            </a:r>
+            <a:endParaRPr lang="en-US" sz="400" dirty="0">
+              <a:gradFill>
+                <a:gsLst>
+                  <a:gs pos="0">
+                    <a:prstClr val="black"/>
+                  </a:gs>
+                  <a:gs pos="100000">
+                    <a:prstClr val="black"/>
+                  </a:gs>
+                </a:gsLst>
+                <a:lin ang="5400000" scaled="0"/>
+              </a:gradFill>
+              <a:latin typeface="Segoe UI" pitchFamily="34" charset="0"/>
+              <a:ea typeface="Segoe UI" pitchFamily="34" charset="0"/>
+              <a:cs typeface="Segoe UI" pitchFamily="34" charset="0"/>
+            </a:endParaRPr>
+          </a:p>
+        </p:txBody>
+      </p:sp>
+      <p:sp>
+        <p:nvSpPr>
+          <p:cNvPr id="6" name="Date Placeholder 5"/>
+          <p:cNvSpPr>
+            <a:spLocks noGrp="1"/>
+          </p:cNvSpPr>
+          <p:nvPr>
+            <p:ph type="dt" idx="12"/>
+          </p:nvPr>
+        </p:nvSpPr>
+        <p:spPr/>
+        <p:txBody>
+          <a:bodyPr/>
+          <a:lstStyle/>
+          <a:p>
+            <a:fld id="{38EEC551-8CDA-4EB6-89BB-2A86C9F091C8}" type="datetime8">
               <a:rPr lang="en-US" smtClean="0"/>
-              <a:t>17</a:t>
+              <a:t>8/25/2016 9:37 AM</a:t>
             </a:fld>
-            <a:endParaRPr lang="en-US"/>
+            <a:endParaRPr lang="en-US" dirty="0"/>
+          </a:p>
+        </p:txBody>
+      </p:sp>
+      <p:sp>
+        <p:nvSpPr>
+          <p:cNvPr id="7" name="Slide Number Placeholder 6"/>
+          <p:cNvSpPr>
+            <a:spLocks noGrp="1"/>
+          </p:cNvSpPr>
+          <p:nvPr>
+            <p:ph type="sldNum" sz="quarter" idx="13"/>
+          </p:nvPr>
+        </p:nvSpPr>
+        <p:spPr/>
+        <p:txBody>
+          <a:bodyPr/>
+          <a:lstStyle/>
+          <a:p>
+            <a:fld id="{B4008EB6-D09E-4580-8CD6-DDB14511944F}" type="slidenum">
+              <a:rPr lang="en-US" smtClean="0"/>
+              <a:pPr/>
+              <a:t>15</a:t>
+            </a:fld>
+            <a:endParaRPr lang="en-US" dirty="0"/>
           </a:p>
         </p:txBody>
       </p:sp>
     </p:spTree>
     <p:extLst>
       <p:ext uri="{BB962C8B-B14F-4D97-AF65-F5344CB8AC3E}">
-        <p14:creationId xmlns:p14="http://schemas.microsoft.com/office/powerpoint/2010/main" val="1733769968"/>
+        <p14:creationId xmlns:p14="http://schemas.microsoft.com/office/powerpoint/2010/main" val="489510181"/>
       </p:ext>
     </p:extLst>
   </p:cSld>
@@ -1535,284 +1753,16 @@
           <a:p>
             <a:r>
               <a:rPr lang="en-US" dirty="0"/>
-              <a:t>Lets take a closer look at a </a:t>
-            </a:r>
-            <a:r>
-              <a:rPr lang="en-US" dirty="0" err="1"/>
-              <a:t>Dockerfile</a:t>
+              <a:t>Image</a:t>
             </a:r>
             <a:r>
               <a:rPr lang="en-US" baseline="0" dirty="0"/>
-              <a:t> as this is really the preferred method if you can’t pull an existing image from a registry. </a:t>
-            </a:r>
-          </a:p>
-          <a:p>
-            <a:endParaRPr lang="en-US" baseline="0" dirty="0"/>
-          </a:p>
-          <a:p>
-            <a:r>
-              <a:rPr lang="en-US" b="1" baseline="0" dirty="0"/>
-              <a:t>#click (method for automated creation)</a:t>
-            </a:r>
-          </a:p>
-          <a:p>
-            <a:r>
-              <a:rPr lang="en-US" baseline="0" dirty="0"/>
-              <a:t>read</a:t>
-            </a:r>
-          </a:p>
-          <a:p>
-            <a:endParaRPr lang="en-US" baseline="0" dirty="0"/>
-          </a:p>
-          <a:p>
-            <a:r>
-              <a:rPr lang="en-US" b="1" baseline="0" dirty="0"/>
-              <a:t>#click (consumed when running </a:t>
-            </a:r>
-            <a:r>
-              <a:rPr lang="en-US" b="1" baseline="0" dirty="0" err="1"/>
-              <a:t>docker</a:t>
-            </a:r>
-            <a:r>
-              <a:rPr lang="en-US" b="1" baseline="0" dirty="0"/>
-              <a:t> build)</a:t>
-            </a:r>
-          </a:p>
-          <a:p>
-            <a:r>
-              <a:rPr lang="en-US" baseline="0" dirty="0"/>
-              <a:t>Its consumed when we say “</a:t>
-            </a:r>
-            <a:r>
-              <a:rPr lang="en-US" baseline="0" dirty="0" err="1"/>
-              <a:t>docker</a:t>
-            </a:r>
-            <a:r>
-              <a:rPr lang="en-US" baseline="0" dirty="0"/>
-              <a:t> build”. The build process reads this file</a:t>
-            </a:r>
-          </a:p>
-          <a:p>
-            <a:endParaRPr lang="en-US" baseline="0" dirty="0"/>
-          </a:p>
-          <a:p>
-            <a:r>
-              <a:rPr lang="en-US" b="1" baseline="0" dirty="0"/>
-              <a:t>#click (automated builds via </a:t>
-            </a:r>
-            <a:r>
-              <a:rPr lang="en-US" b="1" baseline="0" dirty="0" err="1"/>
-              <a:t>docker</a:t>
-            </a:r>
-            <a:r>
-              <a:rPr lang="en-US" b="1" baseline="0" dirty="0"/>
-              <a:t> hub)</a:t>
-            </a:r>
-          </a:p>
-          <a:p>
-            <a:r>
-              <a:rPr lang="en-US" baseline="0" dirty="0"/>
-              <a:t>It can also be used as part of automation. You can upload your </a:t>
-            </a:r>
-            <a:r>
-              <a:rPr lang="en-US" baseline="0" dirty="0" err="1"/>
-              <a:t>dockerfile</a:t>
-            </a:r>
-            <a:r>
-              <a:rPr lang="en-US" baseline="0" dirty="0"/>
-              <a:t> to the </a:t>
-            </a:r>
-            <a:r>
-              <a:rPr lang="en-US" baseline="0" dirty="0" err="1"/>
-              <a:t>docker</a:t>
-            </a:r>
-            <a:r>
-              <a:rPr lang="en-US" baseline="0" dirty="0"/>
-              <a:t> hub, it will help perform automated, triggered builds. So if an image (layer) that you’re dependent on changes, your image will also be updated. This includes a web hook that you can use to start any CI testing or even a redeployment of your image. </a:t>
-            </a:r>
-          </a:p>
-          <a:p>
-            <a:endParaRPr lang="en-US" baseline="0" dirty="0"/>
-          </a:p>
-          <a:p>
-            <a:r>
-              <a:rPr lang="en-US" b="1" baseline="0" dirty="0"/>
-              <a:t>#click (cache unchanged commands)</a:t>
-            </a:r>
-          </a:p>
-          <a:p>
-            <a:r>
-              <a:rPr lang="en-US" baseline="0" dirty="0"/>
-              <a:t>Anything that’s unchanged, just gets cached and reused. </a:t>
-            </a:r>
-          </a:p>
-          <a:p>
-            <a:endParaRPr lang="en-US" baseline="0" dirty="0"/>
-          </a:p>
-          <a:p>
-            <a:r>
-              <a:rPr lang="en-US" b="1" baseline="0" dirty="0"/>
-              <a:t>#click (IIS Image)</a:t>
-            </a:r>
-          </a:p>
-          <a:p>
-            <a:r>
-              <a:rPr lang="en-US" baseline="0" dirty="0"/>
-              <a:t>If we take an example of a </a:t>
-            </a:r>
-            <a:r>
-              <a:rPr lang="en-US" baseline="0" dirty="0" err="1"/>
-              <a:t>dockerfile</a:t>
-            </a:r>
-            <a:r>
-              <a:rPr lang="en-US" baseline="0" dirty="0"/>
-              <a:t> to build an IIS image. </a:t>
-            </a:r>
-          </a:p>
-          <a:p>
-            <a:r>
-              <a:rPr lang="en-US" baseline="0" dirty="0"/>
-              <a:t>From – we start with where we’re starting from, in this case a base Nano Server image. Then we have two ‘adds’</a:t>
-            </a:r>
-          </a:p>
-          <a:p>
-            <a:r>
-              <a:rPr lang="en-US" baseline="0" dirty="0"/>
-              <a:t>Unattended – the first is an unintended install file and this is how you’d install IIS with </a:t>
-            </a:r>
-            <a:r>
-              <a:rPr lang="en-US" baseline="0" dirty="0" err="1"/>
-              <a:t>nano</a:t>
-            </a:r>
-            <a:r>
-              <a:rPr lang="en-US" baseline="0" dirty="0"/>
-              <a:t> server technical preview 4</a:t>
-            </a:r>
-          </a:p>
-          <a:p>
-            <a:r>
-              <a:rPr lang="en-US" baseline="0" dirty="0"/>
-              <a:t>Packages – then we add in this case, the “packages” folder where those optional roles/features are stored as we discussed earlier. </a:t>
-            </a:r>
-          </a:p>
-          <a:p>
-            <a:r>
-              <a:rPr lang="en-US" baseline="0" dirty="0"/>
-              <a:t>Run – then within the container we’re going to use DISM to apply the </a:t>
-            </a:r>
-            <a:r>
-              <a:rPr lang="en-US" baseline="0" dirty="0" err="1"/>
-              <a:t>unattend</a:t>
-            </a:r>
-            <a:r>
-              <a:rPr lang="en-US" baseline="0" dirty="0"/>
-              <a:t> file we added. </a:t>
-            </a:r>
-          </a:p>
-          <a:p>
-            <a:endParaRPr lang="en-US" baseline="0" dirty="0"/>
-          </a:p>
-          <a:p>
-            <a:r>
-              <a:rPr lang="en-US" baseline="0" dirty="0"/>
-              <a:t>When its all done, we’ll have the layers we see on the right with the base image at the bottom, and our layers added on. </a:t>
-            </a:r>
-            <a:r>
-              <a:rPr lang="en-US" baseline="0" dirty="0" err="1"/>
-              <a:t>Mysite</a:t>
-            </a:r>
-            <a:r>
-              <a:rPr lang="en-US" baseline="0" dirty="0"/>
-              <a:t> depends on IIS, which depends on the Container image. Now if I wanted to share this with you, and you already have the container base image, all I’d need to ship him is the IIS image, and web image. If he had the IIS image, I’d just send him the web image. I only need to give him enough to provision what he needs to get started. </a:t>
-            </a:r>
-          </a:p>
-          <a:p>
-            <a:endParaRPr lang="en-US" baseline="0" dirty="0"/>
-          </a:p>
-          <a:p>
-            <a:r>
-              <a:rPr lang="en-US" baseline="0" dirty="0"/>
-              <a:t>This makes this approach very handy for sharing work. </a:t>
-            </a:r>
-          </a:p>
-          <a:p>
-            <a:endParaRPr lang="en-US" baseline="0" dirty="0"/>
-          </a:p>
-          <a:p>
-            <a:r>
-              <a:rPr lang="en-US" baseline="0" dirty="0"/>
-              <a:t>And there’s the 4 basic steps to build your own IIS container image. </a:t>
-            </a:r>
-          </a:p>
-          <a:p>
-            <a:endParaRPr lang="en-US" baseline="0" dirty="0"/>
-          </a:p>
-          <a:p>
-            <a:r>
-              <a:rPr lang="en-US" baseline="0" dirty="0"/>
-              <a:t>So lets talk about what “unchanged values are cached”. Lets say I made an mistake and I need to change the folder where my attend file was. Docker’s build process will look at it and say “I’ll keep the first three layers, and only throw away the last one”. So it’s the only one that gets re-run. It doesn’t have to re-add the </a:t>
-            </a:r>
-            <a:r>
-              <a:rPr lang="en-US" baseline="0" dirty="0" err="1"/>
-              <a:t>unattend</a:t>
-            </a:r>
-            <a:r>
-              <a:rPr lang="en-US" baseline="0" dirty="0"/>
-              <a:t> file, or the packages. It just updates the run layer. </a:t>
-            </a:r>
-          </a:p>
-          <a:p>
-            <a:endParaRPr lang="en-US" baseline="0" dirty="0"/>
-          </a:p>
-          <a:p>
-            <a:r>
-              <a:rPr lang="en-US" b="1" baseline="0" dirty="0"/>
-              <a:t>#click (</a:t>
-            </a:r>
-            <a:r>
-              <a:rPr lang="en-US" b="1" baseline="0" dirty="0" err="1"/>
-              <a:t>WebApp</a:t>
-            </a:r>
-            <a:r>
-              <a:rPr lang="en-US" b="1" baseline="0" dirty="0"/>
-              <a:t> image)</a:t>
-            </a:r>
-          </a:p>
-          <a:p>
+              <a:t> from: </a:t>
+            </a:r>
             <a:r>
               <a:rPr lang="en-US" dirty="0"/>
-              <a:t>Now IIS is pretty useless without a web site, so lets create a new image that add this</a:t>
-            </a:r>
-          </a:p>
-          <a:p>
-            <a:r>
-              <a:rPr lang="en-US" dirty="0"/>
-              <a:t>From</a:t>
-            </a:r>
-            <a:r>
-              <a:rPr lang="en-US" baseline="0" dirty="0"/>
-              <a:t> – we’ll use the image we created previously </a:t>
-            </a:r>
-          </a:p>
-          <a:p>
-            <a:r>
-              <a:rPr lang="en-US" baseline="0" dirty="0"/>
-              <a:t>Add – and I’m going to add mysite.htm to the image in the /</a:t>
-            </a:r>
-            <a:r>
-              <a:rPr lang="en-US" baseline="0" dirty="0" err="1"/>
-              <a:t>inetpub</a:t>
-            </a:r>
-            <a:r>
-              <a:rPr lang="en-US" baseline="0" dirty="0"/>
-              <a:t> folder</a:t>
-            </a:r>
-          </a:p>
-          <a:p>
-            <a:endParaRPr lang="en-US" baseline="0" dirty="0"/>
-          </a:p>
-          <a:p>
-            <a:endParaRPr lang="en-US" dirty="0"/>
+              <a:t>https://docs.docker.com/docker-for-windows/</a:t>
+            </a:r>
           </a:p>
         </p:txBody>
       </p:sp>
@@ -1833,7 +1783,7 @@
           <a:p>
             <a:fld id="{EF64FA26-052C-4EE5-A78C-762B03CD0F2A}" type="slidenum">
               <a:rPr lang="en-US" smtClean="0"/>
-              <a:t>18</a:t>
+              <a:t>16</a:t>
             </a:fld>
             <a:endParaRPr lang="en-US"/>
           </a:p>
@@ -1842,7 +1792,7 @@
     </p:spTree>
     <p:extLst>
       <p:ext uri="{BB962C8B-B14F-4D97-AF65-F5344CB8AC3E}">
-        <p14:creationId xmlns:p14="http://schemas.microsoft.com/office/powerpoint/2010/main" val="2268368140"/>
+        <p14:creationId xmlns:p14="http://schemas.microsoft.com/office/powerpoint/2010/main" val="152790187"/>
       </p:ext>
     </p:extLst>
   </p:cSld>
@@ -1898,284 +1848,16 @@
           <a:p>
             <a:r>
               <a:rPr lang="en-US" dirty="0"/>
-              <a:t>Lets take a closer look at a </a:t>
-            </a:r>
-            <a:r>
-              <a:rPr lang="en-US" dirty="0" err="1"/>
-              <a:t>Dockerfile</a:t>
+              <a:t>Image</a:t>
             </a:r>
             <a:r>
               <a:rPr lang="en-US" baseline="0" dirty="0"/>
-              <a:t> as this is really the preferred method if you can’t pull an existing image from a registry. </a:t>
-            </a:r>
-          </a:p>
-          <a:p>
-            <a:endParaRPr lang="en-US" baseline="0" dirty="0"/>
-          </a:p>
-          <a:p>
-            <a:r>
-              <a:rPr lang="en-US" b="1" baseline="0" dirty="0"/>
-              <a:t>#click (method for automated creation)</a:t>
-            </a:r>
-          </a:p>
-          <a:p>
-            <a:r>
-              <a:rPr lang="en-US" baseline="0" dirty="0"/>
-              <a:t>read</a:t>
-            </a:r>
-          </a:p>
-          <a:p>
-            <a:endParaRPr lang="en-US" baseline="0" dirty="0"/>
-          </a:p>
-          <a:p>
-            <a:r>
-              <a:rPr lang="en-US" b="1" baseline="0" dirty="0"/>
-              <a:t>#click (consumed when running </a:t>
-            </a:r>
-            <a:r>
-              <a:rPr lang="en-US" b="1" baseline="0" dirty="0" err="1"/>
-              <a:t>docker</a:t>
-            </a:r>
-            <a:r>
-              <a:rPr lang="en-US" b="1" baseline="0" dirty="0"/>
-              <a:t> build)</a:t>
-            </a:r>
-          </a:p>
-          <a:p>
-            <a:r>
-              <a:rPr lang="en-US" baseline="0" dirty="0"/>
-              <a:t>Its consumed when we say “</a:t>
-            </a:r>
-            <a:r>
-              <a:rPr lang="en-US" baseline="0" dirty="0" err="1"/>
-              <a:t>docker</a:t>
-            </a:r>
-            <a:r>
-              <a:rPr lang="en-US" baseline="0" dirty="0"/>
-              <a:t> build”. The build process reads this file</a:t>
-            </a:r>
-          </a:p>
-          <a:p>
-            <a:endParaRPr lang="en-US" baseline="0" dirty="0"/>
-          </a:p>
-          <a:p>
-            <a:r>
-              <a:rPr lang="en-US" b="1" baseline="0" dirty="0"/>
-              <a:t>#click (automated builds via </a:t>
-            </a:r>
-            <a:r>
-              <a:rPr lang="en-US" b="1" baseline="0" dirty="0" err="1"/>
-              <a:t>docker</a:t>
-            </a:r>
-            <a:r>
-              <a:rPr lang="en-US" b="1" baseline="0" dirty="0"/>
-              <a:t> hub)</a:t>
-            </a:r>
-          </a:p>
-          <a:p>
-            <a:r>
-              <a:rPr lang="en-US" baseline="0" dirty="0"/>
-              <a:t>It can also be used as part of automation. You can upload your </a:t>
-            </a:r>
-            <a:r>
-              <a:rPr lang="en-US" baseline="0" dirty="0" err="1"/>
-              <a:t>dockerfile</a:t>
-            </a:r>
-            <a:r>
-              <a:rPr lang="en-US" baseline="0" dirty="0"/>
-              <a:t> to the </a:t>
-            </a:r>
-            <a:r>
-              <a:rPr lang="en-US" baseline="0" dirty="0" err="1"/>
-              <a:t>docker</a:t>
-            </a:r>
-            <a:r>
-              <a:rPr lang="en-US" baseline="0" dirty="0"/>
-              <a:t> hub, it will help perform automated, triggered builds. So if an image (layer) that you’re dependent on changes, your image will also be updated. This includes a web hook that you can use to start any CI testing or even a redeployment of your image. </a:t>
-            </a:r>
-          </a:p>
-          <a:p>
-            <a:endParaRPr lang="en-US" baseline="0" dirty="0"/>
-          </a:p>
-          <a:p>
-            <a:r>
-              <a:rPr lang="en-US" b="1" baseline="0" dirty="0"/>
-              <a:t>#click (cache unchanged commands)</a:t>
-            </a:r>
-          </a:p>
-          <a:p>
-            <a:r>
-              <a:rPr lang="en-US" baseline="0" dirty="0"/>
-              <a:t>Anything that’s unchanged, just gets cached and reused. </a:t>
-            </a:r>
-          </a:p>
-          <a:p>
-            <a:endParaRPr lang="en-US" baseline="0" dirty="0"/>
-          </a:p>
-          <a:p>
-            <a:r>
-              <a:rPr lang="en-US" b="1" baseline="0" dirty="0"/>
-              <a:t>#click (IIS Image)</a:t>
-            </a:r>
-          </a:p>
-          <a:p>
-            <a:r>
-              <a:rPr lang="en-US" baseline="0" dirty="0"/>
-              <a:t>If we take an example of a </a:t>
-            </a:r>
-            <a:r>
-              <a:rPr lang="en-US" baseline="0" dirty="0" err="1"/>
-              <a:t>dockerfile</a:t>
-            </a:r>
-            <a:r>
-              <a:rPr lang="en-US" baseline="0" dirty="0"/>
-              <a:t> to build an IIS image. </a:t>
-            </a:r>
-          </a:p>
-          <a:p>
-            <a:r>
-              <a:rPr lang="en-US" baseline="0" dirty="0"/>
-              <a:t>From – we start with where we’re starting from, in this case a base Nano Server image. Then we have two ‘adds’</a:t>
-            </a:r>
-          </a:p>
-          <a:p>
-            <a:r>
-              <a:rPr lang="en-US" baseline="0" dirty="0"/>
-              <a:t>Unattended – the first is an unintended install file and this is how you’d install IIS with </a:t>
-            </a:r>
-            <a:r>
-              <a:rPr lang="en-US" baseline="0" dirty="0" err="1"/>
-              <a:t>nano</a:t>
-            </a:r>
-            <a:r>
-              <a:rPr lang="en-US" baseline="0" dirty="0"/>
-              <a:t> server technical preview 4</a:t>
-            </a:r>
-          </a:p>
-          <a:p>
-            <a:r>
-              <a:rPr lang="en-US" baseline="0" dirty="0"/>
-              <a:t>Packages – then we add in this case, the “packages” folder where those optional roles/features are stored as we discussed earlier. </a:t>
-            </a:r>
-          </a:p>
-          <a:p>
-            <a:r>
-              <a:rPr lang="en-US" baseline="0" dirty="0"/>
-              <a:t>Run – then within the container we’re going to use DISM to apply the </a:t>
-            </a:r>
-            <a:r>
-              <a:rPr lang="en-US" baseline="0" dirty="0" err="1"/>
-              <a:t>unattend</a:t>
-            </a:r>
-            <a:r>
-              <a:rPr lang="en-US" baseline="0" dirty="0"/>
-              <a:t> file we added. </a:t>
-            </a:r>
-          </a:p>
-          <a:p>
-            <a:endParaRPr lang="en-US" baseline="0" dirty="0"/>
-          </a:p>
-          <a:p>
-            <a:r>
-              <a:rPr lang="en-US" baseline="0" dirty="0"/>
-              <a:t>When its all done, we’ll have the layers we see on the right with the base image at the bottom, and our layers added on. </a:t>
-            </a:r>
-            <a:r>
-              <a:rPr lang="en-US" baseline="0" dirty="0" err="1"/>
-              <a:t>Mysite</a:t>
-            </a:r>
-            <a:r>
-              <a:rPr lang="en-US" baseline="0" dirty="0"/>
-              <a:t> depends on IIS, which depends on the Container image. Now if I wanted to share this with you, and you already have the container base image, all I’d need to ship him is the IIS image, and web image. If he had the IIS image, I’d just send him the web image. I only need to give him enough to provision what he needs to get started. </a:t>
-            </a:r>
-          </a:p>
-          <a:p>
-            <a:endParaRPr lang="en-US" baseline="0" dirty="0"/>
-          </a:p>
-          <a:p>
-            <a:r>
-              <a:rPr lang="en-US" baseline="0" dirty="0"/>
-              <a:t>This makes this approach very handy for sharing work. </a:t>
-            </a:r>
-          </a:p>
-          <a:p>
-            <a:endParaRPr lang="en-US" baseline="0" dirty="0"/>
-          </a:p>
-          <a:p>
-            <a:r>
-              <a:rPr lang="en-US" baseline="0" dirty="0"/>
-              <a:t>And there’s the 4 basic steps to build your own IIS container image. </a:t>
-            </a:r>
-          </a:p>
-          <a:p>
-            <a:endParaRPr lang="en-US" baseline="0" dirty="0"/>
-          </a:p>
-          <a:p>
-            <a:r>
-              <a:rPr lang="en-US" baseline="0" dirty="0"/>
-              <a:t>So lets talk about what “unchanged values are cached”. Lets say I made an mistake and I need to change the folder where my attend file was. Docker’s build process will look at it and say “I’ll keep the first three layers, and only throw away the last one”. So it’s the only one that gets re-run. It doesn’t have to re-add the </a:t>
-            </a:r>
-            <a:r>
-              <a:rPr lang="en-US" baseline="0" dirty="0" err="1"/>
-              <a:t>unattend</a:t>
-            </a:r>
-            <a:r>
-              <a:rPr lang="en-US" baseline="0" dirty="0"/>
-              <a:t> file, or the packages. It just updates the run layer. </a:t>
-            </a:r>
-          </a:p>
-          <a:p>
-            <a:endParaRPr lang="en-US" baseline="0" dirty="0"/>
-          </a:p>
-          <a:p>
-            <a:r>
-              <a:rPr lang="en-US" b="1" baseline="0" dirty="0"/>
-              <a:t>#click (</a:t>
-            </a:r>
-            <a:r>
-              <a:rPr lang="en-US" b="1" baseline="0" dirty="0" err="1"/>
-              <a:t>WebApp</a:t>
-            </a:r>
-            <a:r>
-              <a:rPr lang="en-US" b="1" baseline="0" dirty="0"/>
-              <a:t> image)</a:t>
-            </a:r>
-          </a:p>
-          <a:p>
+              <a:t> from: </a:t>
+            </a:r>
             <a:r>
               <a:rPr lang="en-US" dirty="0"/>
-              <a:t>Now IIS is pretty useless without a web site, so lets create a new image that add this</a:t>
-            </a:r>
-          </a:p>
-          <a:p>
-            <a:r>
-              <a:rPr lang="en-US" dirty="0"/>
-              <a:t>From</a:t>
-            </a:r>
-            <a:r>
-              <a:rPr lang="en-US" baseline="0" dirty="0"/>
-              <a:t> – we’ll use the image we created previously </a:t>
-            </a:r>
-          </a:p>
-          <a:p>
-            <a:r>
-              <a:rPr lang="en-US" baseline="0" dirty="0"/>
-              <a:t>Add – and I’m going to add mysite.htm to the image in the /</a:t>
-            </a:r>
-            <a:r>
-              <a:rPr lang="en-US" baseline="0" dirty="0" err="1"/>
-              <a:t>inetpub</a:t>
-            </a:r>
-            <a:r>
-              <a:rPr lang="en-US" baseline="0" dirty="0"/>
-              <a:t> folder</a:t>
-            </a:r>
-          </a:p>
-          <a:p>
-            <a:endParaRPr lang="en-US" baseline="0" dirty="0"/>
-          </a:p>
-          <a:p>
-            <a:endParaRPr lang="en-US" dirty="0"/>
+              <a:t>https://docs.docker.com/docker-for-windows/</a:t>
+            </a:r>
           </a:p>
         </p:txBody>
       </p:sp>
@@ -2196,7 +1878,7 @@
           <a:p>
             <a:fld id="{EF64FA26-052C-4EE5-A78C-762B03CD0F2A}" type="slidenum">
               <a:rPr lang="en-US" smtClean="0"/>
-              <a:t>19</a:t>
+              <a:t>17</a:t>
             </a:fld>
             <a:endParaRPr lang="en-US"/>
           </a:p>
@@ -2205,7 +1887,7 @@
     </p:spTree>
     <p:extLst>
       <p:ext uri="{BB962C8B-B14F-4D97-AF65-F5344CB8AC3E}">
-        <p14:creationId xmlns:p14="http://schemas.microsoft.com/office/powerpoint/2010/main" val="1090658196"/>
+        <p14:creationId xmlns:p14="http://schemas.microsoft.com/office/powerpoint/2010/main" val="1733769968"/>
       </p:ext>
     </p:extLst>
   </p:cSld>
@@ -2261,53 +1943,19 @@
           <a:p>
             <a:r>
               <a:rPr lang="en-US" dirty="0"/>
-              <a:t>Lets take a closer look at a </a:t>
-            </a:r>
-            <a:r>
-              <a:rPr lang="en-US" dirty="0" err="1"/>
-              <a:t>Dockerfile</a:t>
+              <a:t>Pull</a:t>
             </a:r>
             <a:r>
               <a:rPr lang="en-US" baseline="0" dirty="0"/>
-              <a:t> as this is really the preferred method if you can’t pull an existing image from a registry. </a:t>
-            </a:r>
-          </a:p>
-          <a:p>
-            <a:endParaRPr lang="en-US" baseline="0" dirty="0"/>
-          </a:p>
-          <a:p>
-            <a:r>
-              <a:rPr lang="en-US" b="1" baseline="0" dirty="0"/>
-              <a:t>#click (method for automated creation)</a:t>
-            </a:r>
-          </a:p>
-          <a:p>
+              <a:t> </a:t>
+            </a:r>
+            <a:r>
+              <a:rPr lang="en-US" baseline="0" dirty="0" err="1"/>
+              <a:t>dotnet</a:t>
+            </a:r>
             <a:r>
               <a:rPr lang="en-US" baseline="0" dirty="0"/>
-              <a:t>read</a:t>
-            </a:r>
-          </a:p>
-          <a:p>
-            <a:endParaRPr lang="en-US" baseline="0" dirty="0"/>
-          </a:p>
-          <a:p>
-            <a:r>
-              <a:rPr lang="en-US" b="1" baseline="0" dirty="0"/>
-              <a:t>#click (consumed when running </a:t>
-            </a:r>
-            <a:r>
-              <a:rPr lang="en-US" b="1" baseline="0" dirty="0" err="1"/>
-              <a:t>docker</a:t>
-            </a:r>
-            <a:r>
-              <a:rPr lang="en-US" b="1" baseline="0" dirty="0"/>
-              <a:t> build)</a:t>
-            </a:r>
-          </a:p>
-          <a:p>
-            <a:r>
-              <a:rPr lang="en-US" baseline="0" dirty="0"/>
-              <a:t>Its consumed when we say “</a:t>
+              <a:t> sample: </a:t>
             </a:r>
             <a:r>
               <a:rPr lang="en-US" baseline="0" dirty="0" err="1"/>
@@ -2315,224 +1963,21 @@
             </a:r>
             <a:r>
               <a:rPr lang="en-US" baseline="0" dirty="0"/>
-              <a:t> build”. The build process reads this file</a:t>
-            </a:r>
-          </a:p>
-          <a:p>
+              <a:t> pull </a:t>
+            </a:r>
+            <a:r>
+              <a:rPr lang="en-US" baseline="0" dirty="0" err="1"/>
+              <a:t>microsoft</a:t>
+            </a:r>
+            <a:r>
+              <a:rPr lang="en-US" baseline="0" dirty="0"/>
+              <a:t>/</a:t>
+            </a:r>
+            <a:r>
+              <a:rPr lang="en-US" baseline="0" dirty="0" err="1"/>
+              <a:t>sample-dotnet:latest</a:t>
+            </a:r>
             <a:endParaRPr lang="en-US" baseline="0" dirty="0"/>
-          </a:p>
-          <a:p>
-            <a:r>
-              <a:rPr lang="en-US" b="1" baseline="0" dirty="0"/>
-              <a:t>#click (automated builds via </a:t>
-            </a:r>
-            <a:r>
-              <a:rPr lang="en-US" b="1" baseline="0" dirty="0" err="1"/>
-              <a:t>docker</a:t>
-            </a:r>
-            <a:r>
-              <a:rPr lang="en-US" b="1" baseline="0" dirty="0"/>
-              <a:t> hub)</a:t>
-            </a:r>
-          </a:p>
-          <a:p>
-            <a:r>
-              <a:rPr lang="en-US" baseline="0" dirty="0"/>
-              <a:t>It can also be used as part of automation. You can upload your </a:t>
-            </a:r>
-            <a:r>
-              <a:rPr lang="en-US" baseline="0" dirty="0" err="1"/>
-              <a:t>dockerfile</a:t>
-            </a:r>
-            <a:r>
-              <a:rPr lang="en-US" baseline="0" dirty="0"/>
-              <a:t> to the </a:t>
-            </a:r>
-            <a:r>
-              <a:rPr lang="en-US" baseline="0" dirty="0" err="1"/>
-              <a:t>docker</a:t>
-            </a:r>
-            <a:r>
-              <a:rPr lang="en-US" baseline="0" dirty="0"/>
-              <a:t> hub, it will help perform automated, triggered builds. So if an image (layer) that you’re dependent on changes, your image will also be updated. This includes a web hook that you can use to start any CI testing or even a redeployment of your image. </a:t>
-            </a:r>
-          </a:p>
-          <a:p>
-            <a:endParaRPr lang="en-US" baseline="0" dirty="0"/>
-          </a:p>
-          <a:p>
-            <a:r>
-              <a:rPr lang="en-US" b="1" baseline="0" dirty="0"/>
-              <a:t>#click (cache unchanged commands)</a:t>
-            </a:r>
-          </a:p>
-          <a:p>
-            <a:r>
-              <a:rPr lang="en-US" baseline="0" dirty="0"/>
-              <a:t>Anything that’s unchanged, just gets cached and reused. </a:t>
-            </a:r>
-          </a:p>
-          <a:p>
-            <a:endParaRPr lang="en-US" baseline="0" dirty="0"/>
-          </a:p>
-          <a:p>
-            <a:r>
-              <a:rPr lang="en-US" b="1" baseline="0" dirty="0"/>
-              <a:t>#click (IIS Image)</a:t>
-            </a:r>
-          </a:p>
-          <a:p>
-            <a:r>
-              <a:rPr lang="en-US" baseline="0" dirty="0"/>
-              <a:t>If we take an example of a </a:t>
-            </a:r>
-            <a:r>
-              <a:rPr lang="en-US" baseline="0" dirty="0" err="1"/>
-              <a:t>dockerfile</a:t>
-            </a:r>
-            <a:r>
-              <a:rPr lang="en-US" baseline="0" dirty="0"/>
-              <a:t> to build an IIS image. </a:t>
-            </a:r>
-          </a:p>
-          <a:p>
-            <a:r>
-              <a:rPr lang="en-US" baseline="0" dirty="0"/>
-              <a:t>From – we start with where we’re starting from, in this case a base Nano Server image. Then we have two ‘adds’</a:t>
-            </a:r>
-          </a:p>
-          <a:p>
-            <a:r>
-              <a:rPr lang="en-US" baseline="0" dirty="0"/>
-              <a:t>Unattended – the first is an unintended install file and this is how you’d install IIS with </a:t>
-            </a:r>
-            <a:r>
-              <a:rPr lang="en-US" baseline="0" dirty="0" err="1"/>
-              <a:t>nano</a:t>
-            </a:r>
-            <a:r>
-              <a:rPr lang="en-US" baseline="0" dirty="0"/>
-              <a:t> server technical preview 4</a:t>
-            </a:r>
-          </a:p>
-          <a:p>
-            <a:r>
-              <a:rPr lang="en-US" baseline="0" dirty="0"/>
-              <a:t>Packages – then we add in this case, the “packages” folder where those optional roles/features are stored as we discussed earlier. </a:t>
-            </a:r>
-          </a:p>
-          <a:p>
-            <a:r>
-              <a:rPr lang="en-US" baseline="0" dirty="0"/>
-              <a:t>Run – then within the container we’re going to use DISM to apply the </a:t>
-            </a:r>
-            <a:r>
-              <a:rPr lang="en-US" baseline="0" dirty="0" err="1"/>
-              <a:t>unattend</a:t>
-            </a:r>
-            <a:r>
-              <a:rPr lang="en-US" baseline="0" dirty="0"/>
-              <a:t> file we added. </a:t>
-            </a:r>
-          </a:p>
-          <a:p>
-            <a:endParaRPr lang="en-US" baseline="0" dirty="0"/>
-          </a:p>
-          <a:p>
-            <a:r>
-              <a:rPr lang="en-US" baseline="0" dirty="0"/>
-              <a:t>When its all done, we’ll have the layers we see on the right with the base image at the bottom, and our layers added on. </a:t>
-            </a:r>
-            <a:r>
-              <a:rPr lang="en-US" baseline="0" dirty="0" err="1"/>
-              <a:t>Mysite</a:t>
-            </a:r>
-            <a:r>
-              <a:rPr lang="en-US" baseline="0" dirty="0"/>
-              <a:t> depends on IIS, which depends on the Container image. Now if I wanted to share this with you, and you already have the container base image, all I’d need to ship him is the IIS image, and web image. If he had the IIS image, I’d just send him the web image. I only need to give him enough to provision what he needs to get started. </a:t>
-            </a:r>
-          </a:p>
-          <a:p>
-            <a:endParaRPr lang="en-US" baseline="0" dirty="0"/>
-          </a:p>
-          <a:p>
-            <a:r>
-              <a:rPr lang="en-US" baseline="0" dirty="0"/>
-              <a:t>This makes this approach very handy for sharing work. </a:t>
-            </a:r>
-          </a:p>
-          <a:p>
-            <a:endParaRPr lang="en-US" baseline="0" dirty="0"/>
-          </a:p>
-          <a:p>
-            <a:r>
-              <a:rPr lang="en-US" baseline="0" dirty="0"/>
-              <a:t>And there’s the 4 basic steps to build your own IIS container image. </a:t>
-            </a:r>
-          </a:p>
-          <a:p>
-            <a:endParaRPr lang="en-US" baseline="0" dirty="0"/>
-          </a:p>
-          <a:p>
-            <a:r>
-              <a:rPr lang="en-US" baseline="0" dirty="0"/>
-              <a:t>So lets talk about what “unchanged values are cached”. Lets say I made an mistake and I need to change the folder where my attend file was. Docker’s build process will look at it and say “I’ll keep the first three layers, and only throw away the last one”. So it’s the only one that gets re-run. It doesn’t have to re-add the </a:t>
-            </a:r>
-            <a:r>
-              <a:rPr lang="en-US" baseline="0" dirty="0" err="1"/>
-              <a:t>unattend</a:t>
-            </a:r>
-            <a:r>
-              <a:rPr lang="en-US" baseline="0" dirty="0"/>
-              <a:t> file, or the packages. It just updates the run layer. </a:t>
-            </a:r>
-          </a:p>
-          <a:p>
-            <a:endParaRPr lang="en-US" baseline="0" dirty="0"/>
-          </a:p>
-          <a:p>
-            <a:r>
-              <a:rPr lang="en-US" b="1" baseline="0" dirty="0"/>
-              <a:t>#click (</a:t>
-            </a:r>
-            <a:r>
-              <a:rPr lang="en-US" b="1" baseline="0" dirty="0" err="1"/>
-              <a:t>WebApp</a:t>
-            </a:r>
-            <a:r>
-              <a:rPr lang="en-US" b="1" baseline="0" dirty="0"/>
-              <a:t> image)</a:t>
-            </a:r>
-          </a:p>
-          <a:p>
-            <a:r>
-              <a:rPr lang="en-US" dirty="0"/>
-              <a:t>Now IIS is pretty useless without a web site, so lets create a new image that add this</a:t>
-            </a:r>
-          </a:p>
-          <a:p>
-            <a:r>
-              <a:rPr lang="en-US" dirty="0"/>
-              <a:t>From</a:t>
-            </a:r>
-            <a:r>
-              <a:rPr lang="en-US" baseline="0" dirty="0"/>
-              <a:t> – we’ll use the image we created previously </a:t>
-            </a:r>
-          </a:p>
-          <a:p>
-            <a:r>
-              <a:rPr lang="en-US" baseline="0" dirty="0"/>
-              <a:t>Add – and I’m going to add mysite.htm to the image in the /</a:t>
-            </a:r>
-            <a:r>
-              <a:rPr lang="en-US" baseline="0" dirty="0" err="1"/>
-              <a:t>inetpub</a:t>
-            </a:r>
-            <a:r>
-              <a:rPr lang="en-US" baseline="0" dirty="0"/>
-              <a:t> folder</a:t>
-            </a:r>
           </a:p>
           <a:p>
             <a:endParaRPr lang="en-US" baseline="0" dirty="0"/>
@@ -2559,7 +2004,7 @@
           <a:p>
             <a:fld id="{EF64FA26-052C-4EE5-A78C-762B03CD0F2A}" type="slidenum">
               <a:rPr lang="en-US" smtClean="0"/>
-              <a:t>20</a:t>
+              <a:t>18</a:t>
             </a:fld>
             <a:endParaRPr lang="en-US"/>
           </a:p>
@@ -2568,7 +2013,7 @@
     </p:spTree>
     <p:extLst>
       <p:ext uri="{BB962C8B-B14F-4D97-AF65-F5344CB8AC3E}">
-        <p14:creationId xmlns:p14="http://schemas.microsoft.com/office/powerpoint/2010/main" val="857370476"/>
+        <p14:creationId xmlns:p14="http://schemas.microsoft.com/office/powerpoint/2010/main" val="2268368140"/>
       </p:ext>
     </p:extLst>
   </p:cSld>
@@ -2624,53 +2069,15 @@
           <a:p>
             <a:r>
               <a:rPr lang="en-US" dirty="0"/>
-              <a:t>Lets take a closer look at a </a:t>
+              <a:t>Run </a:t>
             </a:r>
             <a:r>
               <a:rPr lang="en-US" dirty="0" err="1"/>
-              <a:t>Dockerfile</a:t>
+              <a:t>dotnet</a:t>
             </a:r>
             <a:r>
               <a:rPr lang="en-US" baseline="0" dirty="0"/>
-              <a:t> as this is really the preferred method if you can’t pull an existing image from a registry. </a:t>
-            </a:r>
-          </a:p>
-          <a:p>
-            <a:endParaRPr lang="en-US" baseline="0" dirty="0"/>
-          </a:p>
-          <a:p>
-            <a:r>
-              <a:rPr lang="en-US" b="1" baseline="0" dirty="0"/>
-              <a:t>#click (method for automated creation)</a:t>
-            </a:r>
-          </a:p>
-          <a:p>
-            <a:r>
-              <a:rPr lang="en-US" baseline="0" dirty="0"/>
-              <a:t>read</a:t>
-            </a:r>
-          </a:p>
-          <a:p>
-            <a:endParaRPr lang="en-US" baseline="0" dirty="0"/>
-          </a:p>
-          <a:p>
-            <a:r>
-              <a:rPr lang="en-US" b="1" baseline="0" dirty="0"/>
-              <a:t>#click (consumed when running </a:t>
-            </a:r>
-            <a:r>
-              <a:rPr lang="en-US" b="1" baseline="0" dirty="0" err="1"/>
-              <a:t>docker</a:t>
-            </a:r>
-            <a:r>
-              <a:rPr lang="en-US" b="1" baseline="0" dirty="0"/>
-              <a:t> build)</a:t>
-            </a:r>
-          </a:p>
-          <a:p>
-            <a:r>
-              <a:rPr lang="en-US" baseline="0" dirty="0"/>
-              <a:t>Its consumed when we say “</a:t>
+              <a:t> sample: </a:t>
             </a:r>
             <a:r>
               <a:rPr lang="en-US" baseline="0" dirty="0" err="1"/>
@@ -2678,229 +2085,20 @@
             </a:r>
             <a:r>
               <a:rPr lang="en-US" baseline="0" dirty="0"/>
-              <a:t> build”. The build process reads this file</a:t>
-            </a:r>
-          </a:p>
-          <a:p>
-            <a:endParaRPr lang="en-US" baseline="0" dirty="0"/>
-          </a:p>
-          <a:p>
-            <a:r>
-              <a:rPr lang="en-US" b="1" baseline="0" dirty="0"/>
-              <a:t>#click (automated builds via </a:t>
-            </a:r>
-            <a:r>
-              <a:rPr lang="en-US" b="1" baseline="0" dirty="0" err="1"/>
-              <a:t>docker</a:t>
-            </a:r>
-            <a:r>
-              <a:rPr lang="en-US" b="1" baseline="0" dirty="0"/>
-              <a:t> hub)</a:t>
-            </a:r>
-          </a:p>
-          <a:p>
+              <a:t> run </a:t>
+            </a:r>
+            <a:r>
+              <a:rPr lang="en-US" baseline="0" dirty="0" err="1"/>
+              <a:t>microsoft</a:t>
+            </a:r>
             <a:r>
               <a:rPr lang="en-US" baseline="0" dirty="0"/>
-              <a:t>It can also be used as part of automation. You can upload your </a:t>
+              <a:t>/</a:t>
             </a:r>
             <a:r>
               <a:rPr lang="en-US" baseline="0" dirty="0" err="1"/>
-              <a:t>dockerfile</a:t>
-            </a:r>
-            <a:r>
-              <a:rPr lang="en-US" baseline="0" dirty="0"/>
-              <a:t> to the </a:t>
-            </a:r>
-            <a:r>
-              <a:rPr lang="en-US" baseline="0" dirty="0" err="1"/>
-              <a:t>docker</a:t>
-            </a:r>
-            <a:r>
-              <a:rPr lang="en-US" baseline="0" dirty="0"/>
-              <a:t> hub, it will help perform automated, triggered builds. So if an image (layer) that you’re dependent on changes, your image will also be updated. This includes a web hook that you can use to start any CI testing or even a redeployment of your image. </a:t>
-            </a:r>
-          </a:p>
-          <a:p>
-            <a:endParaRPr lang="en-US" baseline="0" dirty="0"/>
-          </a:p>
-          <a:p>
-            <a:r>
-              <a:rPr lang="en-US" b="1" baseline="0" dirty="0"/>
-              <a:t>#click (cache unchanged commands)</a:t>
-            </a:r>
-          </a:p>
-          <a:p>
-            <a:r>
-              <a:rPr lang="en-US" baseline="0" dirty="0"/>
-              <a:t>Anything that’s unchanged, just gets cached and reused. </a:t>
-            </a:r>
-          </a:p>
-          <a:p>
-            <a:endParaRPr lang="en-US" baseline="0" dirty="0"/>
-          </a:p>
-          <a:p>
-            <a:r>
-              <a:rPr lang="en-US" b="1" baseline="0" dirty="0"/>
-              <a:t>#click (IIS Image)</a:t>
-            </a:r>
-          </a:p>
-          <a:p>
-            <a:r>
-              <a:rPr lang="en-US" baseline="0" dirty="0"/>
-              <a:t>If we take an example of a </a:t>
-            </a:r>
-            <a:r>
-              <a:rPr lang="en-US" baseline="0" dirty="0" err="1"/>
-              <a:t>dockerfile</a:t>
-            </a:r>
-            <a:r>
-              <a:rPr lang="en-US" baseline="0" dirty="0"/>
-              <a:t> to build an IIS image. </a:t>
-            </a:r>
-          </a:p>
-          <a:p>
-            <a:r>
-              <a:rPr lang="en-US" baseline="0" dirty="0"/>
-              <a:t>From – we start with where we’re starting from, in this case a base Nano Server image. Then we have two ‘adds’</a:t>
-            </a:r>
-          </a:p>
-          <a:p>
-            <a:r>
-              <a:rPr lang="en-US" baseline="0" dirty="0"/>
-              <a:t>Unattended – the first is an unintended install file and this is how you’d install IIS with </a:t>
-            </a:r>
-            <a:r>
-              <a:rPr lang="en-US" baseline="0" dirty="0" err="1"/>
-              <a:t>nano</a:t>
-            </a:r>
-            <a:r>
-              <a:rPr lang="en-US" baseline="0" dirty="0"/>
-              <a:t> server technical preview 4</a:t>
-            </a:r>
-          </a:p>
-          <a:p>
-            <a:r>
-              <a:rPr lang="en-US" baseline="0" dirty="0"/>
-              <a:t>Packages – then we add in this case, the “packages” folder where those optional roles/features are stored as we discussed earlier. </a:t>
-            </a:r>
-          </a:p>
-          <a:p>
-            <a:r>
-              <a:rPr lang="en-US" baseline="0" dirty="0"/>
-              <a:t>Run – then within the container we’re going to use DISM to apply the </a:t>
-            </a:r>
-            <a:r>
-              <a:rPr lang="en-US" baseline="0" dirty="0" err="1"/>
-              <a:t>unattend</a:t>
-            </a:r>
-            <a:r>
-              <a:rPr lang="en-US" baseline="0" dirty="0"/>
-              <a:t> file we added. </a:t>
-            </a:r>
-          </a:p>
-          <a:p>
-            <a:endParaRPr lang="en-US" baseline="0" dirty="0"/>
-          </a:p>
-          <a:p>
-            <a:r>
-              <a:rPr lang="en-US" baseline="0" dirty="0"/>
-              <a:t>When its all done, we’ll have the layers we see on the right with the base image at the bottom, and our layers added on. </a:t>
-            </a:r>
-            <a:r>
-              <a:rPr lang="en-US" baseline="0" dirty="0" err="1"/>
-              <a:t>Mysite</a:t>
-            </a:r>
-            <a:r>
-              <a:rPr lang="en-US" baseline="0" dirty="0"/>
-              <a:t> depends on IIS, which depends on the Container image. Now if I wanted to share this with you, and you already have the container base image, all I’d need to ship him is the IIS image, and web image. If he had the IIS image, I’d just send him the web image. I only need to give him enough to provision what he needs to get started. </a:t>
-            </a:r>
-          </a:p>
-          <a:p>
-            <a:endParaRPr lang="en-US" baseline="0" dirty="0"/>
-          </a:p>
-          <a:p>
-            <a:r>
-              <a:rPr lang="en-US" baseline="0" dirty="0"/>
-              <a:t>This makes this approach very handy for sharing work. </a:t>
-            </a:r>
-          </a:p>
-          <a:p>
-            <a:endParaRPr lang="en-US" baseline="0" dirty="0"/>
-          </a:p>
-          <a:p>
-            <a:r>
-              <a:rPr lang="en-US" baseline="0" dirty="0"/>
-              <a:t>And there’s the 4 basic steps to build your own IIS container image. </a:t>
-            </a:r>
-          </a:p>
-          <a:p>
-            <a:endParaRPr lang="en-US" baseline="0" dirty="0"/>
-          </a:p>
-          <a:p>
-            <a:r>
-              <a:rPr lang="en-US" baseline="0" dirty="0"/>
-              <a:t>So lets talk about what “unchanged values are cached”. Lets say I made an mistake and I need to change the folder where my attend file was. Docker’s build process will look at it and say “I’ll keep the first three layers, and only throw away the last one”. So it’s the only one that gets re-run. It doesn’t have to re-add the </a:t>
-            </a:r>
-            <a:r>
-              <a:rPr lang="en-US" baseline="0" dirty="0" err="1"/>
-              <a:t>unattend</a:t>
-            </a:r>
-            <a:r>
-              <a:rPr lang="en-US" baseline="0" dirty="0"/>
-              <a:t> file, or the packages. It just updates the run layer. </a:t>
-            </a:r>
-          </a:p>
-          <a:p>
-            <a:endParaRPr lang="en-US" baseline="0" dirty="0"/>
-          </a:p>
-          <a:p>
-            <a:r>
-              <a:rPr lang="en-US" b="1" baseline="0" dirty="0"/>
-              <a:t>#click (</a:t>
-            </a:r>
-            <a:r>
-              <a:rPr lang="en-US" b="1" baseline="0" dirty="0" err="1"/>
-              <a:t>WebApp</a:t>
-            </a:r>
-            <a:r>
-              <a:rPr lang="en-US" b="1" baseline="0" dirty="0"/>
-              <a:t> image)</a:t>
-            </a:r>
-          </a:p>
-          <a:p>
-            <a:r>
-              <a:rPr lang="en-US" dirty="0"/>
-              <a:t>Now IIS is pretty useless without a web site, so lets create a new image that add this</a:t>
-            </a:r>
-          </a:p>
-          <a:p>
-            <a:r>
-              <a:rPr lang="en-US" dirty="0"/>
-              <a:t>From</a:t>
-            </a:r>
-            <a:r>
-              <a:rPr lang="en-US" baseline="0" dirty="0"/>
-              <a:t> – we’ll use the image we created previously </a:t>
-            </a:r>
-          </a:p>
-          <a:p>
-            <a:r>
-              <a:rPr lang="en-US" baseline="0" dirty="0"/>
-              <a:t>Add – and I’m going to add mysite.htm to the image in the /</a:t>
-            </a:r>
-            <a:r>
-              <a:rPr lang="en-US" baseline="0" dirty="0" err="1"/>
-              <a:t>inetpub</a:t>
-            </a:r>
-            <a:r>
-              <a:rPr lang="en-US" baseline="0" dirty="0"/>
-              <a:t> folder</a:t>
-            </a:r>
-          </a:p>
-          <a:p>
-            <a:endParaRPr lang="en-US" baseline="0" dirty="0"/>
-          </a:p>
-          <a:p>
+              <a:t>sample-dotnet:latest</a:t>
+            </a:r>
             <a:endParaRPr lang="en-US" dirty="0"/>
           </a:p>
         </p:txBody>
@@ -2922,7 +2120,7 @@
           <a:p>
             <a:fld id="{EF64FA26-052C-4EE5-A78C-762B03CD0F2A}" type="slidenum">
               <a:rPr lang="en-US" smtClean="0"/>
-              <a:t>21</a:t>
+              <a:t>19</a:t>
             </a:fld>
             <a:endParaRPr lang="en-US"/>
           </a:p>
@@ -2931,7 +2129,7 @@
     </p:spTree>
     <p:extLst>
       <p:ext uri="{BB962C8B-B14F-4D97-AF65-F5344CB8AC3E}">
-        <p14:creationId xmlns:p14="http://schemas.microsoft.com/office/powerpoint/2010/main" val="1940994682"/>
+        <p14:creationId xmlns:p14="http://schemas.microsoft.com/office/powerpoint/2010/main" val="1090658196"/>
       </p:ext>
     </p:extLst>
   </p:cSld>
@@ -3285,7 +2483,7 @@
           <a:p>
             <a:fld id="{EF64FA26-052C-4EE5-A78C-762B03CD0F2A}" type="slidenum">
               <a:rPr lang="en-US" smtClean="0"/>
-              <a:t>22</a:t>
+              <a:t>20</a:t>
             </a:fld>
             <a:endParaRPr lang="en-US"/>
           </a:p>
@@ -3294,7 +2492,7 @@
     </p:spTree>
     <p:extLst>
       <p:ext uri="{BB962C8B-B14F-4D97-AF65-F5344CB8AC3E}">
-        <p14:creationId xmlns:p14="http://schemas.microsoft.com/office/powerpoint/2010/main" val="2658907539"/>
+        <p14:creationId xmlns:p14="http://schemas.microsoft.com/office/powerpoint/2010/main" val="857370476"/>
       </p:ext>
     </p:extLst>
   </p:cSld>
@@ -3648,7 +2846,7 @@
           <a:p>
             <a:fld id="{EF64FA26-052C-4EE5-A78C-762B03CD0F2A}" type="slidenum">
               <a:rPr lang="en-US" smtClean="0"/>
-              <a:t>23</a:t>
+              <a:t>21</a:t>
             </a:fld>
             <a:endParaRPr lang="en-US"/>
           </a:p>
@@ -3657,7 +2855,7 @@
     </p:spTree>
     <p:extLst>
       <p:ext uri="{BB962C8B-B14F-4D97-AF65-F5344CB8AC3E}">
-        <p14:creationId xmlns:p14="http://schemas.microsoft.com/office/powerpoint/2010/main" val="2743500858"/>
+        <p14:creationId xmlns:p14="http://schemas.microsoft.com/office/powerpoint/2010/main" val="1940994682"/>
       </p:ext>
     </p:extLst>
   </p:cSld>
@@ -4011,7 +3209,7 @@
           <a:p>
             <a:fld id="{EF64FA26-052C-4EE5-A78C-762B03CD0F2A}" type="slidenum">
               <a:rPr lang="en-US" smtClean="0"/>
-              <a:t>24</a:t>
+              <a:t>22</a:t>
             </a:fld>
             <a:endParaRPr lang="en-US"/>
           </a:p>
@@ -4020,7 +3218,7 @@
     </p:spTree>
     <p:extLst>
       <p:ext uri="{BB962C8B-B14F-4D97-AF65-F5344CB8AC3E}">
-        <p14:creationId xmlns:p14="http://schemas.microsoft.com/office/powerpoint/2010/main" val="1759651968"/>
+        <p14:creationId xmlns:p14="http://schemas.microsoft.com/office/powerpoint/2010/main" val="2658907539"/>
       </p:ext>
     </p:extLst>
   </p:cSld>
@@ -4074,6 +3272,14 @@
           <a:bodyPr/>
           <a:lstStyle/>
           <a:p>
+            <a:r>
+              <a:rPr lang="en-US" dirty="0"/>
+              <a:t>Obligatory quote from someone famous. This seemed as good as anything</a:t>
+            </a:r>
+            <a:r>
+              <a:rPr lang="en-US" baseline="0" dirty="0"/>
+              <a:t> else. </a:t>
+            </a:r>
             <a:endParaRPr lang="en-US" dirty="0"/>
           </a:p>
         </p:txBody>
@@ -4093,6 +3299,10 @@
           <a:bodyPr/>
           <a:lstStyle/>
           <a:p>
+            <a:r>
+              <a:rPr lang="en-US"/>
+              <a:t>Microsoft Build 2016</a:t>
+            </a:r>
             <a:endParaRPr lang="en-US" dirty="0"/>
           </a:p>
         </p:txBody>
@@ -4114,7 +3324,7 @@
           <a:p>
             <a:pPr defTabSz="914099" eaLnBrk="0" hangingPunct="0"/>
             <a:r>
-              <a:rPr lang="en-US" sz="400" dirty="0">
+              <a:rPr lang="en-US" sz="400">
                 <a:gradFill>
                   <a:gsLst>
                     <a:gs pos="0">
@@ -4132,6 +3342,22 @@
               </a:rPr>
               <a:t>© 2016 Microsoft Corporation. All rights reserved. MICROSOFT MAKES NO WARRANTIES, EXPRESS, IMPLIED OR STATUTORY, AS TO THE INFORMATION IN THIS PRESENTATION.</a:t>
             </a:r>
+            <a:endParaRPr lang="en-US" sz="400" dirty="0">
+              <a:gradFill>
+                <a:gsLst>
+                  <a:gs pos="0">
+                    <a:prstClr val="black"/>
+                  </a:gs>
+                  <a:gs pos="100000">
+                    <a:prstClr val="black"/>
+                  </a:gs>
+                </a:gsLst>
+                <a:lin ang="5400000" scaled="0"/>
+              </a:gradFill>
+              <a:latin typeface="Segoe UI" pitchFamily="34" charset="0"/>
+              <a:ea typeface="Segoe UI" pitchFamily="34" charset="0"/>
+              <a:cs typeface="Segoe UI" pitchFamily="34" charset="0"/>
+            </a:endParaRPr>
           </a:p>
         </p:txBody>
       </p:sp>
@@ -4150,9 +3376,9 @@
           <a:bodyPr/>
           <a:lstStyle/>
           <a:p>
-            <a:fld id="{90EC29EE-A8AD-4CE0-9C0B-116E0D4D7533}" type="datetime8">
+            <a:fld id="{38EEC551-8CDA-4EB6-89BB-2A86C9F091C8}" type="datetime8">
               <a:rPr lang="en-US" smtClean="0"/>
-              <a:t>8/24/2016 8:35 PM</a:t>
+              <a:t>8/25/2016 10:37 AM</a:t>
             </a:fld>
             <a:endParaRPr lang="en-US" dirty="0"/>
           </a:p>
@@ -4176,7 +3402,7 @@
             <a:fld id="{B4008EB6-D09E-4580-8CD6-DDB14511944F}" type="slidenum">
               <a:rPr lang="en-US" smtClean="0"/>
               <a:pPr/>
-              <a:t>4</a:t>
+              <a:t>2</a:t>
             </a:fld>
             <a:endParaRPr lang="en-US" dirty="0"/>
           </a:p>
@@ -4185,7 +3411,7 @@
     </p:spTree>
     <p:extLst>
       <p:ext uri="{BB962C8B-B14F-4D97-AF65-F5344CB8AC3E}">
-        <p14:creationId xmlns:p14="http://schemas.microsoft.com/office/powerpoint/2010/main" val="2097963528"/>
+        <p14:creationId xmlns:p14="http://schemas.microsoft.com/office/powerpoint/2010/main" val="1108586495"/>
       </p:ext>
     </p:extLst>
   </p:cSld>
@@ -4539,7 +3765,7 @@
           <a:p>
             <a:fld id="{EF64FA26-052C-4EE5-A78C-762B03CD0F2A}" type="slidenum">
               <a:rPr lang="en-US" smtClean="0"/>
-              <a:t>25</a:t>
+              <a:t>23</a:t>
             </a:fld>
             <a:endParaRPr lang="en-US"/>
           </a:p>
@@ -4548,7 +3774,7 @@
     </p:spTree>
     <p:extLst>
       <p:ext uri="{BB962C8B-B14F-4D97-AF65-F5344CB8AC3E}">
-        <p14:creationId xmlns:p14="http://schemas.microsoft.com/office/powerpoint/2010/main" val="3673557410"/>
+        <p14:creationId xmlns:p14="http://schemas.microsoft.com/office/powerpoint/2010/main" val="2743500858"/>
       </p:ext>
     </p:extLst>
   </p:cSld>
@@ -4602,6 +3828,732 @@
           <a:bodyPr/>
           <a:lstStyle/>
           <a:p>
+            <a:r>
+              <a:rPr lang="en-US" dirty="0"/>
+              <a:t>Lets take a closer look at a </a:t>
+            </a:r>
+            <a:r>
+              <a:rPr lang="en-US" dirty="0" err="1"/>
+              <a:t>Dockerfile</a:t>
+            </a:r>
+            <a:r>
+              <a:rPr lang="en-US" baseline="0" dirty="0"/>
+              <a:t> as this is really the preferred method if you can’t pull an existing image from a registry. </a:t>
+            </a:r>
+          </a:p>
+          <a:p>
+            <a:endParaRPr lang="en-US" baseline="0" dirty="0"/>
+          </a:p>
+          <a:p>
+            <a:r>
+              <a:rPr lang="en-US" b="1" baseline="0" dirty="0"/>
+              <a:t>#click (method for automated creation)</a:t>
+            </a:r>
+          </a:p>
+          <a:p>
+            <a:r>
+              <a:rPr lang="en-US" baseline="0" dirty="0"/>
+              <a:t>read</a:t>
+            </a:r>
+          </a:p>
+          <a:p>
+            <a:endParaRPr lang="en-US" baseline="0" dirty="0"/>
+          </a:p>
+          <a:p>
+            <a:r>
+              <a:rPr lang="en-US" b="1" baseline="0" dirty="0"/>
+              <a:t>#click (consumed when running </a:t>
+            </a:r>
+            <a:r>
+              <a:rPr lang="en-US" b="1" baseline="0" dirty="0" err="1"/>
+              <a:t>docker</a:t>
+            </a:r>
+            <a:r>
+              <a:rPr lang="en-US" b="1" baseline="0" dirty="0"/>
+              <a:t> build)</a:t>
+            </a:r>
+          </a:p>
+          <a:p>
+            <a:r>
+              <a:rPr lang="en-US" baseline="0" dirty="0"/>
+              <a:t>Its consumed when we say “</a:t>
+            </a:r>
+            <a:r>
+              <a:rPr lang="en-US" baseline="0" dirty="0" err="1"/>
+              <a:t>docker</a:t>
+            </a:r>
+            <a:r>
+              <a:rPr lang="en-US" baseline="0" dirty="0"/>
+              <a:t> build”. The build process reads this file</a:t>
+            </a:r>
+          </a:p>
+          <a:p>
+            <a:endParaRPr lang="en-US" baseline="0" dirty="0"/>
+          </a:p>
+          <a:p>
+            <a:r>
+              <a:rPr lang="en-US" b="1" baseline="0" dirty="0"/>
+              <a:t>#click (automated builds via </a:t>
+            </a:r>
+            <a:r>
+              <a:rPr lang="en-US" b="1" baseline="0" dirty="0" err="1"/>
+              <a:t>docker</a:t>
+            </a:r>
+            <a:r>
+              <a:rPr lang="en-US" b="1" baseline="0" dirty="0"/>
+              <a:t> hub)</a:t>
+            </a:r>
+          </a:p>
+          <a:p>
+            <a:r>
+              <a:rPr lang="en-US" baseline="0" dirty="0"/>
+              <a:t>It can also be used as part of automation. You can upload your </a:t>
+            </a:r>
+            <a:r>
+              <a:rPr lang="en-US" baseline="0" dirty="0" err="1"/>
+              <a:t>dockerfile</a:t>
+            </a:r>
+            <a:r>
+              <a:rPr lang="en-US" baseline="0" dirty="0"/>
+              <a:t> to the </a:t>
+            </a:r>
+            <a:r>
+              <a:rPr lang="en-US" baseline="0" dirty="0" err="1"/>
+              <a:t>docker</a:t>
+            </a:r>
+            <a:r>
+              <a:rPr lang="en-US" baseline="0" dirty="0"/>
+              <a:t> hub, it will help perform automated, triggered builds. So if an image (layer) that you’re dependent on changes, your image will also be updated. This includes a web hook that you can use to start any CI testing or even a redeployment of your image. </a:t>
+            </a:r>
+          </a:p>
+          <a:p>
+            <a:endParaRPr lang="en-US" baseline="0" dirty="0"/>
+          </a:p>
+          <a:p>
+            <a:r>
+              <a:rPr lang="en-US" b="1" baseline="0" dirty="0"/>
+              <a:t>#click (cache unchanged commands)</a:t>
+            </a:r>
+          </a:p>
+          <a:p>
+            <a:r>
+              <a:rPr lang="en-US" baseline="0" dirty="0"/>
+              <a:t>Anything that’s unchanged, just gets cached and reused. </a:t>
+            </a:r>
+          </a:p>
+          <a:p>
+            <a:endParaRPr lang="en-US" baseline="0" dirty="0"/>
+          </a:p>
+          <a:p>
+            <a:r>
+              <a:rPr lang="en-US" b="1" baseline="0" dirty="0"/>
+              <a:t>#click (IIS Image)</a:t>
+            </a:r>
+          </a:p>
+          <a:p>
+            <a:r>
+              <a:rPr lang="en-US" baseline="0" dirty="0"/>
+              <a:t>If we take an example of a </a:t>
+            </a:r>
+            <a:r>
+              <a:rPr lang="en-US" baseline="0" dirty="0" err="1"/>
+              <a:t>dockerfile</a:t>
+            </a:r>
+            <a:r>
+              <a:rPr lang="en-US" baseline="0" dirty="0"/>
+              <a:t> to build an IIS image. </a:t>
+            </a:r>
+          </a:p>
+          <a:p>
+            <a:r>
+              <a:rPr lang="en-US" baseline="0" dirty="0"/>
+              <a:t>From – we start with where we’re starting from, in this case a base Nano Server image. Then we have two ‘adds’</a:t>
+            </a:r>
+          </a:p>
+          <a:p>
+            <a:r>
+              <a:rPr lang="en-US" baseline="0" dirty="0"/>
+              <a:t>Unattended – the first is an unintended install file and this is how you’d install IIS with </a:t>
+            </a:r>
+            <a:r>
+              <a:rPr lang="en-US" baseline="0" dirty="0" err="1"/>
+              <a:t>nano</a:t>
+            </a:r>
+            <a:r>
+              <a:rPr lang="en-US" baseline="0" dirty="0"/>
+              <a:t> server technical preview 4</a:t>
+            </a:r>
+          </a:p>
+          <a:p>
+            <a:r>
+              <a:rPr lang="en-US" baseline="0" dirty="0"/>
+              <a:t>Packages – then we add in this case, the “packages” folder where those optional roles/features are stored as we discussed earlier. </a:t>
+            </a:r>
+          </a:p>
+          <a:p>
+            <a:r>
+              <a:rPr lang="en-US" baseline="0" dirty="0"/>
+              <a:t>Run – then within the container we’re going to use DISM to apply the </a:t>
+            </a:r>
+            <a:r>
+              <a:rPr lang="en-US" baseline="0" dirty="0" err="1"/>
+              <a:t>unattend</a:t>
+            </a:r>
+            <a:r>
+              <a:rPr lang="en-US" baseline="0" dirty="0"/>
+              <a:t> file we added. </a:t>
+            </a:r>
+          </a:p>
+          <a:p>
+            <a:endParaRPr lang="en-US" baseline="0" dirty="0"/>
+          </a:p>
+          <a:p>
+            <a:r>
+              <a:rPr lang="en-US" baseline="0" dirty="0"/>
+              <a:t>When its all done, we’ll have the layers we see on the right with the base image at the bottom, and our layers added on. </a:t>
+            </a:r>
+            <a:r>
+              <a:rPr lang="en-US" baseline="0" dirty="0" err="1"/>
+              <a:t>Mysite</a:t>
+            </a:r>
+            <a:r>
+              <a:rPr lang="en-US" baseline="0" dirty="0"/>
+              <a:t> depends on IIS, which depends on the Container image. Now if I wanted to share this with you, and you already have the container base image, all I’d need to ship him is the IIS image, and web image. If he had the IIS image, I’d just send him the web image. I only need to give him enough to provision what he needs to get started. </a:t>
+            </a:r>
+          </a:p>
+          <a:p>
+            <a:endParaRPr lang="en-US" baseline="0" dirty="0"/>
+          </a:p>
+          <a:p>
+            <a:r>
+              <a:rPr lang="en-US" baseline="0" dirty="0"/>
+              <a:t>This makes this approach very handy for sharing work. </a:t>
+            </a:r>
+          </a:p>
+          <a:p>
+            <a:endParaRPr lang="en-US" baseline="0" dirty="0"/>
+          </a:p>
+          <a:p>
+            <a:r>
+              <a:rPr lang="en-US" baseline="0" dirty="0"/>
+              <a:t>And there’s the 4 basic steps to build your own IIS container image. </a:t>
+            </a:r>
+          </a:p>
+          <a:p>
+            <a:endParaRPr lang="en-US" baseline="0" dirty="0"/>
+          </a:p>
+          <a:p>
+            <a:r>
+              <a:rPr lang="en-US" baseline="0" dirty="0"/>
+              <a:t>So lets talk about what “unchanged values are cached”. Lets say I made an mistake and I need to change the folder where my attend file was. Docker’s build process will look at it and say “I’ll keep the first three layers, and only throw away the last one”. So it’s the only one that gets re-run. It doesn’t have to re-add the </a:t>
+            </a:r>
+            <a:r>
+              <a:rPr lang="en-US" baseline="0" dirty="0" err="1"/>
+              <a:t>unattend</a:t>
+            </a:r>
+            <a:r>
+              <a:rPr lang="en-US" baseline="0" dirty="0"/>
+              <a:t> file, or the packages. It just updates the run layer. </a:t>
+            </a:r>
+          </a:p>
+          <a:p>
+            <a:endParaRPr lang="en-US" baseline="0" dirty="0"/>
+          </a:p>
+          <a:p>
+            <a:r>
+              <a:rPr lang="en-US" b="1" baseline="0" dirty="0"/>
+              <a:t>#click (</a:t>
+            </a:r>
+            <a:r>
+              <a:rPr lang="en-US" b="1" baseline="0" dirty="0" err="1"/>
+              <a:t>WebApp</a:t>
+            </a:r>
+            <a:r>
+              <a:rPr lang="en-US" b="1" baseline="0" dirty="0"/>
+              <a:t> image)</a:t>
+            </a:r>
+          </a:p>
+          <a:p>
+            <a:r>
+              <a:rPr lang="en-US" dirty="0"/>
+              <a:t>Now IIS is pretty useless without a web site, so lets create a new image that add this</a:t>
+            </a:r>
+          </a:p>
+          <a:p>
+            <a:r>
+              <a:rPr lang="en-US" dirty="0"/>
+              <a:t>From</a:t>
+            </a:r>
+            <a:r>
+              <a:rPr lang="en-US" baseline="0" dirty="0"/>
+              <a:t> – we’ll use the image we created previously </a:t>
+            </a:r>
+          </a:p>
+          <a:p>
+            <a:r>
+              <a:rPr lang="en-US" baseline="0" dirty="0"/>
+              <a:t>Add – and I’m going to add mysite.htm to the image in the /</a:t>
+            </a:r>
+            <a:r>
+              <a:rPr lang="en-US" baseline="0" dirty="0" err="1"/>
+              <a:t>inetpub</a:t>
+            </a:r>
+            <a:r>
+              <a:rPr lang="en-US" baseline="0" dirty="0"/>
+              <a:t> folder</a:t>
+            </a:r>
+          </a:p>
+          <a:p>
+            <a:endParaRPr lang="en-US" baseline="0" dirty="0"/>
+          </a:p>
+          <a:p>
+            <a:endParaRPr lang="en-US" dirty="0"/>
+          </a:p>
+        </p:txBody>
+      </p:sp>
+      <p:sp>
+        <p:nvSpPr>
+          <p:cNvPr id="4" name="Slide Number Placeholder 3"/>
+          <p:cNvSpPr>
+            <a:spLocks noGrp="1"/>
+          </p:cNvSpPr>
+          <p:nvPr>
+            <p:ph type="sldNum" sz="quarter" idx="10"/>
+          </p:nvPr>
+        </p:nvSpPr>
+        <p:spPr/>
+        <p:txBody>
+          <a:bodyPr/>
+          <a:lstStyle/>
+          <a:p>
+            <a:fld id="{EF64FA26-052C-4EE5-A78C-762B03CD0F2A}" type="slidenum">
+              <a:rPr lang="en-US" smtClean="0"/>
+              <a:t>24</a:t>
+            </a:fld>
+            <a:endParaRPr lang="en-US"/>
+          </a:p>
+        </p:txBody>
+      </p:sp>
+    </p:spTree>
+    <p:extLst>
+      <p:ext uri="{BB962C8B-B14F-4D97-AF65-F5344CB8AC3E}">
+        <p14:creationId xmlns:p14="http://schemas.microsoft.com/office/powerpoint/2010/main" val="1759651968"/>
+      </p:ext>
+    </p:extLst>
+  </p:cSld>
+  <p:clrMapOvr>
+    <a:masterClrMapping/>
+  </p:clrMapOvr>
+</p:notes>
+</file>
+
+<file path=ppt/notesSlides/notesSlide22.xml><?xml version="1.0" encoding="utf-8"?>
+<p:notes xmlns:a="http://schemas.openxmlformats.org/drawingml/2006/main" xmlns:r="http://schemas.openxmlformats.org/officeDocument/2006/relationships" xmlns:p="http://schemas.openxmlformats.org/presentationml/2006/main">
+  <p:cSld>
+    <p:spTree>
+      <p:nvGrpSpPr>
+        <p:cNvPr id="1" name=""/>
+        <p:cNvGrpSpPr/>
+        <p:nvPr/>
+      </p:nvGrpSpPr>
+      <p:grpSpPr>
+        <a:xfrm>
+          <a:off x="0" y="0"/>
+          <a:ext cx="0" cy="0"/>
+          <a:chOff x="0" y="0"/>
+          <a:chExt cx="0" cy="0"/>
+        </a:xfrm>
+      </p:grpSpPr>
+      <p:sp>
+        <p:nvSpPr>
+          <p:cNvPr id="2" name="Slide Image Placeholder 1"/>
+          <p:cNvSpPr>
+            <a:spLocks noGrp="1" noRot="1" noChangeAspect="1"/>
+          </p:cNvSpPr>
+          <p:nvPr>
+            <p:ph type="sldImg"/>
+          </p:nvPr>
+        </p:nvSpPr>
+        <p:spPr/>
+      </p:sp>
+      <p:sp>
+        <p:nvSpPr>
+          <p:cNvPr id="3" name="Notes Placeholder 2"/>
+          <p:cNvSpPr>
+            <a:spLocks noGrp="1"/>
+          </p:cNvSpPr>
+          <p:nvPr>
+            <p:ph type="body" idx="1"/>
+          </p:nvPr>
+        </p:nvSpPr>
+        <p:spPr/>
+        <p:txBody>
+          <a:bodyPr/>
+          <a:lstStyle/>
+          <a:p>
+            <a:r>
+              <a:rPr lang="en-US" dirty="0"/>
+              <a:t>Lets take a closer look at a </a:t>
+            </a:r>
+            <a:r>
+              <a:rPr lang="en-US" dirty="0" err="1"/>
+              <a:t>Dockerfile</a:t>
+            </a:r>
+            <a:r>
+              <a:rPr lang="en-US" baseline="0" dirty="0"/>
+              <a:t> as this is really the preferred method if you can’t pull an existing image from a registry. </a:t>
+            </a:r>
+          </a:p>
+          <a:p>
+            <a:endParaRPr lang="en-US" baseline="0" dirty="0"/>
+          </a:p>
+          <a:p>
+            <a:r>
+              <a:rPr lang="en-US" b="1" baseline="0" dirty="0"/>
+              <a:t>#click (method for automated creation)</a:t>
+            </a:r>
+          </a:p>
+          <a:p>
+            <a:r>
+              <a:rPr lang="en-US" baseline="0" dirty="0"/>
+              <a:t>read</a:t>
+            </a:r>
+          </a:p>
+          <a:p>
+            <a:endParaRPr lang="en-US" baseline="0" dirty="0"/>
+          </a:p>
+          <a:p>
+            <a:r>
+              <a:rPr lang="en-US" b="1" baseline="0" dirty="0"/>
+              <a:t>#click (consumed when running </a:t>
+            </a:r>
+            <a:r>
+              <a:rPr lang="en-US" b="1" baseline="0" dirty="0" err="1"/>
+              <a:t>docker</a:t>
+            </a:r>
+            <a:r>
+              <a:rPr lang="en-US" b="1" baseline="0" dirty="0"/>
+              <a:t> build)</a:t>
+            </a:r>
+          </a:p>
+          <a:p>
+            <a:r>
+              <a:rPr lang="en-US" baseline="0" dirty="0"/>
+              <a:t>Its consumed when we say “</a:t>
+            </a:r>
+            <a:r>
+              <a:rPr lang="en-US" baseline="0" dirty="0" err="1"/>
+              <a:t>docker</a:t>
+            </a:r>
+            <a:r>
+              <a:rPr lang="en-US" baseline="0" dirty="0"/>
+              <a:t> build”. The build process reads this file</a:t>
+            </a:r>
+          </a:p>
+          <a:p>
+            <a:endParaRPr lang="en-US" baseline="0" dirty="0"/>
+          </a:p>
+          <a:p>
+            <a:r>
+              <a:rPr lang="en-US" b="1" baseline="0" dirty="0"/>
+              <a:t>#click (automated builds via </a:t>
+            </a:r>
+            <a:r>
+              <a:rPr lang="en-US" b="1" baseline="0" dirty="0" err="1"/>
+              <a:t>docker</a:t>
+            </a:r>
+            <a:r>
+              <a:rPr lang="en-US" b="1" baseline="0" dirty="0"/>
+              <a:t> hub)</a:t>
+            </a:r>
+          </a:p>
+          <a:p>
+            <a:r>
+              <a:rPr lang="en-US" baseline="0" dirty="0"/>
+              <a:t>It can also be used as part of automation. You can upload your </a:t>
+            </a:r>
+            <a:r>
+              <a:rPr lang="en-US" baseline="0" dirty="0" err="1"/>
+              <a:t>dockerfile</a:t>
+            </a:r>
+            <a:r>
+              <a:rPr lang="en-US" baseline="0" dirty="0"/>
+              <a:t> to the </a:t>
+            </a:r>
+            <a:r>
+              <a:rPr lang="en-US" baseline="0" dirty="0" err="1"/>
+              <a:t>docker</a:t>
+            </a:r>
+            <a:r>
+              <a:rPr lang="en-US" baseline="0" dirty="0"/>
+              <a:t> hub, it will help perform automated, triggered builds. So if an image (layer) that you’re dependent on changes, your image will also be updated. This includes a web hook that you can use to start any CI testing or even a redeployment of your image. </a:t>
+            </a:r>
+          </a:p>
+          <a:p>
+            <a:endParaRPr lang="en-US" baseline="0" dirty="0"/>
+          </a:p>
+          <a:p>
+            <a:r>
+              <a:rPr lang="en-US" b="1" baseline="0" dirty="0"/>
+              <a:t>#click (cache unchanged commands)</a:t>
+            </a:r>
+          </a:p>
+          <a:p>
+            <a:r>
+              <a:rPr lang="en-US" baseline="0" dirty="0"/>
+              <a:t>Anything that’s unchanged, just gets cached and reused. </a:t>
+            </a:r>
+          </a:p>
+          <a:p>
+            <a:endParaRPr lang="en-US" baseline="0" dirty="0"/>
+          </a:p>
+          <a:p>
+            <a:r>
+              <a:rPr lang="en-US" b="1" baseline="0" dirty="0"/>
+              <a:t>#click (IIS Image)</a:t>
+            </a:r>
+          </a:p>
+          <a:p>
+            <a:r>
+              <a:rPr lang="en-US" baseline="0" dirty="0"/>
+              <a:t>If we take an example of a </a:t>
+            </a:r>
+            <a:r>
+              <a:rPr lang="en-US" baseline="0" dirty="0" err="1"/>
+              <a:t>dockerfile</a:t>
+            </a:r>
+            <a:r>
+              <a:rPr lang="en-US" baseline="0" dirty="0"/>
+              <a:t> to build an IIS image. </a:t>
+            </a:r>
+          </a:p>
+          <a:p>
+            <a:r>
+              <a:rPr lang="en-US" baseline="0" dirty="0"/>
+              <a:t>From – we start with where we’re starting from, in this case a base Nano Server image. Then we have two ‘adds’</a:t>
+            </a:r>
+          </a:p>
+          <a:p>
+            <a:r>
+              <a:rPr lang="en-US" baseline="0" dirty="0"/>
+              <a:t>Unattended – the first is an unintended install file and this is how you’d install IIS with </a:t>
+            </a:r>
+            <a:r>
+              <a:rPr lang="en-US" baseline="0" dirty="0" err="1"/>
+              <a:t>nano</a:t>
+            </a:r>
+            <a:r>
+              <a:rPr lang="en-US" baseline="0" dirty="0"/>
+              <a:t> server technical preview 4</a:t>
+            </a:r>
+          </a:p>
+          <a:p>
+            <a:r>
+              <a:rPr lang="en-US" baseline="0" dirty="0"/>
+              <a:t>Packages – then we add in this case, the “packages” folder where those optional roles/features are stored as we discussed earlier. </a:t>
+            </a:r>
+          </a:p>
+          <a:p>
+            <a:r>
+              <a:rPr lang="en-US" baseline="0" dirty="0"/>
+              <a:t>Run – then within the container we’re going to use DISM to apply the </a:t>
+            </a:r>
+            <a:r>
+              <a:rPr lang="en-US" baseline="0" dirty="0" err="1"/>
+              <a:t>unattend</a:t>
+            </a:r>
+            <a:r>
+              <a:rPr lang="en-US" baseline="0" dirty="0"/>
+              <a:t> file we added. </a:t>
+            </a:r>
+          </a:p>
+          <a:p>
+            <a:endParaRPr lang="en-US" baseline="0" dirty="0"/>
+          </a:p>
+          <a:p>
+            <a:r>
+              <a:rPr lang="en-US" baseline="0" dirty="0"/>
+              <a:t>When its all done, we’ll have the layers we see on the right with the base image at the bottom, and our layers added on. </a:t>
+            </a:r>
+            <a:r>
+              <a:rPr lang="en-US" baseline="0" dirty="0" err="1"/>
+              <a:t>Mysite</a:t>
+            </a:r>
+            <a:r>
+              <a:rPr lang="en-US" baseline="0" dirty="0"/>
+              <a:t> depends on IIS, which depends on the Container image. Now if I wanted to share this with you, and you already have the container base image, all I’d need to ship him is the IIS image, and web image. If he had the IIS image, I’d just send him the web image. I only need to give him enough to provision what he needs to get started. </a:t>
+            </a:r>
+          </a:p>
+          <a:p>
+            <a:endParaRPr lang="en-US" baseline="0" dirty="0"/>
+          </a:p>
+          <a:p>
+            <a:r>
+              <a:rPr lang="en-US" baseline="0" dirty="0"/>
+              <a:t>This makes this approach very handy for sharing work. </a:t>
+            </a:r>
+          </a:p>
+          <a:p>
+            <a:endParaRPr lang="en-US" baseline="0" dirty="0"/>
+          </a:p>
+          <a:p>
+            <a:r>
+              <a:rPr lang="en-US" baseline="0" dirty="0"/>
+              <a:t>And there’s the 4 basic steps to build your own IIS container image. </a:t>
+            </a:r>
+          </a:p>
+          <a:p>
+            <a:endParaRPr lang="en-US" baseline="0" dirty="0"/>
+          </a:p>
+          <a:p>
+            <a:r>
+              <a:rPr lang="en-US" baseline="0" dirty="0"/>
+              <a:t>So lets talk about what “unchanged values are cached”. Lets say I made an mistake and I need to change the folder where my attend file was. Docker’s build process will look at it and say “I’ll keep the first three layers, and only throw away the last one”. So it’s the only one that gets re-run. It doesn’t have to re-add the </a:t>
+            </a:r>
+            <a:r>
+              <a:rPr lang="en-US" baseline="0" dirty="0" err="1"/>
+              <a:t>unattend</a:t>
+            </a:r>
+            <a:r>
+              <a:rPr lang="en-US" baseline="0" dirty="0"/>
+              <a:t> file, or the packages. It just updates the run layer. </a:t>
+            </a:r>
+          </a:p>
+          <a:p>
+            <a:endParaRPr lang="en-US" baseline="0" dirty="0"/>
+          </a:p>
+          <a:p>
+            <a:r>
+              <a:rPr lang="en-US" b="1" baseline="0" dirty="0"/>
+              <a:t>#click (</a:t>
+            </a:r>
+            <a:r>
+              <a:rPr lang="en-US" b="1" baseline="0" dirty="0" err="1"/>
+              <a:t>WebApp</a:t>
+            </a:r>
+            <a:r>
+              <a:rPr lang="en-US" b="1" baseline="0" dirty="0"/>
+              <a:t> image)</a:t>
+            </a:r>
+          </a:p>
+          <a:p>
+            <a:r>
+              <a:rPr lang="en-US" dirty="0"/>
+              <a:t>Now IIS is pretty useless without a web site, so lets create a new image that add this</a:t>
+            </a:r>
+          </a:p>
+          <a:p>
+            <a:r>
+              <a:rPr lang="en-US" dirty="0"/>
+              <a:t>From</a:t>
+            </a:r>
+            <a:r>
+              <a:rPr lang="en-US" baseline="0" dirty="0"/>
+              <a:t> – we’ll use the image we created previously </a:t>
+            </a:r>
+          </a:p>
+          <a:p>
+            <a:r>
+              <a:rPr lang="en-US" baseline="0" dirty="0"/>
+              <a:t>Add – and I’m going to add mysite.htm to the image in the /</a:t>
+            </a:r>
+            <a:r>
+              <a:rPr lang="en-US" baseline="0" dirty="0" err="1"/>
+              <a:t>inetpub</a:t>
+            </a:r>
+            <a:r>
+              <a:rPr lang="en-US" baseline="0" dirty="0"/>
+              <a:t> folder</a:t>
+            </a:r>
+          </a:p>
+          <a:p>
+            <a:endParaRPr lang="en-US" baseline="0" dirty="0"/>
+          </a:p>
+          <a:p>
+            <a:endParaRPr lang="en-US" dirty="0"/>
+          </a:p>
+        </p:txBody>
+      </p:sp>
+      <p:sp>
+        <p:nvSpPr>
+          <p:cNvPr id="4" name="Slide Number Placeholder 3"/>
+          <p:cNvSpPr>
+            <a:spLocks noGrp="1"/>
+          </p:cNvSpPr>
+          <p:nvPr>
+            <p:ph type="sldNum" sz="quarter" idx="10"/>
+          </p:nvPr>
+        </p:nvSpPr>
+        <p:spPr/>
+        <p:txBody>
+          <a:bodyPr/>
+          <a:lstStyle/>
+          <a:p>
+            <a:fld id="{EF64FA26-052C-4EE5-A78C-762B03CD0F2A}" type="slidenum">
+              <a:rPr lang="en-US" smtClean="0"/>
+              <a:t>25</a:t>
+            </a:fld>
+            <a:endParaRPr lang="en-US"/>
+          </a:p>
+        </p:txBody>
+      </p:sp>
+    </p:spTree>
+    <p:extLst>
+      <p:ext uri="{BB962C8B-B14F-4D97-AF65-F5344CB8AC3E}">
+        <p14:creationId xmlns:p14="http://schemas.microsoft.com/office/powerpoint/2010/main" val="3673557410"/>
+      </p:ext>
+    </p:extLst>
+  </p:cSld>
+  <p:clrMapOvr>
+    <a:masterClrMapping/>
+  </p:clrMapOvr>
+</p:notes>
+</file>
+
+<file path=ppt/notesSlides/notesSlide23.xml><?xml version="1.0" encoding="utf-8"?>
+<p:notes xmlns:a="http://schemas.openxmlformats.org/drawingml/2006/main" xmlns:r="http://schemas.openxmlformats.org/officeDocument/2006/relationships" xmlns:p="http://schemas.openxmlformats.org/presentationml/2006/main">
+  <p:cSld>
+    <p:spTree>
+      <p:nvGrpSpPr>
+        <p:cNvPr id="1" name=""/>
+        <p:cNvGrpSpPr/>
+        <p:nvPr/>
+      </p:nvGrpSpPr>
+      <p:grpSpPr>
+        <a:xfrm>
+          <a:off x="0" y="0"/>
+          <a:ext cx="0" cy="0"/>
+          <a:chOff x="0" y="0"/>
+          <a:chExt cx="0" cy="0"/>
+        </a:xfrm>
+      </p:grpSpPr>
+      <p:sp>
+        <p:nvSpPr>
+          <p:cNvPr id="2" name="Slide Image Placeholder 1"/>
+          <p:cNvSpPr>
+            <a:spLocks noGrp="1" noRot="1" noChangeAspect="1"/>
+          </p:cNvSpPr>
+          <p:nvPr>
+            <p:ph type="sldImg"/>
+          </p:nvPr>
+        </p:nvSpPr>
+        <p:spPr/>
+      </p:sp>
+      <p:sp>
+        <p:nvSpPr>
+          <p:cNvPr id="3" name="Notes Placeholder 2"/>
+          <p:cNvSpPr>
+            <a:spLocks noGrp="1"/>
+          </p:cNvSpPr>
+          <p:nvPr>
+            <p:ph type="body" idx="1"/>
+          </p:nvPr>
+        </p:nvSpPr>
+        <p:spPr/>
+        <p:txBody>
+          <a:bodyPr/>
+          <a:lstStyle/>
+          <a:p>
             <a:endParaRPr lang="en-US" dirty="0"/>
           </a:p>
         </p:txBody>
@@ -4647,7 +4599,7 @@
           <a:p>
             <a:fld id="{6108602D-D426-4C00-B215-BFA18C076426}" type="datetime8">
               <a:rPr lang="en-US" smtClean="0"/>
-              <a:t>8/24/2016 9:50 PM</a:t>
+              <a:t>8/25/2016 9:37 AM</a:t>
             </a:fld>
             <a:endParaRPr lang="en-US" dirty="0"/>
           </a:p>
@@ -4769,14 +4721,95 @@
           <a:p>
             <a:r>
               <a:rPr lang="en-US" dirty="0"/>
-              <a:t>First blurb from: https://wiki.archlinux.org/index.php/Linux_Containers</a:t>
-            </a:r>
-          </a:p>
-          <a:p>
+              <a:t>We’re going to focus on Windows Server 2016</a:t>
+            </a:r>
+          </a:p>
+          <a:p>
+            <a:pPr lvl="1"/>
+            <a:r>
+              <a:rPr lang="en-US" dirty="0"/>
+              <a:t>Over the last few years, Docker has popularized Linux containers, but Windows developers have been left out in the cold This changes with </a:t>
+            </a:r>
+            <a:r>
+              <a:rPr lang="en-US" b="1" dirty="0"/>
+              <a:t>Windows Server 2016</a:t>
+            </a:r>
+            <a:r>
+              <a:rPr lang="en-US" dirty="0"/>
+              <a:t>. At this session we'll cover the basics of the new Windows Server container model and how to develop applications/services that can take advantage of this exciting new advancement, for cloud, for on-</a:t>
+            </a:r>
+            <a:r>
+              <a:rPr lang="en-US" dirty="0" err="1"/>
+              <a:t>prem</a:t>
+            </a:r>
+            <a:r>
+              <a:rPr lang="en-US" dirty="0"/>
+              <a:t>, and for the future.</a:t>
+            </a:r>
+          </a:p>
+          <a:p>
+            <a:pPr lvl="1"/>
             <a:endParaRPr lang="en-US" dirty="0"/>
           </a:p>
           <a:p>
-            <a:endParaRPr lang="en-US" dirty="0"/>
+            <a:r>
+              <a:rPr lang="en-US" dirty="0"/>
+              <a:t>We’re not going to make you an expert</a:t>
+            </a:r>
+          </a:p>
+          <a:p>
+            <a:pPr lvl="1"/>
+            <a:r>
+              <a:rPr lang="en-US" dirty="0"/>
+              <a:t>It’s a big topic and more than can be covered in an hour. And its also still evolving (Windows containers are still in preview).</a:t>
+            </a:r>
+          </a:p>
+          <a:p>
+            <a:endParaRPr lang="en-US" sz="2000" dirty="0"/>
+          </a:p>
+          <a:p>
+            <a:r>
+              <a:rPr lang="en-US" dirty="0"/>
+              <a:t>If you already know containers on Linux…</a:t>
+            </a:r>
+          </a:p>
+          <a:p>
+            <a:pPr lvl="1"/>
+            <a:r>
+              <a:rPr lang="en-US" dirty="0"/>
+              <a:t>If you’re familiar with containers on Linux, you can check email for the next 10-15 minutes, pay attention for 5-10 minutes (when I talk about Windows Server 2016), then go find another session if you like. </a:t>
+            </a:r>
+            <a:r>
+              <a:rPr lang="en-US" dirty="0">
+                <a:sym typeface="Wingdings" panose="05000000000000000000" pitchFamily="2" charset="2"/>
+              </a:rPr>
+              <a:t></a:t>
+            </a:r>
+          </a:p>
+          <a:p>
+            <a:pPr marL="0" lvl="0" indent="-107956">
+              <a:buNone/>
+            </a:pPr>
+            <a:br>
+              <a:rPr lang="en-US" dirty="0">
+                <a:sym typeface="Wingdings" panose="05000000000000000000" pitchFamily="2" charset="2"/>
+              </a:rPr>
+            </a:br>
+            <a:r>
+              <a:rPr lang="en-US" dirty="0">
+                <a:sym typeface="Wingdings" panose="05000000000000000000" pitchFamily="2" charset="2"/>
+              </a:rPr>
+              <a:t>image</a:t>
+            </a:r>
+            <a:r>
+              <a:rPr lang="en-US" baseline="0" dirty="0">
+                <a:sym typeface="Wingdings" panose="05000000000000000000" pitchFamily="2" charset="2"/>
+              </a:rPr>
+              <a:t> from: https://thetechbench.wordpress.com/category/client-expectations/</a:t>
+            </a:r>
+            <a:endParaRPr lang="en-US" dirty="0">
+              <a:sym typeface="Wingdings" panose="05000000000000000000" pitchFamily="2" charset="2"/>
+            </a:endParaRPr>
           </a:p>
         </p:txBody>
       </p:sp>
@@ -4854,7 +4887,7 @@
           <a:p>
             <a:fld id="{90EC29EE-A8AD-4CE0-9C0B-116E0D4D7533}" type="datetime8">
               <a:rPr lang="en-US" smtClean="0"/>
-              <a:t>8/24/2016 8:35 PM</a:t>
+              <a:t>8/25/2016 10:18 AM</a:t>
             </a:fld>
             <a:endParaRPr lang="en-US" dirty="0"/>
           </a:p>
@@ -4878,7 +4911,7 @@
             <a:fld id="{B4008EB6-D09E-4580-8CD6-DDB14511944F}" type="slidenum">
               <a:rPr lang="en-US" smtClean="0"/>
               <a:pPr/>
-              <a:t>5</a:t>
+              <a:t>3</a:t>
             </a:fld>
             <a:endParaRPr lang="en-US" dirty="0"/>
           </a:p>
@@ -4887,7 +4920,7 @@
     </p:spTree>
     <p:extLst>
       <p:ext uri="{BB962C8B-B14F-4D97-AF65-F5344CB8AC3E}">
-        <p14:creationId xmlns:p14="http://schemas.microsoft.com/office/powerpoint/2010/main" val="1623967089"/>
+        <p14:creationId xmlns:p14="http://schemas.microsoft.com/office/powerpoint/2010/main" val="3483740363"/>
       </p:ext>
     </p:extLst>
   </p:cSld>
@@ -4943,14 +4976,107 @@
           <a:p>
             <a:r>
               <a:rPr lang="en-US" dirty="0"/>
-              <a:t>First blurb from: https://wiki.archlinux.org/index.php/Linux_Containers</a:t>
-            </a:r>
-          </a:p>
-          <a:p>
-            <a:endParaRPr lang="en-US" dirty="0"/>
-          </a:p>
-          <a:p>
-            <a:endParaRPr lang="en-US" dirty="0"/>
+              <a:t>Started in Linux in 2003/2004. </a:t>
+            </a:r>
+          </a:p>
+          <a:p>
+            <a:r>
+              <a:rPr lang="en-US" sz="900" b="1" dirty="0">
+                <a:solidFill>
+                  <a:schemeClr val="tx1"/>
+                </a:solidFill>
+              </a:rPr>
+              <a:t>Linux Containers </a:t>
+            </a:r>
+            <a:r>
+              <a:rPr lang="en-US" sz="900" dirty="0">
+                <a:solidFill>
+                  <a:schemeClr val="tx1"/>
+                </a:solidFill>
+              </a:rPr>
+              <a:t>(LXC) are an operating-system-level virtualization method for running multiple isolated Linux systems (containers) on a single control host (LXC host). It does not provide a virtual machine, but rather provides a virtual environment that has its own CPU, memory, block I/O, network, etc. space and the resource control mechanism.</a:t>
+            </a:r>
+            <a:endParaRPr lang="en-US" sz="900" b="1" dirty="0">
+              <a:solidFill>
+                <a:schemeClr val="tx1"/>
+              </a:solidFill>
+            </a:endParaRPr>
+          </a:p>
+          <a:p>
+            <a:endParaRPr lang="en-US" sz="900" dirty="0"/>
+          </a:p>
+          <a:p>
+            <a:r>
+              <a:rPr lang="en-US" dirty="0"/>
+              <a:t>Became popular around 2013</a:t>
+            </a:r>
+          </a:p>
+          <a:p>
+            <a:r>
+              <a:rPr lang="en-US" sz="900" b="1" dirty="0">
+                <a:solidFill>
+                  <a:schemeClr val="tx1"/>
+                </a:solidFill>
+              </a:rPr>
+              <a:t>Docker provides an additional layer of abstraction and automation </a:t>
+            </a:r>
+            <a:r>
+              <a:rPr lang="en-US" sz="900" dirty="0">
+                <a:solidFill>
+                  <a:schemeClr val="tx1"/>
+                </a:solidFill>
+              </a:rPr>
+              <a:t>of operating-system-level virtualization on Linux. Docker uses the resource isolation features of the Linux kernel such as </a:t>
+            </a:r>
+            <a:r>
+              <a:rPr lang="en-US" sz="900" dirty="0" err="1">
+                <a:solidFill>
+                  <a:schemeClr val="tx1"/>
+                </a:solidFill>
+              </a:rPr>
+              <a:t>cgroups</a:t>
+            </a:r>
+            <a:r>
+              <a:rPr lang="en-US" sz="900" dirty="0">
+                <a:solidFill>
+                  <a:schemeClr val="tx1"/>
+                </a:solidFill>
+              </a:rPr>
+              <a:t> and kernel namespaces, and a union-capable file system such as </a:t>
+            </a:r>
+            <a:r>
+              <a:rPr lang="en-US" sz="900" dirty="0" err="1">
+                <a:solidFill>
+                  <a:schemeClr val="tx1"/>
+                </a:solidFill>
+              </a:rPr>
+              <a:t>aufs</a:t>
+            </a:r>
+            <a:r>
+              <a:rPr lang="en-US" sz="900" dirty="0">
+                <a:solidFill>
+                  <a:schemeClr val="tx1"/>
+                </a:solidFill>
+              </a:rPr>
+              <a:t> and others to allow independent "containers" to run within a single Linux instance, avoiding the overhead of starting and maintaining virtual machines.</a:t>
+            </a:r>
+          </a:p>
+          <a:p>
+            <a:endParaRPr lang="en-US" sz="900" dirty="0">
+              <a:solidFill>
+                <a:schemeClr val="tx1"/>
+              </a:solidFill>
+            </a:endParaRPr>
+          </a:p>
+          <a:p>
+            <a:r>
+              <a:rPr lang="en-US" sz="900" i="1" dirty="0">
+                <a:solidFill>
+                  <a:schemeClr val="tx1"/>
+                </a:solidFill>
+              </a:rPr>
+              <a:t>Image Source: http://www.freefoto.com/preview/13-73-32/Southampton-Container-Terminal</a:t>
+            </a:r>
           </a:p>
         </p:txBody>
       </p:sp>
@@ -5028,7 +5154,7 @@
           <a:p>
             <a:fld id="{90EC29EE-A8AD-4CE0-9C0B-116E0D4D7533}" type="datetime8">
               <a:rPr lang="en-US" smtClean="0"/>
-              <a:t>8/24/2016 8:35 PM</a:t>
+              <a:t>8/25/2016 10:23 AM</a:t>
             </a:fld>
             <a:endParaRPr lang="en-US" dirty="0"/>
           </a:p>
@@ -5052,7 +5178,7 @@
             <a:fld id="{B4008EB6-D09E-4580-8CD6-DDB14511944F}" type="slidenum">
               <a:rPr lang="en-US" smtClean="0"/>
               <a:pPr/>
-              <a:t>6</a:t>
+              <a:t>4</a:t>
             </a:fld>
             <a:endParaRPr lang="en-US" dirty="0"/>
           </a:p>
@@ -5061,7 +5187,7 @@
     </p:spTree>
     <p:extLst>
       <p:ext uri="{BB962C8B-B14F-4D97-AF65-F5344CB8AC3E}">
-        <p14:creationId xmlns:p14="http://schemas.microsoft.com/office/powerpoint/2010/main" val="2221398817"/>
+        <p14:creationId xmlns:p14="http://schemas.microsoft.com/office/powerpoint/2010/main" val="2097963528"/>
       </p:ext>
     </p:extLst>
   </p:cSld>
@@ -5117,60 +5243,139 @@
           <a:p>
             <a:r>
               <a:rPr lang="en-US" dirty="0"/>
-              <a:t>Nano Server centers</a:t>
-            </a:r>
-            <a:r>
-              <a:rPr lang="en-US" baseline="0" dirty="0"/>
-              <a:t> around the concept of “just enough OS”. Its been striped of as many dependencies as possible and optimized for next-gen applications and containers. </a:t>
-            </a:r>
-          </a:p>
-          <a:p>
-            <a:endParaRPr lang="en-US" baseline="0" dirty="0"/>
-          </a:p>
-          <a:p>
-            <a:r>
-              <a:rPr lang="en-US" b="1" baseline="0" dirty="0"/>
-              <a:t>#click (show first column)</a:t>
-            </a:r>
-            <a:endParaRPr lang="en-US" baseline="0" dirty="0"/>
-          </a:p>
-          <a:p>
-            <a:r>
-              <a:rPr lang="en-US" baseline="0" dirty="0"/>
-              <a:t>This gives you higher density and fewer patches while also reducing the attack footprint by removing unnecessary services. A secure, minimal environment for running applications. Its about 400mb on disk with no extra roles/features added. It is 64bit only. </a:t>
-            </a:r>
-          </a:p>
-          <a:p>
-            <a:endParaRPr lang="en-US" baseline="0" dirty="0"/>
-          </a:p>
-          <a:p>
-            <a:r>
-              <a:rPr lang="en-US" b="1" baseline="0" dirty="0"/>
-              <a:t>#click (show second column)</a:t>
-            </a:r>
-            <a:endParaRPr lang="en-US" baseline="0" dirty="0"/>
-          </a:p>
-          <a:p>
-            <a:r>
-              <a:rPr lang="en-US" baseline="0" dirty="0"/>
-              <a:t>Further up “the stack” is Server Core where you can run traditional workloads or container based applications. </a:t>
-            </a:r>
-          </a:p>
-          <a:p>
-            <a:endParaRPr lang="en-US" baseline="0" dirty="0"/>
-          </a:p>
-          <a:p>
-            <a:r>
-              <a:rPr lang="en-US" b="1" baseline="0" dirty="0"/>
-              <a:t>#click (show third column)</a:t>
-            </a:r>
-            <a:endParaRPr lang="en-US" baseline="0" dirty="0"/>
-          </a:p>
-          <a:p>
-            <a:r>
-              <a:rPr lang="en-US" baseline="0" dirty="0"/>
-              <a:t>And finally is the “full GUI” server with a desktop experience where you can host applications that require a GUI experience or perhaps need to host remote desktop services. </a:t>
-            </a:r>
+              <a:t>Images</a:t>
+            </a:r>
+          </a:p>
+          <a:p>
+            <a:r>
+              <a:rPr lang="en-US" sz="900" dirty="0">
+                <a:solidFill>
+                  <a:schemeClr val="tx1"/>
+                </a:solidFill>
+              </a:rPr>
+              <a:t>Docker introduced the notion of a “</a:t>
+            </a:r>
+            <a:r>
+              <a:rPr lang="en-US" sz="900" dirty="0" err="1">
+                <a:solidFill>
+                  <a:schemeClr val="tx1"/>
+                </a:solidFill>
+              </a:rPr>
+              <a:t>composable</a:t>
+            </a:r>
+            <a:r>
+              <a:rPr lang="en-US" sz="900" dirty="0">
+                <a:solidFill>
+                  <a:schemeClr val="tx1"/>
+                </a:solidFill>
+              </a:rPr>
+              <a:t>”, layered image. This allowed you to reuse other images to compose an image specific to your needs. Its follows a “</a:t>
+            </a:r>
+            <a:r>
+              <a:rPr lang="en-US" sz="900" b="1" dirty="0">
+                <a:solidFill>
+                  <a:schemeClr val="tx1"/>
+                </a:solidFill>
+              </a:rPr>
+              <a:t>configuration as code</a:t>
+            </a:r>
+            <a:r>
+              <a:rPr lang="en-US" sz="900" dirty="0">
+                <a:solidFill>
+                  <a:schemeClr val="tx1"/>
+                </a:solidFill>
+              </a:rPr>
+              <a:t>” approach using a simple syntax. </a:t>
+            </a:r>
+          </a:p>
+          <a:p>
+            <a:pPr marL="0" marR="0" indent="0" algn="l" defTabSz="932742" rtl="0" eaLnBrk="1" fontAlgn="auto" latinLnBrk="0" hangingPunct="1">
+              <a:lnSpc>
+                <a:spcPct val="90000"/>
+              </a:lnSpc>
+              <a:spcBef>
+                <a:spcPts val="0"/>
+              </a:spcBef>
+              <a:spcAft>
+                <a:spcPts val="340"/>
+              </a:spcAft>
+              <a:buClrTx/>
+              <a:buSzTx/>
+              <a:buFontTx/>
+              <a:buNone/>
+              <a:tabLst/>
+              <a:defRPr/>
+            </a:pPr>
+            <a:r>
+              <a:rPr lang="en-US" i="1" dirty="0"/>
+              <a:t>from: https://wiki.archlinux.org/index.php/Linux_Containers</a:t>
+            </a:r>
+          </a:p>
+          <a:p>
+            <a:endParaRPr lang="en-US" sz="900" b="1" dirty="0">
+              <a:solidFill>
+                <a:schemeClr val="tx1"/>
+              </a:solidFill>
+            </a:endParaRPr>
+          </a:p>
+          <a:p>
+            <a:endParaRPr lang="en-US" sz="900" dirty="0"/>
+          </a:p>
+          <a:p>
+            <a:r>
+              <a:rPr lang="en-US" dirty="0"/>
+              <a:t>Repositories</a:t>
+            </a:r>
+          </a:p>
+          <a:p>
+            <a:r>
+              <a:rPr lang="en-US" sz="900" dirty="0">
+                <a:solidFill>
+                  <a:schemeClr val="tx1"/>
+                </a:solidFill>
+              </a:rPr>
+              <a:t>A library of reusable images. Repositories can be public (like </a:t>
+            </a:r>
+            <a:r>
+              <a:rPr lang="en-US" sz="900" dirty="0">
+                <a:solidFill>
+                  <a:schemeClr val="tx1"/>
+                </a:solidFill>
+                <a:hlinkClick r:id="rId3"/>
+              </a:rPr>
+              <a:t>http://hub.docker.com</a:t>
+            </a:r>
+            <a:r>
+              <a:rPr lang="en-US" sz="900" dirty="0">
+                <a:solidFill>
+                  <a:schemeClr val="tx1"/>
+                </a:solidFill>
+              </a:rPr>
+              <a:t>) or private. You’ll likely use a combination of repositories for your company workloads. i.e. a private repository for your organization’s images which builds upon images pulled from public repositories. </a:t>
+            </a:r>
+          </a:p>
+          <a:p>
+            <a:endParaRPr lang="en-US" dirty="0"/>
+          </a:p>
+          <a:p>
+            <a:endParaRPr lang="en-US" sz="900" dirty="0">
+              <a:solidFill>
+                <a:schemeClr val="tx1"/>
+              </a:solidFill>
+            </a:endParaRPr>
+          </a:p>
+          <a:p>
+            <a:r>
+              <a:rPr lang="en-US" sz="900" i="1" dirty="0">
+                <a:solidFill>
+                  <a:schemeClr val="tx1"/>
+                </a:solidFill>
+              </a:rPr>
+              <a:t>Image Source: http://www.sterilite.com/SelectProduct.html?id=772&amp;picture=1&amp;tab=Uses&amp;ProductCategory=181&amp;section=1</a:t>
+            </a:r>
+          </a:p>
+          <a:p>
+            <a:endParaRPr lang="en-US" dirty="0"/>
           </a:p>
           <a:p>
             <a:endParaRPr lang="en-US" dirty="0"/>
@@ -5192,15 +5397,7 @@
           <a:bodyPr/>
           <a:lstStyle/>
           <a:p>
-            <a:pPr defTabSz="932742">
-              <a:defRPr/>
-            </a:pPr>
-            <a:endParaRPr lang="en-US" dirty="0">
-              <a:solidFill>
-                <a:prstClr val="black"/>
-              </a:solidFill>
-              <a:latin typeface="Segoe UI" pitchFamily="34" charset="0"/>
-            </a:endParaRPr>
+            <a:endParaRPr lang="en-US" dirty="0"/>
           </a:p>
         </p:txBody>
       </p:sp>
@@ -5219,11 +5416,9 @@
           <a:bodyPr/>
           <a:lstStyle/>
           <a:p>
-            <a:pPr marL="604058" defTabSz="966175" eaLnBrk="0" hangingPunct="0">
-              <a:defRPr/>
-            </a:pPr>
-            <a:r>
-              <a:rPr lang="en-US" sz="400">
+            <a:pPr defTabSz="914099" eaLnBrk="0" hangingPunct="0"/>
+            <a:r>
+              <a:rPr lang="en-US" sz="400" dirty="0">
                 <a:gradFill>
                   <a:gsLst>
                     <a:gs pos="0">
@@ -5239,48 +5434,8 @@
                 <a:ea typeface="Segoe UI" pitchFamily="34" charset="0"/>
                 <a:cs typeface="Segoe UI" pitchFamily="34" charset="0"/>
               </a:rPr>
-              <a:t>© 2012 Microsoft Corporation. All rights reserved. Microsoft, Windows, and other product names are or may be registered trademarks and/or trademarks in the U.S. and/or other countries.</a:t>
-            </a:r>
-          </a:p>
-          <a:p>
-            <a:pPr marL="604058" defTabSz="966175" eaLnBrk="0" hangingPunct="0">
-              <a:defRPr/>
-            </a:pPr>
-            <a:r>
-              <a:rPr lang="en-US" sz="400">
-                <a:gradFill>
-                  <a:gsLst>
-                    <a:gs pos="0">
-                      <a:prstClr val="black"/>
-                    </a:gs>
-                    <a:gs pos="100000">
-                      <a:prstClr val="black"/>
-                    </a:gs>
-                  </a:gsLst>
-                  <a:lin ang="5400000" scaled="0"/>
-                </a:gradFill>
-                <a:latin typeface="Segoe UI" pitchFamily="34" charset="0"/>
-                <a:ea typeface="Segoe UI" pitchFamily="34" charset="0"/>
-                <a:cs typeface="Segoe UI" pitchFamily="34" charset="0"/>
-              </a:rPr>
-              <a:t>The information herein is for informational purposes only and represents the current view of Microsoft Corporation as of the date of this presentation. Because Microsoft must respond to changing market conditions, it should not be interpreted to be a commitment on the part of Microsoft, and Microsoft cannot guarantee the accuracy of any information provided after the date of this presentation. MICROSOFT MAKES NO WARRANTIES, EXPRESS, IMPLIED OR STATUTORY, AS TO THE INFORMATION IN THIS PRESENTATION.</a:t>
-            </a:r>
-            <a:endParaRPr lang="en-US" sz="400" dirty="0">
-              <a:gradFill>
-                <a:gsLst>
-                  <a:gs pos="0">
-                    <a:prstClr val="black"/>
-                  </a:gs>
-                  <a:gs pos="100000">
-                    <a:prstClr val="black"/>
-                  </a:gs>
-                </a:gsLst>
-                <a:lin ang="5400000" scaled="0"/>
-              </a:gradFill>
-              <a:latin typeface="Segoe UI" pitchFamily="34" charset="0"/>
-              <a:ea typeface="Segoe UI" pitchFamily="34" charset="0"/>
-              <a:cs typeface="Segoe UI" pitchFamily="34" charset="0"/>
-            </a:endParaRPr>
+              <a:t>© 2016 Microsoft Corporation. All rights reserved. MICROSOFT MAKES NO WARRANTIES, EXPRESS, IMPLIED OR STATUTORY, AS TO THE INFORMATION IN THIS PRESENTATION.</a:t>
+            </a:r>
           </a:p>
         </p:txBody>
       </p:sp>
@@ -5299,27 +5454,11 @@
           <a:bodyPr/>
           <a:lstStyle/>
           <a:p>
-            <a:pPr defTabSz="932742">
-              <a:defRPr/>
-            </a:pPr>
-            <a:fld id="{1722C50E-AC3C-4F38-BF72-3EC090A65D52}" type="datetime1">
-              <a:rPr lang="en-US" smtClean="0">
-                <a:solidFill>
-                  <a:prstClr val="black"/>
-                </a:solidFill>
-                <a:latin typeface="Segoe UI" pitchFamily="34" charset="0"/>
-              </a:rPr>
-              <a:pPr defTabSz="932742">
-                <a:defRPr/>
-              </a:pPr>
-              <a:t>8/24/2016</a:t>
+            <a:fld id="{90EC29EE-A8AD-4CE0-9C0B-116E0D4D7533}" type="datetime8">
+              <a:rPr lang="en-US" smtClean="0"/>
+              <a:t>8/25/2016 10:32 AM</a:t>
             </a:fld>
-            <a:endParaRPr lang="en-US" dirty="0">
-              <a:solidFill>
-                <a:prstClr val="black"/>
-              </a:solidFill>
-              <a:latin typeface="Segoe UI" pitchFamily="34" charset="0"/>
-            </a:endParaRPr>
+            <a:endParaRPr lang="en-US" dirty="0"/>
           </a:p>
         </p:txBody>
       </p:sp>
@@ -5338,34 +5477,19 @@
           <a:bodyPr/>
           <a:lstStyle/>
           <a:p>
-            <a:pPr defTabSz="932742">
-              <a:defRPr/>
-            </a:pPr>
             <a:fld id="{B4008EB6-D09E-4580-8CD6-DDB14511944F}" type="slidenum">
-              <a:rPr lang="en-US" smtClean="0">
-                <a:solidFill>
-                  <a:prstClr val="black"/>
-                </a:solidFill>
-                <a:latin typeface="Segoe UI" pitchFamily="34" charset="0"/>
-              </a:rPr>
-              <a:pPr defTabSz="932742">
-                <a:defRPr/>
-              </a:pPr>
-              <a:t>10</a:t>
+              <a:rPr lang="en-US" smtClean="0"/>
+              <a:pPr/>
+              <a:t>5</a:t>
             </a:fld>
-            <a:endParaRPr lang="en-US" dirty="0">
-              <a:solidFill>
-                <a:prstClr val="black"/>
-              </a:solidFill>
-              <a:latin typeface="Segoe UI" pitchFamily="34" charset="0"/>
-            </a:endParaRPr>
+            <a:endParaRPr lang="en-US" dirty="0"/>
           </a:p>
         </p:txBody>
       </p:sp>
     </p:spTree>
     <p:extLst>
       <p:ext uri="{BB962C8B-B14F-4D97-AF65-F5344CB8AC3E}">
-        <p14:creationId xmlns:p14="http://schemas.microsoft.com/office/powerpoint/2010/main" val="2493521647"/>
+        <p14:creationId xmlns:p14="http://schemas.microsoft.com/office/powerpoint/2010/main" val="1623967089"/>
       </p:ext>
     </p:extLst>
   </p:cSld>
@@ -5421,116 +5545,112 @@
           <a:p>
             <a:r>
               <a:rPr lang="en-US" dirty="0"/>
-              <a:t>One</a:t>
-            </a:r>
-            <a:r>
-              <a:rPr lang="en-US" baseline="0" dirty="0"/>
-              <a:t> of the things that kind of interesting is that we have a couple of container runtimes. We’ll start with Windows Server Containers. These are very similar to the Linux container model. We have our Windows Kernel…</a:t>
-            </a:r>
-          </a:p>
-          <a:p>
-            <a:endParaRPr lang="en-US" baseline="0" dirty="0"/>
-          </a:p>
-          <a:p>
-            <a:r>
-              <a:rPr lang="en-US" b="1" baseline="0" dirty="0"/>
-              <a:t>#click (container host box)</a:t>
-            </a:r>
-          </a:p>
-          <a:p>
-            <a:r>
-              <a:rPr lang="en-US" baseline="0" dirty="0"/>
-              <a:t>And a container host which has… </a:t>
-            </a:r>
-          </a:p>
-          <a:p>
-            <a:endParaRPr lang="en-US" baseline="0" dirty="0"/>
-          </a:p>
-          <a:p>
-            <a:r>
-              <a:rPr lang="en-US" b="1" baseline="0" dirty="0"/>
-              <a:t>#click (system processes)</a:t>
-            </a:r>
-          </a:p>
-          <a:p>
-            <a:r>
-              <a:rPr lang="en-US" baseline="0" dirty="0"/>
-              <a:t>Set of system processes that you’re likely to see on any windows server. </a:t>
-            </a:r>
-          </a:p>
-          <a:p>
-            <a:endParaRPr lang="en-US" baseline="0" dirty="0"/>
-          </a:p>
-          <a:p>
-            <a:r>
-              <a:rPr lang="en-US" b="1" baseline="0" dirty="0"/>
-              <a:t>#click (container management)</a:t>
-            </a:r>
-          </a:p>
-          <a:p>
-            <a:r>
-              <a:rPr lang="en-US" baseline="0" dirty="0"/>
-              <a:t>And then we have container management. Our compute services which is our layer of containers in the operating system. And the Docker engine. </a:t>
-            </a:r>
-          </a:p>
-          <a:p>
-            <a:endParaRPr lang="en-US" baseline="0" dirty="0"/>
-          </a:p>
-          <a:p>
-            <a:r>
-              <a:rPr lang="en-US" b="1" baseline="0" dirty="0"/>
-              <a:t>#click (Windows Server Container)</a:t>
-            </a:r>
-          </a:p>
-          <a:p>
-            <a:r>
-              <a:rPr lang="en-US" baseline="0" dirty="0"/>
-              <a:t>When we actually start a container, what we’re doing is starting up a new “user mode” and put copies of each of those system processes in. </a:t>
-            </a:r>
-          </a:p>
-          <a:p>
-            <a:endParaRPr lang="en-US" baseline="0" dirty="0"/>
-          </a:p>
-          <a:p>
-            <a:r>
-              <a:rPr lang="en-US" b="1" baseline="0" dirty="0"/>
-              <a:t>#click (Application Processes)</a:t>
-            </a:r>
-          </a:p>
-          <a:p>
-            <a:r>
-              <a:rPr lang="en-US" baseline="0" dirty="0"/>
-              <a:t>And then the application process, whatever you put on the “</a:t>
-            </a:r>
-            <a:r>
-              <a:rPr lang="en-US" baseline="0" dirty="0" err="1"/>
-              <a:t>docker</a:t>
-            </a:r>
-            <a:r>
-              <a:rPr lang="en-US" baseline="0" dirty="0"/>
-              <a:t> run” line. If it was an IIS web server, it would have it own w3wp process. The reason for this model is that without these processes, we couldn’t have isolation between containers. You couldn’t make your own user name as it would be shared by the host. This way its specific to the container. Now you’d think this would be somewhat heavy with all these extra processes. But we’ve actually done a great deal of optimization around memory and startup time such that we can start up a Nano Server container in about 1.15 seconds right now and our goal is to get this down to a second by the time Windows Server 2016 ships later this year. We think this is a pretty amazing startup time. We also haven’t seen much memory overhead from these processes, and they give us that high degree of isolation folks expect from containers. </a:t>
-            </a:r>
-          </a:p>
-          <a:p>
-            <a:endParaRPr lang="en-US" baseline="0" dirty="0"/>
-          </a:p>
-          <a:p>
-            <a:r>
-              <a:rPr lang="en-US" b="1" baseline="0" dirty="0"/>
-              <a:t>#click (second Server Container)</a:t>
-            </a:r>
-          </a:p>
-          <a:p>
-            <a:r>
-              <a:rPr lang="en-US" baseline="0" dirty="0"/>
-              <a:t>And of course we can have multiple of these containers running side by side. Each representing their own set of “user mode” processes.  This is a fairly traditional container model, but being Microsoft, we really aren’t satisfied with being traditional. So we came up with another model.</a:t>
-            </a:r>
-          </a:p>
-          <a:p>
-            <a:endParaRPr lang="en-US" baseline="0" dirty="0"/>
-          </a:p>
-          <a:p>
-            <a:endParaRPr lang="en-US" baseline="0" dirty="0"/>
+              <a:t>Host OS</a:t>
+            </a:r>
+          </a:p>
+          <a:p>
+            <a:r>
+              <a:rPr lang="en-US" sz="900" dirty="0">
+                <a:solidFill>
+                  <a:schemeClr val="tx1"/>
+                </a:solidFill>
+              </a:rPr>
+              <a:t>Where the containers will be run. This can be a physical or virtual machine. The Host OS has to have container technology present.</a:t>
+            </a:r>
+          </a:p>
+          <a:p>
+            <a:r>
+              <a:rPr lang="en-US" i="1" dirty="0"/>
+              <a:t>from: https://wiki.archlinux.org/index.php/Linux_Containers</a:t>
+            </a:r>
+            <a:endParaRPr lang="en-US" sz="900" b="1" i="1" dirty="0">
+              <a:solidFill>
+                <a:schemeClr val="tx1"/>
+              </a:solidFill>
+            </a:endParaRPr>
+          </a:p>
+          <a:p>
+            <a:endParaRPr lang="en-US" sz="900" dirty="0"/>
+          </a:p>
+          <a:p>
+            <a:r>
+              <a:rPr lang="en-US" dirty="0"/>
+              <a:t>Container Engine</a:t>
+            </a:r>
+          </a:p>
+          <a:p>
+            <a:r>
+              <a:rPr lang="en-US" sz="900" dirty="0">
+                <a:solidFill>
+                  <a:schemeClr val="tx1"/>
+                </a:solidFill>
+              </a:rPr>
+              <a:t>Used to create, manage, and run your container images. Acts as an abstraction on top of the Host OS container features. </a:t>
+            </a:r>
+          </a:p>
+          <a:p>
+            <a:endParaRPr lang="en-US" dirty="0"/>
+          </a:p>
+          <a:p>
+            <a:r>
+              <a:rPr lang="en-US" dirty="0"/>
+              <a:t>Orchestrations</a:t>
+            </a:r>
+          </a:p>
+          <a:p>
+            <a:r>
+              <a:rPr lang="en-US" sz="900" dirty="0">
+                <a:solidFill>
+                  <a:schemeClr val="tx1"/>
+                </a:solidFill>
+              </a:rPr>
+              <a:t>Manage/coordinate individual containers across multiple hosts. This is how you “scale out”.  </a:t>
+            </a:r>
+          </a:p>
+          <a:p>
+            <a:endParaRPr lang="en-US" sz="900" dirty="0">
+              <a:solidFill>
+                <a:schemeClr val="tx1"/>
+              </a:solidFill>
+            </a:endParaRPr>
+          </a:p>
+          <a:p>
+            <a:pPr marL="0" marR="0" indent="0" algn="l" defTabSz="932742" rtl="0" eaLnBrk="1" fontAlgn="auto" latinLnBrk="0" hangingPunct="1">
+              <a:lnSpc>
+                <a:spcPct val="90000"/>
+              </a:lnSpc>
+              <a:spcBef>
+                <a:spcPts val="0"/>
+              </a:spcBef>
+              <a:spcAft>
+                <a:spcPts val="340"/>
+              </a:spcAft>
+              <a:buClrTx/>
+              <a:buSzTx/>
+              <a:buFontTx/>
+              <a:buNone/>
+              <a:tabLst/>
+              <a:defRPr/>
+            </a:pPr>
+            <a:r>
+              <a:rPr lang="en-US" sz="900" i="1" dirty="0">
+                <a:solidFill>
+                  <a:schemeClr val="tx1"/>
+                </a:solidFill>
+              </a:rPr>
+              <a:t>Image Source: http://jimenapulse.blogspot.com/2012/04/bunch-of-keys-found.html</a:t>
+            </a:r>
+            <a:endParaRPr lang="en-US" sz="900" dirty="0">
+              <a:solidFill>
+                <a:schemeClr val="tx1"/>
+              </a:solidFill>
+            </a:endParaRPr>
+          </a:p>
+          <a:p>
+            <a:endParaRPr lang="en-US" dirty="0"/>
+          </a:p>
+          <a:p>
+            <a:endParaRPr lang="en-US" dirty="0"/>
           </a:p>
           <a:p>
             <a:endParaRPr lang="en-US" dirty="0"/>
@@ -5539,12 +5659,12 @@
       </p:sp>
       <p:sp>
         <p:nvSpPr>
-          <p:cNvPr id="4" name="Slide Number Placeholder 3"/>
+          <p:cNvPr id="4" name="Header Placeholder 3"/>
           <p:cNvSpPr>
             <a:spLocks noGrp="1"/>
           </p:cNvSpPr>
           <p:nvPr>
-            <p:ph type="sldNum" sz="quarter" idx="10"/>
+            <p:ph type="hdr" sz="quarter" idx="10"/>
           </p:nvPr>
         </p:nvSpPr>
         <p:spPr/>
@@ -5552,18 +5672,99 @@
           <a:bodyPr/>
           <a:lstStyle/>
           <a:p>
-            <a:fld id="{EF64FA26-052C-4EE5-A78C-762B03CD0F2A}" type="slidenum">
+            <a:endParaRPr lang="en-US" dirty="0"/>
+          </a:p>
+        </p:txBody>
+      </p:sp>
+      <p:sp>
+        <p:nvSpPr>
+          <p:cNvPr id="5" name="Footer Placeholder 4"/>
+          <p:cNvSpPr>
+            <a:spLocks noGrp="1"/>
+          </p:cNvSpPr>
+          <p:nvPr>
+            <p:ph type="ftr" sz="quarter" idx="11"/>
+          </p:nvPr>
+        </p:nvSpPr>
+        <p:spPr/>
+        <p:txBody>
+          <a:bodyPr/>
+          <a:lstStyle/>
+          <a:p>
+            <a:pPr defTabSz="914099" eaLnBrk="0" hangingPunct="0"/>
+            <a:r>
+              <a:rPr lang="en-US" sz="400" dirty="0">
+                <a:gradFill>
+                  <a:gsLst>
+                    <a:gs pos="0">
+                      <a:prstClr val="black"/>
+                    </a:gs>
+                    <a:gs pos="100000">
+                      <a:prstClr val="black"/>
+                    </a:gs>
+                  </a:gsLst>
+                  <a:lin ang="5400000" scaled="0"/>
+                </a:gradFill>
+                <a:latin typeface="Segoe UI" pitchFamily="34" charset="0"/>
+                <a:ea typeface="Segoe UI" pitchFamily="34" charset="0"/>
+                <a:cs typeface="Segoe UI" pitchFamily="34" charset="0"/>
+              </a:rPr>
+              <a:t>© 2016 Microsoft Corporation. All rights reserved. MICROSOFT MAKES NO WARRANTIES, EXPRESS, IMPLIED OR STATUTORY, AS TO THE INFORMATION IN THIS PRESENTATION.</a:t>
+            </a:r>
+          </a:p>
+        </p:txBody>
+      </p:sp>
+      <p:sp>
+        <p:nvSpPr>
+          <p:cNvPr id="6" name="Date Placeholder 5"/>
+          <p:cNvSpPr>
+            <a:spLocks noGrp="1"/>
+          </p:cNvSpPr>
+          <p:nvPr>
+            <p:ph type="dt" idx="12"/>
+          </p:nvPr>
+        </p:nvSpPr>
+        <p:spPr/>
+        <p:txBody>
+          <a:bodyPr/>
+          <a:lstStyle/>
+          <a:p>
+            <a:fld id="{90EC29EE-A8AD-4CE0-9C0B-116E0D4D7533}" type="datetime8">
               <a:rPr lang="en-US" smtClean="0"/>
-              <a:t>11</a:t>
+              <a:t>8/25/2016 10:34 AM</a:t>
             </a:fld>
-            <a:endParaRPr lang="en-US"/>
+            <a:endParaRPr lang="en-US" dirty="0"/>
+          </a:p>
+        </p:txBody>
+      </p:sp>
+      <p:sp>
+        <p:nvSpPr>
+          <p:cNvPr id="7" name="Slide Number Placeholder 6"/>
+          <p:cNvSpPr>
+            <a:spLocks noGrp="1"/>
+          </p:cNvSpPr>
+          <p:nvPr>
+            <p:ph type="sldNum" sz="quarter" idx="13"/>
+          </p:nvPr>
+        </p:nvSpPr>
+        <p:spPr/>
+        <p:txBody>
+          <a:bodyPr/>
+          <a:lstStyle/>
+          <a:p>
+            <a:fld id="{B4008EB6-D09E-4580-8CD6-DDB14511944F}" type="slidenum">
+              <a:rPr lang="en-US" smtClean="0"/>
+              <a:pPr/>
+              <a:t>6</a:t>
+            </a:fld>
+            <a:endParaRPr lang="en-US" dirty="0"/>
           </a:p>
         </p:txBody>
       </p:sp>
     </p:spTree>
     <p:extLst>
       <p:ext uri="{BB962C8B-B14F-4D97-AF65-F5344CB8AC3E}">
-        <p14:creationId xmlns:p14="http://schemas.microsoft.com/office/powerpoint/2010/main" val="3000688688"/>
+        <p14:creationId xmlns:p14="http://schemas.microsoft.com/office/powerpoint/2010/main" val="2221398817"/>
       </p:ext>
     </p:extLst>
   </p:cSld>
@@ -5619,19 +5820,27 @@
           <a:p>
             <a:r>
               <a:rPr lang="en-US" dirty="0"/>
-              <a:t>Hyper-V containers</a:t>
+              <a:t>Nano Server centers</a:t>
             </a:r>
             <a:r>
               <a:rPr lang="en-US" baseline="0" dirty="0"/>
-              <a:t> differ from Server Containers in that they start with the Hyper-V </a:t>
-            </a:r>
-            <a:r>
-              <a:rPr lang="en-US" baseline="0" dirty="0" err="1"/>
-              <a:t>HyperVisor</a:t>
-            </a:r>
+              <a:t> around the concept of “just enough OS”. Its been striped of as many dependencies as possible and optimized for next-gen applications and containers. </a:t>
+            </a:r>
+          </a:p>
+          <a:p>
+            <a:endParaRPr lang="en-US" baseline="0" dirty="0"/>
+          </a:p>
+          <a:p>
+            <a:r>
+              <a:rPr lang="en-US" b="1" baseline="0" dirty="0"/>
+              <a:t>#click (show first column)</a:t>
+            </a:r>
+            <a:endParaRPr lang="en-US" baseline="0" dirty="0"/>
+          </a:p>
+          <a:p>
             <a:r>
               <a:rPr lang="en-US" baseline="0" dirty="0"/>
-              <a:t>. </a:t>
+              <a:t>This gives you higher density and fewer patches while also reducing the attack footprint by removing unnecessary services. A secure, minimal environment for running applications. Its about 400mb on disk with no extra roles/features added. It is 64bit only. </a:t>
             </a:r>
           </a:p>
           <a:p>
@@ -5640,13 +5849,14 @@
           <a:p>
             <a:r>
               <a:rPr lang="en-US" b="1" baseline="0" dirty="0"/>
-              <a:t>#click (Container Host)</a:t>
-            </a:r>
+              <a:t>#click (show second column)</a:t>
+            </a:r>
+            <a:endParaRPr lang="en-US" baseline="0" dirty="0"/>
           </a:p>
           <a:p>
             <a:r>
               <a:rPr lang="en-US" baseline="0" dirty="0"/>
-              <a:t>Then we add a container host. </a:t>
+              <a:t>Further up “the stack” is Server Core where you can run traditional workloads or container based applications. </a:t>
             </a:r>
           </a:p>
           <a:p>
@@ -5655,214 +5865,29 @@
           <a:p>
             <a:r>
               <a:rPr lang="en-US" b="1" baseline="0" dirty="0"/>
-              <a:t>#click (Windows Kernel)</a:t>
-            </a:r>
-          </a:p>
-          <a:p>
-            <a:r>
-              <a:rPr lang="en-US" dirty="0"/>
-              <a:t>This contains the</a:t>
-            </a:r>
+              <a:t>#click (show third column)</a:t>
+            </a:r>
+            <a:endParaRPr lang="en-US" baseline="0" dirty="0"/>
+          </a:p>
+          <a:p>
             <a:r>
               <a:rPr lang="en-US" baseline="0" dirty="0"/>
-              <a:t> Windows Kernel</a:t>
-            </a:r>
-          </a:p>
-          <a:p>
-            <a:endParaRPr lang="en-US" baseline="0" dirty="0"/>
-          </a:p>
-          <a:p>
-            <a:r>
-              <a:rPr lang="en-US" b="1" baseline="0" dirty="0"/>
-              <a:t>#click (System Processes)</a:t>
-            </a:r>
-          </a:p>
-          <a:p>
-            <a:r>
-              <a:rPr lang="en-US" baseline="0" dirty="0"/>
-              <a:t>The same set of System processes</a:t>
-            </a:r>
-          </a:p>
-          <a:p>
-            <a:endParaRPr lang="en-US" baseline="0" dirty="0"/>
-          </a:p>
-          <a:p>
-            <a:r>
-              <a:rPr lang="en-US" b="1" baseline="0" dirty="0"/>
-              <a:t>#click (container management)</a:t>
-            </a:r>
-          </a:p>
-          <a:p>
-            <a:r>
-              <a:rPr lang="en-US" baseline="0" dirty="0"/>
-              <a:t>And our compute services and dicker engine. Much like we have with a Server Container Host. </a:t>
-            </a:r>
-          </a:p>
-          <a:p>
-            <a:endParaRPr lang="en-US" baseline="0" dirty="0"/>
-          </a:p>
-          <a:p>
-            <a:r>
-              <a:rPr lang="en-US" b="1" baseline="0" dirty="0"/>
-              <a:t>#click (</a:t>
-            </a:r>
-            <a:r>
-              <a:rPr lang="en-US" b="1" baseline="0" dirty="0" err="1"/>
-              <a:t>hyper-V</a:t>
-            </a:r>
-            <a:r>
-              <a:rPr lang="en-US" b="1" baseline="0" dirty="0"/>
-              <a:t> Container)</a:t>
-            </a:r>
-          </a:p>
-          <a:p>
-            <a:r>
-              <a:rPr lang="en-US" baseline="0" dirty="0"/>
-              <a:t>But when we start a Hyper-V container, things starts to look different. </a:t>
-            </a:r>
-          </a:p>
-          <a:p>
-            <a:endParaRPr lang="en-US" baseline="0" dirty="0"/>
-          </a:p>
-          <a:p>
-            <a:r>
-              <a:rPr lang="en-US" b="1" dirty="0"/>
-              <a:t>#click (Window Kernel)</a:t>
-            </a:r>
-          </a:p>
-          <a:p>
-            <a:r>
-              <a:rPr lang="en-US" dirty="0"/>
-              <a:t>The </a:t>
-            </a:r>
-            <a:r>
-              <a:rPr lang="en-US" dirty="0" err="1"/>
-              <a:t>hyper-V</a:t>
-            </a:r>
-            <a:r>
-              <a:rPr lang="en-US" dirty="0"/>
-              <a:t> container has its own copy of the Windows Kernel</a:t>
+              <a:t>And finally is the “full GUI” server with a desktop experience where you can host applications that require a GUI experience or perhaps need to host remote desktop services. </a:t>
             </a:r>
           </a:p>
           <a:p>
             <a:endParaRPr lang="en-US" dirty="0"/>
-          </a:p>
-          <a:p>
-            <a:r>
-              <a:rPr lang="en-US" b="1" dirty="0"/>
-              <a:t>#click (Basic System processes)</a:t>
-            </a:r>
-          </a:p>
-          <a:p>
-            <a:r>
-              <a:rPr lang="en-US" dirty="0"/>
-              <a:t>It has its</a:t>
-            </a:r>
-            <a:r>
-              <a:rPr lang="en-US" baseline="0" dirty="0"/>
-              <a:t> own set of Basic System Process. This is a minimal set, just enough to launch</a:t>
-            </a:r>
-          </a:p>
-          <a:p>
-            <a:endParaRPr lang="en-US" baseline="0" dirty="0"/>
-          </a:p>
-          <a:p>
-            <a:r>
-              <a:rPr lang="en-US" b="1" baseline="0" dirty="0"/>
-              <a:t>#click (Guest Compute Service)</a:t>
-            </a:r>
-          </a:p>
-          <a:p>
-            <a:r>
-              <a:rPr lang="en-US" baseline="0" dirty="0"/>
-              <a:t>The Guest Compute Service.</a:t>
-            </a:r>
-          </a:p>
-          <a:p>
-            <a:endParaRPr lang="en-US" baseline="0" dirty="0"/>
-          </a:p>
-          <a:p>
-            <a:r>
-              <a:rPr lang="en-US" b="1" baseline="0" dirty="0"/>
-              <a:t>#click (Windows Server Container)</a:t>
-            </a:r>
-          </a:p>
-          <a:p>
-            <a:r>
-              <a:rPr lang="en-US" baseline="0" dirty="0"/>
-              <a:t>And a Windows Server Container. </a:t>
-            </a:r>
-          </a:p>
-          <a:p>
-            <a:endParaRPr lang="en-US" baseline="0" dirty="0"/>
-          </a:p>
-          <a:p>
-            <a:r>
-              <a:rPr lang="en-US" b="1" baseline="0" dirty="0"/>
-              <a:t>#click (System Processes)</a:t>
-            </a:r>
-          </a:p>
-          <a:p>
-            <a:r>
-              <a:rPr lang="en-US" baseline="0" dirty="0"/>
-              <a:t>Which in turn then has its own set of System Processes</a:t>
-            </a:r>
-          </a:p>
-          <a:p>
-            <a:endParaRPr lang="en-US" baseline="0" dirty="0"/>
-          </a:p>
-          <a:p>
-            <a:r>
-              <a:rPr lang="en-US" b="1" baseline="0" dirty="0"/>
-              <a:t>#click (Application Processes)</a:t>
-            </a:r>
-          </a:p>
-          <a:p>
-            <a:r>
-              <a:rPr lang="en-US" baseline="0" dirty="0"/>
-              <a:t>And application processes. </a:t>
-            </a:r>
-          </a:p>
-          <a:p>
-            <a:endParaRPr lang="en-US" baseline="0" dirty="0"/>
-          </a:p>
-          <a:p>
-            <a:r>
-              <a:rPr lang="en-US" b="1" baseline="0" dirty="0"/>
-              <a:t>#click (Virtual Machine)</a:t>
-            </a:r>
-          </a:p>
-          <a:p>
-            <a:r>
-              <a:rPr lang="en-US" baseline="0" dirty="0"/>
-              <a:t>All this happens with a specially purposed Virtual Machine. This virtual machine has only one purpose in being, to run a container. We did this so that we get the same isolation boundaries that a traditional virtual machine has. If, unbelievably, someone were figure out some weird way to get outside of the container and mess with the kernel, they could crash themselves, but would be unable to hurt anyone else. This also means we have kernel independence, we could run different versions  of the kernel. We could run the app on different versions of the operating system and all sorts of interesting things we’ll get into later. </a:t>
-            </a:r>
-          </a:p>
-          <a:p>
-            <a:endParaRPr lang="en-US" baseline="0" dirty="0"/>
-          </a:p>
-          <a:p>
-            <a:endParaRPr lang="en-US" baseline="0" dirty="0"/>
-          </a:p>
-          <a:p>
-            <a:endParaRPr lang="en-US" baseline="0" dirty="0"/>
-          </a:p>
-          <a:p>
-            <a:endParaRPr lang="en-US" baseline="0" dirty="0"/>
-          </a:p>
-          <a:p>
-            <a:endParaRPr lang="en-US" baseline="0" dirty="0"/>
           </a:p>
         </p:txBody>
       </p:sp>
       <p:sp>
         <p:nvSpPr>
-          <p:cNvPr id="4" name="Slide Number Placeholder 3"/>
+          <p:cNvPr id="4" name="Header Placeholder 3"/>
           <p:cNvSpPr>
             <a:spLocks noGrp="1"/>
           </p:cNvSpPr>
           <p:nvPr>
-            <p:ph type="sldNum" sz="quarter" idx="10"/>
+            <p:ph type="hdr" sz="quarter" idx="10"/>
           </p:nvPr>
         </p:nvSpPr>
         <p:spPr/>
@@ -5870,18 +5895,180 @@
           <a:bodyPr/>
           <a:lstStyle/>
           <a:p>
-            <a:fld id="{EF64FA26-052C-4EE5-A78C-762B03CD0F2A}" type="slidenum">
-              <a:rPr lang="en-US" smtClean="0"/>
-              <a:t>12</a:t>
+            <a:pPr defTabSz="932742">
+              <a:defRPr/>
+            </a:pPr>
+            <a:endParaRPr lang="en-US" dirty="0">
+              <a:solidFill>
+                <a:prstClr val="black"/>
+              </a:solidFill>
+              <a:latin typeface="Segoe UI" pitchFamily="34" charset="0"/>
+            </a:endParaRPr>
+          </a:p>
+        </p:txBody>
+      </p:sp>
+      <p:sp>
+        <p:nvSpPr>
+          <p:cNvPr id="5" name="Footer Placeholder 4"/>
+          <p:cNvSpPr>
+            <a:spLocks noGrp="1"/>
+          </p:cNvSpPr>
+          <p:nvPr>
+            <p:ph type="ftr" sz="quarter" idx="11"/>
+          </p:nvPr>
+        </p:nvSpPr>
+        <p:spPr/>
+        <p:txBody>
+          <a:bodyPr/>
+          <a:lstStyle/>
+          <a:p>
+            <a:pPr marL="604058" defTabSz="966175" eaLnBrk="0" hangingPunct="0">
+              <a:defRPr/>
+            </a:pPr>
+            <a:r>
+              <a:rPr lang="en-US" sz="400">
+                <a:gradFill>
+                  <a:gsLst>
+                    <a:gs pos="0">
+                      <a:prstClr val="black"/>
+                    </a:gs>
+                    <a:gs pos="100000">
+                      <a:prstClr val="black"/>
+                    </a:gs>
+                  </a:gsLst>
+                  <a:lin ang="5400000" scaled="0"/>
+                </a:gradFill>
+                <a:latin typeface="Segoe UI" pitchFamily="34" charset="0"/>
+                <a:ea typeface="Segoe UI" pitchFamily="34" charset="0"/>
+                <a:cs typeface="Segoe UI" pitchFamily="34" charset="0"/>
+              </a:rPr>
+              <a:t>© 2012 Microsoft Corporation. All rights reserved. Microsoft, Windows, and other product names are or may be registered trademarks and/or trademarks in the U.S. and/or other countries.</a:t>
+            </a:r>
+          </a:p>
+          <a:p>
+            <a:pPr marL="604058" defTabSz="966175" eaLnBrk="0" hangingPunct="0">
+              <a:defRPr/>
+            </a:pPr>
+            <a:r>
+              <a:rPr lang="en-US" sz="400">
+                <a:gradFill>
+                  <a:gsLst>
+                    <a:gs pos="0">
+                      <a:prstClr val="black"/>
+                    </a:gs>
+                    <a:gs pos="100000">
+                      <a:prstClr val="black"/>
+                    </a:gs>
+                  </a:gsLst>
+                  <a:lin ang="5400000" scaled="0"/>
+                </a:gradFill>
+                <a:latin typeface="Segoe UI" pitchFamily="34" charset="0"/>
+                <a:ea typeface="Segoe UI" pitchFamily="34" charset="0"/>
+                <a:cs typeface="Segoe UI" pitchFamily="34" charset="0"/>
+              </a:rPr>
+              <a:t>The information herein is for informational purposes only and represents the current view of Microsoft Corporation as of the date of this presentation. Because Microsoft must respond to changing market conditions, it should not be interpreted to be a commitment on the part of Microsoft, and Microsoft cannot guarantee the accuracy of any information provided after the date of this presentation. MICROSOFT MAKES NO WARRANTIES, EXPRESS, IMPLIED OR STATUTORY, AS TO THE INFORMATION IN THIS PRESENTATION.</a:t>
+            </a:r>
+            <a:endParaRPr lang="en-US" sz="400" dirty="0">
+              <a:gradFill>
+                <a:gsLst>
+                  <a:gs pos="0">
+                    <a:prstClr val="black"/>
+                  </a:gs>
+                  <a:gs pos="100000">
+                    <a:prstClr val="black"/>
+                  </a:gs>
+                </a:gsLst>
+                <a:lin ang="5400000" scaled="0"/>
+              </a:gradFill>
+              <a:latin typeface="Segoe UI" pitchFamily="34" charset="0"/>
+              <a:ea typeface="Segoe UI" pitchFamily="34" charset="0"/>
+              <a:cs typeface="Segoe UI" pitchFamily="34" charset="0"/>
+            </a:endParaRPr>
+          </a:p>
+        </p:txBody>
+      </p:sp>
+      <p:sp>
+        <p:nvSpPr>
+          <p:cNvPr id="6" name="Date Placeholder 5"/>
+          <p:cNvSpPr>
+            <a:spLocks noGrp="1"/>
+          </p:cNvSpPr>
+          <p:nvPr>
+            <p:ph type="dt" idx="12"/>
+          </p:nvPr>
+        </p:nvSpPr>
+        <p:spPr/>
+        <p:txBody>
+          <a:bodyPr/>
+          <a:lstStyle/>
+          <a:p>
+            <a:pPr defTabSz="932742">
+              <a:defRPr/>
+            </a:pPr>
+            <a:fld id="{1722C50E-AC3C-4F38-BF72-3EC090A65D52}" type="datetime1">
+              <a:rPr lang="en-US" smtClean="0">
+                <a:solidFill>
+                  <a:prstClr val="black"/>
+                </a:solidFill>
+                <a:latin typeface="Segoe UI" pitchFamily="34" charset="0"/>
+              </a:rPr>
+              <a:pPr defTabSz="932742">
+                <a:defRPr/>
+              </a:pPr>
+              <a:t>8/25/2016</a:t>
             </a:fld>
-            <a:endParaRPr lang="en-US"/>
+            <a:endParaRPr lang="en-US" dirty="0">
+              <a:solidFill>
+                <a:prstClr val="black"/>
+              </a:solidFill>
+              <a:latin typeface="Segoe UI" pitchFamily="34" charset="0"/>
+            </a:endParaRPr>
+          </a:p>
+        </p:txBody>
+      </p:sp>
+      <p:sp>
+        <p:nvSpPr>
+          <p:cNvPr id="7" name="Slide Number Placeholder 6"/>
+          <p:cNvSpPr>
+            <a:spLocks noGrp="1"/>
+          </p:cNvSpPr>
+          <p:nvPr>
+            <p:ph type="sldNum" sz="quarter" idx="13"/>
+          </p:nvPr>
+        </p:nvSpPr>
+        <p:spPr/>
+        <p:txBody>
+          <a:bodyPr/>
+          <a:lstStyle/>
+          <a:p>
+            <a:pPr defTabSz="932742">
+              <a:defRPr/>
+            </a:pPr>
+            <a:fld id="{B4008EB6-D09E-4580-8CD6-DDB14511944F}" type="slidenum">
+              <a:rPr lang="en-US" smtClean="0">
+                <a:solidFill>
+                  <a:prstClr val="black"/>
+                </a:solidFill>
+                <a:latin typeface="Segoe UI" pitchFamily="34" charset="0"/>
+              </a:rPr>
+              <a:pPr defTabSz="932742">
+                <a:defRPr/>
+              </a:pPr>
+              <a:t>10</a:t>
+            </a:fld>
+            <a:endParaRPr lang="en-US" dirty="0">
+              <a:solidFill>
+                <a:prstClr val="black"/>
+              </a:solidFill>
+              <a:latin typeface="Segoe UI" pitchFamily="34" charset="0"/>
+            </a:endParaRPr>
           </a:p>
         </p:txBody>
       </p:sp>
     </p:spTree>
     <p:extLst>
       <p:ext uri="{BB962C8B-B14F-4D97-AF65-F5344CB8AC3E}">
-        <p14:creationId xmlns:p14="http://schemas.microsoft.com/office/powerpoint/2010/main" val="525576043"/>
+        <p14:creationId xmlns:p14="http://schemas.microsoft.com/office/powerpoint/2010/main" val="2493521647"/>
       </p:ext>
     </p:extLst>
   </p:cSld>
@@ -5937,11 +6124,11 @@
           <a:p>
             <a:r>
               <a:rPr lang="en-US" dirty="0"/>
-              <a:t>So a</a:t>
+              <a:t>One</a:t>
             </a:r>
             <a:r>
               <a:rPr lang="en-US" baseline="0" dirty="0"/>
-              <a:t> couple notes on the deployment model… </a:t>
+              <a:t> of the things that kind of interesting is that we have a couple of container runtimes. We’ll start with Windows Server Containers. These are very similar to the Linux container model. We have our Windows Kernel…</a:t>
             </a:r>
           </a:p>
           <a:p>
@@ -5949,8 +6136,14 @@
           </a:p>
           <a:p>
             <a:r>
+              <a:rPr lang="en-US" b="1" baseline="0" dirty="0"/>
+              <a:t>#click (container host box)</a:t>
+            </a:r>
+          </a:p>
+          <a:p>
+            <a:r>
               <a:rPr lang="en-US" baseline="0" dirty="0"/>
-              <a:t>With Windows Server Container, the container must be matching the host. If I’m running a Nano Container, it must be running on a Nano Container Host. Server Core must be on Server Core. We’re working to relax this for the General Availability of Windows Server 2016, but at least through Technical Preview 5, this will be the case. </a:t>
+              <a:t>And a container host which has… </a:t>
             </a:r>
           </a:p>
           <a:p>
@@ -5958,29 +6151,103 @@
           </a:p>
           <a:p>
             <a:r>
+              <a:rPr lang="en-US" b="1" baseline="0" dirty="0"/>
+              <a:t>#click (system processes)</a:t>
+            </a:r>
+          </a:p>
+          <a:p>
+            <a:r>
               <a:rPr lang="en-US" baseline="0" dirty="0"/>
-              <a:t>With Hyper-V containers, we currently only support Nano Server containers, at least through TP5. Server Core support will arrive by the time Server 2016 GA’s. However, the host can be anything we want… Nano Server, Server Core, or even Windows Server/Desktop. This is because the </a:t>
+              <a:t>Set of system processes that you’re likely to see on any windows server. </a:t>
+            </a:r>
+          </a:p>
+          <a:p>
+            <a:endParaRPr lang="en-US" baseline="0" dirty="0"/>
+          </a:p>
+          <a:p>
+            <a:r>
+              <a:rPr lang="en-US" b="1" baseline="0" dirty="0"/>
+              <a:t>#click (container management)</a:t>
+            </a:r>
+          </a:p>
+          <a:p>
+            <a:r>
+              <a:rPr lang="en-US" baseline="0" dirty="0"/>
+              <a:t>And then we have container management. Our compute services which is our layer of containers in the operating system. And the Docker engine. </a:t>
+            </a:r>
+          </a:p>
+          <a:p>
+            <a:endParaRPr lang="en-US" baseline="0" dirty="0"/>
+          </a:p>
+          <a:p>
+            <a:r>
+              <a:rPr lang="en-US" b="1" baseline="0" dirty="0"/>
+              <a:t>#click (Windows Server Container)</a:t>
+            </a:r>
+          </a:p>
+          <a:p>
+            <a:r>
+              <a:rPr lang="en-US" baseline="0" dirty="0"/>
+              <a:t>When we actually start a container, what we’re doing is starting up a new “user mode” and put copies of each of those system processes in. </a:t>
+            </a:r>
+          </a:p>
+          <a:p>
+            <a:endParaRPr lang="en-US" baseline="0" dirty="0"/>
+          </a:p>
+          <a:p>
+            <a:r>
+              <a:rPr lang="en-US" b="1" baseline="0" dirty="0"/>
+              <a:t>#click (Application Processes)</a:t>
+            </a:r>
+          </a:p>
+          <a:p>
+            <a:r>
+              <a:rPr lang="en-US" baseline="0" dirty="0"/>
+              <a:t>And then the application process, whatever you put on the “</a:t>
             </a:r>
             <a:r>
               <a:rPr lang="en-US" baseline="0" dirty="0" err="1"/>
-              <a:t>hyper-v</a:t>
+              <a:t>docker</a:t>
             </a:r>
             <a:r>
               <a:rPr lang="en-US" baseline="0" dirty="0"/>
-              <a:t> container has its own, independent copy of the kernel. </a:t>
-            </a:r>
+              <a:t> run” line. If it was an IIS web server, it would have it own w3wp process. The reason for this model is that without these processes, we couldn’t have isolation between containers. You couldn’t make your own user name as it would be shared by the host. This way its specific to the container. Now you’d think this would be somewhat heavy with all these extra processes. But we’ve actually done a great deal of optimization around memory and startup time such that we can start up a Nano Server container in about 1.15 seconds right now and our goal is to get this down to a second by the time Windows Server 2016 ships later this year. We think this is a pretty amazing startup time. We also haven’t seen much memory overhead from these processes, and they give us that high degree of isolation folks expect from containers. </a:t>
+            </a:r>
+          </a:p>
+          <a:p>
+            <a:endParaRPr lang="en-US" baseline="0" dirty="0"/>
+          </a:p>
+          <a:p>
+            <a:r>
+              <a:rPr lang="en-US" b="1" baseline="0" dirty="0"/>
+              <a:t>#click (second Server Container)</a:t>
+            </a:r>
+          </a:p>
+          <a:p>
+            <a:r>
+              <a:rPr lang="en-US" baseline="0" dirty="0"/>
+              <a:t>And of course we can have multiple of these containers running side by side. Each representing their own set of “user mode” processes.  This is a fairly traditional container model, but being Microsoft, we really aren’t satisfied with being traditional. So we came up with another model.</a:t>
+            </a:r>
+          </a:p>
+          <a:p>
+            <a:endParaRPr lang="en-US" baseline="0" dirty="0"/>
+          </a:p>
+          <a:p>
+            <a:endParaRPr lang="en-US" baseline="0" dirty="0"/>
+          </a:p>
+          <a:p>
             <a:endParaRPr lang="en-US" dirty="0"/>
           </a:p>
         </p:txBody>
       </p:sp>
       <p:sp>
         <p:nvSpPr>
-          <p:cNvPr id="4" name="Footer Placeholder 3"/>
+          <p:cNvPr id="4" name="Slide Number Placeholder 3"/>
           <p:cNvSpPr>
             <a:spLocks noGrp="1"/>
           </p:cNvSpPr>
           <p:nvPr>
-            <p:ph type="ftr" sz="quarter" idx="10"/>
+            <p:ph type="sldNum" sz="quarter" idx="10"/>
           </p:nvPr>
         </p:nvSpPr>
         <p:spPr/>
@@ -5988,96 +6255,18 @@
           <a:bodyPr/>
           <a:lstStyle/>
           <a:p>
-            <a:pPr defTabSz="914099" eaLnBrk="0" hangingPunct="0"/>
-            <a:r>
-              <a:rPr lang="en-US" sz="400">
-                <a:gradFill>
-                  <a:gsLst>
-                    <a:gs pos="0">
-                      <a:prstClr val="black"/>
-                    </a:gs>
-                    <a:gs pos="100000">
-                      <a:prstClr val="black"/>
-                    </a:gs>
-                  </a:gsLst>
-                  <a:lin ang="5400000" scaled="0"/>
-                </a:gradFill>
-                <a:latin typeface="Segoe UI" pitchFamily="34" charset="0"/>
-                <a:ea typeface="Segoe UI" pitchFamily="34" charset="0"/>
-                <a:cs typeface="Segoe UI" pitchFamily="34" charset="0"/>
-              </a:rPr>
-              <a:t>© 2015 Microsoft Corporation. All rights reserved. Microsoft, Windows, and other product names are or may be registered trademarks and/or trademarks in the U.S. and/or other countries. The information herein is for informational purposes only and represents the current view of Microsoft Corporation as of the date of this presentation.  Because Microsoft must respond to changing market conditions, it should not be interpreted to be a commitment on the part of Microsoft, and Microsoft cannot guarantee the accuracy of any information provided after the date of this presentation.  MICROSOFT MAKES NO WARRANTIES, EXPRESS, IMPLIED OR STATUTORY, AS TO THE INFORMATION IN THIS PRESENTATION.</a:t>
-            </a:r>
-            <a:endParaRPr lang="en-US" sz="400" dirty="0">
-              <a:gradFill>
-                <a:gsLst>
-                  <a:gs pos="0">
-                    <a:prstClr val="black"/>
-                  </a:gs>
-                  <a:gs pos="100000">
-                    <a:prstClr val="black"/>
-                  </a:gs>
-                </a:gsLst>
-                <a:lin ang="5400000" scaled="0"/>
-              </a:gradFill>
-              <a:latin typeface="Segoe UI" pitchFamily="34" charset="0"/>
-              <a:ea typeface="Segoe UI" pitchFamily="34" charset="0"/>
-              <a:cs typeface="Segoe UI" pitchFamily="34" charset="0"/>
-            </a:endParaRPr>
-          </a:p>
-        </p:txBody>
-      </p:sp>
-      <p:sp>
-        <p:nvSpPr>
-          <p:cNvPr id="5" name="Date Placeholder 4"/>
-          <p:cNvSpPr>
-            <a:spLocks noGrp="1"/>
-          </p:cNvSpPr>
-          <p:nvPr>
-            <p:ph type="dt" idx="11"/>
-          </p:nvPr>
-        </p:nvSpPr>
-        <p:spPr/>
-        <p:txBody>
-          <a:bodyPr/>
-          <a:lstStyle/>
-          <a:p>
-            <a:fld id="{E74353ED-ACB2-44BF-A903-985B0AF962B7}" type="datetime1">
+            <a:fld id="{EF64FA26-052C-4EE5-A78C-762B03CD0F2A}" type="slidenum">
               <a:rPr lang="en-US" smtClean="0"/>
-              <a:t>8/24/2016</a:t>
+              <a:t>11</a:t>
             </a:fld>
-            <a:endParaRPr lang="en-US" dirty="0"/>
-          </a:p>
-        </p:txBody>
-      </p:sp>
-      <p:sp>
-        <p:nvSpPr>
-          <p:cNvPr id="6" name="Slide Number Placeholder 5"/>
-          <p:cNvSpPr>
-            <a:spLocks noGrp="1"/>
-          </p:cNvSpPr>
-          <p:nvPr>
-            <p:ph type="sldNum" sz="quarter" idx="12"/>
-          </p:nvPr>
-        </p:nvSpPr>
-        <p:spPr/>
-        <p:txBody>
-          <a:bodyPr/>
-          <a:lstStyle/>
-          <a:p>
-            <a:fld id="{B4008EB6-D09E-4580-8CD6-DDB14511944F}" type="slidenum">
-              <a:rPr lang="en-US" smtClean="0"/>
-              <a:pPr/>
-              <a:t>13</a:t>
-            </a:fld>
-            <a:endParaRPr lang="en-US" dirty="0"/>
+            <a:endParaRPr lang="en-US"/>
           </a:p>
         </p:txBody>
       </p:sp>
     </p:spTree>
     <p:extLst>
       <p:ext uri="{BB962C8B-B14F-4D97-AF65-F5344CB8AC3E}">
-        <p14:creationId xmlns:p14="http://schemas.microsoft.com/office/powerpoint/2010/main" val="1043206396"/>
+        <p14:creationId xmlns:p14="http://schemas.microsoft.com/office/powerpoint/2010/main" val="3000688688"/>
       </p:ext>
     </p:extLst>
   </p:cSld>
@@ -6131,18 +6320,252 @@
           <a:bodyPr/>
           <a:lstStyle/>
           <a:p>
+            <a:r>
+              <a:rPr lang="en-US" dirty="0"/>
+              <a:t>Hyper-V containers</a:t>
+            </a:r>
+            <a:r>
+              <a:rPr lang="en-US" baseline="0" dirty="0"/>
+              <a:t> differ from Server Containers in that they start with the Hyper-V </a:t>
+            </a:r>
+            <a:r>
+              <a:rPr lang="en-US" baseline="0" dirty="0" err="1"/>
+              <a:t>HyperVisor</a:t>
+            </a:r>
+            <a:r>
+              <a:rPr lang="en-US" baseline="0" dirty="0"/>
+              <a:t>. </a:t>
+            </a:r>
+          </a:p>
+          <a:p>
+            <a:endParaRPr lang="en-US" baseline="0" dirty="0"/>
+          </a:p>
+          <a:p>
+            <a:r>
+              <a:rPr lang="en-US" b="1" baseline="0" dirty="0"/>
+              <a:t>#click (Container Host)</a:t>
+            </a:r>
+          </a:p>
+          <a:p>
+            <a:r>
+              <a:rPr lang="en-US" baseline="0" dirty="0"/>
+              <a:t>Then we add a container host. </a:t>
+            </a:r>
+          </a:p>
+          <a:p>
+            <a:endParaRPr lang="en-US" baseline="0" dirty="0"/>
+          </a:p>
+          <a:p>
+            <a:r>
+              <a:rPr lang="en-US" b="1" baseline="0" dirty="0"/>
+              <a:t>#click (Windows Kernel)</a:t>
+            </a:r>
+          </a:p>
+          <a:p>
+            <a:r>
+              <a:rPr lang="en-US" dirty="0"/>
+              <a:t>This contains the</a:t>
+            </a:r>
+            <a:r>
+              <a:rPr lang="en-US" baseline="0" dirty="0"/>
+              <a:t> Windows Kernel</a:t>
+            </a:r>
+          </a:p>
+          <a:p>
+            <a:endParaRPr lang="en-US" baseline="0" dirty="0"/>
+          </a:p>
+          <a:p>
+            <a:r>
+              <a:rPr lang="en-US" b="1" baseline="0" dirty="0"/>
+              <a:t>#click (System Processes)</a:t>
+            </a:r>
+          </a:p>
+          <a:p>
+            <a:r>
+              <a:rPr lang="en-US" baseline="0" dirty="0"/>
+              <a:t>The same set of System processes</a:t>
+            </a:r>
+          </a:p>
+          <a:p>
+            <a:endParaRPr lang="en-US" baseline="0" dirty="0"/>
+          </a:p>
+          <a:p>
+            <a:r>
+              <a:rPr lang="en-US" b="1" baseline="0" dirty="0"/>
+              <a:t>#click (container management)</a:t>
+            </a:r>
+          </a:p>
+          <a:p>
+            <a:r>
+              <a:rPr lang="en-US" baseline="0" dirty="0"/>
+              <a:t>And our compute services and dicker engine. Much like we have with a Server Container Host. </a:t>
+            </a:r>
+          </a:p>
+          <a:p>
+            <a:endParaRPr lang="en-US" baseline="0" dirty="0"/>
+          </a:p>
+          <a:p>
+            <a:r>
+              <a:rPr lang="en-US" b="1" baseline="0" dirty="0"/>
+              <a:t>#click (</a:t>
+            </a:r>
+            <a:r>
+              <a:rPr lang="en-US" b="1" baseline="0" dirty="0" err="1"/>
+              <a:t>hyper-V</a:t>
+            </a:r>
+            <a:r>
+              <a:rPr lang="en-US" b="1" baseline="0" dirty="0"/>
+              <a:t> Container)</a:t>
+            </a:r>
+          </a:p>
+          <a:p>
+            <a:r>
+              <a:rPr lang="en-US" baseline="0" dirty="0"/>
+              <a:t>But when we start a Hyper-V container, things starts to look different. </a:t>
+            </a:r>
+          </a:p>
+          <a:p>
+            <a:endParaRPr lang="en-US" baseline="0" dirty="0"/>
+          </a:p>
+          <a:p>
+            <a:r>
+              <a:rPr lang="en-US" b="1" dirty="0"/>
+              <a:t>#click (Window Kernel)</a:t>
+            </a:r>
+          </a:p>
+          <a:p>
+            <a:r>
+              <a:rPr lang="en-US" dirty="0"/>
+              <a:t>The </a:t>
+            </a:r>
+            <a:r>
+              <a:rPr lang="en-US" dirty="0" err="1"/>
+              <a:t>hyper-V</a:t>
+            </a:r>
+            <a:r>
+              <a:rPr lang="en-US" dirty="0"/>
+              <a:t> container has its own copy of the Windows Kernel</a:t>
+            </a:r>
+          </a:p>
+          <a:p>
             <a:endParaRPr lang="en-US" dirty="0"/>
+          </a:p>
+          <a:p>
+            <a:r>
+              <a:rPr lang="en-US" b="1" dirty="0"/>
+              <a:t>#click (Basic System processes)</a:t>
+            </a:r>
+          </a:p>
+          <a:p>
+            <a:r>
+              <a:rPr lang="en-US" dirty="0"/>
+              <a:t>It has its</a:t>
+            </a:r>
+            <a:r>
+              <a:rPr lang="en-US" baseline="0" dirty="0"/>
+              <a:t> own set of Basic System Process. This is a minimal set, just enough to launch</a:t>
+            </a:r>
+          </a:p>
+          <a:p>
+            <a:endParaRPr lang="en-US" baseline="0" dirty="0"/>
+          </a:p>
+          <a:p>
+            <a:r>
+              <a:rPr lang="en-US" b="1" baseline="0" dirty="0"/>
+              <a:t>#click (Guest Compute Service)</a:t>
+            </a:r>
+          </a:p>
+          <a:p>
+            <a:r>
+              <a:rPr lang="en-US" baseline="0" dirty="0"/>
+              <a:t>The Guest Compute Service.</a:t>
+            </a:r>
+          </a:p>
+          <a:p>
+            <a:endParaRPr lang="en-US" baseline="0" dirty="0"/>
+          </a:p>
+          <a:p>
+            <a:r>
+              <a:rPr lang="en-US" b="1" baseline="0" dirty="0"/>
+              <a:t>#click (Windows Server Container)</a:t>
+            </a:r>
+          </a:p>
+          <a:p>
+            <a:r>
+              <a:rPr lang="en-US" baseline="0" dirty="0"/>
+              <a:t>And a Windows Server Container. </a:t>
+            </a:r>
+          </a:p>
+          <a:p>
+            <a:endParaRPr lang="en-US" baseline="0" dirty="0"/>
+          </a:p>
+          <a:p>
+            <a:r>
+              <a:rPr lang="en-US" b="1" baseline="0" dirty="0"/>
+              <a:t>#click (System Processes)</a:t>
+            </a:r>
+          </a:p>
+          <a:p>
+            <a:r>
+              <a:rPr lang="en-US" baseline="0" dirty="0"/>
+              <a:t>Which in turn then has its own set of System Processes</a:t>
+            </a:r>
+          </a:p>
+          <a:p>
+            <a:endParaRPr lang="en-US" baseline="0" dirty="0"/>
+          </a:p>
+          <a:p>
+            <a:r>
+              <a:rPr lang="en-US" b="1" baseline="0" dirty="0"/>
+              <a:t>#click (Application Processes)</a:t>
+            </a:r>
+          </a:p>
+          <a:p>
+            <a:r>
+              <a:rPr lang="en-US" baseline="0" dirty="0"/>
+              <a:t>And application processes. </a:t>
+            </a:r>
+          </a:p>
+          <a:p>
+            <a:endParaRPr lang="en-US" baseline="0" dirty="0"/>
+          </a:p>
+          <a:p>
+            <a:r>
+              <a:rPr lang="en-US" b="1" baseline="0" dirty="0"/>
+              <a:t>#click (Virtual Machine)</a:t>
+            </a:r>
+          </a:p>
+          <a:p>
+            <a:r>
+              <a:rPr lang="en-US" baseline="0" dirty="0"/>
+              <a:t>All this happens with a specially purposed Virtual Machine. This virtual machine has only one purpose in being, to run a container. We did this so that we get the same isolation boundaries that a traditional virtual machine has. If, unbelievably, someone were figure out some weird way to get outside of the container and mess with the kernel, they could crash themselves, but would be unable to hurt anyone else. This also means we have kernel independence, we could run different versions  of the kernel. We could run the app on different versions of the operating system and all sorts of interesting things we’ll get into later. </a:t>
+            </a:r>
+          </a:p>
+          <a:p>
+            <a:endParaRPr lang="en-US" baseline="0" dirty="0"/>
+          </a:p>
+          <a:p>
+            <a:endParaRPr lang="en-US" baseline="0" dirty="0"/>
+          </a:p>
+          <a:p>
+            <a:endParaRPr lang="en-US" baseline="0" dirty="0"/>
+          </a:p>
+          <a:p>
+            <a:endParaRPr lang="en-US" baseline="0" dirty="0"/>
+          </a:p>
+          <a:p>
+            <a:endParaRPr lang="en-US" baseline="0" dirty="0"/>
           </a:p>
         </p:txBody>
       </p:sp>
       <p:sp>
         <p:nvSpPr>
-          <p:cNvPr id="4" name="Header Placeholder 3"/>
+          <p:cNvPr id="4" name="Slide Number Placeholder 3"/>
           <p:cNvSpPr>
             <a:spLocks noGrp="1"/>
           </p:cNvSpPr>
           <p:nvPr>
-            <p:ph type="hdr" sz="quarter" idx="10"/>
+            <p:ph type="sldNum" sz="quarter" idx="10"/>
           </p:nvPr>
         </p:nvSpPr>
         <p:spPr/>
@@ -6150,123 +6573,18 @@
           <a:bodyPr/>
           <a:lstStyle/>
           <a:p>
-            <a:r>
-              <a:rPr lang="en-US">
-                <a:latin typeface="Segoe UI" pitchFamily="34" charset="0"/>
-              </a:rPr>
-              <a:t>Build 2015</a:t>
-            </a:r>
-            <a:endParaRPr lang="en-US" dirty="0">
-              <a:latin typeface="Segoe UI" pitchFamily="34" charset="0"/>
-            </a:endParaRPr>
-          </a:p>
-        </p:txBody>
-      </p:sp>
-      <p:sp>
-        <p:nvSpPr>
-          <p:cNvPr id="5" name="Footer Placeholder 4"/>
-          <p:cNvSpPr>
-            <a:spLocks noGrp="1"/>
-          </p:cNvSpPr>
-          <p:nvPr>
-            <p:ph type="ftr" sz="quarter" idx="11"/>
-          </p:nvPr>
-        </p:nvSpPr>
-        <p:spPr/>
-        <p:txBody>
-          <a:bodyPr/>
-          <a:lstStyle/>
-          <a:p>
-            <a:pPr defTabSz="914099" eaLnBrk="0" hangingPunct="0"/>
-            <a:r>
-              <a:rPr lang="en-US" sz="400">
-                <a:gradFill>
-                  <a:gsLst>
-                    <a:gs pos="0">
-                      <a:prstClr val="black"/>
-                    </a:gs>
-                    <a:gs pos="100000">
-                      <a:prstClr val="black"/>
-                    </a:gs>
-                  </a:gsLst>
-                  <a:lin ang="5400000" scaled="0"/>
-                </a:gradFill>
-                <a:latin typeface="Segoe UI" pitchFamily="34" charset="0"/>
-                <a:ea typeface="Segoe UI" pitchFamily="34" charset="0"/>
-                <a:cs typeface="Segoe UI" pitchFamily="34" charset="0"/>
-              </a:rPr>
-              <a:t>© 2015 Microsoft Corporation. All rights reserved. MICROSOFT MAKES NO WARRANTIES, EXPRESS, IMPLIED OR STATUTORY, AS TO THE INFORMATION IN THIS PRESENTATION.</a:t>
-            </a:r>
-            <a:endParaRPr lang="en-US" sz="400" dirty="0">
-              <a:gradFill>
-                <a:gsLst>
-                  <a:gs pos="0">
-                    <a:prstClr val="black"/>
-                  </a:gs>
-                  <a:gs pos="100000">
-                    <a:prstClr val="black"/>
-                  </a:gs>
-                </a:gsLst>
-                <a:lin ang="5400000" scaled="0"/>
-              </a:gradFill>
-              <a:latin typeface="Segoe UI" pitchFamily="34" charset="0"/>
-              <a:ea typeface="Segoe UI" pitchFamily="34" charset="0"/>
-              <a:cs typeface="Segoe UI" pitchFamily="34" charset="0"/>
-            </a:endParaRPr>
-          </a:p>
-        </p:txBody>
-      </p:sp>
-      <p:sp>
-        <p:nvSpPr>
-          <p:cNvPr id="6" name="Date Placeholder 5"/>
-          <p:cNvSpPr>
-            <a:spLocks noGrp="1"/>
-          </p:cNvSpPr>
-          <p:nvPr>
-            <p:ph type="dt" idx="12"/>
-          </p:nvPr>
-        </p:nvSpPr>
-        <p:spPr/>
-        <p:txBody>
-          <a:bodyPr/>
-          <a:lstStyle/>
-          <a:p>
-            <a:fld id="{38EEC551-8CDA-4EB6-89BB-2A86C9F091C8}" type="datetime8">
+            <a:fld id="{EF64FA26-052C-4EE5-A78C-762B03CD0F2A}" type="slidenum">
               <a:rPr lang="en-US" smtClean="0"/>
-              <a:t>8/24/2016 8:35 PM</a:t>
+              <a:t>12</a:t>
             </a:fld>
-            <a:endParaRPr lang="en-US" dirty="0"/>
-          </a:p>
-        </p:txBody>
-      </p:sp>
-      <p:sp>
-        <p:nvSpPr>
-          <p:cNvPr id="7" name="Slide Number Placeholder 6"/>
-          <p:cNvSpPr>
-            <a:spLocks noGrp="1"/>
-          </p:cNvSpPr>
-          <p:nvPr>
-            <p:ph type="sldNum" sz="quarter" idx="13"/>
-          </p:nvPr>
-        </p:nvSpPr>
-        <p:spPr/>
-        <p:txBody>
-          <a:bodyPr/>
-          <a:lstStyle/>
-          <a:p>
-            <a:fld id="{B4008EB6-D09E-4580-8CD6-DDB14511944F}" type="slidenum">
-              <a:rPr lang="en-US" smtClean="0"/>
-              <a:pPr/>
-              <a:t>14</a:t>
-            </a:fld>
-            <a:endParaRPr lang="en-US" dirty="0"/>
+            <a:endParaRPr lang="en-US"/>
           </a:p>
         </p:txBody>
       </p:sp>
     </p:spTree>
     <p:extLst>
       <p:ext uri="{BB962C8B-B14F-4D97-AF65-F5344CB8AC3E}">
-        <p14:creationId xmlns:p14="http://schemas.microsoft.com/office/powerpoint/2010/main" val="3450359370"/>
+        <p14:creationId xmlns:p14="http://schemas.microsoft.com/office/powerpoint/2010/main" val="525576043"/>
       </p:ext>
     </p:extLst>
   </p:cSld>
@@ -21430,7 +21748,7 @@
           <p:nvPr/>
         </p:nvPicPr>
         <p:blipFill>
-          <a:blip r:embed="rId2"/>
+          <a:blip r:embed="rId3"/>
           <a:stretch>
             <a:fillRect/>
           </a:stretch>
@@ -31244,7 +31562,7 @@
         </p:nvSpPr>
         <p:spPr>
           <a:xfrm>
-            <a:off x="3933421" y="5897876"/>
+            <a:off x="3933421" y="5935662"/>
             <a:ext cx="4572000" cy="627864"/>
           </a:xfrm>
           <a:prstGeom prst="rect">
@@ -31267,18 +31585,10 @@
               </a:spcAft>
             </a:pPr>
             <a:r>
-              <a:rPr lang="en-US" sz="2400" dirty="0">
-                <a:gradFill>
-                  <a:gsLst>
-                    <a:gs pos="2917">
-                      <a:schemeClr val="tx1"/>
-                    </a:gs>
-                    <a:gs pos="30000">
-                      <a:schemeClr val="tx1"/>
-                    </a:gs>
-                  </a:gsLst>
-                  <a:lin ang="5400000" scaled="0"/>
-                </a:gradFill>
+              <a:rPr lang="en-US" sz="2400" b="1" dirty="0">
+                <a:solidFill>
+                  <a:schemeClr val="bg1"/>
+                </a:solidFill>
                 <a:latin typeface="+mj-lt"/>
               </a:rPr>
               <a:t>Write once, deploy anywhere</a:t>
@@ -34415,7 +34725,7 @@
         </p:spPr>
         <p:txBody>
           <a:bodyPr>
-            <a:normAutofit fontScale="85000" lnSpcReduction="20000"/>
+            <a:normAutofit fontScale="70000" lnSpcReduction="20000"/>
           </a:bodyPr>
           <a:lstStyle/>
           <a:p>
@@ -34423,7 +34733,37 @@
               <a:rPr lang="en-US" sz="4800" b="1" dirty="0">
                 <a:latin typeface="+mn-lt"/>
               </a:rPr>
-              <a:t>Create a container from an images</a:t>
+              <a:t>Create a container from an image (first time)</a:t>
+            </a:r>
+            <a:endParaRPr lang="en-US" sz="7200" b="1" dirty="0">
+              <a:latin typeface="+mn-lt"/>
+            </a:endParaRPr>
+          </a:p>
+          <a:p>
+            <a:r>
+              <a:rPr lang="en-US" sz="3300" dirty="0"/>
+              <a:t>	</a:t>
+            </a:r>
+            <a:r>
+              <a:rPr lang="en-US" sz="3300" dirty="0" err="1"/>
+              <a:t>docker</a:t>
+            </a:r>
+            <a:r>
+              <a:rPr lang="en-US" sz="3300" dirty="0"/>
+              <a:t> create &lt;image&gt;</a:t>
+            </a:r>
+          </a:p>
+          <a:p>
+            <a:endParaRPr lang="en-US" sz="4800" b="1" dirty="0">
+              <a:latin typeface="+mn-lt"/>
+            </a:endParaRPr>
+          </a:p>
+          <a:p>
+            <a:r>
+              <a:rPr lang="en-US" sz="4800" b="1" dirty="0">
+                <a:latin typeface="+mn-lt"/>
+              </a:rPr>
+              <a:t>Create and run a container from an image (first time)</a:t>
             </a:r>
             <a:endParaRPr lang="en-US" sz="7200" b="1" dirty="0"/>
           </a:p>
@@ -34466,9 +34806,6 @@
               <a:rPr lang="en-US" sz="3300" dirty="0"/>
               <a:t> for interactive sessions, -a just for output)</a:t>
             </a:r>
-          </a:p>
-          <a:p>
-            <a:endParaRPr lang="en-US" sz="2448" dirty="0"/>
           </a:p>
           <a:p>
             <a:endParaRPr lang="en-US" sz="2448" dirty="0"/>
@@ -34850,7 +35187,7 @@
                                         <p:tgtEl>
                                           <p:spTgt spid="3">
                                             <p:txEl>
-                                              <p:pRg st="7" end="7"/>
+                                              <p:pRg st="6" end="6"/>
                                             </p:txEl>
                                           </p:spTgt>
                                         </p:tgtEl>
@@ -34868,7 +35205,7 @@
                                         <p:tgtEl>
                                           <p:spTgt spid="3">
                                             <p:txEl>
-                                              <p:pRg st="7" end="7"/>
+                                              <p:pRg st="6" end="6"/>
                                             </p:txEl>
                                           </p:spTgt>
                                         </p:tgtEl>
@@ -34911,7 +35248,7 @@
                                         <p:tgtEl>
                                           <p:spTgt spid="3">
                                             <p:txEl>
-                                              <p:pRg st="8" end="8"/>
+                                              <p:pRg st="7" end="7"/>
                                             </p:txEl>
                                           </p:spTgt>
                                         </p:tgtEl>
@@ -34929,7 +35266,7 @@
                                         <p:tgtEl>
                                           <p:spTgt spid="3">
                                             <p:txEl>
-                                              <p:pRg st="8" end="8"/>
+                                              <p:pRg st="7" end="7"/>
                                             </p:txEl>
                                           </p:spTgt>
                                         </p:tgtEl>
@@ -34972,7 +35309,7 @@
                                         <p:tgtEl>
                                           <p:spTgt spid="3">
                                             <p:txEl>
-                                              <p:pRg st="10" end="10"/>
+                                              <p:pRg st="9" end="9"/>
                                             </p:txEl>
                                           </p:spTgt>
                                         </p:tgtEl>
@@ -34990,7 +35327,7 @@
                                         <p:tgtEl>
                                           <p:spTgt spid="3">
                                             <p:txEl>
-                                              <p:pRg st="10" end="10"/>
+                                              <p:pRg st="9" end="9"/>
                                             </p:txEl>
                                           </p:spTgt>
                                         </p:tgtEl>
@@ -35033,7 +35370,7 @@
                                         <p:tgtEl>
                                           <p:spTgt spid="3">
                                             <p:txEl>
-                                              <p:pRg st="11" end="11"/>
+                                              <p:pRg st="10" end="10"/>
                                             </p:txEl>
                                           </p:spTgt>
                                         </p:tgtEl>
@@ -35051,7 +35388,129 @@
                                         <p:tgtEl>
                                           <p:spTgt spid="3">
                                             <p:txEl>
-                                              <p:pRg st="11" end="11"/>
+                                              <p:pRg st="10" end="10"/>
+                                            </p:txEl>
+                                          </p:spTgt>
+                                        </p:tgtEl>
+                                      </p:cBhvr>
+                                    </p:animEffect>
+                                  </p:childTnLst>
+                                </p:cTn>
+                              </p:par>
+                            </p:childTnLst>
+                          </p:cTn>
+                        </p:par>
+                      </p:childTnLst>
+                    </p:cTn>
+                  </p:par>
+                  <p:par>
+                    <p:cTn id="43" fill="hold">
+                      <p:stCondLst>
+                        <p:cond delay="indefinite"/>
+                      </p:stCondLst>
+                      <p:childTnLst>
+                        <p:par>
+                          <p:cTn id="44" fill="hold">
+                            <p:stCondLst>
+                              <p:cond delay="0"/>
+                            </p:stCondLst>
+                            <p:childTnLst>
+                              <p:par>
+                                <p:cTn id="45" presetID="10" presetClass="entr" presetSubtype="0" fill="hold" nodeType="clickEffect">
+                                  <p:stCondLst>
+                                    <p:cond delay="0"/>
+                                  </p:stCondLst>
+                                  <p:childTnLst>
+                                    <p:set>
+                                      <p:cBhvr>
+                                        <p:cTn id="46" dur="1" fill="hold">
+                                          <p:stCondLst>
+                                            <p:cond delay="0"/>
+                                          </p:stCondLst>
+                                        </p:cTn>
+                                        <p:tgtEl>
+                                          <p:spTgt spid="3">
+                                            <p:txEl>
+                                              <p:pRg st="12" end="12"/>
+                                            </p:txEl>
+                                          </p:spTgt>
+                                        </p:tgtEl>
+                                        <p:attrNameLst>
+                                          <p:attrName>style.visibility</p:attrName>
+                                        </p:attrNameLst>
+                                      </p:cBhvr>
+                                      <p:to>
+                                        <p:strVal val="visible"/>
+                                      </p:to>
+                                    </p:set>
+                                    <p:animEffect transition="in" filter="fade">
+                                      <p:cBhvr>
+                                        <p:cTn id="47" dur="500"/>
+                                        <p:tgtEl>
+                                          <p:spTgt spid="3">
+                                            <p:txEl>
+                                              <p:pRg st="12" end="12"/>
+                                            </p:txEl>
+                                          </p:spTgt>
+                                        </p:tgtEl>
+                                      </p:cBhvr>
+                                    </p:animEffect>
+                                  </p:childTnLst>
+                                </p:cTn>
+                              </p:par>
+                            </p:childTnLst>
+                          </p:cTn>
+                        </p:par>
+                      </p:childTnLst>
+                    </p:cTn>
+                  </p:par>
+                  <p:par>
+                    <p:cTn id="48" fill="hold">
+                      <p:stCondLst>
+                        <p:cond delay="indefinite"/>
+                      </p:stCondLst>
+                      <p:childTnLst>
+                        <p:par>
+                          <p:cTn id="49" fill="hold">
+                            <p:stCondLst>
+                              <p:cond delay="0"/>
+                            </p:stCondLst>
+                            <p:childTnLst>
+                              <p:par>
+                                <p:cTn id="50" presetID="10" presetClass="entr" presetSubtype="0" fill="hold" nodeType="clickEffect">
+                                  <p:stCondLst>
+                                    <p:cond delay="0"/>
+                                  </p:stCondLst>
+                                  <p:childTnLst>
+                                    <p:set>
+                                      <p:cBhvr>
+                                        <p:cTn id="51" dur="1" fill="hold">
+                                          <p:stCondLst>
+                                            <p:cond delay="0"/>
+                                          </p:stCondLst>
+                                        </p:cTn>
+                                        <p:tgtEl>
+                                          <p:spTgt spid="3">
+                                            <p:txEl>
+                                              <p:pRg st="13" end="13"/>
+                                            </p:txEl>
+                                          </p:spTgt>
+                                        </p:tgtEl>
+                                        <p:attrNameLst>
+                                          <p:attrName>style.visibility</p:attrName>
+                                        </p:attrNameLst>
+                                      </p:cBhvr>
+                                      <p:to>
+                                        <p:strVal val="visible"/>
+                                      </p:to>
+                                    </p:set>
+                                    <p:animEffect transition="in" filter="fade">
+                                      <p:cBhvr>
+                                        <p:cTn id="52" dur="500"/>
+                                        <p:tgtEl>
+                                          <p:spTgt spid="3">
+                                            <p:txEl>
+                                              <p:pRg st="13" end="13"/>
                                             </p:txEl>
                                           </p:spTgt>
                                         </p:tgtEl>
@@ -35312,7 +35771,7 @@
           </a:p>
           <a:p>
             <a:r>
-              <a:rPr lang="en-US" sz="4400" dirty="0">
+              <a:rPr lang="en-US" sz="4400" b="1" dirty="0">
                 <a:latin typeface="+mn-lt"/>
               </a:rPr>
               <a:t>Remove an existing container</a:t>
@@ -39108,8 +39567,8 @@
         </p:nvSpPr>
         <p:spPr>
           <a:xfrm>
-            <a:off x="274638" y="1212850"/>
-            <a:ext cx="11887200" cy="5515356"/>
+            <a:off x="549275" y="3364864"/>
+            <a:ext cx="11887200" cy="3447098"/>
           </a:xfrm>
         </p:spPr>
         <p:txBody>
@@ -39122,26 +39581,17 @@
             </a:r>
           </a:p>
           <a:p>
-            <a:pPr lvl="1"/>
             <a:r>
               <a:rPr lang="en-US" dirty="0"/>
-              <a:t>Over the last few years, Docker has popularized Linux containers, but Windows developers have been left out in the cold This changes with </a:t>
-            </a:r>
-            <a:r>
-              <a:rPr lang="en-US" b="1" dirty="0"/>
-              <a:t>Windows Server 2016</a:t>
-            </a:r>
-            <a:r>
-              <a:rPr lang="en-US" dirty="0"/>
-              <a:t>. At this session we'll cover the basics of the new Windows Server container model and how to develop applications/services that can take advantage of this exciting new advancement, for cloud, for on-</a:t>
-            </a:r>
-            <a:r>
-              <a:rPr lang="en-US" dirty="0" err="1"/>
-              <a:t>prem</a:t>
-            </a:r>
-            <a:r>
-              <a:rPr lang="en-US" dirty="0"/>
-              <a:t>, and for the future.</a:t>
+              <a:t>	</a:t>
+            </a:r>
+            <a:r>
+              <a:rPr lang="en-US" dirty="0">
+                <a:solidFill>
+                  <a:schemeClr val="tx1"/>
+                </a:solidFill>
+              </a:rPr>
+              <a:t>Containers are specific to Server 2016</a:t>
             </a:r>
           </a:p>
           <a:p>
@@ -39155,13 +39605,6 @@
             </a:r>
           </a:p>
           <a:p>
-            <a:pPr lvl="1"/>
-            <a:r>
-              <a:rPr lang="en-US" dirty="0"/>
-              <a:t>It’s a big topic and more than can be covered in an hour. And its also still evolving (Windows containers are still in preview).</a:t>
-            </a:r>
-          </a:p>
-          <a:p>
             <a:endParaRPr lang="en-US" sz="2000" dirty="0"/>
           </a:p>
           <a:p>
@@ -39170,22 +39613,49 @@
               <a:t>If you already know containers on Linux…</a:t>
             </a:r>
           </a:p>
-          <a:p>
-            <a:pPr lvl="1"/>
-            <a:r>
-              <a:rPr lang="en-US" dirty="0"/>
-              <a:t>If you’re familiar with containers on Linux, you can check email for the next 10-15 minutes, pay attention for 5-10 minutes (when I talk about Windows Server 2016), then go find another session if you like. </a:t>
-            </a:r>
-            <a:r>
-              <a:rPr lang="en-US" dirty="0">
-                <a:sym typeface="Wingdings" panose="05000000000000000000" pitchFamily="2" charset="2"/>
-              </a:rPr>
-              <a:t></a:t>
-            </a:r>
-            <a:endParaRPr lang="en-US" dirty="0"/>
-          </a:p>
         </p:txBody>
       </p:sp>
+      <p:pic>
+        <p:nvPicPr>
+          <p:cNvPr id="1026" name="Picture 2" descr="expectations"/>
+          <p:cNvPicPr>
+            <a:picLocks noChangeAspect="1" noChangeArrowheads="1"/>
+          </p:cNvPicPr>
+          <p:nvPr/>
+        </p:nvPicPr>
+        <p:blipFill>
+          <a:blip r:embed="rId3">
+            <a:extLst>
+              <a:ext uri="{28A0092B-C50C-407E-A947-70E740481C1C}">
+                <a14:useLocalDpi xmlns:a14="http://schemas.microsoft.com/office/drawing/2010/main" val="0"/>
+              </a:ext>
+            </a:extLst>
+          </a:blip>
+          <a:srcRect/>
+          <a:stretch>
+            <a:fillRect/>
+          </a:stretch>
+        </p:blipFill>
+        <p:spPr bwMode="auto">
+          <a:xfrm>
+            <a:off x="7699358" y="295274"/>
+            <a:ext cx="4464845" cy="2897188"/>
+          </a:xfrm>
+          <a:prstGeom prst="rect">
+            <a:avLst/>
+          </a:prstGeom>
+          <a:noFill/>
+          <a:extLst>
+            <a:ext uri="{909E8E84-426E-40DD-AFC4-6F175D3DCCD1}">
+              <a14:hiddenFill xmlns:a14="http://schemas.microsoft.com/office/drawing/2010/main">
+                <a:solidFill>
+                  <a:srgbClr val="FFFFFF"/>
+                </a:solidFill>
+              </a14:hiddenFill>
+            </a:ext>
+          </a:extLst>
+        </p:spPr>
+      </p:pic>
     </p:spTree>
     <p:extLst>
       <p:ext uri="{BB962C8B-B14F-4D97-AF65-F5344CB8AC3E}">
@@ -39208,6 +39678,214 @@
       </p:transition>
     </mc:Fallback>
   </mc:AlternateContent>
+  <p:timing>
+    <p:tnLst>
+      <p:par>
+        <p:cTn id="1" dur="indefinite" restart="never" nodeType="tmRoot">
+          <p:childTnLst>
+            <p:seq concurrent="1" nextAc="seek">
+              <p:cTn id="2" dur="indefinite" nodeType="mainSeq">
+                <p:childTnLst>
+                  <p:par>
+                    <p:cTn id="3" fill="hold">
+                      <p:stCondLst>
+                        <p:cond delay="indefinite"/>
+                      </p:stCondLst>
+                      <p:childTnLst>
+                        <p:par>
+                          <p:cTn id="4" fill="hold">
+                            <p:stCondLst>
+                              <p:cond delay="0"/>
+                            </p:stCondLst>
+                            <p:childTnLst>
+                              <p:par>
+                                <p:cTn id="5" presetID="1" presetClass="entr" presetSubtype="0" fill="hold" nodeType="clickEffect">
+                                  <p:stCondLst>
+                                    <p:cond delay="0"/>
+                                  </p:stCondLst>
+                                  <p:childTnLst>
+                                    <p:set>
+                                      <p:cBhvr>
+                                        <p:cTn id="6" dur="1" fill="hold">
+                                          <p:stCondLst>
+                                            <p:cond delay="0"/>
+                                          </p:stCondLst>
+                                        </p:cTn>
+                                        <p:tgtEl>
+                                          <p:spTgt spid="6">
+                                            <p:txEl>
+                                              <p:pRg st="0" end="0"/>
+                                            </p:txEl>
+                                          </p:spTgt>
+                                        </p:tgtEl>
+                                        <p:attrNameLst>
+                                          <p:attrName>style.visibility</p:attrName>
+                                        </p:attrNameLst>
+                                      </p:cBhvr>
+                                      <p:to>
+                                        <p:strVal val="visible"/>
+                                      </p:to>
+                                    </p:set>
+                                  </p:childTnLst>
+                                </p:cTn>
+                              </p:par>
+                              <p:par>
+                                <p:cTn id="7" presetID="1" presetClass="entr" presetSubtype="0" fill="hold" nodeType="withEffect">
+                                  <p:stCondLst>
+                                    <p:cond delay="0"/>
+                                  </p:stCondLst>
+                                  <p:childTnLst>
+                                    <p:set>
+                                      <p:cBhvr>
+                                        <p:cTn id="8" dur="1" fill="hold">
+                                          <p:stCondLst>
+                                            <p:cond delay="0"/>
+                                          </p:stCondLst>
+                                        </p:cTn>
+                                        <p:tgtEl>
+                                          <p:spTgt spid="6">
+                                            <p:txEl>
+                                              <p:pRg st="1" end="1"/>
+                                            </p:txEl>
+                                          </p:spTgt>
+                                        </p:tgtEl>
+                                        <p:attrNameLst>
+                                          <p:attrName>style.visibility</p:attrName>
+                                        </p:attrNameLst>
+                                      </p:cBhvr>
+                                      <p:to>
+                                        <p:strVal val="visible"/>
+                                      </p:to>
+                                    </p:set>
+                                  </p:childTnLst>
+                                </p:cTn>
+                              </p:par>
+                            </p:childTnLst>
+                          </p:cTn>
+                        </p:par>
+                      </p:childTnLst>
+                    </p:cTn>
+                  </p:par>
+                  <p:par>
+                    <p:cTn id="9" fill="hold">
+                      <p:stCondLst>
+                        <p:cond delay="indefinite"/>
+                      </p:stCondLst>
+                      <p:childTnLst>
+                        <p:par>
+                          <p:cTn id="10" fill="hold">
+                            <p:stCondLst>
+                              <p:cond delay="0"/>
+                            </p:stCondLst>
+                            <p:childTnLst>
+                              <p:par>
+                                <p:cTn id="11" presetID="1" presetClass="entr" presetSubtype="0" fill="hold" nodeType="clickEffect">
+                                  <p:stCondLst>
+                                    <p:cond delay="0"/>
+                                  </p:stCondLst>
+                                  <p:childTnLst>
+                                    <p:set>
+                                      <p:cBhvr>
+                                        <p:cTn id="12" dur="1" fill="hold">
+                                          <p:stCondLst>
+                                            <p:cond delay="0"/>
+                                          </p:stCondLst>
+                                        </p:cTn>
+                                        <p:tgtEl>
+                                          <p:spTgt spid="6">
+                                            <p:txEl>
+                                              <p:pRg st="3" end="3"/>
+                                            </p:txEl>
+                                          </p:spTgt>
+                                        </p:tgtEl>
+                                        <p:attrNameLst>
+                                          <p:attrName>style.visibility</p:attrName>
+                                        </p:attrNameLst>
+                                      </p:cBhvr>
+                                      <p:to>
+                                        <p:strVal val="visible"/>
+                                      </p:to>
+                                    </p:set>
+                                  </p:childTnLst>
+                                </p:cTn>
+                              </p:par>
+                            </p:childTnLst>
+                          </p:cTn>
+                        </p:par>
+                      </p:childTnLst>
+                    </p:cTn>
+                  </p:par>
+                  <p:par>
+                    <p:cTn id="13" fill="hold">
+                      <p:stCondLst>
+                        <p:cond delay="indefinite"/>
+                      </p:stCondLst>
+                      <p:childTnLst>
+                        <p:par>
+                          <p:cTn id="14" fill="hold">
+                            <p:stCondLst>
+                              <p:cond delay="0"/>
+                            </p:stCondLst>
+                            <p:childTnLst>
+                              <p:par>
+                                <p:cTn id="15" presetID="1" presetClass="entr" presetSubtype="0" fill="hold" nodeType="clickEffect">
+                                  <p:stCondLst>
+                                    <p:cond delay="0"/>
+                                  </p:stCondLst>
+                                  <p:childTnLst>
+                                    <p:set>
+                                      <p:cBhvr>
+                                        <p:cTn id="16" dur="1" fill="hold">
+                                          <p:stCondLst>
+                                            <p:cond delay="0"/>
+                                          </p:stCondLst>
+                                        </p:cTn>
+                                        <p:tgtEl>
+                                          <p:spTgt spid="6">
+                                            <p:txEl>
+                                              <p:pRg st="5" end="5"/>
+                                            </p:txEl>
+                                          </p:spTgt>
+                                        </p:tgtEl>
+                                        <p:attrNameLst>
+                                          <p:attrName>style.visibility</p:attrName>
+                                        </p:attrNameLst>
+                                      </p:cBhvr>
+                                      <p:to>
+                                        <p:strVal val="visible"/>
+                                      </p:to>
+                                    </p:set>
+                                  </p:childTnLst>
+                                </p:cTn>
+                              </p:par>
+                            </p:childTnLst>
+                          </p:cTn>
+                        </p:par>
+                      </p:childTnLst>
+                    </p:cTn>
+                  </p:par>
+                </p:childTnLst>
+              </p:cTn>
+              <p:prevCondLst>
+                <p:cond evt="onPrev" delay="0">
+                  <p:tgtEl>
+                    <p:sldTgt/>
+                  </p:tgtEl>
+                </p:cond>
+              </p:prevCondLst>
+              <p:nextCondLst>
+                <p:cond evt="onNext" delay="0">
+                  <p:tgtEl>
+                    <p:sldTgt/>
+                  </p:tgtEl>
+                </p:cond>
+              </p:nextCondLst>
+            </p:seq>
+          </p:childTnLst>
+        </p:cTn>
+      </p:par>
+    </p:tnLst>
+  </p:timing>
 </p:sld>
 </file>
 
@@ -39262,8 +39940,8 @@
         </p:nvSpPr>
         <p:spPr>
           <a:xfrm>
-            <a:off x="274638" y="1212850"/>
-            <a:ext cx="11887200" cy="5047536"/>
+            <a:off x="274639" y="3208873"/>
+            <a:ext cx="11887200" cy="3108543"/>
           </a:xfrm>
         </p:spPr>
         <p:txBody>
@@ -39272,64 +39950,89 @@
           <a:p>
             <a:r>
               <a:rPr lang="en-US" dirty="0"/>
-              <a:t>Started in Linux in 2003/2004. </a:t>
-            </a:r>
-          </a:p>
-          <a:p>
-            <a:r>
-              <a:rPr lang="en-US" sz="2000" b="1" dirty="0">
+              <a:t>Started in Linux in 2003/2004</a:t>
+            </a:r>
+          </a:p>
+          <a:p>
+            <a:r>
+              <a:rPr lang="en-US" dirty="0"/>
+              <a:t>	</a:t>
+            </a:r>
+            <a:r>
+              <a:rPr lang="en-US" dirty="0">
                 <a:solidFill>
                   <a:schemeClr val="tx1"/>
                 </a:solidFill>
               </a:rPr>
-              <a:t>Linux Containers </a:t>
-            </a:r>
-            <a:r>
-              <a:rPr lang="en-US" sz="2000" dirty="0">
+              <a:t>present, but not very usable</a:t>
+            </a:r>
+          </a:p>
+          <a:p>
+            <a:endParaRPr lang="en-US" sz="2000" dirty="0"/>
+          </a:p>
+          <a:p>
+            <a:r>
+              <a:rPr lang="en-US" dirty="0"/>
+              <a:t>Docker made them popular starting June 2014</a:t>
+            </a:r>
+          </a:p>
+          <a:p>
+            <a:r>
+              <a:rPr lang="en-US" dirty="0"/>
+              <a:t>	</a:t>
+            </a:r>
+            <a:r>
+              <a:rPr lang="en-US" dirty="0">
                 <a:solidFill>
                   <a:schemeClr val="tx1"/>
                 </a:solidFill>
               </a:rPr>
-              <a:t>(LXC) are an operating-system-level virtualization method for running multiple isolated Linux systems (containers) on a single control host (LXC host). It does not provide a virtual machine, but rather provides a virtual environment that has its own CPU, memory, block I/O, network, etc. space and the resource control mechanism.</a:t>
-            </a:r>
-            <a:endParaRPr lang="en-US" sz="2000" b="1" dirty="0">
-              <a:solidFill>
-                <a:schemeClr val="tx1"/>
-              </a:solidFill>
-            </a:endParaRPr>
-          </a:p>
-          <a:p>
-            <a:endParaRPr lang="en-US" sz="2000" dirty="0"/>
-          </a:p>
-          <a:p>
-            <a:r>
-              <a:rPr lang="en-US" dirty="0"/>
-              <a:t>Became popular around 2013</a:t>
-            </a:r>
-          </a:p>
-          <a:p>
-            <a:r>
-              <a:rPr lang="en-US" sz="2000" b="1" dirty="0">
-                <a:solidFill>
-                  <a:schemeClr val="tx1"/>
-                </a:solidFill>
-              </a:rPr>
-              <a:t>Docker provides an additional layer of abstraction and automation </a:t>
-            </a:r>
-            <a:r>
-              <a:rPr lang="en-US" sz="2000" dirty="0">
-                <a:solidFill>
-                  <a:schemeClr val="tx1"/>
-                </a:solidFill>
-              </a:rPr>
-              <a:t>of operating-system-level virtualization on Linux. Docker uses the resource isolation features of the Linux kernel such as cgroups and kernel namespaces, and a union-capable file system such as aufs and others to allow independent "containers" to run within a single Linux instance, avoiding the overhead of starting and maintaining virtual machines.</a:t>
-            </a:r>
-          </a:p>
-          <a:p>
-            <a:endParaRPr lang="en-US" dirty="0"/>
+              <a:t>ease of use</a:t>
+            </a:r>
           </a:p>
         </p:txBody>
       </p:sp>
+      <p:pic>
+        <p:nvPicPr>
+          <p:cNvPr id="2050" name="Picture 2" descr="Image result for container"/>
+          <p:cNvPicPr>
+            <a:picLocks noChangeAspect="1" noChangeArrowheads="1"/>
+          </p:cNvPicPr>
+          <p:nvPr/>
+        </p:nvPicPr>
+        <p:blipFill>
+          <a:blip r:embed="rId3">
+            <a:extLst>
+              <a:ext uri="{28A0092B-C50C-407E-A947-70E740481C1C}">
+                <a14:useLocalDpi xmlns:a14="http://schemas.microsoft.com/office/drawing/2010/main" val="0"/>
+              </a:ext>
+            </a:extLst>
+          </a:blip>
+          <a:srcRect/>
+          <a:stretch>
+            <a:fillRect/>
+          </a:stretch>
+        </p:blipFill>
+        <p:spPr bwMode="auto">
+          <a:xfrm>
+            <a:off x="7147542" y="220662"/>
+            <a:ext cx="5030339" cy="3370328"/>
+          </a:xfrm>
+          <a:prstGeom prst="rect">
+            <a:avLst/>
+          </a:prstGeom>
+          <a:noFill/>
+          <a:extLst>
+            <a:ext uri="{909E8E84-426E-40DD-AFC4-6F175D3DCCD1}">
+              <a14:hiddenFill xmlns:a14="http://schemas.microsoft.com/office/drawing/2010/main">
+                <a:solidFill>
+                  <a:srgbClr val="FFFFFF"/>
+                </a:solidFill>
+              </a14:hiddenFill>
+            </a:ext>
+          </a:extLst>
+        </p:spPr>
+      </p:pic>
     </p:spTree>
     <p:extLst>
       <p:ext uri="{BB962C8B-B14F-4D97-AF65-F5344CB8AC3E}">
@@ -39352,6 +40055,196 @@
       </p:transition>
     </mc:Fallback>
   </mc:AlternateContent>
+  <p:timing>
+    <p:tnLst>
+      <p:par>
+        <p:cTn id="1" dur="indefinite" restart="never" nodeType="tmRoot">
+          <p:childTnLst>
+            <p:seq concurrent="1" nextAc="seek">
+              <p:cTn id="2" dur="indefinite" nodeType="mainSeq">
+                <p:childTnLst>
+                  <p:par>
+                    <p:cTn id="3" fill="hold">
+                      <p:stCondLst>
+                        <p:cond delay="indefinite"/>
+                      </p:stCondLst>
+                      <p:childTnLst>
+                        <p:par>
+                          <p:cTn id="4" fill="hold">
+                            <p:stCondLst>
+                              <p:cond delay="0"/>
+                            </p:stCondLst>
+                            <p:childTnLst>
+                              <p:par>
+                                <p:cTn id="5" presetID="1" presetClass="entr" presetSubtype="0" fill="hold" nodeType="clickEffect">
+                                  <p:stCondLst>
+                                    <p:cond delay="0"/>
+                                  </p:stCondLst>
+                                  <p:childTnLst>
+                                    <p:set>
+                                      <p:cBhvr>
+                                        <p:cTn id="6" dur="1" fill="hold">
+                                          <p:stCondLst>
+                                            <p:cond delay="0"/>
+                                          </p:stCondLst>
+                                        </p:cTn>
+                                        <p:tgtEl>
+                                          <p:spTgt spid="2">
+                                            <p:txEl>
+                                              <p:pRg st="0" end="0"/>
+                                            </p:txEl>
+                                          </p:spTgt>
+                                        </p:tgtEl>
+                                        <p:attrNameLst>
+                                          <p:attrName>style.visibility</p:attrName>
+                                        </p:attrNameLst>
+                                      </p:cBhvr>
+                                      <p:to>
+                                        <p:strVal val="visible"/>
+                                      </p:to>
+                                    </p:set>
+                                  </p:childTnLst>
+                                </p:cTn>
+                              </p:par>
+                              <p:par>
+                                <p:cTn id="7" presetID="1" presetClass="entr" presetSubtype="0" fill="hold" nodeType="withEffect">
+                                  <p:stCondLst>
+                                    <p:cond delay="0"/>
+                                  </p:stCondLst>
+                                  <p:childTnLst>
+                                    <p:set>
+                                      <p:cBhvr>
+                                        <p:cTn id="8" dur="1" fill="hold">
+                                          <p:stCondLst>
+                                            <p:cond delay="0"/>
+                                          </p:stCondLst>
+                                        </p:cTn>
+                                        <p:tgtEl>
+                                          <p:spTgt spid="2">
+                                            <p:txEl>
+                                              <p:pRg st="1" end="1"/>
+                                            </p:txEl>
+                                          </p:spTgt>
+                                        </p:tgtEl>
+                                        <p:attrNameLst>
+                                          <p:attrName>style.visibility</p:attrName>
+                                        </p:attrNameLst>
+                                      </p:cBhvr>
+                                      <p:to>
+                                        <p:strVal val="visible"/>
+                                      </p:to>
+                                    </p:set>
+                                  </p:childTnLst>
+                                </p:cTn>
+                              </p:par>
+                            </p:childTnLst>
+                          </p:cTn>
+                        </p:par>
+                      </p:childTnLst>
+                    </p:cTn>
+                  </p:par>
+                  <p:par>
+                    <p:cTn id="9" fill="hold">
+                      <p:stCondLst>
+                        <p:cond delay="indefinite"/>
+                      </p:stCondLst>
+                      <p:childTnLst>
+                        <p:par>
+                          <p:cTn id="10" fill="hold">
+                            <p:stCondLst>
+                              <p:cond delay="0"/>
+                            </p:stCondLst>
+                            <p:childTnLst>
+                              <p:par>
+                                <p:cTn id="11" presetID="1" presetClass="entr" presetSubtype="0" fill="hold" nodeType="clickEffect">
+                                  <p:stCondLst>
+                                    <p:cond delay="0"/>
+                                  </p:stCondLst>
+                                  <p:childTnLst>
+                                    <p:set>
+                                      <p:cBhvr>
+                                        <p:cTn id="12" dur="1" fill="hold">
+                                          <p:stCondLst>
+                                            <p:cond delay="0"/>
+                                          </p:stCondLst>
+                                        </p:cTn>
+                                        <p:tgtEl>
+                                          <p:spTgt spid="2">
+                                            <p:txEl>
+                                              <p:pRg st="3" end="3"/>
+                                            </p:txEl>
+                                          </p:spTgt>
+                                        </p:tgtEl>
+                                        <p:attrNameLst>
+                                          <p:attrName>style.visibility</p:attrName>
+                                        </p:attrNameLst>
+                                      </p:cBhvr>
+                                      <p:to>
+                                        <p:strVal val="visible"/>
+                                      </p:to>
+                                    </p:set>
+                                  </p:childTnLst>
+                                </p:cTn>
+                              </p:par>
+                              <p:par>
+                                <p:cTn id="13" presetID="1" presetClass="entr" presetSubtype="0" fill="hold" nodeType="withEffect">
+                                  <p:stCondLst>
+                                    <p:cond delay="0"/>
+                                  </p:stCondLst>
+                                  <p:childTnLst>
+                                    <p:set>
+                                      <p:cBhvr>
+                                        <p:cTn id="14" dur="1" fill="hold">
+                                          <p:stCondLst>
+                                            <p:cond delay="0"/>
+                                          </p:stCondLst>
+                                        </p:cTn>
+                                        <p:tgtEl>
+                                          <p:spTgt spid="2">
+                                            <p:txEl>
+                                              <p:pRg st="4" end="4"/>
+                                            </p:txEl>
+                                          </p:spTgt>
+                                        </p:tgtEl>
+                                        <p:attrNameLst>
+                                          <p:attrName>style.visibility</p:attrName>
+                                        </p:attrNameLst>
+                                      </p:cBhvr>
+                                      <p:to>
+                                        <p:strVal val="visible"/>
+                                      </p:to>
+                                    </p:set>
+                                  </p:childTnLst>
+                                </p:cTn>
+                              </p:par>
+                            </p:childTnLst>
+                          </p:cTn>
+                        </p:par>
+                      </p:childTnLst>
+                    </p:cTn>
+                  </p:par>
+                </p:childTnLst>
+              </p:cTn>
+              <p:prevCondLst>
+                <p:cond evt="onPrev" delay="0">
+                  <p:tgtEl>
+                    <p:sldTgt/>
+                  </p:tgtEl>
+                </p:cond>
+              </p:prevCondLst>
+              <p:nextCondLst>
+                <p:cond evt="onNext" delay="0">
+                  <p:tgtEl>
+                    <p:sldTgt/>
+                  </p:tgtEl>
+                </p:cond>
+              </p:nextCondLst>
+            </p:seq>
+          </p:childTnLst>
+        </p:cTn>
+      </p:par>
+    </p:tnLst>
+  </p:timing>
 </p:sld>
 </file>
 
@@ -39406,8 +40299,8 @@
         </p:nvSpPr>
         <p:spPr>
           <a:xfrm>
-            <a:off x="274638" y="1212850"/>
-            <a:ext cx="11887200" cy="4216539"/>
+            <a:off x="304251" y="1224744"/>
+            <a:ext cx="11887200" cy="3447098"/>
           </a:xfrm>
         </p:spPr>
         <p:txBody>
@@ -39416,97 +40309,93 @@
           <a:p>
             <a:r>
               <a:rPr lang="en-US" dirty="0"/>
-              <a:t>Images</a:t>
-            </a:r>
-          </a:p>
-          <a:p>
-            <a:r>
-              <a:rPr lang="en-US" sz="2000" dirty="0">
+              <a:t>Docker Container Image</a:t>
+            </a:r>
+          </a:p>
+          <a:p>
+            <a:r>
+              <a:rPr lang="en-US" dirty="0"/>
+              <a:t>	</a:t>
+            </a:r>
+            <a:r>
+              <a:rPr lang="en-US" dirty="0">
                 <a:solidFill>
                   <a:schemeClr val="tx1"/>
                 </a:solidFill>
               </a:rPr>
-              <a:t>Docker introduced the notion of a “</a:t>
-            </a:r>
-            <a:r>
-              <a:rPr lang="en-US" sz="2000" dirty="0" err="1">
+              <a:t>layer, upon layer, upon layer, …</a:t>
+            </a:r>
+          </a:p>
+          <a:p>
+            <a:endParaRPr lang="en-US" dirty="0">
+              <a:solidFill>
+                <a:schemeClr val="tx1"/>
+              </a:solidFill>
+            </a:endParaRPr>
+          </a:p>
+          <a:p>
+            <a:r>
+              <a:rPr lang="en-US" dirty="0"/>
+              <a:t>Image Repositories</a:t>
+            </a:r>
+          </a:p>
+          <a:p>
+            <a:r>
+              <a:rPr lang="en-US" dirty="0"/>
+              <a:t>	</a:t>
+            </a:r>
+            <a:r>
+              <a:rPr lang="en-US" dirty="0">
                 <a:solidFill>
                   <a:schemeClr val="tx1"/>
                 </a:solidFill>
               </a:rPr>
-              <a:t>composable</a:t>
-            </a:r>
-            <a:r>
-              <a:rPr lang="en-US" sz="2000" dirty="0">
-                <a:solidFill>
-                  <a:schemeClr val="tx1"/>
-                </a:solidFill>
-              </a:rPr>
-              <a:t>”, layered image. This allowed you to reuse other images to compose an image specific to your needs. Its follows a “</a:t>
-            </a:r>
-            <a:r>
-              <a:rPr lang="en-US" sz="2000" b="1" dirty="0">
-                <a:solidFill>
-                  <a:schemeClr val="tx1"/>
-                </a:solidFill>
-              </a:rPr>
-              <a:t>configuration as code</a:t>
-            </a:r>
-            <a:r>
-              <a:rPr lang="en-US" sz="2000" dirty="0">
-                <a:solidFill>
-                  <a:schemeClr val="tx1"/>
-                </a:solidFill>
-              </a:rPr>
-              <a:t>” approach using a simple syntax. </a:t>
-            </a:r>
-            <a:endParaRPr lang="en-US" sz="2000" b="1" dirty="0">
-              <a:solidFill>
-                <a:schemeClr val="tx1"/>
-              </a:solidFill>
-            </a:endParaRPr>
-          </a:p>
-          <a:p>
-            <a:endParaRPr lang="en-US" sz="2000" dirty="0"/>
-          </a:p>
-          <a:p>
-            <a:r>
-              <a:rPr lang="en-US" dirty="0"/>
-              <a:t>Repositories</a:t>
-            </a:r>
-          </a:p>
-          <a:p>
-            <a:r>
-              <a:rPr lang="en-US" sz="2000" dirty="0">
-                <a:solidFill>
-                  <a:schemeClr val="tx1"/>
-                </a:solidFill>
-              </a:rPr>
-              <a:t>A library of reusable images. Repositories can be public (like </a:t>
-            </a:r>
-            <a:r>
-              <a:rPr lang="en-US" sz="2000" dirty="0">
-                <a:solidFill>
-                  <a:schemeClr val="tx1"/>
-                </a:solidFill>
-                <a:hlinkClick r:id="rId3"/>
-              </a:rPr>
-              <a:t>http://hub.docker.com</a:t>
-            </a:r>
-            <a:r>
-              <a:rPr lang="en-US" sz="2000" dirty="0">
-                <a:solidFill>
-                  <a:schemeClr val="tx1"/>
-                </a:solidFill>
-              </a:rPr>
-              <a:t>) or private. You’ll likely use a combination of repositories for your company workloads. i.e. a private repository for your organization’s images which builds upon images pulled from public repositories. </a:t>
-            </a:r>
-          </a:p>
-          <a:p>
-            <a:endParaRPr lang="en-US" dirty="0"/>
+              <a:t>hub.hub.docker.com</a:t>
+            </a:r>
           </a:p>
         </p:txBody>
       </p:sp>
+      <p:pic>
+        <p:nvPicPr>
+          <p:cNvPr id="3076" name="Picture 4" descr="Image result for Storage Containers"/>
+          <p:cNvPicPr>
+            <a:picLocks noChangeAspect="1" noChangeArrowheads="1"/>
+          </p:cNvPicPr>
+          <p:nvPr/>
+        </p:nvPicPr>
+        <p:blipFill>
+          <a:blip r:embed="rId3">
+            <a:extLst>
+              <a:ext uri="{28A0092B-C50C-407E-A947-70E740481C1C}">
+                <a14:useLocalDpi xmlns:a14="http://schemas.microsoft.com/office/drawing/2010/main" val="0"/>
+              </a:ext>
+            </a:extLst>
+          </a:blip>
+          <a:srcRect/>
+          <a:stretch>
+            <a:fillRect/>
+          </a:stretch>
+        </p:blipFill>
+        <p:spPr bwMode="auto">
+          <a:xfrm>
+            <a:off x="7110086" y="2614442"/>
+            <a:ext cx="5035436" cy="4114800"/>
+          </a:xfrm>
+          <a:prstGeom prst="rect">
+            <a:avLst/>
+          </a:prstGeom>
+          <a:noFill/>
+          <a:extLst>
+            <a:ext uri="{909E8E84-426E-40DD-AFC4-6F175D3DCCD1}">
+              <a14:hiddenFill xmlns:a14="http://schemas.microsoft.com/office/drawing/2010/main">
+                <a:solidFill>
+                  <a:srgbClr val="FFFFFF"/>
+                </a:solidFill>
+              </a14:hiddenFill>
+            </a:ext>
+          </a:extLst>
+        </p:spPr>
+      </p:pic>
     </p:spTree>
     <p:extLst>
       <p:ext uri="{BB962C8B-B14F-4D97-AF65-F5344CB8AC3E}">
@@ -39529,6 +40418,196 @@
       </p:transition>
     </mc:Fallback>
   </mc:AlternateContent>
+  <p:timing>
+    <p:tnLst>
+      <p:par>
+        <p:cTn id="1" dur="indefinite" restart="never" nodeType="tmRoot">
+          <p:childTnLst>
+            <p:seq concurrent="1" nextAc="seek">
+              <p:cTn id="2" dur="indefinite" nodeType="mainSeq">
+                <p:childTnLst>
+                  <p:par>
+                    <p:cTn id="3" fill="hold">
+                      <p:stCondLst>
+                        <p:cond delay="indefinite"/>
+                      </p:stCondLst>
+                      <p:childTnLst>
+                        <p:par>
+                          <p:cTn id="4" fill="hold">
+                            <p:stCondLst>
+                              <p:cond delay="0"/>
+                            </p:stCondLst>
+                            <p:childTnLst>
+                              <p:par>
+                                <p:cTn id="5" presetID="1" presetClass="entr" presetSubtype="0" fill="hold" nodeType="clickEffect">
+                                  <p:stCondLst>
+                                    <p:cond delay="0"/>
+                                  </p:stCondLst>
+                                  <p:childTnLst>
+                                    <p:set>
+                                      <p:cBhvr>
+                                        <p:cTn id="6" dur="1" fill="hold">
+                                          <p:stCondLst>
+                                            <p:cond delay="0"/>
+                                          </p:stCondLst>
+                                        </p:cTn>
+                                        <p:tgtEl>
+                                          <p:spTgt spid="2">
+                                            <p:txEl>
+                                              <p:pRg st="0" end="0"/>
+                                            </p:txEl>
+                                          </p:spTgt>
+                                        </p:tgtEl>
+                                        <p:attrNameLst>
+                                          <p:attrName>style.visibility</p:attrName>
+                                        </p:attrNameLst>
+                                      </p:cBhvr>
+                                      <p:to>
+                                        <p:strVal val="visible"/>
+                                      </p:to>
+                                    </p:set>
+                                  </p:childTnLst>
+                                </p:cTn>
+                              </p:par>
+                              <p:par>
+                                <p:cTn id="7" presetID="1" presetClass="entr" presetSubtype="0" fill="hold" nodeType="withEffect">
+                                  <p:stCondLst>
+                                    <p:cond delay="0"/>
+                                  </p:stCondLst>
+                                  <p:childTnLst>
+                                    <p:set>
+                                      <p:cBhvr>
+                                        <p:cTn id="8" dur="1" fill="hold">
+                                          <p:stCondLst>
+                                            <p:cond delay="0"/>
+                                          </p:stCondLst>
+                                        </p:cTn>
+                                        <p:tgtEl>
+                                          <p:spTgt spid="2">
+                                            <p:txEl>
+                                              <p:pRg st="1" end="1"/>
+                                            </p:txEl>
+                                          </p:spTgt>
+                                        </p:tgtEl>
+                                        <p:attrNameLst>
+                                          <p:attrName>style.visibility</p:attrName>
+                                        </p:attrNameLst>
+                                      </p:cBhvr>
+                                      <p:to>
+                                        <p:strVal val="visible"/>
+                                      </p:to>
+                                    </p:set>
+                                  </p:childTnLst>
+                                </p:cTn>
+                              </p:par>
+                            </p:childTnLst>
+                          </p:cTn>
+                        </p:par>
+                      </p:childTnLst>
+                    </p:cTn>
+                  </p:par>
+                  <p:par>
+                    <p:cTn id="9" fill="hold">
+                      <p:stCondLst>
+                        <p:cond delay="indefinite"/>
+                      </p:stCondLst>
+                      <p:childTnLst>
+                        <p:par>
+                          <p:cTn id="10" fill="hold">
+                            <p:stCondLst>
+                              <p:cond delay="0"/>
+                            </p:stCondLst>
+                            <p:childTnLst>
+                              <p:par>
+                                <p:cTn id="11" presetID="1" presetClass="entr" presetSubtype="0" fill="hold" nodeType="clickEffect">
+                                  <p:stCondLst>
+                                    <p:cond delay="0"/>
+                                  </p:stCondLst>
+                                  <p:childTnLst>
+                                    <p:set>
+                                      <p:cBhvr>
+                                        <p:cTn id="12" dur="1" fill="hold">
+                                          <p:stCondLst>
+                                            <p:cond delay="0"/>
+                                          </p:stCondLst>
+                                        </p:cTn>
+                                        <p:tgtEl>
+                                          <p:spTgt spid="2">
+                                            <p:txEl>
+                                              <p:pRg st="3" end="3"/>
+                                            </p:txEl>
+                                          </p:spTgt>
+                                        </p:tgtEl>
+                                        <p:attrNameLst>
+                                          <p:attrName>style.visibility</p:attrName>
+                                        </p:attrNameLst>
+                                      </p:cBhvr>
+                                      <p:to>
+                                        <p:strVal val="visible"/>
+                                      </p:to>
+                                    </p:set>
+                                  </p:childTnLst>
+                                </p:cTn>
+                              </p:par>
+                              <p:par>
+                                <p:cTn id="13" presetID="1" presetClass="entr" presetSubtype="0" fill="hold" nodeType="withEffect">
+                                  <p:stCondLst>
+                                    <p:cond delay="0"/>
+                                  </p:stCondLst>
+                                  <p:childTnLst>
+                                    <p:set>
+                                      <p:cBhvr>
+                                        <p:cTn id="14" dur="1" fill="hold">
+                                          <p:stCondLst>
+                                            <p:cond delay="0"/>
+                                          </p:stCondLst>
+                                        </p:cTn>
+                                        <p:tgtEl>
+                                          <p:spTgt spid="2">
+                                            <p:txEl>
+                                              <p:pRg st="4" end="4"/>
+                                            </p:txEl>
+                                          </p:spTgt>
+                                        </p:tgtEl>
+                                        <p:attrNameLst>
+                                          <p:attrName>style.visibility</p:attrName>
+                                        </p:attrNameLst>
+                                      </p:cBhvr>
+                                      <p:to>
+                                        <p:strVal val="visible"/>
+                                      </p:to>
+                                    </p:set>
+                                  </p:childTnLst>
+                                </p:cTn>
+                              </p:par>
+                            </p:childTnLst>
+                          </p:cTn>
+                        </p:par>
+                      </p:childTnLst>
+                    </p:cTn>
+                  </p:par>
+                </p:childTnLst>
+              </p:cTn>
+              <p:prevCondLst>
+                <p:cond evt="onPrev" delay="0">
+                  <p:tgtEl>
+                    <p:sldTgt/>
+                  </p:tgtEl>
+                </p:cond>
+              </p:prevCondLst>
+              <p:nextCondLst>
+                <p:cond evt="onNext" delay="0">
+                  <p:tgtEl>
+                    <p:sldTgt/>
+                  </p:tgtEl>
+                </p:cond>
+              </p:nextCondLst>
+            </p:seq>
+          </p:childTnLst>
+        </p:cTn>
+      </p:par>
+    </p:tnLst>
+  </p:timing>
 </p:sld>
 </file>
 
@@ -39583,8 +40662,8 @@
         </p:nvSpPr>
         <p:spPr>
           <a:xfrm>
-            <a:off x="274638" y="1212850"/>
-            <a:ext cx="11887200" cy="5355312"/>
+            <a:off x="278155" y="1534621"/>
+            <a:ext cx="11887200" cy="5816977"/>
           </a:xfrm>
         </p:spPr>
         <p:txBody>
@@ -39598,55 +40677,74 @@
           </a:p>
           <a:p>
             <a:r>
-              <a:rPr lang="en-US" sz="2000" dirty="0">
+              <a:rPr lang="en-US" b="1" u="sng" dirty="0">
                 <a:solidFill>
                   <a:schemeClr val="tx1"/>
                 </a:solidFill>
               </a:rPr>
-              <a:t>Where the containers will be run. This can be a physical or virtual machine. The Host OS has to have container technology present.</a:t>
-            </a:r>
-            <a:endParaRPr lang="en-US" sz="2000" b="1" dirty="0">
-              <a:solidFill>
-                <a:schemeClr val="tx1"/>
-              </a:solidFill>
-            </a:endParaRPr>
-          </a:p>
-          <a:p>
-            <a:endParaRPr lang="en-US" sz="2000" dirty="0"/>
-          </a:p>
-          <a:p>
-            <a:r>
-              <a:rPr lang="en-US" dirty="0"/>
-              <a:t>Container Engine</a:t>
-            </a:r>
-          </a:p>
-          <a:p>
-            <a:r>
-              <a:rPr lang="en-US" sz="2000" dirty="0">
+              <a:t>Where</a:t>
+            </a:r>
+            <a:r>
+              <a:rPr lang="en-US" dirty="0">
                 <a:solidFill>
                   <a:schemeClr val="tx1"/>
                 </a:solidFill>
               </a:rPr>
-              <a:t>Used to create, manage, and run your container images. Acts as an abstraction on top of the Host OS container features. </a:t>
-            </a:r>
-          </a:p>
-          <a:p>
-            <a:endParaRPr lang="en-US" dirty="0"/>
+              <a:t> the container will run</a:t>
+            </a:r>
+          </a:p>
+          <a:p>
+            <a:endParaRPr lang="en-US" sz="2000" dirty="0"/>
           </a:p>
           <a:p>
             <a:r>
               <a:rPr lang="en-US" dirty="0"/>
-              <a:t>Orchestrations</a:t>
-            </a:r>
-          </a:p>
-          <a:p>
-            <a:r>
-              <a:rPr lang="en-US" sz="2000" dirty="0">
+              <a:t>Container Engine</a:t>
+            </a:r>
+          </a:p>
+          <a:p>
+            <a:r>
+              <a:rPr lang="en-US" b="1" u="sng" dirty="0">
                 <a:solidFill>
                   <a:schemeClr val="tx1"/>
                 </a:solidFill>
               </a:rPr>
-              <a:t>Manage/coordinate individual containers across multiple hosts. This is how you “scale out”.  </a:t>
+              <a:t>How</a:t>
+            </a:r>
+            <a:r>
+              <a:rPr lang="en-US" dirty="0">
+                <a:solidFill>
+                  <a:schemeClr val="tx1"/>
+                </a:solidFill>
+              </a:rPr>
+              <a:t> the container is run</a:t>
+            </a:r>
+          </a:p>
+          <a:p>
+            <a:endParaRPr lang="en-US" dirty="0"/>
+          </a:p>
+          <a:p>
+            <a:r>
+              <a:rPr lang="en-US" dirty="0"/>
+              <a:t>Orchestrations</a:t>
+            </a:r>
+          </a:p>
+          <a:p>
+            <a:r>
+              <a:rPr lang="en-US" dirty="0">
+                <a:solidFill>
+                  <a:schemeClr val="tx1"/>
+                </a:solidFill>
+              </a:rPr>
+              <a:t>How multiple containers are  </a:t>
+            </a:r>
+            <a:r>
+              <a:rPr lang="en-US" b="1" u="sng" dirty="0">
+                <a:solidFill>
+                  <a:schemeClr val="tx1"/>
+                </a:solidFill>
+              </a:rPr>
+              <a:t>managed</a:t>
             </a:r>
           </a:p>
           <a:p>
@@ -39654,6 +40752,47 @@
           </a:p>
         </p:txBody>
       </p:sp>
+      <p:pic>
+        <p:nvPicPr>
+          <p:cNvPr id="4098" name="Picture 2" descr="Image result for keys"/>
+          <p:cNvPicPr>
+            <a:picLocks noChangeAspect="1" noChangeArrowheads="1"/>
+          </p:cNvPicPr>
+          <p:nvPr/>
+        </p:nvPicPr>
+        <p:blipFill>
+          <a:blip r:embed="rId3">
+            <a:extLst>
+              <a:ext uri="{28A0092B-C50C-407E-A947-70E740481C1C}">
+                <a14:useLocalDpi xmlns:a14="http://schemas.microsoft.com/office/drawing/2010/main" val="0"/>
+              </a:ext>
+            </a:extLst>
+          </a:blip>
+          <a:srcRect/>
+          <a:stretch>
+            <a:fillRect/>
+          </a:stretch>
+        </p:blipFill>
+        <p:spPr bwMode="auto">
+          <a:xfrm>
+            <a:off x="6794499" y="906462"/>
+            <a:ext cx="5443538" cy="4072022"/>
+          </a:xfrm>
+          <a:prstGeom prst="rect">
+            <a:avLst/>
+          </a:prstGeom>
+          <a:noFill/>
+          <a:extLst>
+            <a:ext uri="{909E8E84-426E-40DD-AFC4-6F175D3DCCD1}">
+              <a14:hiddenFill xmlns:a14="http://schemas.microsoft.com/office/drawing/2010/main">
+                <a:solidFill>
+                  <a:srgbClr val="FFFFFF"/>
+                </a:solidFill>
+              </a14:hiddenFill>
+            </a:ext>
+          </a:extLst>
+        </p:spPr>
+      </p:pic>
     </p:spTree>
     <p:extLst>
       <p:ext uri="{BB962C8B-B14F-4D97-AF65-F5344CB8AC3E}">
@@ -39676,6 +40815,276 @@
       </p:transition>
     </mc:Fallback>
   </mc:AlternateContent>
+  <p:timing>
+    <p:tnLst>
+      <p:par>
+        <p:cTn id="1" dur="indefinite" restart="never" nodeType="tmRoot">
+          <p:childTnLst>
+            <p:seq concurrent="1" nextAc="seek">
+              <p:cTn id="2" dur="indefinite" nodeType="mainSeq">
+                <p:childTnLst>
+                  <p:par>
+                    <p:cTn id="3" fill="hold">
+                      <p:stCondLst>
+                        <p:cond delay="indefinite"/>
+                      </p:stCondLst>
+                      <p:childTnLst>
+                        <p:par>
+                          <p:cTn id="4" fill="hold">
+                            <p:stCondLst>
+                              <p:cond delay="0"/>
+                            </p:stCondLst>
+                            <p:childTnLst>
+                              <p:par>
+                                <p:cTn id="5" presetID="1" presetClass="entr" presetSubtype="0" fill="hold" nodeType="clickEffect">
+                                  <p:stCondLst>
+                                    <p:cond delay="0"/>
+                                  </p:stCondLst>
+                                  <p:childTnLst>
+                                    <p:set>
+                                      <p:cBhvr>
+                                        <p:cTn id="6" dur="1" fill="hold">
+                                          <p:stCondLst>
+                                            <p:cond delay="0"/>
+                                          </p:stCondLst>
+                                        </p:cTn>
+                                        <p:tgtEl>
+                                          <p:spTgt spid="2">
+                                            <p:txEl>
+                                              <p:pRg st="0" end="0"/>
+                                            </p:txEl>
+                                          </p:spTgt>
+                                        </p:tgtEl>
+                                        <p:attrNameLst>
+                                          <p:attrName>style.visibility</p:attrName>
+                                        </p:attrNameLst>
+                                      </p:cBhvr>
+                                      <p:to>
+                                        <p:strVal val="visible"/>
+                                      </p:to>
+                                    </p:set>
+                                  </p:childTnLst>
+                                </p:cTn>
+                              </p:par>
+                              <p:par>
+                                <p:cTn id="7" presetID="1" presetClass="entr" presetSubtype="0" fill="hold" nodeType="withEffect">
+                                  <p:stCondLst>
+                                    <p:cond delay="0"/>
+                                  </p:stCondLst>
+                                  <p:childTnLst>
+                                    <p:set>
+                                      <p:cBhvr>
+                                        <p:cTn id="8" dur="1" fill="hold">
+                                          <p:stCondLst>
+                                            <p:cond delay="0"/>
+                                          </p:stCondLst>
+                                        </p:cTn>
+                                        <p:tgtEl>
+                                          <p:spTgt spid="2">
+                                            <p:txEl>
+                                              <p:pRg st="1" end="1"/>
+                                            </p:txEl>
+                                          </p:spTgt>
+                                        </p:tgtEl>
+                                        <p:attrNameLst>
+                                          <p:attrName>style.visibility</p:attrName>
+                                        </p:attrNameLst>
+                                      </p:cBhvr>
+                                      <p:to>
+                                        <p:strVal val="visible"/>
+                                      </p:to>
+                                    </p:set>
+                                  </p:childTnLst>
+                                </p:cTn>
+                              </p:par>
+                            </p:childTnLst>
+                          </p:cTn>
+                        </p:par>
+                      </p:childTnLst>
+                    </p:cTn>
+                  </p:par>
+                  <p:par>
+                    <p:cTn id="9" fill="hold">
+                      <p:stCondLst>
+                        <p:cond delay="indefinite"/>
+                      </p:stCondLst>
+                      <p:childTnLst>
+                        <p:par>
+                          <p:cTn id="10" fill="hold">
+                            <p:stCondLst>
+                              <p:cond delay="0"/>
+                            </p:stCondLst>
+                            <p:childTnLst>
+                              <p:par>
+                                <p:cTn id="11" presetID="1" presetClass="entr" presetSubtype="0" fill="hold" nodeType="clickEffect">
+                                  <p:stCondLst>
+                                    <p:cond delay="0"/>
+                                  </p:stCondLst>
+                                  <p:childTnLst>
+                                    <p:set>
+                                      <p:cBhvr>
+                                        <p:cTn id="12" dur="1" fill="hold">
+                                          <p:stCondLst>
+                                            <p:cond delay="0"/>
+                                          </p:stCondLst>
+                                        </p:cTn>
+                                        <p:tgtEl>
+                                          <p:spTgt spid="2">
+                                            <p:txEl>
+                                              <p:pRg st="3" end="3"/>
+                                            </p:txEl>
+                                          </p:spTgt>
+                                        </p:tgtEl>
+                                        <p:attrNameLst>
+                                          <p:attrName>style.visibility</p:attrName>
+                                        </p:attrNameLst>
+                                      </p:cBhvr>
+                                      <p:to>
+                                        <p:strVal val="visible"/>
+                                      </p:to>
+                                    </p:set>
+                                  </p:childTnLst>
+                                </p:cTn>
+                              </p:par>
+                              <p:par>
+                                <p:cTn id="13" presetID="1" presetClass="entr" presetSubtype="0" fill="hold" nodeType="withEffect">
+                                  <p:stCondLst>
+                                    <p:cond delay="0"/>
+                                  </p:stCondLst>
+                                  <p:childTnLst>
+                                    <p:set>
+                                      <p:cBhvr>
+                                        <p:cTn id="14" dur="1" fill="hold">
+                                          <p:stCondLst>
+                                            <p:cond delay="0"/>
+                                          </p:stCondLst>
+                                        </p:cTn>
+                                        <p:tgtEl>
+                                          <p:spTgt spid="2">
+                                            <p:txEl>
+                                              <p:pRg st="4" end="4"/>
+                                            </p:txEl>
+                                          </p:spTgt>
+                                        </p:tgtEl>
+                                        <p:attrNameLst>
+                                          <p:attrName>style.visibility</p:attrName>
+                                        </p:attrNameLst>
+                                      </p:cBhvr>
+                                      <p:to>
+                                        <p:strVal val="visible"/>
+                                      </p:to>
+                                    </p:set>
+                                  </p:childTnLst>
+                                </p:cTn>
+                              </p:par>
+                            </p:childTnLst>
+                          </p:cTn>
+                        </p:par>
+                      </p:childTnLst>
+                    </p:cTn>
+                  </p:par>
+                  <p:par>
+                    <p:cTn id="15" fill="hold">
+                      <p:stCondLst>
+                        <p:cond delay="indefinite"/>
+                      </p:stCondLst>
+                      <p:childTnLst>
+                        <p:par>
+                          <p:cTn id="16" fill="hold">
+                            <p:stCondLst>
+                              <p:cond delay="0"/>
+                            </p:stCondLst>
+                            <p:childTnLst>
+                              <p:par>
+                                <p:cTn id="17" presetID="1" presetClass="entr" presetSubtype="0" fill="hold" nodeType="clickEffect">
+                                  <p:stCondLst>
+                                    <p:cond delay="0"/>
+                                  </p:stCondLst>
+                                  <p:childTnLst>
+                                    <p:set>
+                                      <p:cBhvr>
+                                        <p:cTn id="18" dur="1" fill="hold">
+                                          <p:stCondLst>
+                                            <p:cond delay="0"/>
+                                          </p:stCondLst>
+                                        </p:cTn>
+                                        <p:tgtEl>
+                                          <p:spTgt spid="2">
+                                            <p:txEl>
+                                              <p:pRg st="6" end="6"/>
+                                            </p:txEl>
+                                          </p:spTgt>
+                                        </p:tgtEl>
+                                        <p:attrNameLst>
+                                          <p:attrName>style.visibility</p:attrName>
+                                        </p:attrNameLst>
+                                      </p:cBhvr>
+                                      <p:to>
+                                        <p:strVal val="visible"/>
+                                      </p:to>
+                                    </p:set>
+                                  </p:childTnLst>
+                                </p:cTn>
+                              </p:par>
+                              <p:par>
+                                <p:cTn id="19" presetID="1" presetClass="entr" presetSubtype="0" fill="hold" nodeType="withEffect">
+                                  <p:stCondLst>
+                                    <p:cond delay="0"/>
+                                  </p:stCondLst>
+                                  <p:childTnLst>
+                                    <p:set>
+                                      <p:cBhvr>
+                                        <p:cTn id="20" dur="1" fill="hold">
+                                          <p:stCondLst>
+                                            <p:cond delay="0"/>
+                                          </p:stCondLst>
+                                        </p:cTn>
+                                        <p:tgtEl>
+                                          <p:spTgt spid="2">
+                                            <p:txEl>
+                                              <p:pRg st="7" end="7"/>
+                                            </p:txEl>
+                                          </p:spTgt>
+                                        </p:tgtEl>
+                                        <p:attrNameLst>
+                                          <p:attrName>style.visibility</p:attrName>
+                                        </p:attrNameLst>
+                                      </p:cBhvr>
+                                      <p:to>
+                                        <p:strVal val="visible"/>
+                                      </p:to>
+                                    </p:set>
+                                  </p:childTnLst>
+                                </p:cTn>
+                              </p:par>
+                            </p:childTnLst>
+                          </p:cTn>
+                        </p:par>
+                      </p:childTnLst>
+                    </p:cTn>
+                  </p:par>
+                </p:childTnLst>
+              </p:cTn>
+              <p:prevCondLst>
+                <p:cond evt="onPrev" delay="0">
+                  <p:tgtEl>
+                    <p:sldTgt/>
+                  </p:tgtEl>
+                </p:cond>
+              </p:prevCondLst>
+              <p:nextCondLst>
+                <p:cond evt="onNext" delay="0">
+                  <p:tgtEl>
+                    <p:sldTgt/>
+                  </p:tgtEl>
+                </p:cond>
+              </p:nextCondLst>
+            </p:seq>
+          </p:childTnLst>
+        </p:cTn>
+      </p:par>
+    </p:tnLst>
+  </p:timing>
 </p:sld>
 </file>
 

--- a/Presentations/ContainersForWindowsDevs.pptx
+++ b/Presentations/ContainersForWindowsDevs.pptx
@@ -326,7 +326,7 @@
               <a:rPr lang="en-US" smtClean="0">
                 <a:latin typeface="Segoe UI" pitchFamily="34" charset="0"/>
               </a:rPr>
-              <a:t>8/25/2016 9:37 AM</a:t>
+              <a:t>8/25/2016 1:58 PM</a:t>
             </a:fld>
             <a:endParaRPr lang="en-US" dirty="0">
               <a:latin typeface="Segoe UI" pitchFamily="34" charset="0"/>
@@ -687,7 +687,7 @@
           <a:p>
             <a:fld id="{38EEC551-8CDA-4EB6-89BB-2A86C9F091C8}" type="datetime8">
               <a:rPr lang="en-US" smtClean="0"/>
-              <a:t>8/25/2016 9:37 AM</a:t>
+              <a:t>8/25/2016 1:58 PM</a:t>
             </a:fld>
             <a:endParaRPr lang="en-US" dirty="0"/>
           </a:p>
@@ -1077,7 +1077,7 @@
           <a:p>
             <a:fld id="{38EEC551-8CDA-4EB6-89BB-2A86C9F091C8}" type="datetime8">
               <a:rPr lang="en-US" smtClean="0"/>
-              <a:t>8/25/2016 9:37 AM</a:t>
+              <a:t>8/25/2016 1:58 PM</a:t>
             </a:fld>
             <a:endParaRPr lang="en-US" dirty="0"/>
           </a:p>
@@ -1462,7 +1462,7 @@
           <a:p>
             <a:fld id="{38EEC551-8CDA-4EB6-89BB-2A86C9F091C8}" type="datetime8">
               <a:rPr lang="en-US" smtClean="0"/>
-              <a:t>8/25/2016 9:37 AM</a:t>
+              <a:t>8/25/2016 1:58 PM</a:t>
             </a:fld>
             <a:endParaRPr lang="en-US" dirty="0"/>
           </a:p>
@@ -1664,7 +1664,7 @@
           <a:p>
             <a:fld id="{38EEC551-8CDA-4EB6-89BB-2A86C9F091C8}" type="datetime8">
               <a:rPr lang="en-US" smtClean="0"/>
-              <a:t>8/25/2016 9:37 AM</a:t>
+              <a:t>8/25/2016 1:58 PM</a:t>
             </a:fld>
             <a:endParaRPr lang="en-US" dirty="0"/>
           </a:p>
@@ -2909,285 +2909,6 @@
           <a:bodyPr/>
           <a:lstStyle/>
           <a:p>
-            <a:r>
-              <a:rPr lang="en-US" dirty="0"/>
-              <a:t>Lets take a closer look at a </a:t>
-            </a:r>
-            <a:r>
-              <a:rPr lang="en-US" dirty="0" err="1"/>
-              <a:t>Dockerfile</a:t>
-            </a:r>
-            <a:r>
-              <a:rPr lang="en-US" baseline="0" dirty="0"/>
-              <a:t> as this is really the preferred method if you can’t pull an existing image from a registry. </a:t>
-            </a:r>
-          </a:p>
-          <a:p>
-            <a:endParaRPr lang="en-US" baseline="0" dirty="0"/>
-          </a:p>
-          <a:p>
-            <a:r>
-              <a:rPr lang="en-US" b="1" baseline="0" dirty="0"/>
-              <a:t>#click (method for automated creation)</a:t>
-            </a:r>
-          </a:p>
-          <a:p>
-            <a:r>
-              <a:rPr lang="en-US" baseline="0" dirty="0"/>
-              <a:t>read</a:t>
-            </a:r>
-          </a:p>
-          <a:p>
-            <a:endParaRPr lang="en-US" baseline="0" dirty="0"/>
-          </a:p>
-          <a:p>
-            <a:r>
-              <a:rPr lang="en-US" b="1" baseline="0" dirty="0"/>
-              <a:t>#click (consumed when running </a:t>
-            </a:r>
-            <a:r>
-              <a:rPr lang="en-US" b="1" baseline="0" dirty="0" err="1"/>
-              <a:t>docker</a:t>
-            </a:r>
-            <a:r>
-              <a:rPr lang="en-US" b="1" baseline="0" dirty="0"/>
-              <a:t> build)</a:t>
-            </a:r>
-          </a:p>
-          <a:p>
-            <a:r>
-              <a:rPr lang="en-US" baseline="0" dirty="0"/>
-              <a:t>Its consumed when we say “</a:t>
-            </a:r>
-            <a:r>
-              <a:rPr lang="en-US" baseline="0" dirty="0" err="1"/>
-              <a:t>docker</a:t>
-            </a:r>
-            <a:r>
-              <a:rPr lang="en-US" baseline="0" dirty="0"/>
-              <a:t> build”. The build process reads this file</a:t>
-            </a:r>
-          </a:p>
-          <a:p>
-            <a:endParaRPr lang="en-US" baseline="0" dirty="0"/>
-          </a:p>
-          <a:p>
-            <a:r>
-              <a:rPr lang="en-US" b="1" baseline="0" dirty="0"/>
-              <a:t>#click (automated builds via </a:t>
-            </a:r>
-            <a:r>
-              <a:rPr lang="en-US" b="1" baseline="0" dirty="0" err="1"/>
-              <a:t>docker</a:t>
-            </a:r>
-            <a:r>
-              <a:rPr lang="en-US" b="1" baseline="0" dirty="0"/>
-              <a:t> hub)</a:t>
-            </a:r>
-          </a:p>
-          <a:p>
-            <a:r>
-              <a:rPr lang="en-US" baseline="0" dirty="0"/>
-              <a:t>It can also be used as part of automation. You can upload your </a:t>
-            </a:r>
-            <a:r>
-              <a:rPr lang="en-US" baseline="0" dirty="0" err="1"/>
-              <a:t>dockerfile</a:t>
-            </a:r>
-            <a:r>
-              <a:rPr lang="en-US" baseline="0" dirty="0"/>
-              <a:t> to the </a:t>
-            </a:r>
-            <a:r>
-              <a:rPr lang="en-US" baseline="0" dirty="0" err="1"/>
-              <a:t>docker</a:t>
-            </a:r>
-            <a:r>
-              <a:rPr lang="en-US" baseline="0" dirty="0"/>
-              <a:t> hub, it will help perform automated, triggered builds. So if an image (layer) that you’re dependent on changes, your image will also be updated. This includes a web hook that you can use to start any CI testing or even a redeployment of your image. </a:t>
-            </a:r>
-          </a:p>
-          <a:p>
-            <a:endParaRPr lang="en-US" baseline="0" dirty="0"/>
-          </a:p>
-          <a:p>
-            <a:r>
-              <a:rPr lang="en-US" b="1" baseline="0" dirty="0"/>
-              <a:t>#click (cache unchanged commands)</a:t>
-            </a:r>
-          </a:p>
-          <a:p>
-            <a:r>
-              <a:rPr lang="en-US" baseline="0" dirty="0"/>
-              <a:t>Anything that’s unchanged, just gets cached and reused. </a:t>
-            </a:r>
-          </a:p>
-          <a:p>
-            <a:endParaRPr lang="en-US" baseline="0" dirty="0"/>
-          </a:p>
-          <a:p>
-            <a:r>
-              <a:rPr lang="en-US" b="1" baseline="0" dirty="0"/>
-              <a:t>#click (IIS Image)</a:t>
-            </a:r>
-          </a:p>
-          <a:p>
-            <a:r>
-              <a:rPr lang="en-US" baseline="0" dirty="0"/>
-              <a:t>If we take an example of a </a:t>
-            </a:r>
-            <a:r>
-              <a:rPr lang="en-US" baseline="0" dirty="0" err="1"/>
-              <a:t>dockerfile</a:t>
-            </a:r>
-            <a:r>
-              <a:rPr lang="en-US" baseline="0" dirty="0"/>
-              <a:t> to build an IIS image. </a:t>
-            </a:r>
-          </a:p>
-          <a:p>
-            <a:r>
-              <a:rPr lang="en-US" baseline="0" dirty="0"/>
-              <a:t>From – we start with where we’re starting from, in this case a base Nano Server image. Then we have two ‘adds’</a:t>
-            </a:r>
-          </a:p>
-          <a:p>
-            <a:r>
-              <a:rPr lang="en-US" baseline="0" dirty="0"/>
-              <a:t>Unattended – the first is an unintended install file and this is how you’d install IIS with </a:t>
-            </a:r>
-            <a:r>
-              <a:rPr lang="en-US" baseline="0" dirty="0" err="1"/>
-              <a:t>nano</a:t>
-            </a:r>
-            <a:r>
-              <a:rPr lang="en-US" baseline="0" dirty="0"/>
-              <a:t> server technical preview 4</a:t>
-            </a:r>
-          </a:p>
-          <a:p>
-            <a:r>
-              <a:rPr lang="en-US" baseline="0" dirty="0"/>
-              <a:t>Packages – then we add in this case, the “packages” folder where those optional roles/features are stored as we discussed earlier. </a:t>
-            </a:r>
-          </a:p>
-          <a:p>
-            <a:r>
-              <a:rPr lang="en-US" baseline="0" dirty="0"/>
-              <a:t>Run – then within the container we’re going to use DISM to apply the </a:t>
-            </a:r>
-            <a:r>
-              <a:rPr lang="en-US" baseline="0" dirty="0" err="1"/>
-              <a:t>unattend</a:t>
-            </a:r>
-            <a:r>
-              <a:rPr lang="en-US" baseline="0" dirty="0"/>
-              <a:t> file we added. </a:t>
-            </a:r>
-          </a:p>
-          <a:p>
-            <a:endParaRPr lang="en-US" baseline="0" dirty="0"/>
-          </a:p>
-          <a:p>
-            <a:r>
-              <a:rPr lang="en-US" baseline="0" dirty="0"/>
-              <a:t>When its all done, we’ll have the layers we see on the right with the base image at the bottom, and our layers added on. </a:t>
-            </a:r>
-            <a:r>
-              <a:rPr lang="en-US" baseline="0" dirty="0" err="1"/>
-              <a:t>Mysite</a:t>
-            </a:r>
-            <a:r>
-              <a:rPr lang="en-US" baseline="0" dirty="0"/>
-              <a:t> depends on IIS, which depends on the Container image. Now if I wanted to share this with you, and you already have the container base image, all I’d need to ship him is the IIS image, and web image. If he had the IIS image, I’d just send him the web image. I only need to give him enough to provision what he needs to get started. </a:t>
-            </a:r>
-          </a:p>
-          <a:p>
-            <a:endParaRPr lang="en-US" baseline="0" dirty="0"/>
-          </a:p>
-          <a:p>
-            <a:r>
-              <a:rPr lang="en-US" baseline="0" dirty="0"/>
-              <a:t>This makes this approach very handy for sharing work. </a:t>
-            </a:r>
-          </a:p>
-          <a:p>
-            <a:endParaRPr lang="en-US" baseline="0" dirty="0"/>
-          </a:p>
-          <a:p>
-            <a:r>
-              <a:rPr lang="en-US" baseline="0" dirty="0"/>
-              <a:t>And there’s the 4 basic steps to build your own IIS container image. </a:t>
-            </a:r>
-          </a:p>
-          <a:p>
-            <a:endParaRPr lang="en-US" baseline="0" dirty="0"/>
-          </a:p>
-          <a:p>
-            <a:r>
-              <a:rPr lang="en-US" baseline="0" dirty="0"/>
-              <a:t>So lets talk about what “unchanged values are cached”. Lets say I made an mistake and I need to change the folder where my attend file was. Docker’s build process will look at it and say “I’ll keep the first three layers, and only throw away the last one”. So it’s the only one that gets re-run. It doesn’t have to re-add the </a:t>
-            </a:r>
-            <a:r>
-              <a:rPr lang="en-US" baseline="0" dirty="0" err="1"/>
-              <a:t>unattend</a:t>
-            </a:r>
-            <a:r>
-              <a:rPr lang="en-US" baseline="0" dirty="0"/>
-              <a:t> file, or the packages. It just updates the run layer. </a:t>
-            </a:r>
-          </a:p>
-          <a:p>
-            <a:endParaRPr lang="en-US" baseline="0" dirty="0"/>
-          </a:p>
-          <a:p>
-            <a:r>
-              <a:rPr lang="en-US" b="1" baseline="0" dirty="0"/>
-              <a:t>#click (</a:t>
-            </a:r>
-            <a:r>
-              <a:rPr lang="en-US" b="1" baseline="0" dirty="0" err="1"/>
-              <a:t>WebApp</a:t>
-            </a:r>
-            <a:r>
-              <a:rPr lang="en-US" b="1" baseline="0" dirty="0"/>
-              <a:t> image)</a:t>
-            </a:r>
-          </a:p>
-          <a:p>
-            <a:r>
-              <a:rPr lang="en-US" dirty="0"/>
-              <a:t>Now IIS is pretty useless without a web site, so lets create a new image that add this</a:t>
-            </a:r>
-          </a:p>
-          <a:p>
-            <a:r>
-              <a:rPr lang="en-US" dirty="0"/>
-              <a:t>From</a:t>
-            </a:r>
-            <a:r>
-              <a:rPr lang="en-US" baseline="0" dirty="0"/>
-              <a:t> – we’ll use the image we created previously </a:t>
-            </a:r>
-          </a:p>
-          <a:p>
-            <a:r>
-              <a:rPr lang="en-US" baseline="0" dirty="0"/>
-              <a:t>Add – and I’m going to add mysite.htm to the image in the /</a:t>
-            </a:r>
-            <a:r>
-              <a:rPr lang="en-US" baseline="0" dirty="0" err="1"/>
-              <a:t>inetpub</a:t>
-            </a:r>
-            <a:r>
-              <a:rPr lang="en-US" baseline="0" dirty="0"/>
-              <a:t> folder</a:t>
-            </a:r>
-          </a:p>
-          <a:p>
-            <a:endParaRPr lang="en-US" baseline="0" dirty="0"/>
-          </a:p>
-          <a:p>
             <a:endParaRPr lang="en-US" dirty="0"/>
           </a:p>
         </p:txBody>
@@ -3378,7 +3099,7 @@
           <a:p>
             <a:fld id="{38EEC551-8CDA-4EB6-89BB-2A86C9F091C8}" type="datetime8">
               <a:rPr lang="en-US" smtClean="0"/>
-              <a:t>8/25/2016 10:37 AM</a:t>
+              <a:t>8/25/2016 1:58 PM</a:t>
             </a:fld>
             <a:endParaRPr lang="en-US" dirty="0"/>
           </a:p>
@@ -3465,285 +3186,6 @@
           <a:bodyPr/>
           <a:lstStyle/>
           <a:p>
-            <a:r>
-              <a:rPr lang="en-US" dirty="0"/>
-              <a:t>Lets take a closer look at a </a:t>
-            </a:r>
-            <a:r>
-              <a:rPr lang="en-US" dirty="0" err="1"/>
-              <a:t>Dockerfile</a:t>
-            </a:r>
-            <a:r>
-              <a:rPr lang="en-US" baseline="0" dirty="0"/>
-              <a:t> as this is really the preferred method if you can’t pull an existing image from a registry. </a:t>
-            </a:r>
-          </a:p>
-          <a:p>
-            <a:endParaRPr lang="en-US" baseline="0" dirty="0"/>
-          </a:p>
-          <a:p>
-            <a:r>
-              <a:rPr lang="en-US" b="1" baseline="0" dirty="0"/>
-              <a:t>#click (method for automated creation)</a:t>
-            </a:r>
-          </a:p>
-          <a:p>
-            <a:r>
-              <a:rPr lang="en-US" baseline="0" dirty="0"/>
-              <a:t>read</a:t>
-            </a:r>
-          </a:p>
-          <a:p>
-            <a:endParaRPr lang="en-US" baseline="0" dirty="0"/>
-          </a:p>
-          <a:p>
-            <a:r>
-              <a:rPr lang="en-US" b="1" baseline="0" dirty="0"/>
-              <a:t>#click (consumed when running </a:t>
-            </a:r>
-            <a:r>
-              <a:rPr lang="en-US" b="1" baseline="0" dirty="0" err="1"/>
-              <a:t>docker</a:t>
-            </a:r>
-            <a:r>
-              <a:rPr lang="en-US" b="1" baseline="0" dirty="0"/>
-              <a:t> build)</a:t>
-            </a:r>
-          </a:p>
-          <a:p>
-            <a:r>
-              <a:rPr lang="en-US" baseline="0" dirty="0"/>
-              <a:t>Its consumed when we say “</a:t>
-            </a:r>
-            <a:r>
-              <a:rPr lang="en-US" baseline="0" dirty="0" err="1"/>
-              <a:t>docker</a:t>
-            </a:r>
-            <a:r>
-              <a:rPr lang="en-US" baseline="0" dirty="0"/>
-              <a:t> build”. The build process reads this file</a:t>
-            </a:r>
-          </a:p>
-          <a:p>
-            <a:endParaRPr lang="en-US" baseline="0" dirty="0"/>
-          </a:p>
-          <a:p>
-            <a:r>
-              <a:rPr lang="en-US" b="1" baseline="0" dirty="0"/>
-              <a:t>#click (automated builds via </a:t>
-            </a:r>
-            <a:r>
-              <a:rPr lang="en-US" b="1" baseline="0" dirty="0" err="1"/>
-              <a:t>docker</a:t>
-            </a:r>
-            <a:r>
-              <a:rPr lang="en-US" b="1" baseline="0" dirty="0"/>
-              <a:t> hub)</a:t>
-            </a:r>
-          </a:p>
-          <a:p>
-            <a:r>
-              <a:rPr lang="en-US" baseline="0" dirty="0"/>
-              <a:t>It can also be used as part of automation. You can upload your </a:t>
-            </a:r>
-            <a:r>
-              <a:rPr lang="en-US" baseline="0" dirty="0" err="1"/>
-              <a:t>dockerfile</a:t>
-            </a:r>
-            <a:r>
-              <a:rPr lang="en-US" baseline="0" dirty="0"/>
-              <a:t> to the </a:t>
-            </a:r>
-            <a:r>
-              <a:rPr lang="en-US" baseline="0" dirty="0" err="1"/>
-              <a:t>docker</a:t>
-            </a:r>
-            <a:r>
-              <a:rPr lang="en-US" baseline="0" dirty="0"/>
-              <a:t> hub, it will help perform automated, triggered builds. So if an image (layer) that you’re dependent on changes, your image will also be updated. This includes a web hook that you can use to start any CI testing or even a redeployment of your image. </a:t>
-            </a:r>
-          </a:p>
-          <a:p>
-            <a:endParaRPr lang="en-US" baseline="0" dirty="0"/>
-          </a:p>
-          <a:p>
-            <a:r>
-              <a:rPr lang="en-US" b="1" baseline="0" dirty="0"/>
-              <a:t>#click (cache unchanged commands)</a:t>
-            </a:r>
-          </a:p>
-          <a:p>
-            <a:r>
-              <a:rPr lang="en-US" baseline="0" dirty="0"/>
-              <a:t>Anything that’s unchanged, just gets cached and reused. </a:t>
-            </a:r>
-          </a:p>
-          <a:p>
-            <a:endParaRPr lang="en-US" baseline="0" dirty="0"/>
-          </a:p>
-          <a:p>
-            <a:r>
-              <a:rPr lang="en-US" b="1" baseline="0" dirty="0"/>
-              <a:t>#click (IIS Image)</a:t>
-            </a:r>
-          </a:p>
-          <a:p>
-            <a:r>
-              <a:rPr lang="en-US" baseline="0" dirty="0"/>
-              <a:t>If we take an example of a </a:t>
-            </a:r>
-            <a:r>
-              <a:rPr lang="en-US" baseline="0" dirty="0" err="1"/>
-              <a:t>dockerfile</a:t>
-            </a:r>
-            <a:r>
-              <a:rPr lang="en-US" baseline="0" dirty="0"/>
-              <a:t> to build an IIS image. </a:t>
-            </a:r>
-          </a:p>
-          <a:p>
-            <a:r>
-              <a:rPr lang="en-US" baseline="0" dirty="0"/>
-              <a:t>From – we start with where we’re starting from, in this case a base Nano Server image. Then we have two ‘adds’</a:t>
-            </a:r>
-          </a:p>
-          <a:p>
-            <a:r>
-              <a:rPr lang="en-US" baseline="0" dirty="0"/>
-              <a:t>Unattended – the first is an unintended install file and this is how you’d install IIS with </a:t>
-            </a:r>
-            <a:r>
-              <a:rPr lang="en-US" baseline="0" dirty="0" err="1"/>
-              <a:t>nano</a:t>
-            </a:r>
-            <a:r>
-              <a:rPr lang="en-US" baseline="0" dirty="0"/>
-              <a:t> server technical preview 4</a:t>
-            </a:r>
-          </a:p>
-          <a:p>
-            <a:r>
-              <a:rPr lang="en-US" baseline="0" dirty="0"/>
-              <a:t>Packages – then we add in this case, the “packages” folder where those optional roles/features are stored as we discussed earlier. </a:t>
-            </a:r>
-          </a:p>
-          <a:p>
-            <a:r>
-              <a:rPr lang="en-US" baseline="0" dirty="0"/>
-              <a:t>Run – then within the container we’re going to use DISM to apply the </a:t>
-            </a:r>
-            <a:r>
-              <a:rPr lang="en-US" baseline="0" dirty="0" err="1"/>
-              <a:t>unattend</a:t>
-            </a:r>
-            <a:r>
-              <a:rPr lang="en-US" baseline="0" dirty="0"/>
-              <a:t> file we added. </a:t>
-            </a:r>
-          </a:p>
-          <a:p>
-            <a:endParaRPr lang="en-US" baseline="0" dirty="0"/>
-          </a:p>
-          <a:p>
-            <a:r>
-              <a:rPr lang="en-US" baseline="0" dirty="0"/>
-              <a:t>When its all done, we’ll have the layers we see on the right with the base image at the bottom, and our layers added on. </a:t>
-            </a:r>
-            <a:r>
-              <a:rPr lang="en-US" baseline="0" dirty="0" err="1"/>
-              <a:t>Mysite</a:t>
-            </a:r>
-            <a:r>
-              <a:rPr lang="en-US" baseline="0" dirty="0"/>
-              <a:t> depends on IIS, which depends on the Container image. Now if I wanted to share this with you, and you already have the container base image, all I’d need to ship him is the IIS image, and web image. If he had the IIS image, I’d just send him the web image. I only need to give him enough to provision what he needs to get started. </a:t>
-            </a:r>
-          </a:p>
-          <a:p>
-            <a:endParaRPr lang="en-US" baseline="0" dirty="0"/>
-          </a:p>
-          <a:p>
-            <a:r>
-              <a:rPr lang="en-US" baseline="0" dirty="0"/>
-              <a:t>This makes this approach very handy for sharing work. </a:t>
-            </a:r>
-          </a:p>
-          <a:p>
-            <a:endParaRPr lang="en-US" baseline="0" dirty="0"/>
-          </a:p>
-          <a:p>
-            <a:r>
-              <a:rPr lang="en-US" baseline="0" dirty="0"/>
-              <a:t>And there’s the 4 basic steps to build your own IIS container image. </a:t>
-            </a:r>
-          </a:p>
-          <a:p>
-            <a:endParaRPr lang="en-US" baseline="0" dirty="0"/>
-          </a:p>
-          <a:p>
-            <a:r>
-              <a:rPr lang="en-US" baseline="0" dirty="0"/>
-              <a:t>So lets talk about what “unchanged values are cached”. Lets say I made an mistake and I need to change the folder where my attend file was. Docker’s build process will look at it and say “I’ll keep the first three layers, and only throw away the last one”. So it’s the only one that gets re-run. It doesn’t have to re-add the </a:t>
-            </a:r>
-            <a:r>
-              <a:rPr lang="en-US" baseline="0" dirty="0" err="1"/>
-              <a:t>unattend</a:t>
-            </a:r>
-            <a:r>
-              <a:rPr lang="en-US" baseline="0" dirty="0"/>
-              <a:t> file, or the packages. It just updates the run layer. </a:t>
-            </a:r>
-          </a:p>
-          <a:p>
-            <a:endParaRPr lang="en-US" baseline="0" dirty="0"/>
-          </a:p>
-          <a:p>
-            <a:r>
-              <a:rPr lang="en-US" b="1" baseline="0" dirty="0"/>
-              <a:t>#click (</a:t>
-            </a:r>
-            <a:r>
-              <a:rPr lang="en-US" b="1" baseline="0" dirty="0" err="1"/>
-              <a:t>WebApp</a:t>
-            </a:r>
-            <a:r>
-              <a:rPr lang="en-US" b="1" baseline="0" dirty="0"/>
-              <a:t> image)</a:t>
-            </a:r>
-          </a:p>
-          <a:p>
-            <a:r>
-              <a:rPr lang="en-US" dirty="0"/>
-              <a:t>Now IIS is pretty useless without a web site, so lets create a new image that add this</a:t>
-            </a:r>
-          </a:p>
-          <a:p>
-            <a:r>
-              <a:rPr lang="en-US" dirty="0"/>
-              <a:t>From</a:t>
-            </a:r>
-            <a:r>
-              <a:rPr lang="en-US" baseline="0" dirty="0"/>
-              <a:t> – we’ll use the image we created previously </a:t>
-            </a:r>
-          </a:p>
-          <a:p>
-            <a:r>
-              <a:rPr lang="en-US" baseline="0" dirty="0"/>
-              <a:t>Add – and I’m going to add mysite.htm to the image in the /</a:t>
-            </a:r>
-            <a:r>
-              <a:rPr lang="en-US" baseline="0" dirty="0" err="1"/>
-              <a:t>inetpub</a:t>
-            </a:r>
-            <a:r>
-              <a:rPr lang="en-US" baseline="0" dirty="0"/>
-              <a:t> folder</a:t>
-            </a:r>
-          </a:p>
-          <a:p>
-            <a:endParaRPr lang="en-US" baseline="0" dirty="0"/>
-          </a:p>
-          <a:p>
             <a:endParaRPr lang="en-US" dirty="0"/>
           </a:p>
         </p:txBody>
@@ -3828,285 +3270,6 @@
           <a:bodyPr/>
           <a:lstStyle/>
           <a:p>
-            <a:r>
-              <a:rPr lang="en-US" dirty="0"/>
-              <a:t>Lets take a closer look at a </a:t>
-            </a:r>
-            <a:r>
-              <a:rPr lang="en-US" dirty="0" err="1"/>
-              <a:t>Dockerfile</a:t>
-            </a:r>
-            <a:r>
-              <a:rPr lang="en-US" baseline="0" dirty="0"/>
-              <a:t> as this is really the preferred method if you can’t pull an existing image from a registry. </a:t>
-            </a:r>
-          </a:p>
-          <a:p>
-            <a:endParaRPr lang="en-US" baseline="0" dirty="0"/>
-          </a:p>
-          <a:p>
-            <a:r>
-              <a:rPr lang="en-US" b="1" baseline="0" dirty="0"/>
-              <a:t>#click (method for automated creation)</a:t>
-            </a:r>
-          </a:p>
-          <a:p>
-            <a:r>
-              <a:rPr lang="en-US" baseline="0" dirty="0"/>
-              <a:t>read</a:t>
-            </a:r>
-          </a:p>
-          <a:p>
-            <a:endParaRPr lang="en-US" baseline="0" dirty="0"/>
-          </a:p>
-          <a:p>
-            <a:r>
-              <a:rPr lang="en-US" b="1" baseline="0" dirty="0"/>
-              <a:t>#click (consumed when running </a:t>
-            </a:r>
-            <a:r>
-              <a:rPr lang="en-US" b="1" baseline="0" dirty="0" err="1"/>
-              <a:t>docker</a:t>
-            </a:r>
-            <a:r>
-              <a:rPr lang="en-US" b="1" baseline="0" dirty="0"/>
-              <a:t> build)</a:t>
-            </a:r>
-          </a:p>
-          <a:p>
-            <a:r>
-              <a:rPr lang="en-US" baseline="0" dirty="0"/>
-              <a:t>Its consumed when we say “</a:t>
-            </a:r>
-            <a:r>
-              <a:rPr lang="en-US" baseline="0" dirty="0" err="1"/>
-              <a:t>docker</a:t>
-            </a:r>
-            <a:r>
-              <a:rPr lang="en-US" baseline="0" dirty="0"/>
-              <a:t> build”. The build process reads this file</a:t>
-            </a:r>
-          </a:p>
-          <a:p>
-            <a:endParaRPr lang="en-US" baseline="0" dirty="0"/>
-          </a:p>
-          <a:p>
-            <a:r>
-              <a:rPr lang="en-US" b="1" baseline="0" dirty="0"/>
-              <a:t>#click (automated builds via </a:t>
-            </a:r>
-            <a:r>
-              <a:rPr lang="en-US" b="1" baseline="0" dirty="0" err="1"/>
-              <a:t>docker</a:t>
-            </a:r>
-            <a:r>
-              <a:rPr lang="en-US" b="1" baseline="0" dirty="0"/>
-              <a:t> hub)</a:t>
-            </a:r>
-          </a:p>
-          <a:p>
-            <a:r>
-              <a:rPr lang="en-US" baseline="0" dirty="0"/>
-              <a:t>It can also be used as part of automation. You can upload your </a:t>
-            </a:r>
-            <a:r>
-              <a:rPr lang="en-US" baseline="0" dirty="0" err="1"/>
-              <a:t>dockerfile</a:t>
-            </a:r>
-            <a:r>
-              <a:rPr lang="en-US" baseline="0" dirty="0"/>
-              <a:t> to the </a:t>
-            </a:r>
-            <a:r>
-              <a:rPr lang="en-US" baseline="0" dirty="0" err="1"/>
-              <a:t>docker</a:t>
-            </a:r>
-            <a:r>
-              <a:rPr lang="en-US" baseline="0" dirty="0"/>
-              <a:t> hub, it will help perform automated, triggered builds. So if an image (layer) that you’re dependent on changes, your image will also be updated. This includes a web hook that you can use to start any CI testing or even a redeployment of your image. </a:t>
-            </a:r>
-          </a:p>
-          <a:p>
-            <a:endParaRPr lang="en-US" baseline="0" dirty="0"/>
-          </a:p>
-          <a:p>
-            <a:r>
-              <a:rPr lang="en-US" b="1" baseline="0" dirty="0"/>
-              <a:t>#click (cache unchanged commands)</a:t>
-            </a:r>
-          </a:p>
-          <a:p>
-            <a:r>
-              <a:rPr lang="en-US" baseline="0" dirty="0"/>
-              <a:t>Anything that’s unchanged, just gets cached and reused. </a:t>
-            </a:r>
-          </a:p>
-          <a:p>
-            <a:endParaRPr lang="en-US" baseline="0" dirty="0"/>
-          </a:p>
-          <a:p>
-            <a:r>
-              <a:rPr lang="en-US" b="1" baseline="0" dirty="0"/>
-              <a:t>#click (IIS Image)</a:t>
-            </a:r>
-          </a:p>
-          <a:p>
-            <a:r>
-              <a:rPr lang="en-US" baseline="0" dirty="0"/>
-              <a:t>If we take an example of a </a:t>
-            </a:r>
-            <a:r>
-              <a:rPr lang="en-US" baseline="0" dirty="0" err="1"/>
-              <a:t>dockerfile</a:t>
-            </a:r>
-            <a:r>
-              <a:rPr lang="en-US" baseline="0" dirty="0"/>
-              <a:t> to build an IIS image. </a:t>
-            </a:r>
-          </a:p>
-          <a:p>
-            <a:r>
-              <a:rPr lang="en-US" baseline="0" dirty="0"/>
-              <a:t>From – we start with where we’re starting from, in this case a base Nano Server image. Then we have two ‘adds’</a:t>
-            </a:r>
-          </a:p>
-          <a:p>
-            <a:r>
-              <a:rPr lang="en-US" baseline="0" dirty="0"/>
-              <a:t>Unattended – the first is an unintended install file and this is how you’d install IIS with </a:t>
-            </a:r>
-            <a:r>
-              <a:rPr lang="en-US" baseline="0" dirty="0" err="1"/>
-              <a:t>nano</a:t>
-            </a:r>
-            <a:r>
-              <a:rPr lang="en-US" baseline="0" dirty="0"/>
-              <a:t> server technical preview 4</a:t>
-            </a:r>
-          </a:p>
-          <a:p>
-            <a:r>
-              <a:rPr lang="en-US" baseline="0" dirty="0"/>
-              <a:t>Packages – then we add in this case, the “packages” folder where those optional roles/features are stored as we discussed earlier. </a:t>
-            </a:r>
-          </a:p>
-          <a:p>
-            <a:r>
-              <a:rPr lang="en-US" baseline="0" dirty="0"/>
-              <a:t>Run – then within the container we’re going to use DISM to apply the </a:t>
-            </a:r>
-            <a:r>
-              <a:rPr lang="en-US" baseline="0" dirty="0" err="1"/>
-              <a:t>unattend</a:t>
-            </a:r>
-            <a:r>
-              <a:rPr lang="en-US" baseline="0" dirty="0"/>
-              <a:t> file we added. </a:t>
-            </a:r>
-          </a:p>
-          <a:p>
-            <a:endParaRPr lang="en-US" baseline="0" dirty="0"/>
-          </a:p>
-          <a:p>
-            <a:r>
-              <a:rPr lang="en-US" baseline="0" dirty="0"/>
-              <a:t>When its all done, we’ll have the layers we see on the right with the base image at the bottom, and our layers added on. </a:t>
-            </a:r>
-            <a:r>
-              <a:rPr lang="en-US" baseline="0" dirty="0" err="1"/>
-              <a:t>Mysite</a:t>
-            </a:r>
-            <a:r>
-              <a:rPr lang="en-US" baseline="0" dirty="0"/>
-              <a:t> depends on IIS, which depends on the Container image. Now if I wanted to share this with you, and you already have the container base image, all I’d need to ship him is the IIS image, and web image. If he had the IIS image, I’d just send him the web image. I only need to give him enough to provision what he needs to get started. </a:t>
-            </a:r>
-          </a:p>
-          <a:p>
-            <a:endParaRPr lang="en-US" baseline="0" dirty="0"/>
-          </a:p>
-          <a:p>
-            <a:r>
-              <a:rPr lang="en-US" baseline="0" dirty="0"/>
-              <a:t>This makes this approach very handy for sharing work. </a:t>
-            </a:r>
-          </a:p>
-          <a:p>
-            <a:endParaRPr lang="en-US" baseline="0" dirty="0"/>
-          </a:p>
-          <a:p>
-            <a:r>
-              <a:rPr lang="en-US" baseline="0" dirty="0"/>
-              <a:t>And there’s the 4 basic steps to build your own IIS container image. </a:t>
-            </a:r>
-          </a:p>
-          <a:p>
-            <a:endParaRPr lang="en-US" baseline="0" dirty="0"/>
-          </a:p>
-          <a:p>
-            <a:r>
-              <a:rPr lang="en-US" baseline="0" dirty="0"/>
-              <a:t>So lets talk about what “unchanged values are cached”. Lets say I made an mistake and I need to change the folder where my attend file was. Docker’s build process will look at it and say “I’ll keep the first three layers, and only throw away the last one”. So it’s the only one that gets re-run. It doesn’t have to re-add the </a:t>
-            </a:r>
-            <a:r>
-              <a:rPr lang="en-US" baseline="0" dirty="0" err="1"/>
-              <a:t>unattend</a:t>
-            </a:r>
-            <a:r>
-              <a:rPr lang="en-US" baseline="0" dirty="0"/>
-              <a:t> file, or the packages. It just updates the run layer. </a:t>
-            </a:r>
-          </a:p>
-          <a:p>
-            <a:endParaRPr lang="en-US" baseline="0" dirty="0"/>
-          </a:p>
-          <a:p>
-            <a:r>
-              <a:rPr lang="en-US" b="1" baseline="0" dirty="0"/>
-              <a:t>#click (</a:t>
-            </a:r>
-            <a:r>
-              <a:rPr lang="en-US" b="1" baseline="0" dirty="0" err="1"/>
-              <a:t>WebApp</a:t>
-            </a:r>
-            <a:r>
-              <a:rPr lang="en-US" b="1" baseline="0" dirty="0"/>
-              <a:t> image)</a:t>
-            </a:r>
-          </a:p>
-          <a:p>
-            <a:r>
-              <a:rPr lang="en-US" dirty="0"/>
-              <a:t>Now IIS is pretty useless without a web site, so lets create a new image that add this</a:t>
-            </a:r>
-          </a:p>
-          <a:p>
-            <a:r>
-              <a:rPr lang="en-US" dirty="0"/>
-              <a:t>From</a:t>
-            </a:r>
-            <a:r>
-              <a:rPr lang="en-US" baseline="0" dirty="0"/>
-              <a:t> – we’ll use the image we created previously </a:t>
-            </a:r>
-          </a:p>
-          <a:p>
-            <a:r>
-              <a:rPr lang="en-US" baseline="0" dirty="0"/>
-              <a:t>Add – and I’m going to add mysite.htm to the image in the /</a:t>
-            </a:r>
-            <a:r>
-              <a:rPr lang="en-US" baseline="0" dirty="0" err="1"/>
-              <a:t>inetpub</a:t>
-            </a:r>
-            <a:r>
-              <a:rPr lang="en-US" baseline="0" dirty="0"/>
-              <a:t> folder</a:t>
-            </a:r>
-          </a:p>
-          <a:p>
-            <a:endParaRPr lang="en-US" baseline="0" dirty="0"/>
-          </a:p>
-          <a:p>
             <a:endParaRPr lang="en-US" dirty="0"/>
           </a:p>
         </p:txBody>
@@ -4193,283 +3356,12 @@
           <a:p>
             <a:r>
               <a:rPr lang="en-US" dirty="0"/>
-              <a:t>Lets take a closer look at a </a:t>
-            </a:r>
-            <a:r>
-              <a:rPr lang="en-US" dirty="0" err="1"/>
-              <a:t>Dockerfile</a:t>
+              <a:t>Too many learning</a:t>
             </a:r>
             <a:r>
               <a:rPr lang="en-US" baseline="0" dirty="0"/>
-              <a:t> as this is really the preferred method if you can’t pull an existing image from a registry. </a:t>
-            </a:r>
-          </a:p>
-          <a:p>
-            <a:endParaRPr lang="en-US" baseline="0" dirty="0"/>
-          </a:p>
-          <a:p>
-            <a:r>
-              <a:rPr lang="en-US" b="1" baseline="0" dirty="0"/>
-              <a:t>#click (method for automated creation)</a:t>
-            </a:r>
-          </a:p>
-          <a:p>
-            <a:r>
-              <a:rPr lang="en-US" baseline="0" dirty="0"/>
-              <a:t>read</a:t>
-            </a:r>
-          </a:p>
-          <a:p>
-            <a:endParaRPr lang="en-US" baseline="0" dirty="0"/>
-          </a:p>
-          <a:p>
-            <a:r>
-              <a:rPr lang="en-US" b="1" baseline="0" dirty="0"/>
-              <a:t>#click (consumed when running </a:t>
-            </a:r>
-            <a:r>
-              <a:rPr lang="en-US" b="1" baseline="0" dirty="0" err="1"/>
-              <a:t>docker</a:t>
-            </a:r>
-            <a:r>
-              <a:rPr lang="en-US" b="1" baseline="0" dirty="0"/>
-              <a:t> build)</a:t>
-            </a:r>
-          </a:p>
-          <a:p>
-            <a:r>
-              <a:rPr lang="en-US" baseline="0" dirty="0"/>
-              <a:t>Its consumed when we say “</a:t>
-            </a:r>
-            <a:r>
-              <a:rPr lang="en-US" baseline="0" dirty="0" err="1"/>
-              <a:t>docker</a:t>
-            </a:r>
-            <a:r>
-              <a:rPr lang="en-US" baseline="0" dirty="0"/>
-              <a:t> build”. The build process reads this file</a:t>
-            </a:r>
-          </a:p>
-          <a:p>
-            <a:endParaRPr lang="en-US" baseline="0" dirty="0"/>
-          </a:p>
-          <a:p>
-            <a:r>
-              <a:rPr lang="en-US" b="1" baseline="0" dirty="0"/>
-              <a:t>#click (automated builds via </a:t>
-            </a:r>
-            <a:r>
-              <a:rPr lang="en-US" b="1" baseline="0" dirty="0" err="1"/>
-              <a:t>docker</a:t>
-            </a:r>
-            <a:r>
-              <a:rPr lang="en-US" b="1" baseline="0" dirty="0"/>
-              <a:t> hub)</a:t>
-            </a:r>
-          </a:p>
-          <a:p>
-            <a:r>
-              <a:rPr lang="en-US" baseline="0" dirty="0"/>
-              <a:t>It can also be used as part of automation. You can upload your </a:t>
-            </a:r>
-            <a:r>
-              <a:rPr lang="en-US" baseline="0" dirty="0" err="1"/>
-              <a:t>dockerfile</a:t>
-            </a:r>
-            <a:r>
-              <a:rPr lang="en-US" baseline="0" dirty="0"/>
-              <a:t> to the </a:t>
-            </a:r>
-            <a:r>
-              <a:rPr lang="en-US" baseline="0" dirty="0" err="1"/>
-              <a:t>docker</a:t>
-            </a:r>
-            <a:r>
-              <a:rPr lang="en-US" baseline="0" dirty="0"/>
-              <a:t> hub, it will help perform automated, triggered builds. So if an image (layer) that you’re dependent on changes, your image will also be updated. This includes a web hook that you can use to start any CI testing or even a redeployment of your image. </a:t>
-            </a:r>
-          </a:p>
-          <a:p>
-            <a:endParaRPr lang="en-US" baseline="0" dirty="0"/>
-          </a:p>
-          <a:p>
-            <a:r>
-              <a:rPr lang="en-US" b="1" baseline="0" dirty="0"/>
-              <a:t>#click (cache unchanged commands)</a:t>
-            </a:r>
-          </a:p>
-          <a:p>
-            <a:r>
-              <a:rPr lang="en-US" baseline="0" dirty="0"/>
-              <a:t>Anything that’s unchanged, just gets cached and reused. </a:t>
-            </a:r>
-          </a:p>
-          <a:p>
-            <a:endParaRPr lang="en-US" baseline="0" dirty="0"/>
-          </a:p>
-          <a:p>
-            <a:r>
-              <a:rPr lang="en-US" b="1" baseline="0" dirty="0"/>
-              <a:t>#click (IIS Image)</a:t>
-            </a:r>
-          </a:p>
-          <a:p>
-            <a:r>
-              <a:rPr lang="en-US" baseline="0" dirty="0"/>
-              <a:t>If we take an example of a </a:t>
-            </a:r>
-            <a:r>
-              <a:rPr lang="en-US" baseline="0" dirty="0" err="1"/>
-              <a:t>dockerfile</a:t>
-            </a:r>
-            <a:r>
-              <a:rPr lang="en-US" baseline="0" dirty="0"/>
-              <a:t> to build an IIS image. </a:t>
-            </a:r>
-          </a:p>
-          <a:p>
-            <a:r>
-              <a:rPr lang="en-US" baseline="0" dirty="0"/>
-              <a:t>From – we start with where we’re starting from, in this case a base Nano Server image. Then we have two ‘adds’</a:t>
-            </a:r>
-          </a:p>
-          <a:p>
-            <a:r>
-              <a:rPr lang="en-US" baseline="0" dirty="0"/>
-              <a:t>Unattended – the first is an unintended install file and this is how you’d install IIS with </a:t>
-            </a:r>
-            <a:r>
-              <a:rPr lang="en-US" baseline="0" dirty="0" err="1"/>
-              <a:t>nano</a:t>
-            </a:r>
-            <a:r>
-              <a:rPr lang="en-US" baseline="0" dirty="0"/>
-              <a:t> server technical preview 4</a:t>
-            </a:r>
-          </a:p>
-          <a:p>
-            <a:r>
-              <a:rPr lang="en-US" baseline="0" dirty="0"/>
-              <a:t>Packages – then we add in this case, the “packages” folder where those optional roles/features are stored as we discussed earlier. </a:t>
-            </a:r>
-          </a:p>
-          <a:p>
-            <a:r>
-              <a:rPr lang="en-US" baseline="0" dirty="0"/>
-              <a:t>Run – then within the container we’re going to use DISM to apply the </a:t>
-            </a:r>
-            <a:r>
-              <a:rPr lang="en-US" baseline="0" dirty="0" err="1"/>
-              <a:t>unattend</a:t>
-            </a:r>
-            <a:r>
-              <a:rPr lang="en-US" baseline="0" dirty="0"/>
-              <a:t> file we added. </a:t>
-            </a:r>
-          </a:p>
-          <a:p>
-            <a:endParaRPr lang="en-US" baseline="0" dirty="0"/>
-          </a:p>
-          <a:p>
-            <a:r>
-              <a:rPr lang="en-US" baseline="0" dirty="0"/>
-              <a:t>When its all done, we’ll have the layers we see on the right with the base image at the bottom, and our layers added on. </a:t>
-            </a:r>
-            <a:r>
-              <a:rPr lang="en-US" baseline="0" dirty="0" err="1"/>
-              <a:t>Mysite</a:t>
-            </a:r>
-            <a:r>
-              <a:rPr lang="en-US" baseline="0" dirty="0"/>
-              <a:t> depends on IIS, which depends on the Container image. Now if I wanted to share this with you, and you already have the container base image, all I’d need to ship him is the IIS image, and web image. If he had the IIS image, I’d just send him the web image. I only need to give him enough to provision what he needs to get started. </a:t>
-            </a:r>
-          </a:p>
-          <a:p>
-            <a:endParaRPr lang="en-US" baseline="0" dirty="0"/>
-          </a:p>
-          <a:p>
-            <a:r>
-              <a:rPr lang="en-US" baseline="0" dirty="0"/>
-              <a:t>This makes this approach very handy for sharing work. </a:t>
-            </a:r>
-          </a:p>
-          <a:p>
-            <a:endParaRPr lang="en-US" baseline="0" dirty="0"/>
-          </a:p>
-          <a:p>
-            <a:r>
-              <a:rPr lang="en-US" baseline="0" dirty="0"/>
-              <a:t>And there’s the 4 basic steps to build your own IIS container image. </a:t>
-            </a:r>
-          </a:p>
-          <a:p>
-            <a:endParaRPr lang="en-US" baseline="0" dirty="0"/>
-          </a:p>
-          <a:p>
-            <a:r>
-              <a:rPr lang="en-US" baseline="0" dirty="0"/>
-              <a:t>So lets talk about what “unchanged values are cached”. Lets say I made an mistake and I need to change the folder where my attend file was. Docker’s build process will look at it and say “I’ll keep the first three layers, and only throw away the last one”. So it’s the only one that gets re-run. It doesn’t have to re-add the </a:t>
-            </a:r>
-            <a:r>
-              <a:rPr lang="en-US" baseline="0" dirty="0" err="1"/>
-              <a:t>unattend</a:t>
-            </a:r>
-            <a:r>
-              <a:rPr lang="en-US" baseline="0" dirty="0"/>
-              <a:t> file, or the packages. It just updates the run layer. </a:t>
-            </a:r>
-          </a:p>
-          <a:p>
-            <a:endParaRPr lang="en-US" baseline="0" dirty="0"/>
-          </a:p>
-          <a:p>
-            <a:r>
-              <a:rPr lang="en-US" b="1" baseline="0" dirty="0"/>
-              <a:t>#click (</a:t>
-            </a:r>
-            <a:r>
-              <a:rPr lang="en-US" b="1" baseline="0" dirty="0" err="1"/>
-              <a:t>WebApp</a:t>
-            </a:r>
-            <a:r>
-              <a:rPr lang="en-US" b="1" baseline="0" dirty="0"/>
-              <a:t> image)</a:t>
-            </a:r>
-          </a:p>
-          <a:p>
-            <a:r>
-              <a:rPr lang="en-US" dirty="0"/>
-              <a:t>Now IIS is pretty useless without a web site, so lets create a new image that add this</a:t>
-            </a:r>
-          </a:p>
-          <a:p>
-            <a:r>
-              <a:rPr lang="en-US" dirty="0"/>
-              <a:t>From</a:t>
-            </a:r>
-            <a:r>
-              <a:rPr lang="en-US" baseline="0" dirty="0"/>
-              <a:t> – we’ll use the image we created previously </a:t>
-            </a:r>
-          </a:p>
-          <a:p>
-            <a:r>
-              <a:rPr lang="en-US" baseline="0" dirty="0"/>
-              <a:t>Add – and I’m going to add mysite.htm to the image in the /</a:t>
-            </a:r>
-            <a:r>
-              <a:rPr lang="en-US" baseline="0" dirty="0" err="1"/>
-              <a:t>inetpub</a:t>
-            </a:r>
-            <a:r>
-              <a:rPr lang="en-US" baseline="0" dirty="0"/>
-              <a:t> folder</a:t>
-            </a:r>
-          </a:p>
-          <a:p>
-            <a:endParaRPr lang="en-US" baseline="0" dirty="0"/>
-          </a:p>
-          <a:p>
+              <a:t> materials to list here. I’ve put some of my favorites on my blog along with a link to this presentation. Enjoy and check back for updates as things continue to mature. </a:t>
+            </a:r>
             <a:endParaRPr lang="en-US" dirty="0"/>
           </a:p>
         </p:txBody>
@@ -4599,7 +3491,7 @@
           <a:p>
             <a:fld id="{6108602D-D426-4C00-B215-BFA18C076426}" type="datetime8">
               <a:rPr lang="en-US" smtClean="0"/>
-              <a:t>8/25/2016 9:37 AM</a:t>
+              <a:t>8/25/2016 1:58 PM</a:t>
             </a:fld>
             <a:endParaRPr lang="en-US" dirty="0"/>
           </a:p>
@@ -4887,7 +3779,7 @@
           <a:p>
             <a:fld id="{90EC29EE-A8AD-4CE0-9C0B-116E0D4D7533}" type="datetime8">
               <a:rPr lang="en-US" smtClean="0"/>
-              <a:t>8/25/2016 10:18 AM</a:t>
+              <a:t>8/25/2016 2:19 PM</a:t>
             </a:fld>
             <a:endParaRPr lang="en-US" dirty="0"/>
           </a:p>
@@ -5154,7 +4046,7 @@
           <a:p>
             <a:fld id="{90EC29EE-A8AD-4CE0-9C0B-116E0D4D7533}" type="datetime8">
               <a:rPr lang="en-US" smtClean="0"/>
-              <a:t>8/25/2016 10:23 AM</a:t>
+              <a:t>8/25/2016 1:58 PM</a:t>
             </a:fld>
             <a:endParaRPr lang="en-US" dirty="0"/>
           </a:p>
@@ -5456,7 +4348,7 @@
           <a:p>
             <a:fld id="{90EC29EE-A8AD-4CE0-9C0B-116E0D4D7533}" type="datetime8">
               <a:rPr lang="en-US" smtClean="0"/>
-              <a:t>8/25/2016 10:32 AM</a:t>
+              <a:t>8/25/2016 1:58 PM</a:t>
             </a:fld>
             <a:endParaRPr lang="en-US" dirty="0"/>
           </a:p>
@@ -5731,7 +4623,7 @@
           <a:p>
             <a:fld id="{90EC29EE-A8AD-4CE0-9C0B-116E0D4D7533}" type="datetime8">
               <a:rPr lang="en-US" smtClean="0"/>
-              <a:t>8/25/2016 10:34 AM</a:t>
+              <a:t>8/25/2016 1:58 PM</a:t>
             </a:fld>
             <a:endParaRPr lang="en-US" dirty="0"/>
           </a:p>
@@ -21842,7 +20734,7 @@
         <p:spPr>
           <a:xfrm>
             <a:off x="274638" y="1212850"/>
-            <a:ext cx="9861218" cy="3361292"/>
+            <a:ext cx="9861218" cy="3844838"/>
           </a:xfrm>
         </p:spPr>
         <p:txBody>
@@ -21873,7 +20765,7 @@
               <a:buChar char="•"/>
             </a:pPr>
             <a:r>
-              <a:rPr lang="en-US" sz="2244" dirty="0"/>
+              <a:rPr lang="en-US" sz="2600" dirty="0"/>
               <a:t>Higher density and Reduced attack surface and servicing requirements</a:t>
             </a:r>
           </a:p>
@@ -21882,7 +20774,7 @@
               <a:buFont typeface="Arial" panose="020B0604020202020204" pitchFamily="34" charset="0"/>
               <a:buChar char="•"/>
             </a:pPr>
-            <a:endParaRPr lang="en-US" sz="2244" dirty="0"/>
+            <a:endParaRPr lang="en-US" sz="2600" dirty="0"/>
           </a:p>
           <a:p>
             <a:pPr marL="342834" lvl="1" indent="-342834">
@@ -21890,7 +20782,7 @@
               <a:buChar char="•"/>
             </a:pPr>
             <a:r>
-              <a:rPr lang="en-US" sz="2244" dirty="0"/>
+              <a:rPr lang="en-US" sz="2600" dirty="0"/>
               <a:t>Next-gen distributed app frameworks </a:t>
             </a:r>
           </a:p>
@@ -21899,7 +20791,7 @@
               <a:buFont typeface="Arial" panose="020B0604020202020204" pitchFamily="34" charset="0"/>
               <a:buChar char="•"/>
             </a:pPr>
-            <a:endParaRPr lang="en-US" sz="2244" dirty="0"/>
+            <a:endParaRPr lang="en-US" sz="2600" dirty="0"/>
           </a:p>
           <a:p>
             <a:pPr marL="342834" lvl="1" indent="-342834">
@@ -21907,11 +20799,11 @@
               <a:buChar char="•"/>
             </a:pPr>
             <a:r>
-              <a:rPr lang="en-US" sz="2244" dirty="0"/>
+              <a:rPr lang="en-US" sz="2600" dirty="0"/>
               <a:t>Interoperate with existing server applications</a:t>
             </a:r>
             <a:r>
-              <a:rPr lang="en-US" sz="2244" dirty="0">
+              <a:rPr lang="en-US" sz="2600" dirty="0">
                 <a:solidFill>
                   <a:schemeClr val="tx1"/>
                 </a:solidFill>
@@ -34027,33 +32919,15 @@
                                   </p:childTnLst>
                                 </p:cTn>
                               </p:par>
-                            </p:childTnLst>
-                          </p:cTn>
-                        </p:par>
-                      </p:childTnLst>
-                    </p:cTn>
-                  </p:par>
-                  <p:par>
-                    <p:cTn id="8" fill="hold">
-                      <p:stCondLst>
-                        <p:cond delay="indefinite"/>
-                      </p:stCondLst>
-                      <p:childTnLst>
-                        <p:par>
-                          <p:cTn id="9" fill="hold">
-                            <p:stCondLst>
-                              <p:cond delay="0"/>
-                            </p:stCondLst>
-                            <p:childTnLst>
                               <p:par>
-                                <p:cTn id="10" presetID="10" presetClass="entr" presetSubtype="0" fill="hold" nodeType="clickEffect">
+                                <p:cTn id="8" presetID="10" presetClass="entr" presetSubtype="0" fill="hold" nodeType="withEffect">
                                   <p:stCondLst>
                                     <p:cond delay="0"/>
                                   </p:stCondLst>
                                   <p:childTnLst>
                                     <p:set>
                                       <p:cBhvr>
-                                        <p:cTn id="11" dur="1" fill="hold">
+                                        <p:cTn id="9" dur="1" fill="hold">
                                           <p:stCondLst>
                                             <p:cond delay="0"/>
                                           </p:stCondLst>
@@ -34075,7 +32949,7 @@
                                     </p:set>
                                     <p:animEffect transition="in" filter="fade">
                                       <p:cBhvr>
-                                        <p:cTn id="12" dur="500"/>
+                                        <p:cTn id="10" dur="500"/>
                                         <p:tgtEl>
                                           <p:spTgt spid="3">
                                             <p:txEl>
@@ -34095,87 +32969,26 @@
                     </p:cTn>
                   </p:par>
                   <p:par>
-                    <p:cTn id="13" fill="hold">
+                    <p:cTn id="11" fill="hold">
                       <p:stCondLst>
                         <p:cond delay="indefinite"/>
                       </p:stCondLst>
                       <p:childTnLst>
                         <p:par>
-                          <p:cTn id="14" fill="hold">
+                          <p:cTn id="12" fill="hold">
                             <p:stCondLst>
                               <p:cond delay="0"/>
                             </p:stCondLst>
                             <p:childTnLst>
                               <p:par>
-                                <p:cTn id="15" presetID="10" presetClass="entr" presetSubtype="0" fill="hold" nodeType="clickEffect">
+                                <p:cTn id="13" presetID="10" presetClass="entr" presetSubtype="0" fill="hold" nodeType="clickEffect">
                                   <p:stCondLst>
                                     <p:cond delay="0"/>
                                   </p:stCondLst>
                                   <p:childTnLst>
                                     <p:set>
                                       <p:cBhvr>
-                                        <p:cTn id="16" dur="1" fill="hold">
-                                          <p:stCondLst>
-                                            <p:cond delay="0"/>
-                                          </p:stCondLst>
-                                        </p:cTn>
-                                        <p:tgtEl>
-                                          <p:spTgt spid="3">
-                                            <p:txEl>
-                                              <p:pRg st="2" end="2"/>
-                                            </p:txEl>
-                                          </p:spTgt>
-                                        </p:tgtEl>
-                                        <p:attrNameLst>
-                                          <p:attrName>style.visibility</p:attrName>
-                                        </p:attrNameLst>
-                                      </p:cBhvr>
-                                      <p:to>
-                                        <p:strVal val="visible"/>
-                                      </p:to>
-                                    </p:set>
-                                    <p:animEffect transition="in" filter="fade">
-                                      <p:cBhvr>
-                                        <p:cTn id="17" dur="500"/>
-                                        <p:tgtEl>
-                                          <p:spTgt spid="3">
-                                            <p:txEl>
-                                              <p:pRg st="2" end="2"/>
-                                            </p:txEl>
-                                          </p:spTgt>
-                                        </p:tgtEl>
-                                      </p:cBhvr>
-                                    </p:animEffect>
-                                  </p:childTnLst>
-                                </p:cTn>
-                              </p:par>
-                            </p:childTnLst>
-                          </p:cTn>
-                        </p:par>
-                      </p:childTnLst>
-                    </p:cTn>
-                  </p:par>
-                  <p:par>
-                    <p:cTn id="18" fill="hold">
-                      <p:stCondLst>
-                        <p:cond delay="indefinite"/>
-                      </p:stCondLst>
-                      <p:childTnLst>
-                        <p:par>
-                          <p:cTn id="19" fill="hold">
-                            <p:stCondLst>
-                              <p:cond delay="0"/>
-                            </p:stCondLst>
-                            <p:childTnLst>
-                              <p:par>
-                                <p:cTn id="20" presetID="10" presetClass="entr" presetSubtype="0" fill="hold" nodeType="clickEffect">
-                                  <p:stCondLst>
-                                    <p:cond delay="0"/>
-                                  </p:stCondLst>
-                                  <p:childTnLst>
-                                    <p:set>
-                                      <p:cBhvr>
-                                        <p:cTn id="21" dur="1" fill="hold">
+                                        <p:cTn id="14" dur="1" fill="hold">
                                           <p:stCondLst>
                                             <p:cond delay="0"/>
                                           </p:stCondLst>
@@ -34197,7 +33010,7 @@
                                     </p:set>
                                     <p:animEffect transition="in" filter="fade">
                                       <p:cBhvr>
-                                        <p:cTn id="22" dur="500"/>
+                                        <p:cTn id="15" dur="500"/>
                                         <p:tgtEl>
                                           <p:spTgt spid="3">
                                             <p:txEl>
@@ -34210,33 +33023,15 @@
                                   </p:childTnLst>
                                 </p:cTn>
                               </p:par>
-                            </p:childTnLst>
-                          </p:cTn>
-                        </p:par>
-                      </p:childTnLst>
-                    </p:cTn>
-                  </p:par>
-                  <p:par>
-                    <p:cTn id="23" fill="hold">
-                      <p:stCondLst>
-                        <p:cond delay="indefinite"/>
-                      </p:stCondLst>
-                      <p:childTnLst>
-                        <p:par>
-                          <p:cTn id="24" fill="hold">
-                            <p:stCondLst>
-                              <p:cond delay="0"/>
-                            </p:stCondLst>
-                            <p:childTnLst>
                               <p:par>
-                                <p:cTn id="25" presetID="10" presetClass="entr" presetSubtype="0" fill="hold" nodeType="clickEffect">
+                                <p:cTn id="16" presetID="10" presetClass="entr" presetSubtype="0" fill="hold" nodeType="withEffect">
                                   <p:stCondLst>
                                     <p:cond delay="0"/>
                                   </p:stCondLst>
                                   <p:childTnLst>
                                     <p:set>
                                       <p:cBhvr>
-                                        <p:cTn id="26" dur="1" fill="hold">
+                                        <p:cTn id="17" dur="1" fill="hold">
                                           <p:stCondLst>
                                             <p:cond delay="0"/>
                                           </p:stCondLst>
@@ -34258,7 +33053,7 @@
                                     </p:set>
                                     <p:animEffect transition="in" filter="fade">
                                       <p:cBhvr>
-                                        <p:cTn id="27" dur="500"/>
+                                        <p:cTn id="18" dur="500"/>
                                         <p:tgtEl>
                                           <p:spTgt spid="3">
                                             <p:txEl>
@@ -34278,87 +33073,26 @@
                     </p:cTn>
                   </p:par>
                   <p:par>
-                    <p:cTn id="28" fill="hold">
+                    <p:cTn id="19" fill="hold">
                       <p:stCondLst>
                         <p:cond delay="indefinite"/>
                       </p:stCondLst>
                       <p:childTnLst>
                         <p:par>
-                          <p:cTn id="29" fill="hold">
+                          <p:cTn id="20" fill="hold">
                             <p:stCondLst>
                               <p:cond delay="0"/>
                             </p:stCondLst>
                             <p:childTnLst>
                               <p:par>
-                                <p:cTn id="30" presetID="10" presetClass="entr" presetSubtype="0" fill="hold" nodeType="clickEffect">
+                                <p:cTn id="21" presetID="10" presetClass="entr" presetSubtype="0" fill="hold" nodeType="clickEffect">
                                   <p:stCondLst>
                                     <p:cond delay="0"/>
                                   </p:stCondLst>
                                   <p:childTnLst>
                                     <p:set>
                                       <p:cBhvr>
-                                        <p:cTn id="31" dur="1" fill="hold">
-                                          <p:stCondLst>
-                                            <p:cond delay="0"/>
-                                          </p:stCondLst>
-                                        </p:cTn>
-                                        <p:tgtEl>
-                                          <p:spTgt spid="3">
-                                            <p:txEl>
-                                              <p:pRg st="5" end="5"/>
-                                            </p:txEl>
-                                          </p:spTgt>
-                                        </p:tgtEl>
-                                        <p:attrNameLst>
-                                          <p:attrName>style.visibility</p:attrName>
-                                        </p:attrNameLst>
-                                      </p:cBhvr>
-                                      <p:to>
-                                        <p:strVal val="visible"/>
-                                      </p:to>
-                                    </p:set>
-                                    <p:animEffect transition="in" filter="fade">
-                                      <p:cBhvr>
-                                        <p:cTn id="32" dur="500"/>
-                                        <p:tgtEl>
-                                          <p:spTgt spid="3">
-                                            <p:txEl>
-                                              <p:pRg st="5" end="5"/>
-                                            </p:txEl>
-                                          </p:spTgt>
-                                        </p:tgtEl>
-                                      </p:cBhvr>
-                                    </p:animEffect>
-                                  </p:childTnLst>
-                                </p:cTn>
-                              </p:par>
-                            </p:childTnLst>
-                          </p:cTn>
-                        </p:par>
-                      </p:childTnLst>
-                    </p:cTn>
-                  </p:par>
-                  <p:par>
-                    <p:cTn id="33" fill="hold">
-                      <p:stCondLst>
-                        <p:cond delay="indefinite"/>
-                      </p:stCondLst>
-                      <p:childTnLst>
-                        <p:par>
-                          <p:cTn id="34" fill="hold">
-                            <p:stCondLst>
-                              <p:cond delay="0"/>
-                            </p:stCondLst>
-                            <p:childTnLst>
-                              <p:par>
-                                <p:cTn id="35" presetID="10" presetClass="entr" presetSubtype="0" fill="hold" nodeType="clickEffect">
-                                  <p:stCondLst>
-                                    <p:cond delay="0"/>
-                                  </p:stCondLst>
-                                  <p:childTnLst>
-                                    <p:set>
-                                      <p:cBhvr>
-                                        <p:cTn id="36" dur="1" fill="hold">
+                                        <p:cTn id="22" dur="1" fill="hold">
                                           <p:stCondLst>
                                             <p:cond delay="0"/>
                                           </p:stCondLst>
@@ -34380,7 +33114,7 @@
                                     </p:set>
                                     <p:animEffect transition="in" filter="fade">
                                       <p:cBhvr>
-                                        <p:cTn id="37" dur="500"/>
+                                        <p:cTn id="23" dur="500"/>
                                         <p:tgtEl>
                                           <p:spTgt spid="3">
                                             <p:txEl>
@@ -34393,33 +33127,15 @@
                                   </p:childTnLst>
                                 </p:cTn>
                               </p:par>
-                            </p:childTnLst>
-                          </p:cTn>
-                        </p:par>
-                      </p:childTnLst>
-                    </p:cTn>
-                  </p:par>
-                  <p:par>
-                    <p:cTn id="38" fill="hold">
-                      <p:stCondLst>
-                        <p:cond delay="indefinite"/>
-                      </p:stCondLst>
-                      <p:childTnLst>
-                        <p:par>
-                          <p:cTn id="39" fill="hold">
-                            <p:stCondLst>
-                              <p:cond delay="0"/>
-                            </p:stCondLst>
-                            <p:childTnLst>
                               <p:par>
-                                <p:cTn id="40" presetID="10" presetClass="entr" presetSubtype="0" fill="hold" nodeType="clickEffect">
+                                <p:cTn id="24" presetID="10" presetClass="entr" presetSubtype="0" fill="hold" nodeType="withEffect">
                                   <p:stCondLst>
                                     <p:cond delay="0"/>
                                   </p:stCondLst>
                                   <p:childTnLst>
                                     <p:set>
                                       <p:cBhvr>
-                                        <p:cTn id="41" dur="1" fill="hold">
+                                        <p:cTn id="25" dur="1" fill="hold">
                                           <p:stCondLst>
                                             <p:cond delay="0"/>
                                           </p:stCondLst>
@@ -34441,7 +33157,7 @@
                                     </p:set>
                                     <p:animEffect transition="in" filter="fade">
                                       <p:cBhvr>
-                                        <p:cTn id="42" dur="500"/>
+                                        <p:cTn id="26" dur="500"/>
                                         <p:tgtEl>
                                           <p:spTgt spid="3">
                                             <p:txEl>
@@ -34461,87 +33177,26 @@
                     </p:cTn>
                   </p:par>
                   <p:par>
-                    <p:cTn id="43" fill="hold">
+                    <p:cTn id="27" fill="hold">
                       <p:stCondLst>
                         <p:cond delay="indefinite"/>
                       </p:stCondLst>
                       <p:childTnLst>
                         <p:par>
-                          <p:cTn id="44" fill="hold">
+                          <p:cTn id="28" fill="hold">
                             <p:stCondLst>
                               <p:cond delay="0"/>
                             </p:stCondLst>
                             <p:childTnLst>
                               <p:par>
-                                <p:cTn id="45" presetID="10" presetClass="entr" presetSubtype="0" fill="hold" nodeType="clickEffect">
+                                <p:cTn id="29" presetID="10" presetClass="entr" presetSubtype="0" fill="hold" nodeType="clickEffect">
                                   <p:stCondLst>
                                     <p:cond delay="0"/>
                                   </p:stCondLst>
                                   <p:childTnLst>
                                     <p:set>
                                       <p:cBhvr>
-                                        <p:cTn id="46" dur="1" fill="hold">
-                                          <p:stCondLst>
-                                            <p:cond delay="0"/>
-                                          </p:stCondLst>
-                                        </p:cTn>
-                                        <p:tgtEl>
-                                          <p:spTgt spid="3">
-                                            <p:txEl>
-                                              <p:pRg st="8" end="8"/>
-                                            </p:txEl>
-                                          </p:spTgt>
-                                        </p:tgtEl>
-                                        <p:attrNameLst>
-                                          <p:attrName>style.visibility</p:attrName>
-                                        </p:attrNameLst>
-                                      </p:cBhvr>
-                                      <p:to>
-                                        <p:strVal val="visible"/>
-                                      </p:to>
-                                    </p:set>
-                                    <p:animEffect transition="in" filter="fade">
-                                      <p:cBhvr>
-                                        <p:cTn id="47" dur="500"/>
-                                        <p:tgtEl>
-                                          <p:spTgt spid="3">
-                                            <p:txEl>
-                                              <p:pRg st="8" end="8"/>
-                                            </p:txEl>
-                                          </p:spTgt>
-                                        </p:tgtEl>
-                                      </p:cBhvr>
-                                    </p:animEffect>
-                                  </p:childTnLst>
-                                </p:cTn>
-                              </p:par>
-                            </p:childTnLst>
-                          </p:cTn>
-                        </p:par>
-                      </p:childTnLst>
-                    </p:cTn>
-                  </p:par>
-                  <p:par>
-                    <p:cTn id="48" fill="hold">
-                      <p:stCondLst>
-                        <p:cond delay="indefinite"/>
-                      </p:stCondLst>
-                      <p:childTnLst>
-                        <p:par>
-                          <p:cTn id="49" fill="hold">
-                            <p:stCondLst>
-                              <p:cond delay="0"/>
-                            </p:stCondLst>
-                            <p:childTnLst>
-                              <p:par>
-                                <p:cTn id="50" presetID="10" presetClass="entr" presetSubtype="0" fill="hold" nodeType="clickEffect">
-                                  <p:stCondLst>
-                                    <p:cond delay="0"/>
-                                  </p:stCondLst>
-                                  <p:childTnLst>
-                                    <p:set>
-                                      <p:cBhvr>
-                                        <p:cTn id="51" dur="1" fill="hold">
+                                        <p:cTn id="30" dur="1" fill="hold">
                                           <p:stCondLst>
                                             <p:cond delay="0"/>
                                           </p:stCondLst>
@@ -34563,7 +33218,7 @@
                                     </p:set>
                                     <p:animEffect transition="in" filter="fade">
                                       <p:cBhvr>
-                                        <p:cTn id="52" dur="500"/>
+                                        <p:cTn id="31" dur="500"/>
                                         <p:tgtEl>
                                           <p:spTgt spid="3">
                                             <p:txEl>
@@ -34576,33 +33231,15 @@
                                   </p:childTnLst>
                                 </p:cTn>
                               </p:par>
-                            </p:childTnLst>
-                          </p:cTn>
-                        </p:par>
-                      </p:childTnLst>
-                    </p:cTn>
-                  </p:par>
-                  <p:par>
-                    <p:cTn id="53" fill="hold">
-                      <p:stCondLst>
-                        <p:cond delay="indefinite"/>
-                      </p:stCondLst>
-                      <p:childTnLst>
-                        <p:par>
-                          <p:cTn id="54" fill="hold">
-                            <p:stCondLst>
-                              <p:cond delay="0"/>
-                            </p:stCondLst>
-                            <p:childTnLst>
                               <p:par>
-                                <p:cTn id="55" presetID="10" presetClass="entr" presetSubtype="0" fill="hold" nodeType="clickEffect">
+                                <p:cTn id="32" presetID="10" presetClass="entr" presetSubtype="0" fill="hold" nodeType="withEffect">
                                   <p:stCondLst>
                                     <p:cond delay="0"/>
                                   </p:stCondLst>
                                   <p:childTnLst>
                                     <p:set>
                                       <p:cBhvr>
-                                        <p:cTn id="56" dur="1" fill="hold">
+                                        <p:cTn id="33" dur="1" fill="hold">
                                           <p:stCondLst>
                                             <p:cond delay="0"/>
                                           </p:stCondLst>
@@ -34624,7 +33261,7 @@
                                     </p:set>
                                     <p:animEffect transition="in" filter="fade">
                                       <p:cBhvr>
-                                        <p:cTn id="57" dur="500"/>
+                                        <p:cTn id="34" dur="500"/>
                                         <p:tgtEl>
                                           <p:spTgt spid="3">
                                             <p:txEl>
@@ -34970,33 +33607,15 @@
                                   </p:childTnLst>
                                 </p:cTn>
                               </p:par>
-                            </p:childTnLst>
-                          </p:cTn>
-                        </p:par>
-                      </p:childTnLst>
-                    </p:cTn>
-                  </p:par>
-                  <p:par>
-                    <p:cTn id="8" fill="hold">
-                      <p:stCondLst>
-                        <p:cond delay="indefinite"/>
-                      </p:stCondLst>
-                      <p:childTnLst>
-                        <p:par>
-                          <p:cTn id="9" fill="hold">
-                            <p:stCondLst>
-                              <p:cond delay="0"/>
-                            </p:stCondLst>
-                            <p:childTnLst>
                               <p:par>
-                                <p:cTn id="10" presetID="10" presetClass="entr" presetSubtype="0" fill="hold" nodeType="clickEffect">
+                                <p:cTn id="8" presetID="10" presetClass="entr" presetSubtype="0" fill="hold" nodeType="withEffect">
                                   <p:stCondLst>
                                     <p:cond delay="0"/>
                                   </p:stCondLst>
                                   <p:childTnLst>
                                     <p:set>
                                       <p:cBhvr>
-                                        <p:cTn id="11" dur="1" fill="hold">
+                                        <p:cTn id="9" dur="1" fill="hold">
                                           <p:stCondLst>
                                             <p:cond delay="0"/>
                                           </p:stCondLst>
@@ -35018,7 +33637,7 @@
                                     </p:set>
                                     <p:animEffect transition="in" filter="fade">
                                       <p:cBhvr>
-                                        <p:cTn id="12" dur="500"/>
+                                        <p:cTn id="10" dur="500"/>
                                         <p:tgtEl>
                                           <p:spTgt spid="3">
                                             <p:txEl>
@@ -35038,26 +33657,26 @@
                     </p:cTn>
                   </p:par>
                   <p:par>
-                    <p:cTn id="13" fill="hold">
+                    <p:cTn id="11" fill="hold">
                       <p:stCondLst>
                         <p:cond delay="indefinite"/>
                       </p:stCondLst>
                       <p:childTnLst>
                         <p:par>
-                          <p:cTn id="14" fill="hold">
+                          <p:cTn id="12" fill="hold">
                             <p:stCondLst>
                               <p:cond delay="0"/>
                             </p:stCondLst>
                             <p:childTnLst>
                               <p:par>
-                                <p:cTn id="15" presetID="10" presetClass="entr" presetSubtype="0" fill="hold" nodeType="clickEffect">
+                                <p:cTn id="13" presetID="10" presetClass="entr" presetSubtype="0" fill="hold" nodeType="clickEffect">
                                   <p:stCondLst>
                                     <p:cond delay="0"/>
                                   </p:stCondLst>
                                   <p:childTnLst>
                                     <p:set>
                                       <p:cBhvr>
-                                        <p:cTn id="16" dur="1" fill="hold">
+                                        <p:cTn id="14" dur="1" fill="hold">
                                           <p:stCondLst>
                                             <p:cond delay="0"/>
                                           </p:stCondLst>
@@ -35079,7 +33698,7 @@
                                     </p:set>
                                     <p:animEffect transition="in" filter="fade">
                                       <p:cBhvr>
-                                        <p:cTn id="17" dur="500"/>
+                                        <p:cTn id="15" dur="500"/>
                                         <p:tgtEl>
                                           <p:spTgt spid="3">
                                             <p:txEl>
@@ -35092,33 +33711,15 @@
                                   </p:childTnLst>
                                 </p:cTn>
                               </p:par>
-                            </p:childTnLst>
-                          </p:cTn>
-                        </p:par>
-                      </p:childTnLst>
-                    </p:cTn>
-                  </p:par>
-                  <p:par>
-                    <p:cTn id="18" fill="hold">
-                      <p:stCondLst>
-                        <p:cond delay="indefinite"/>
-                      </p:stCondLst>
-                      <p:childTnLst>
-                        <p:par>
-                          <p:cTn id="19" fill="hold">
-                            <p:stCondLst>
-                              <p:cond delay="0"/>
-                            </p:stCondLst>
-                            <p:childTnLst>
                               <p:par>
-                                <p:cTn id="20" presetID="10" presetClass="entr" presetSubtype="0" fill="hold" nodeType="clickEffect">
+                                <p:cTn id="16" presetID="10" presetClass="entr" presetSubtype="0" fill="hold" nodeType="withEffect">
                                   <p:stCondLst>
                                     <p:cond delay="0"/>
                                   </p:stCondLst>
                                   <p:childTnLst>
                                     <p:set>
                                       <p:cBhvr>
-                                        <p:cTn id="21" dur="1" fill="hold">
+                                        <p:cTn id="17" dur="1" fill="hold">
                                           <p:stCondLst>
                                             <p:cond delay="0"/>
                                           </p:stCondLst>
@@ -35140,7 +33741,7 @@
                                     </p:set>
                                     <p:animEffect transition="in" filter="fade">
                                       <p:cBhvr>
-                                        <p:cTn id="22" dur="500"/>
+                                        <p:cTn id="18" dur="500"/>
                                         <p:tgtEl>
                                           <p:spTgt spid="3">
                                             <p:txEl>
@@ -35160,26 +33761,26 @@
                     </p:cTn>
                   </p:par>
                   <p:par>
-                    <p:cTn id="23" fill="hold">
+                    <p:cTn id="19" fill="hold">
                       <p:stCondLst>
                         <p:cond delay="indefinite"/>
                       </p:stCondLst>
                       <p:childTnLst>
                         <p:par>
-                          <p:cTn id="24" fill="hold">
+                          <p:cTn id="20" fill="hold">
                             <p:stCondLst>
                               <p:cond delay="0"/>
                             </p:stCondLst>
                             <p:childTnLst>
                               <p:par>
-                                <p:cTn id="25" presetID="10" presetClass="entr" presetSubtype="0" fill="hold" nodeType="clickEffect">
+                                <p:cTn id="21" presetID="10" presetClass="entr" presetSubtype="0" fill="hold" nodeType="clickEffect">
                                   <p:stCondLst>
                                     <p:cond delay="0"/>
                                   </p:stCondLst>
                                   <p:childTnLst>
                                     <p:set>
                                       <p:cBhvr>
-                                        <p:cTn id="26" dur="1" fill="hold">
+                                        <p:cTn id="22" dur="1" fill="hold">
                                           <p:stCondLst>
                                             <p:cond delay="0"/>
                                           </p:stCondLst>
@@ -35201,7 +33802,7 @@
                                     </p:set>
                                     <p:animEffect transition="in" filter="fade">
                                       <p:cBhvr>
-                                        <p:cTn id="27" dur="500"/>
+                                        <p:cTn id="23" dur="500"/>
                                         <p:tgtEl>
                                           <p:spTgt spid="3">
                                             <p:txEl>
@@ -35214,33 +33815,15 @@
                                   </p:childTnLst>
                                 </p:cTn>
                               </p:par>
-                            </p:childTnLst>
-                          </p:cTn>
-                        </p:par>
-                      </p:childTnLst>
-                    </p:cTn>
-                  </p:par>
-                  <p:par>
-                    <p:cTn id="28" fill="hold">
-                      <p:stCondLst>
-                        <p:cond delay="indefinite"/>
-                      </p:stCondLst>
-                      <p:childTnLst>
-                        <p:par>
-                          <p:cTn id="29" fill="hold">
-                            <p:stCondLst>
-                              <p:cond delay="0"/>
-                            </p:stCondLst>
-                            <p:childTnLst>
                               <p:par>
-                                <p:cTn id="30" presetID="10" presetClass="entr" presetSubtype="0" fill="hold" nodeType="clickEffect">
+                                <p:cTn id="24" presetID="10" presetClass="entr" presetSubtype="0" fill="hold" nodeType="withEffect">
                                   <p:stCondLst>
                                     <p:cond delay="0"/>
                                   </p:stCondLst>
                                   <p:childTnLst>
                                     <p:set>
                                       <p:cBhvr>
-                                        <p:cTn id="31" dur="1" fill="hold">
+                                        <p:cTn id="25" dur="1" fill="hold">
                                           <p:stCondLst>
                                             <p:cond delay="0"/>
                                           </p:stCondLst>
@@ -35262,7 +33845,7 @@
                                     </p:set>
                                     <p:animEffect transition="in" filter="fade">
                                       <p:cBhvr>
-                                        <p:cTn id="32" dur="500"/>
+                                        <p:cTn id="26" dur="500"/>
                                         <p:tgtEl>
                                           <p:spTgt spid="3">
                                             <p:txEl>
@@ -35282,26 +33865,26 @@
                     </p:cTn>
                   </p:par>
                   <p:par>
-                    <p:cTn id="33" fill="hold">
+                    <p:cTn id="27" fill="hold">
                       <p:stCondLst>
                         <p:cond delay="indefinite"/>
                       </p:stCondLst>
                       <p:childTnLst>
                         <p:par>
-                          <p:cTn id="34" fill="hold">
+                          <p:cTn id="28" fill="hold">
                             <p:stCondLst>
                               <p:cond delay="0"/>
                             </p:stCondLst>
                             <p:childTnLst>
                               <p:par>
-                                <p:cTn id="35" presetID="10" presetClass="entr" presetSubtype="0" fill="hold" nodeType="clickEffect">
+                                <p:cTn id="29" presetID="10" presetClass="entr" presetSubtype="0" fill="hold" nodeType="clickEffect">
                                   <p:stCondLst>
                                     <p:cond delay="0"/>
                                   </p:stCondLst>
                                   <p:childTnLst>
                                     <p:set>
                                       <p:cBhvr>
-                                        <p:cTn id="36" dur="1" fill="hold">
+                                        <p:cTn id="30" dur="1" fill="hold">
                                           <p:stCondLst>
                                             <p:cond delay="0"/>
                                           </p:stCondLst>
@@ -35323,7 +33906,7 @@
                                     </p:set>
                                     <p:animEffect transition="in" filter="fade">
                                       <p:cBhvr>
-                                        <p:cTn id="37" dur="500"/>
+                                        <p:cTn id="31" dur="500"/>
                                         <p:tgtEl>
                                           <p:spTgt spid="3">
                                             <p:txEl>
@@ -35336,33 +33919,15 @@
                                   </p:childTnLst>
                                 </p:cTn>
                               </p:par>
-                            </p:childTnLst>
-                          </p:cTn>
-                        </p:par>
-                      </p:childTnLst>
-                    </p:cTn>
-                  </p:par>
-                  <p:par>
-                    <p:cTn id="38" fill="hold">
-                      <p:stCondLst>
-                        <p:cond delay="indefinite"/>
-                      </p:stCondLst>
-                      <p:childTnLst>
-                        <p:par>
-                          <p:cTn id="39" fill="hold">
-                            <p:stCondLst>
-                              <p:cond delay="0"/>
-                            </p:stCondLst>
-                            <p:childTnLst>
                               <p:par>
-                                <p:cTn id="40" presetID="10" presetClass="entr" presetSubtype="0" fill="hold" nodeType="clickEffect">
+                                <p:cTn id="32" presetID="10" presetClass="entr" presetSubtype="0" fill="hold" nodeType="withEffect">
                                   <p:stCondLst>
                                     <p:cond delay="0"/>
                                   </p:stCondLst>
                                   <p:childTnLst>
                                     <p:set>
                                       <p:cBhvr>
-                                        <p:cTn id="41" dur="1" fill="hold">
+                                        <p:cTn id="33" dur="1" fill="hold">
                                           <p:stCondLst>
                                             <p:cond delay="0"/>
                                           </p:stCondLst>
@@ -35384,7 +33949,7 @@
                                     </p:set>
                                     <p:animEffect transition="in" filter="fade">
                                       <p:cBhvr>
-                                        <p:cTn id="42" dur="500"/>
+                                        <p:cTn id="34" dur="500"/>
                                         <p:tgtEl>
                                           <p:spTgt spid="3">
                                             <p:txEl>
@@ -35404,26 +33969,26 @@
                     </p:cTn>
                   </p:par>
                   <p:par>
-                    <p:cTn id="43" fill="hold">
+                    <p:cTn id="35" fill="hold">
                       <p:stCondLst>
                         <p:cond delay="indefinite"/>
                       </p:stCondLst>
                       <p:childTnLst>
                         <p:par>
-                          <p:cTn id="44" fill="hold">
+                          <p:cTn id="36" fill="hold">
                             <p:stCondLst>
                               <p:cond delay="0"/>
                             </p:stCondLst>
                             <p:childTnLst>
                               <p:par>
-                                <p:cTn id="45" presetID="10" presetClass="entr" presetSubtype="0" fill="hold" nodeType="clickEffect">
+                                <p:cTn id="37" presetID="10" presetClass="entr" presetSubtype="0" fill="hold" nodeType="clickEffect">
                                   <p:stCondLst>
                                     <p:cond delay="0"/>
                                   </p:stCondLst>
                                   <p:childTnLst>
                                     <p:set>
                                       <p:cBhvr>
-                                        <p:cTn id="46" dur="1" fill="hold">
+                                        <p:cTn id="38" dur="1" fill="hold">
                                           <p:stCondLst>
                                             <p:cond delay="0"/>
                                           </p:stCondLst>
@@ -35445,7 +34010,7 @@
                                     </p:set>
                                     <p:animEffect transition="in" filter="fade">
                                       <p:cBhvr>
-                                        <p:cTn id="47" dur="500"/>
+                                        <p:cTn id="39" dur="500"/>
                                         <p:tgtEl>
                                           <p:spTgt spid="3">
                                             <p:txEl>
@@ -35458,33 +34023,15 @@
                                   </p:childTnLst>
                                 </p:cTn>
                               </p:par>
-                            </p:childTnLst>
-                          </p:cTn>
-                        </p:par>
-                      </p:childTnLst>
-                    </p:cTn>
-                  </p:par>
-                  <p:par>
-                    <p:cTn id="48" fill="hold">
-                      <p:stCondLst>
-                        <p:cond delay="indefinite"/>
-                      </p:stCondLst>
-                      <p:childTnLst>
-                        <p:par>
-                          <p:cTn id="49" fill="hold">
-                            <p:stCondLst>
-                              <p:cond delay="0"/>
-                            </p:stCondLst>
-                            <p:childTnLst>
                               <p:par>
-                                <p:cTn id="50" presetID="10" presetClass="entr" presetSubtype="0" fill="hold" nodeType="clickEffect">
+                                <p:cTn id="40" presetID="10" presetClass="entr" presetSubtype="0" fill="hold" nodeType="withEffect">
                                   <p:stCondLst>
                                     <p:cond delay="0"/>
                                   </p:stCondLst>
                                   <p:childTnLst>
                                     <p:set>
                                       <p:cBhvr>
-                                        <p:cTn id="51" dur="1" fill="hold">
+                                        <p:cTn id="41" dur="1" fill="hold">
                                           <p:stCondLst>
                                             <p:cond delay="0"/>
                                           </p:stCondLst>
@@ -35506,7 +34053,7 @@
                                     </p:set>
                                     <p:animEffect transition="in" filter="fade">
                                       <p:cBhvr>
-                                        <p:cTn id="52" dur="500"/>
+                                        <p:cTn id="42" dur="500"/>
                                         <p:tgtEl>
                                           <p:spTgt spid="3">
                                             <p:txEl>
@@ -35728,7 +34275,7 @@
         <p:spPr>
           <a:xfrm>
             <a:off x="274638" y="1212850"/>
-            <a:ext cx="11887200" cy="5103812"/>
+            <a:ext cx="11887200" cy="5387108"/>
           </a:xfrm>
         </p:spPr>
         <p:txBody>
@@ -35814,7 +34361,16 @@
               <a:rPr lang="en-US" sz="4400" b="1" dirty="0">
                 <a:latin typeface="+mn-lt"/>
               </a:rPr>
-              <a:t>Remove all containers</a:t>
+              <a:t>Remove all containers </a:t>
+            </a:r>
+            <a:r>
+              <a:rPr lang="en-US" sz="4400" b="1" dirty="0">
+                <a:solidFill>
+                  <a:srgbClr val="FF0000"/>
+                </a:solidFill>
+                <a:latin typeface="+mn-lt"/>
+              </a:rPr>
+              <a:t>(use with caution)</a:t>
             </a:r>
           </a:p>
           <a:p>
@@ -35836,7 +34392,7 @@
             </a:r>
             <a:r>
               <a:rPr lang="en-US" sz="2800" dirty="0"/>
-              <a:t> –a –format “{{.ID}}” | %{</a:t>
+              <a:t> –a -–format “{{.ID}}” | %{</a:t>
             </a:r>
             <a:r>
               <a:rPr lang="en-US" sz="2800" dirty="0" err="1"/>
@@ -35925,7 +34481,7 @@
                             </p:stCondLst>
                             <p:childTnLst>
                               <p:par>
-                                <p:cTn id="5" presetID="10" presetClass="entr" presetSubtype="0" fill="hold" nodeType="clickEffect">
+                                <p:cTn id="5" presetID="1" presetClass="entr" presetSubtype="0" fill="hold" nodeType="clickEffect">
                                   <p:stCondLst>
                                     <p:cond delay="0"/>
                                   </p:stCondLst>
@@ -35933,6 +34489,37 @@
                                     <p:set>
                                       <p:cBhvr>
                                         <p:cTn id="6" dur="1" fill="hold">
+                                          <p:stCondLst>
+                                            <p:cond delay="0"/>
+                                          </p:stCondLst>
+                                        </p:cTn>
+                                        <p:tgtEl>
+                                          <p:spTgt spid="3">
+                                            <p:txEl>
+                                              <p:pRg st="0" end="0"/>
+                                            </p:txEl>
+                                          </p:spTgt>
+                                        </p:tgtEl>
+                                        <p:attrNameLst>
+                                          <p:attrName>style.visibility</p:attrName>
+                                        </p:attrNameLst>
+                                      </p:cBhvr>
+                                      <p:to>
+                                        <p:strVal val="visible"/>
+                                      </p:to>
+                                    </p:set>
+                                  </p:childTnLst>
+                                </p:cTn>
+                              </p:par>
+                              <p:par>
+                                <p:cTn id="7" presetID="1" presetClass="entr" presetSubtype="0" fill="hold" nodeType="withEffect">
+                                  <p:stCondLst>
+                                    <p:cond delay="0"/>
+                                  </p:stCondLst>
+                                  <p:childTnLst>
+                                    <p:set>
+                                      <p:cBhvr>
+                                        <p:cTn id="8" dur="1" fill="hold">
                                           <p:stCondLst>
                                             <p:cond delay="0"/>
                                           </p:stCondLst>
@@ -35952,18 +34539,6 @@
                                         <p:strVal val="visible"/>
                                       </p:to>
                                     </p:set>
-                                    <p:animEffect transition="in" filter="fade">
-                                      <p:cBhvr>
-                                        <p:cTn id="7" dur="500"/>
-                                        <p:tgtEl>
-                                          <p:spTgt spid="3">
-                                            <p:txEl>
-                                              <p:pRg st="1" end="1"/>
-                                            </p:txEl>
-                                          </p:spTgt>
-                                        </p:tgtEl>
-                                      </p:cBhvr>
-                                    </p:animEffect>
                                   </p:childTnLst>
                                 </p:cTn>
                               </p:par>
@@ -35974,87 +34549,26 @@
                     </p:cTn>
                   </p:par>
                   <p:par>
-                    <p:cTn id="8" fill="hold">
+                    <p:cTn id="9" fill="hold">
                       <p:stCondLst>
                         <p:cond delay="indefinite"/>
                       </p:stCondLst>
                       <p:childTnLst>
                         <p:par>
-                          <p:cTn id="9" fill="hold">
+                          <p:cTn id="10" fill="hold">
                             <p:stCondLst>
                               <p:cond delay="0"/>
                             </p:stCondLst>
                             <p:childTnLst>
                               <p:par>
-                                <p:cTn id="10" presetID="10" presetClass="entr" presetSubtype="0" fill="hold" nodeType="clickEffect">
+                                <p:cTn id="11" presetID="1" presetClass="entr" presetSubtype="0" fill="hold" nodeType="clickEffect">
                                   <p:stCondLst>
                                     <p:cond delay="0"/>
                                   </p:stCondLst>
                                   <p:childTnLst>
                                     <p:set>
                                       <p:cBhvr>
-                                        <p:cTn id="11" dur="1" fill="hold">
-                                          <p:stCondLst>
-                                            <p:cond delay="0"/>
-                                          </p:stCondLst>
-                                        </p:cTn>
-                                        <p:tgtEl>
-                                          <p:spTgt spid="3">
-                                            <p:txEl>
-                                              <p:pRg st="0" end="0"/>
-                                            </p:txEl>
-                                          </p:spTgt>
-                                        </p:tgtEl>
-                                        <p:attrNameLst>
-                                          <p:attrName>style.visibility</p:attrName>
-                                        </p:attrNameLst>
-                                      </p:cBhvr>
-                                      <p:to>
-                                        <p:strVal val="visible"/>
-                                      </p:to>
-                                    </p:set>
-                                    <p:animEffect transition="in" filter="fade">
-                                      <p:cBhvr>
-                                        <p:cTn id="12" dur="500"/>
-                                        <p:tgtEl>
-                                          <p:spTgt spid="3">
-                                            <p:txEl>
-                                              <p:pRg st="0" end="0"/>
-                                            </p:txEl>
-                                          </p:spTgt>
-                                        </p:tgtEl>
-                                      </p:cBhvr>
-                                    </p:animEffect>
-                                  </p:childTnLst>
-                                </p:cTn>
-                              </p:par>
-                            </p:childTnLst>
-                          </p:cTn>
-                        </p:par>
-                      </p:childTnLst>
-                    </p:cTn>
-                  </p:par>
-                  <p:par>
-                    <p:cTn id="13" fill="hold">
-                      <p:stCondLst>
-                        <p:cond delay="indefinite"/>
-                      </p:stCondLst>
-                      <p:childTnLst>
-                        <p:par>
-                          <p:cTn id="14" fill="hold">
-                            <p:stCondLst>
-                              <p:cond delay="0"/>
-                            </p:stCondLst>
-                            <p:childTnLst>
-                              <p:par>
-                                <p:cTn id="15" presetID="10" presetClass="entr" presetSubtype="0" fill="hold" nodeType="clickEffect">
-                                  <p:stCondLst>
-                                    <p:cond delay="0"/>
-                                  </p:stCondLst>
-                                  <p:childTnLst>
-                                    <p:set>
-                                      <p:cBhvr>
-                                        <p:cTn id="16" dur="1" fill="hold">
+                                        <p:cTn id="12" dur="1" fill="hold">
                                           <p:stCondLst>
                                             <p:cond delay="0"/>
                                           </p:stCondLst>
@@ -36074,48 +34588,18 @@
                                         <p:strVal val="visible"/>
                                       </p:to>
                                     </p:set>
-                                    <p:animEffect transition="in" filter="fade">
-                                      <p:cBhvr>
-                                        <p:cTn id="17" dur="500"/>
-                                        <p:tgtEl>
-                                          <p:spTgt spid="3">
-                                            <p:txEl>
-                                              <p:pRg st="3" end="3"/>
-                                            </p:txEl>
-                                          </p:spTgt>
-                                        </p:tgtEl>
-                                      </p:cBhvr>
-                                    </p:animEffect>
                                   </p:childTnLst>
                                 </p:cTn>
                               </p:par>
-                            </p:childTnLst>
-                          </p:cTn>
-                        </p:par>
-                      </p:childTnLst>
-                    </p:cTn>
-                  </p:par>
-                  <p:par>
-                    <p:cTn id="18" fill="hold">
-                      <p:stCondLst>
-                        <p:cond delay="indefinite"/>
-                      </p:stCondLst>
-                      <p:childTnLst>
-                        <p:par>
-                          <p:cTn id="19" fill="hold">
-                            <p:stCondLst>
-                              <p:cond delay="0"/>
-                            </p:stCondLst>
-                            <p:childTnLst>
                               <p:par>
-                                <p:cTn id="20" presetID="10" presetClass="entr" presetSubtype="0" fill="hold" nodeType="clickEffect">
+                                <p:cTn id="13" presetID="1" presetClass="entr" presetSubtype="0" fill="hold" nodeType="withEffect">
                                   <p:stCondLst>
                                     <p:cond delay="0"/>
                                   </p:stCondLst>
                                   <p:childTnLst>
                                     <p:set>
                                       <p:cBhvr>
-                                        <p:cTn id="21" dur="1" fill="hold">
+                                        <p:cTn id="14" dur="1" fill="hold">
                                           <p:stCondLst>
                                             <p:cond delay="0"/>
                                           </p:stCondLst>
@@ -36135,18 +34619,6 @@
                                         <p:strVal val="visible"/>
                                       </p:to>
                                     </p:set>
-                                    <p:animEffect transition="in" filter="fade">
-                                      <p:cBhvr>
-                                        <p:cTn id="22" dur="500"/>
-                                        <p:tgtEl>
-                                          <p:spTgt spid="3">
-                                            <p:txEl>
-                                              <p:pRg st="4" end="4"/>
-                                            </p:txEl>
-                                          </p:spTgt>
-                                        </p:tgtEl>
-                                      </p:cBhvr>
-                                    </p:animEffect>
                                   </p:childTnLst>
                                 </p:cTn>
                               </p:par>
@@ -36157,26 +34629,57 @@
                     </p:cTn>
                   </p:par>
                   <p:par>
-                    <p:cTn id="23" fill="hold">
+                    <p:cTn id="15" fill="hold">
                       <p:stCondLst>
                         <p:cond delay="indefinite"/>
                       </p:stCondLst>
                       <p:childTnLst>
                         <p:par>
-                          <p:cTn id="24" fill="hold">
+                          <p:cTn id="16" fill="hold">
                             <p:stCondLst>
                               <p:cond delay="0"/>
                             </p:stCondLst>
                             <p:childTnLst>
                               <p:par>
-                                <p:cTn id="25" presetID="10" presetClass="entr" presetSubtype="0" fill="hold" nodeType="clickEffect">
+                                <p:cTn id="17" presetID="1" presetClass="entr" presetSubtype="0" fill="hold" nodeType="clickEffect">
                                   <p:stCondLst>
                                     <p:cond delay="0"/>
                                   </p:stCondLst>
                                   <p:childTnLst>
                                     <p:set>
                                       <p:cBhvr>
-                                        <p:cTn id="26" dur="1" fill="hold">
+                                        <p:cTn id="18" dur="1" fill="hold">
+                                          <p:stCondLst>
+                                            <p:cond delay="0"/>
+                                          </p:stCondLst>
+                                        </p:cTn>
+                                        <p:tgtEl>
+                                          <p:spTgt spid="3">
+                                            <p:txEl>
+                                              <p:pRg st="6" end="6"/>
+                                            </p:txEl>
+                                          </p:spTgt>
+                                        </p:tgtEl>
+                                        <p:attrNameLst>
+                                          <p:attrName>style.visibility</p:attrName>
+                                        </p:attrNameLst>
+                                      </p:cBhvr>
+                                      <p:to>
+                                        <p:strVal val="visible"/>
+                                      </p:to>
+                                    </p:set>
+                                  </p:childTnLst>
+                                </p:cTn>
+                              </p:par>
+                              <p:par>
+                                <p:cTn id="19" presetID="1" presetClass="entr" presetSubtype="0" fill="hold" nodeType="withEffect">
+                                  <p:stCondLst>
+                                    <p:cond delay="0"/>
+                                  </p:stCondLst>
+                                  <p:childTnLst>
+                                    <p:set>
+                                      <p:cBhvr>
+                                        <p:cTn id="20" dur="1" fill="hold">
                                           <p:stCondLst>
                                             <p:cond delay="0"/>
                                           </p:stCondLst>
@@ -36196,79 +34699,6 @@
                                         <p:strVal val="visible"/>
                                       </p:to>
                                     </p:set>
-                                    <p:animEffect transition="in" filter="fade">
-                                      <p:cBhvr>
-                                        <p:cTn id="27" dur="500"/>
-                                        <p:tgtEl>
-                                          <p:spTgt spid="3">
-                                            <p:txEl>
-                                              <p:pRg st="7" end="7"/>
-                                            </p:txEl>
-                                          </p:spTgt>
-                                        </p:tgtEl>
-                                      </p:cBhvr>
-                                    </p:animEffect>
-                                  </p:childTnLst>
-                                </p:cTn>
-                              </p:par>
-                            </p:childTnLst>
-                          </p:cTn>
-                        </p:par>
-                      </p:childTnLst>
-                    </p:cTn>
-                  </p:par>
-                  <p:par>
-                    <p:cTn id="28" fill="hold">
-                      <p:stCondLst>
-                        <p:cond delay="indefinite"/>
-                      </p:stCondLst>
-                      <p:childTnLst>
-                        <p:par>
-                          <p:cTn id="29" fill="hold">
-                            <p:stCondLst>
-                              <p:cond delay="0"/>
-                            </p:stCondLst>
-                            <p:childTnLst>
-                              <p:par>
-                                <p:cTn id="30" presetID="10" presetClass="entr" presetSubtype="0" fill="hold" nodeType="clickEffect">
-                                  <p:stCondLst>
-                                    <p:cond delay="0"/>
-                                  </p:stCondLst>
-                                  <p:childTnLst>
-                                    <p:set>
-                                      <p:cBhvr>
-                                        <p:cTn id="31" dur="1" fill="hold">
-                                          <p:stCondLst>
-                                            <p:cond delay="0"/>
-                                          </p:stCondLst>
-                                        </p:cTn>
-                                        <p:tgtEl>
-                                          <p:spTgt spid="3">
-                                            <p:txEl>
-                                              <p:pRg st="6" end="6"/>
-                                            </p:txEl>
-                                          </p:spTgt>
-                                        </p:tgtEl>
-                                        <p:attrNameLst>
-                                          <p:attrName>style.visibility</p:attrName>
-                                        </p:attrNameLst>
-                                      </p:cBhvr>
-                                      <p:to>
-                                        <p:strVal val="visible"/>
-                                      </p:to>
-                                    </p:set>
-                                    <p:animEffect transition="in" filter="fade">
-                                      <p:cBhvr>
-                                        <p:cTn id="32" dur="500"/>
-                                        <p:tgtEl>
-                                          <p:spTgt spid="3">
-                                            <p:txEl>
-                                              <p:pRg st="6" end="6"/>
-                                            </p:txEl>
-                                          </p:spTgt>
-                                        </p:tgtEl>
-                                      </p:cBhvr>
-                                    </p:animEffect>
                                   </p:childTnLst>
                                 </p:cTn>
                               </p:par>
@@ -36322,85 +34752,6 @@
       </p:grpSpPr>
       <p:sp>
         <p:nvSpPr>
-          <p:cNvPr id="20" name="Rectangle 19"/>
-          <p:cNvSpPr/>
-          <p:nvPr/>
-        </p:nvSpPr>
-        <p:spPr bwMode="auto">
-          <a:xfrm>
-            <a:off x="8275637" y="1820862"/>
-            <a:ext cx="4160838" cy="5173663"/>
-          </a:xfrm>
-          <a:prstGeom prst="rect">
-            <a:avLst/>
-          </a:prstGeom>
-          <a:solidFill>
-            <a:schemeClr val="accent5">
-              <a:lumMod val="20000"/>
-              <a:lumOff val="80000"/>
-            </a:schemeClr>
-          </a:solidFill>
-          <a:ln>
-            <a:noFill/>
-            <a:headEnd type="none" w="med" len="med"/>
-            <a:tailEnd type="none" w="med" len="med"/>
-          </a:ln>
-          <a:effectLst/>
-        </p:spPr>
-        <p:style>
-          <a:lnRef idx="1">
-            <a:schemeClr val="accent2"/>
-          </a:lnRef>
-          <a:fillRef idx="3">
-            <a:schemeClr val="accent2"/>
-          </a:fillRef>
-          <a:effectRef idx="2">
-            <a:schemeClr val="accent2"/>
-          </a:effectRef>
-          <a:fontRef idx="minor">
-            <a:schemeClr val="lt1"/>
-          </a:fontRef>
-        </p:style>
-        <p:txBody>
-          <a:bodyPr rot="0" spcFirstLastPara="0" vertOverflow="overflow" horzOverflow="overflow" vert="horz" wrap="square" lIns="182880" tIns="146304" rIns="182880" bIns="146304" numCol="1" spcCol="0" rtlCol="0" fromWordArt="0" anchor="t" anchorCtr="0" forceAA="0" compatLnSpc="1">
-            <a:prstTxWarp prst="textNoShape">
-              <a:avLst/>
-            </a:prstTxWarp>
-            <a:noAutofit/>
-          </a:bodyPr>
-          <a:lstStyle/>
-          <a:p>
-            <a:pPr algn="ctr" defTabSz="932472" fontAlgn="base">
-              <a:lnSpc>
-                <a:spcPct val="90000"/>
-              </a:lnSpc>
-              <a:spcBef>
-                <a:spcPct val="0"/>
-              </a:spcBef>
-              <a:spcAft>
-                <a:spcPct val="0"/>
-              </a:spcAft>
-            </a:pPr>
-            <a:endParaRPr lang="en-US" sz="2400" dirty="0" err="1">
-              <a:gradFill>
-                <a:gsLst>
-                  <a:gs pos="0">
-                    <a:srgbClr val="FFFFFF"/>
-                  </a:gs>
-                  <a:gs pos="100000">
-                    <a:srgbClr val="FFFFFF"/>
-                  </a:gs>
-                </a:gsLst>
-                <a:lin ang="5400000" scaled="0"/>
-              </a:gradFill>
-              <a:ea typeface="Segoe UI" pitchFamily="34" charset="0"/>
-              <a:cs typeface="Segoe UI" pitchFamily="34" charset="0"/>
-            </a:endParaRPr>
-          </a:p>
-        </p:txBody>
-      </p:sp>
-      <p:sp>
-        <p:nvSpPr>
           <p:cNvPr id="2" name="Title 1"/>
           <p:cNvSpPr>
             <a:spLocks noGrp="1"/>
@@ -36438,8 +34789,8 @@
         </p:nvSpPr>
         <p:spPr>
           <a:xfrm>
-            <a:off x="280447" y="1129307"/>
-            <a:ext cx="8979884" cy="5577348"/>
+            <a:off x="280447" y="1348914"/>
+            <a:ext cx="11195590" cy="4947728"/>
           </a:xfrm>
         </p:spPr>
         <p:txBody>
@@ -36449,41 +34800,50 @@
           <a:lstStyle/>
           <a:p>
             <a:r>
-              <a:rPr lang="en-US" dirty="0"/>
+              <a:rPr lang="en-US" sz="3600" dirty="0"/>
               <a:t>Method for automated container image creation</a:t>
             </a:r>
           </a:p>
           <a:p>
-            <a:r>
-              <a:rPr lang="en-US" dirty="0"/>
+            <a:endParaRPr lang="en-US" sz="3600" dirty="0"/>
+          </a:p>
+          <a:p>
+            <a:r>
+              <a:rPr lang="en-US" sz="3600" dirty="0"/>
               <a:t>Consumed when running “</a:t>
             </a:r>
             <a:r>
-              <a:rPr lang="en-US" dirty="0" err="1"/>
+              <a:rPr lang="en-US" sz="3600" dirty="0" err="1"/>
               <a:t>docker</a:t>
             </a:r>
             <a:r>
-              <a:rPr lang="en-US" dirty="0"/>
+              <a:rPr lang="en-US" sz="3600" dirty="0"/>
               <a:t> build” </a:t>
             </a:r>
           </a:p>
           <a:p>
-            <a:r>
-              <a:rPr lang="en-US" dirty="0"/>
+            <a:endParaRPr lang="en-US" sz="3600" dirty="0"/>
+          </a:p>
+          <a:p>
+            <a:r>
+              <a:rPr lang="en-US" sz="3600" dirty="0"/>
               <a:t>Enables automated builds via </a:t>
             </a:r>
             <a:r>
-              <a:rPr lang="en-US" dirty="0" err="1"/>
+              <a:rPr lang="en-US" sz="3600" dirty="0" err="1"/>
               <a:t>docker</a:t>
             </a:r>
             <a:r>
-              <a:rPr lang="en-US" dirty="0"/>
+              <a:rPr lang="en-US" sz="3600" dirty="0"/>
               <a:t> hub</a:t>
             </a:r>
           </a:p>
           <a:p>
-            <a:r>
-              <a:rPr lang="en-US" dirty="0"/>
+            <a:endParaRPr lang="en-US" sz="3600" dirty="0"/>
+          </a:p>
+          <a:p>
+            <a:r>
+              <a:rPr lang="en-US" sz="3600" dirty="0"/>
               <a:t>Caches unchanged commands</a:t>
             </a:r>
           </a:p>
@@ -36491,229 +34851,114 @@
       </p:sp>
       <p:grpSp>
         <p:nvGrpSpPr>
-          <p:cNvPr id="21" name="Group 20"/>
+          <p:cNvPr id="19" name="Group 18"/>
           <p:cNvGrpSpPr/>
           <p:nvPr/>
         </p:nvGrpSpPr>
         <p:grpSpPr>
           <a:xfrm>
-            <a:off x="9254523" y="2146690"/>
-            <a:ext cx="2335606" cy="4149261"/>
-            <a:chOff x="9637979" y="1567671"/>
-            <a:chExt cx="2335606" cy="4149261"/>
+            <a:off x="8839199" y="2283419"/>
+            <a:ext cx="4160838" cy="4947643"/>
+            <a:chOff x="8275637" y="1820862"/>
+            <a:chExt cx="4160838" cy="5173663"/>
           </a:xfrm>
         </p:grpSpPr>
-        <p:pic>
-          <p:nvPicPr>
-            <p:cNvPr id="4" name="Picture 3"/>
-            <p:cNvPicPr>
-              <a:picLocks noChangeAspect="1"/>
-            </p:cNvPicPr>
+        <p:sp>
+          <p:nvSpPr>
+            <p:cNvPr id="20" name="Rectangle 19"/>
+            <p:cNvSpPr/>
             <p:nvPr/>
-          </p:nvPicPr>
-          <p:blipFill>
-            <a:blip r:embed="rId3"/>
-            <a:stretch>
-              <a:fillRect/>
-            </a:stretch>
-          </p:blipFill>
-          <p:spPr>
+          </p:nvSpPr>
+          <p:spPr bwMode="auto">
             <a:xfrm>
-              <a:off x="9653481" y="4387590"/>
-              <a:ext cx="2320104" cy="1329342"/>
+              <a:off x="8275637" y="1820862"/>
+              <a:ext cx="4160838" cy="5173663"/>
             </a:xfrm>
             <a:prstGeom prst="rect">
               <a:avLst/>
             </a:prstGeom>
+            <a:solidFill>
+              <a:schemeClr val="accent5">
+                <a:lumMod val="20000"/>
+                <a:lumOff val="80000"/>
+              </a:schemeClr>
+            </a:solidFill>
+            <a:ln>
+              <a:noFill/>
+              <a:headEnd type="none" w="med" len="med"/>
+              <a:tailEnd type="none" w="med" len="med"/>
+            </a:ln>
+            <a:effectLst/>
           </p:spPr>
-        </p:pic>
-        <p:pic>
-          <p:nvPicPr>
-            <p:cNvPr id="5" name="Picture 4"/>
-            <p:cNvPicPr>
-              <a:picLocks noChangeAspect="1"/>
-            </p:cNvPicPr>
-            <p:nvPr/>
-          </p:nvPicPr>
-          <p:blipFill>
-            <a:blip r:embed="rId4">
-              <a:extLst>
-                <a:ext uri="{28A0092B-C50C-407E-A947-70E740481C1C}">
-                  <a14:useLocalDpi xmlns:a14="http://schemas.microsoft.com/office/drawing/2010/main" val="0"/>
-                </a:ext>
-              </a:extLst>
-            </a:blip>
-            <a:stretch>
-              <a:fillRect/>
-            </a:stretch>
-          </p:blipFill>
-          <p:spPr>
-            <a:xfrm>
-              <a:off x="9927910" y="5200855"/>
-              <a:ext cx="1771246" cy="407275"/>
-            </a:xfrm>
-            <a:prstGeom prst="rect">
-              <a:avLst/>
-            </a:prstGeom>
-          </p:spPr>
-        </p:pic>
-        <p:sp>
-          <p:nvSpPr>
-            <p:cNvPr id="6" name="TextBox 5"/>
-            <p:cNvSpPr txBox="1"/>
-            <p:nvPr/>
-          </p:nvSpPr>
-          <p:spPr>
-            <a:xfrm>
-              <a:off x="9726961" y="4387588"/>
-              <a:ext cx="2208138" cy="1050811"/>
-            </a:xfrm>
-            <a:prstGeom prst="rect">
-              <a:avLst/>
-            </a:prstGeom>
-            <a:noFill/>
-          </p:spPr>
+          <p:style>
+            <a:lnRef idx="1">
+              <a:schemeClr val="accent2"/>
+            </a:lnRef>
+            <a:fillRef idx="3">
+              <a:schemeClr val="accent2"/>
+            </a:fillRef>
+            <a:effectRef idx="2">
+              <a:schemeClr val="accent2"/>
+            </a:effectRef>
+            <a:fontRef idx="minor">
+              <a:schemeClr val="lt1"/>
+            </a:fontRef>
+          </p:style>
           <p:txBody>
-            <a:bodyPr wrap="none" lIns="182646" tIns="146117" rIns="182646" bIns="146117" rtlCol="0">
-              <a:spAutoFit/>
+            <a:bodyPr rot="0" spcFirstLastPara="0" vertOverflow="overflow" horzOverflow="overflow" vert="horz" wrap="square" lIns="182880" tIns="146304" rIns="182880" bIns="146304" numCol="1" spcCol="0" rtlCol="0" fromWordArt="0" anchor="t" anchorCtr="0" forceAA="0" compatLnSpc="1">
+              <a:prstTxWarp prst="textNoShape">
+                <a:avLst/>
+              </a:prstTxWarp>
+              <a:noAutofit/>
             </a:bodyPr>
             <a:lstStyle/>
             <a:p>
-              <a:pPr>
+              <a:pPr algn="ctr" defTabSz="932472" fontAlgn="base">
                 <a:lnSpc>
                   <a:spcPct val="90000"/>
                 </a:lnSpc>
+                <a:spcBef>
+                  <a:spcPct val="0"/>
+                </a:spcBef>
                 <a:spcAft>
-                  <a:spcPts val="599"/>
+                  <a:spcPct val="0"/>
                 </a:spcAft>
               </a:pPr>
-              <a:r>
-                <a:rPr lang="en-US" sz="2397" dirty="0">
-                  <a:gradFill>
-                    <a:gsLst>
-                      <a:gs pos="2917">
-                        <a:srgbClr val="FFFFFF"/>
-                      </a:gs>
-                      <a:gs pos="30000">
-                        <a:srgbClr val="FFFFFF"/>
-                      </a:gs>
-                    </a:gsLst>
-                    <a:lin ang="5400000" scaled="0"/>
-                  </a:gradFill>
-                </a:rPr>
-                <a:t>Container OS</a:t>
-              </a:r>
-            </a:p>
-            <a:p>
-              <a:pPr algn="ctr">
-                <a:lnSpc>
-                  <a:spcPct val="90000"/>
-                </a:lnSpc>
-                <a:spcAft>
-                  <a:spcPts val="599"/>
-                </a:spcAft>
-              </a:pPr>
-              <a:r>
-                <a:rPr lang="en-US" sz="2397" dirty="0">
-                  <a:gradFill>
-                    <a:gsLst>
-                      <a:gs pos="2917">
-                        <a:srgbClr val="FFFFFF"/>
-                      </a:gs>
-                      <a:gs pos="30000">
-                        <a:srgbClr val="FFFFFF"/>
-                      </a:gs>
-                    </a:gsLst>
-                    <a:lin ang="5400000" scaled="0"/>
-                  </a:gradFill>
-                </a:rPr>
-                <a:t>Image</a:t>
-              </a:r>
+              <a:endParaRPr lang="en-US" sz="2400" dirty="0" err="1">
+                <a:gradFill>
+                  <a:gsLst>
+                    <a:gs pos="0">
+                      <a:srgbClr val="FFFFFF"/>
+                    </a:gs>
+                    <a:gs pos="100000">
+                      <a:srgbClr val="FFFFFF"/>
+                    </a:gs>
+                  </a:gsLst>
+                  <a:lin ang="5400000" scaled="0"/>
+                </a:gradFill>
+                <a:ea typeface="Segoe UI" pitchFamily="34" charset="0"/>
+                <a:cs typeface="Segoe UI" pitchFamily="34" charset="0"/>
+              </a:endParaRPr>
             </a:p>
           </p:txBody>
         </p:sp>
         <p:grpSp>
           <p:nvGrpSpPr>
-            <p:cNvPr id="17" name="Group 16"/>
+            <p:cNvPr id="21" name="Group 20"/>
             <p:cNvGrpSpPr/>
             <p:nvPr/>
           </p:nvGrpSpPr>
           <p:grpSpPr>
             <a:xfrm>
-              <a:off x="9637979" y="2994171"/>
-              <a:ext cx="2335604" cy="1335432"/>
-              <a:chOff x="9448992" y="2935729"/>
-              <a:chExt cx="2290016" cy="1309366"/>
+              <a:off x="9254523" y="2146690"/>
+              <a:ext cx="2335606" cy="4149261"/>
+              <a:chOff x="9637979" y="1567671"/>
+              <a:chExt cx="2335606" cy="4149261"/>
             </a:xfrm>
           </p:grpSpPr>
           <p:pic>
             <p:nvPicPr>
-              <p:cNvPr id="7" name="Picture 6"/>
-              <p:cNvPicPr>
-                <a:picLocks noChangeAspect="1"/>
-              </p:cNvPicPr>
-              <p:nvPr/>
-            </p:nvPicPr>
-            <p:blipFill>
-              <a:blip r:embed="rId5"/>
-              <a:stretch>
-                <a:fillRect/>
-              </a:stretch>
-            </p:blipFill>
-            <p:spPr>
-              <a:xfrm>
-                <a:off x="9448992" y="2935729"/>
-                <a:ext cx="2290016" cy="1309365"/>
-              </a:xfrm>
-              <a:prstGeom prst="rect">
-                <a:avLst/>
-              </a:prstGeom>
-            </p:spPr>
-          </p:pic>
-          <p:sp>
-            <p:nvSpPr>
-              <p:cNvPr id="8" name="TextBox 7"/>
-              <p:cNvSpPr txBox="1"/>
-              <p:nvPr/>
-            </p:nvSpPr>
-            <p:spPr>
-              <a:xfrm>
-                <a:off x="9733264" y="3317443"/>
-                <a:ext cx="1736673" cy="621342"/>
-              </a:xfrm>
-              <a:prstGeom prst="rect">
-                <a:avLst/>
-              </a:prstGeom>
-              <a:noFill/>
-            </p:spPr>
-            <p:txBody>
-              <a:bodyPr wrap="square" lIns="182646" tIns="146117" rIns="182646" bIns="146117" rtlCol="0">
-                <a:spAutoFit/>
-              </a:bodyPr>
-              <a:lstStyle/>
-              <a:p>
-                <a:pPr algn="ctr">
-                  <a:lnSpc>
-                    <a:spcPct val="90000"/>
-                  </a:lnSpc>
-                  <a:spcAft>
-                    <a:spcPts val="599"/>
-                  </a:spcAft>
-                </a:pPr>
-                <a:r>
-                  <a:rPr lang="en-US" sz="2397" dirty="0">
-                    <a:solidFill>
-                      <a:srgbClr val="0078D7"/>
-                    </a:solidFill>
-                  </a:rPr>
-                  <a:t>Sandbox</a:t>
-                </a:r>
-              </a:p>
-            </p:txBody>
-          </p:sp>
-          <p:pic>
-            <p:nvPicPr>
-              <p:cNvPr id="9" name="Picture 8"/>
+              <p:cNvPr id="4" name="Picture 3"/>
               <p:cNvPicPr>
                 <a:picLocks noChangeAspect="1"/>
               </p:cNvPicPr>
@@ -36727,8 +34972,38 @@
             </p:blipFill>
             <p:spPr>
               <a:xfrm>
-                <a:off x="9456073" y="2941700"/>
-                <a:ext cx="2274818" cy="1303395"/>
+                <a:off x="9653481" y="4387590"/>
+                <a:ext cx="2320104" cy="1329342"/>
+              </a:xfrm>
+              <a:prstGeom prst="rect">
+                <a:avLst/>
+              </a:prstGeom>
+            </p:spPr>
+          </p:pic>
+          <p:pic>
+            <p:nvPicPr>
+              <p:cNvPr id="5" name="Picture 4"/>
+              <p:cNvPicPr>
+                <a:picLocks noChangeAspect="1"/>
+              </p:cNvPicPr>
+              <p:nvPr/>
+            </p:nvPicPr>
+            <p:blipFill>
+              <a:blip r:embed="rId4">
+                <a:extLst>
+                  <a:ext uri="{28A0092B-C50C-407E-A947-70E740481C1C}">
+                    <a14:useLocalDpi xmlns:a14="http://schemas.microsoft.com/office/drawing/2010/main" val="0"/>
+                  </a:ext>
+                </a:extLst>
+              </a:blip>
+              <a:stretch>
+                <a:fillRect/>
+              </a:stretch>
+            </p:blipFill>
+            <p:spPr>
+              <a:xfrm>
+                <a:off x="9927910" y="5200855"/>
+                <a:ext cx="1771246" cy="407275"/>
               </a:xfrm>
               <a:prstGeom prst="rect">
                 <a:avLst/>
@@ -36737,14 +35012,14 @@
           </p:pic>
           <p:sp>
             <p:nvSpPr>
-              <p:cNvPr id="10" name="TextBox 9"/>
+              <p:cNvPr id="6" name="TextBox 5"/>
               <p:cNvSpPr txBox="1"/>
               <p:nvPr/>
             </p:nvSpPr>
             <p:spPr>
               <a:xfrm>
-                <a:off x="9603522" y="2961952"/>
-                <a:ext cx="2032759" cy="621342"/>
+                <a:off x="9726961" y="4387588"/>
+                <a:ext cx="2208138" cy="1050811"/>
               </a:xfrm>
               <a:prstGeom prst="rect">
                 <a:avLst/>
@@ -36757,7 +35032,7 @@
               </a:bodyPr>
               <a:lstStyle/>
               <a:p>
-                <a:pPr algn="ctr">
+                <a:pPr>
                   <a:lnSpc>
                     <a:spcPct val="90000"/>
                   </a:lnSpc>
@@ -36765,22 +35040,6 @@
                     <a:spcPts val="599"/>
                   </a:spcAft>
                 </a:pPr>
-                <a:r>
-                  <a:rPr lang="en-US" sz="2397" dirty="0" err="1">
-                    <a:gradFill>
-                      <a:gsLst>
-                        <a:gs pos="2917">
-                          <a:srgbClr val="FFFFFF"/>
-                        </a:gs>
-                        <a:gs pos="30000">
-                          <a:srgbClr val="FFFFFF"/>
-                        </a:gs>
-                      </a:gsLst>
-                      <a:lin ang="5400000" scaled="0"/>
-                    </a:gradFill>
-                  </a:rPr>
-                  <a:t>microsoft</a:t>
-                </a:r>
                 <a:r>
                   <a:rPr lang="en-US" sz="2397" dirty="0">
                     <a:gradFill>
@@ -36795,205 +35054,9 @@
                       <a:lin ang="5400000" scaled="0"/>
                     </a:gradFill>
                   </a:rPr>
-                  <a:t>/</a:t>
-                </a:r>
-                <a:r>
-                  <a:rPr lang="en-US" sz="2397" dirty="0" err="1">
-                    <a:gradFill>
-                      <a:gsLst>
-                        <a:gs pos="2917">
-                          <a:srgbClr val="FFFFFF"/>
-                        </a:gs>
-                        <a:gs pos="30000">
-                          <a:srgbClr val="FFFFFF"/>
-                        </a:gs>
-                      </a:gsLst>
-                      <a:lin ang="5400000" scaled="0"/>
-                    </a:gradFill>
-                  </a:rPr>
-                  <a:t>iis</a:t>
-                </a:r>
-                <a:endParaRPr lang="en-US" sz="2397" dirty="0">
-                  <a:gradFill>
-                    <a:gsLst>
-                      <a:gs pos="2917">
-                        <a:srgbClr val="FFFFFF"/>
-                      </a:gs>
-                      <a:gs pos="30000">
-                        <a:srgbClr val="FFFFFF"/>
-                      </a:gs>
-                    </a:gsLst>
-                    <a:lin ang="5400000" scaled="0"/>
-                  </a:gradFill>
-                </a:endParaRPr>
-              </a:p>
-            </p:txBody>
-          </p:sp>
-          <p:sp>
-            <p:nvSpPr>
-              <p:cNvPr id="11" name="Rectangle 10"/>
-              <p:cNvSpPr/>
-              <p:nvPr/>
-            </p:nvSpPr>
-            <p:spPr bwMode="auto">
-              <a:xfrm>
-                <a:off x="9856872" y="3558517"/>
-                <a:ext cx="1482848" cy="423074"/>
-              </a:xfrm>
-              <a:prstGeom prst="rect">
-                <a:avLst/>
-              </a:prstGeom>
-              <a:noFill/>
-              <a:ln w="38100">
-                <a:solidFill>
-                  <a:schemeClr val="bg1"/>
-                </a:solidFill>
-                <a:headEnd type="none" w="med" len="med"/>
-                <a:tailEnd type="none" w="med" len="med"/>
-              </a:ln>
-            </p:spPr>
-            <p:style>
-              <a:lnRef idx="2">
-                <a:schemeClr val="accent1"/>
-              </a:lnRef>
-              <a:fillRef idx="1">
-                <a:schemeClr val="lt1"/>
-              </a:fillRef>
-              <a:effectRef idx="0">
-                <a:schemeClr val="accent1"/>
-              </a:effectRef>
-              <a:fontRef idx="minor">
-                <a:schemeClr val="dk1"/>
-              </a:fontRef>
-            </p:style>
-            <p:txBody>
-              <a:bodyPr vert="horz" wrap="square" lIns="0" tIns="46577" rIns="0" bIns="46577" numCol="1" rtlCol="0" anchor="ctr" anchorCtr="0" compatLnSpc="1">
-                <a:prstTxWarp prst="textNoShape">
-                  <a:avLst/>
-                </a:prstTxWarp>
-              </a:bodyPr>
-              <a:lstStyle/>
-              <a:p>
-                <a:pPr algn="ctr" defTabSz="931193" fontAlgn="base">
-                  <a:spcBef>
-                    <a:spcPct val="0"/>
-                  </a:spcBef>
-                  <a:spcAft>
-                    <a:spcPct val="0"/>
-                  </a:spcAft>
-                </a:pPr>
-                <a:r>
-                  <a:rPr lang="en-US" sz="1798" dirty="0">
-                    <a:solidFill>
-                      <a:schemeClr val="bg1"/>
-                    </a:solidFill>
-                  </a:rPr>
-                  <a:t>Layer 1</a:t>
+                  <a:t>Container OS</a:t>
                 </a:r>
               </a:p>
-            </p:txBody>
-          </p:sp>
-        </p:grpSp>
-        <p:grpSp>
-          <p:nvGrpSpPr>
-            <p:cNvPr id="18" name="Group 17"/>
-            <p:cNvGrpSpPr/>
-            <p:nvPr/>
-          </p:nvGrpSpPr>
-          <p:grpSpPr>
-            <a:xfrm>
-              <a:off x="9646753" y="1567671"/>
-              <a:ext cx="2320104" cy="1329342"/>
-              <a:chOff x="9457595" y="1537072"/>
-              <a:chExt cx="2274818" cy="1303395"/>
-            </a:xfrm>
-          </p:grpSpPr>
-          <p:sp>
-            <p:nvSpPr>
-              <p:cNvPr id="12" name="TextBox 11"/>
-              <p:cNvSpPr txBox="1"/>
-              <p:nvPr/>
-            </p:nvSpPr>
-            <p:spPr>
-              <a:xfrm>
-                <a:off x="9740343" y="1957194"/>
-                <a:ext cx="1736673" cy="621342"/>
-              </a:xfrm>
-              <a:prstGeom prst="rect">
-                <a:avLst/>
-              </a:prstGeom>
-              <a:noFill/>
-            </p:spPr>
-            <p:txBody>
-              <a:bodyPr wrap="square" lIns="182646" tIns="146117" rIns="182646" bIns="146117" rtlCol="0">
-                <a:spAutoFit/>
-              </a:bodyPr>
-              <a:lstStyle/>
-              <a:p>
-                <a:pPr algn="ctr">
-                  <a:lnSpc>
-                    <a:spcPct val="90000"/>
-                  </a:lnSpc>
-                  <a:spcAft>
-                    <a:spcPts val="599"/>
-                  </a:spcAft>
-                </a:pPr>
-                <a:r>
-                  <a:rPr lang="en-US" sz="2397" dirty="0">
-                    <a:solidFill>
-                      <a:srgbClr val="0078D7"/>
-                    </a:solidFill>
-                  </a:rPr>
-                  <a:t>Sandbox</a:t>
-                </a:r>
-              </a:p>
-            </p:txBody>
-          </p:sp>
-          <p:pic>
-            <p:nvPicPr>
-              <p:cNvPr id="13" name="Picture 12"/>
-              <p:cNvPicPr>
-                <a:picLocks noChangeAspect="1"/>
-              </p:cNvPicPr>
-              <p:nvPr/>
-            </p:nvPicPr>
-            <p:blipFill>
-              <a:blip r:embed="rId3"/>
-              <a:stretch>
-                <a:fillRect/>
-              </a:stretch>
-            </p:blipFill>
-            <p:spPr>
-              <a:xfrm>
-                <a:off x="9457595" y="1537072"/>
-                <a:ext cx="2274818" cy="1303395"/>
-              </a:xfrm>
-              <a:prstGeom prst="rect">
-                <a:avLst/>
-              </a:prstGeom>
-            </p:spPr>
-          </p:pic>
-          <p:sp>
-            <p:nvSpPr>
-              <p:cNvPr id="14" name="TextBox 13"/>
-              <p:cNvSpPr txBox="1"/>
-              <p:nvPr/>
-            </p:nvSpPr>
-            <p:spPr>
-              <a:xfrm>
-                <a:off x="9575718" y="1682593"/>
-                <a:ext cx="1936643" cy="621342"/>
-              </a:xfrm>
-              <a:prstGeom prst="rect">
-                <a:avLst/>
-              </a:prstGeom>
-              <a:noFill/>
-            </p:spPr>
-            <p:txBody>
-              <a:bodyPr wrap="none" lIns="182646" tIns="146117" rIns="182646" bIns="146117" rtlCol="0">
-                <a:spAutoFit/>
-              </a:bodyPr>
-              <a:lstStyle/>
               <a:p>
                 <a:pPr algn="ctr">
                   <a:lnSpc>
@@ -37017,75 +35080,466 @@
                       <a:lin ang="5400000" scaled="0"/>
                     </a:gradFill>
                   </a:rPr>
-                  <a:t>Mysite.html</a:t>
+                  <a:t>Image</a:t>
                 </a:r>
               </a:p>
             </p:txBody>
           </p:sp>
-          <p:sp>
-            <p:nvSpPr>
-              <p:cNvPr id="15" name="Rectangle 14"/>
-              <p:cNvSpPr/>
+          <p:grpSp>
+            <p:nvGrpSpPr>
+              <p:cNvPr id="17" name="Group 16"/>
+              <p:cNvGrpSpPr/>
               <p:nvPr/>
-            </p:nvSpPr>
-            <p:spPr bwMode="auto">
+            </p:nvGrpSpPr>
+            <p:grpSpPr>
               <a:xfrm>
-                <a:off x="9852055" y="2199827"/>
-                <a:ext cx="1482848" cy="423074"/>
+                <a:off x="9637979" y="2994171"/>
+                <a:ext cx="2335604" cy="1335432"/>
+                <a:chOff x="9448992" y="2935729"/>
+                <a:chExt cx="2290016" cy="1309366"/>
               </a:xfrm>
-              <a:prstGeom prst="rect">
-                <a:avLst/>
-              </a:prstGeom>
-              <a:noFill/>
-              <a:ln w="38100">
-                <a:solidFill>
-                  <a:schemeClr val="bg1"/>
-                </a:solidFill>
-                <a:headEnd type="none" w="med" len="med"/>
-                <a:tailEnd type="none" w="med" len="med"/>
-              </a:ln>
-            </p:spPr>
-            <p:style>
-              <a:lnRef idx="2">
-                <a:schemeClr val="accent1"/>
-              </a:lnRef>
-              <a:fillRef idx="1">
-                <a:schemeClr val="lt1"/>
-              </a:fillRef>
-              <a:effectRef idx="0">
-                <a:schemeClr val="accent1"/>
-              </a:effectRef>
-              <a:fontRef idx="minor">
-                <a:schemeClr val="dk1"/>
-              </a:fontRef>
-            </p:style>
-            <p:txBody>
-              <a:bodyPr vert="horz" wrap="square" lIns="0" tIns="46577" rIns="0" bIns="46577" numCol="1" rtlCol="0" anchor="ctr" anchorCtr="0" compatLnSpc="1">
-                <a:prstTxWarp prst="textNoShape">
+            </p:grpSpPr>
+            <p:pic>
+              <p:nvPicPr>
+                <p:cNvPr id="7" name="Picture 6"/>
+                <p:cNvPicPr>
+                  <a:picLocks noChangeAspect="1"/>
+                </p:cNvPicPr>
+                <p:nvPr/>
+              </p:nvPicPr>
+              <p:blipFill>
+                <a:blip r:embed="rId5"/>
+                <a:stretch>
+                  <a:fillRect/>
+                </a:stretch>
+              </p:blipFill>
+              <p:spPr>
+                <a:xfrm>
+                  <a:off x="9448992" y="2935729"/>
+                  <a:ext cx="2290016" cy="1309365"/>
+                </a:xfrm>
+                <a:prstGeom prst="rect">
                   <a:avLst/>
-                </a:prstTxWarp>
-              </a:bodyPr>
-              <a:lstStyle/>
-              <a:p>
-                <a:pPr algn="ctr" defTabSz="931193" fontAlgn="base">
-                  <a:spcBef>
-                    <a:spcPct val="0"/>
-                  </a:spcBef>
-                  <a:spcAft>
-                    <a:spcPct val="0"/>
-                  </a:spcAft>
-                </a:pPr>
-                <a:r>
-                  <a:rPr lang="en-US" sz="1798" dirty="0">
-                    <a:solidFill>
-                      <a:schemeClr val="bg1"/>
-                    </a:solidFill>
-                  </a:rPr>
-                  <a:t>Layer 2</a:t>
-                </a:r>
-              </a:p>
-            </p:txBody>
-          </p:sp>
+                </a:prstGeom>
+              </p:spPr>
+            </p:pic>
+            <p:sp>
+              <p:nvSpPr>
+                <p:cNvPr id="8" name="TextBox 7"/>
+                <p:cNvSpPr txBox="1"/>
+                <p:nvPr/>
+              </p:nvSpPr>
+              <p:spPr>
+                <a:xfrm>
+                  <a:off x="9733264" y="3317443"/>
+                  <a:ext cx="1736673" cy="621342"/>
+                </a:xfrm>
+                <a:prstGeom prst="rect">
+                  <a:avLst/>
+                </a:prstGeom>
+                <a:noFill/>
+              </p:spPr>
+              <p:txBody>
+                <a:bodyPr wrap="square" lIns="182646" tIns="146117" rIns="182646" bIns="146117" rtlCol="0">
+                  <a:spAutoFit/>
+                </a:bodyPr>
+                <a:lstStyle/>
+                <a:p>
+                  <a:pPr algn="ctr">
+                    <a:lnSpc>
+                      <a:spcPct val="90000"/>
+                    </a:lnSpc>
+                    <a:spcAft>
+                      <a:spcPts val="599"/>
+                    </a:spcAft>
+                  </a:pPr>
+                  <a:r>
+                    <a:rPr lang="en-US" sz="2397" dirty="0">
+                      <a:solidFill>
+                        <a:srgbClr val="0078D7"/>
+                      </a:solidFill>
+                    </a:rPr>
+                    <a:t>Sandbox</a:t>
+                  </a:r>
+                </a:p>
+              </p:txBody>
+            </p:sp>
+            <p:pic>
+              <p:nvPicPr>
+                <p:cNvPr id="9" name="Picture 8"/>
+                <p:cNvPicPr>
+                  <a:picLocks noChangeAspect="1"/>
+                </p:cNvPicPr>
+                <p:nvPr/>
+              </p:nvPicPr>
+              <p:blipFill>
+                <a:blip r:embed="rId3"/>
+                <a:stretch>
+                  <a:fillRect/>
+                </a:stretch>
+              </p:blipFill>
+              <p:spPr>
+                <a:xfrm>
+                  <a:off x="9456073" y="2941700"/>
+                  <a:ext cx="2274818" cy="1303395"/>
+                </a:xfrm>
+                <a:prstGeom prst="rect">
+                  <a:avLst/>
+                </a:prstGeom>
+              </p:spPr>
+            </p:pic>
+            <p:sp>
+              <p:nvSpPr>
+                <p:cNvPr id="10" name="TextBox 9"/>
+                <p:cNvSpPr txBox="1"/>
+                <p:nvPr/>
+              </p:nvSpPr>
+              <p:spPr>
+                <a:xfrm>
+                  <a:off x="9603522" y="2961952"/>
+                  <a:ext cx="2032759" cy="621342"/>
+                </a:xfrm>
+                <a:prstGeom prst="rect">
+                  <a:avLst/>
+                </a:prstGeom>
+                <a:noFill/>
+              </p:spPr>
+              <p:txBody>
+                <a:bodyPr wrap="none" lIns="182646" tIns="146117" rIns="182646" bIns="146117" rtlCol="0">
+                  <a:spAutoFit/>
+                </a:bodyPr>
+                <a:lstStyle/>
+                <a:p>
+                  <a:pPr algn="ctr">
+                    <a:lnSpc>
+                      <a:spcPct val="90000"/>
+                    </a:lnSpc>
+                    <a:spcAft>
+                      <a:spcPts val="599"/>
+                    </a:spcAft>
+                  </a:pPr>
+                  <a:r>
+                    <a:rPr lang="en-US" sz="2397" dirty="0" err="1">
+                      <a:gradFill>
+                        <a:gsLst>
+                          <a:gs pos="2917">
+                            <a:srgbClr val="FFFFFF"/>
+                          </a:gs>
+                          <a:gs pos="30000">
+                            <a:srgbClr val="FFFFFF"/>
+                          </a:gs>
+                        </a:gsLst>
+                        <a:lin ang="5400000" scaled="0"/>
+                      </a:gradFill>
+                    </a:rPr>
+                    <a:t>microsoft</a:t>
+                  </a:r>
+                  <a:r>
+                    <a:rPr lang="en-US" sz="2397" dirty="0">
+                      <a:gradFill>
+                        <a:gsLst>
+                          <a:gs pos="2917">
+                            <a:srgbClr val="FFFFFF"/>
+                          </a:gs>
+                          <a:gs pos="30000">
+                            <a:srgbClr val="FFFFFF"/>
+                          </a:gs>
+                        </a:gsLst>
+                        <a:lin ang="5400000" scaled="0"/>
+                      </a:gradFill>
+                    </a:rPr>
+                    <a:t>/</a:t>
+                  </a:r>
+                  <a:r>
+                    <a:rPr lang="en-US" sz="2397" dirty="0" err="1">
+                      <a:gradFill>
+                        <a:gsLst>
+                          <a:gs pos="2917">
+                            <a:srgbClr val="FFFFFF"/>
+                          </a:gs>
+                          <a:gs pos="30000">
+                            <a:srgbClr val="FFFFFF"/>
+                          </a:gs>
+                        </a:gsLst>
+                        <a:lin ang="5400000" scaled="0"/>
+                      </a:gradFill>
+                    </a:rPr>
+                    <a:t>iis</a:t>
+                  </a:r>
+                  <a:endParaRPr lang="en-US" sz="2397" dirty="0">
+                    <a:gradFill>
+                      <a:gsLst>
+                        <a:gs pos="2917">
+                          <a:srgbClr val="FFFFFF"/>
+                        </a:gs>
+                        <a:gs pos="30000">
+                          <a:srgbClr val="FFFFFF"/>
+                        </a:gs>
+                      </a:gsLst>
+                      <a:lin ang="5400000" scaled="0"/>
+                    </a:gradFill>
+                  </a:endParaRPr>
+                </a:p>
+              </p:txBody>
+            </p:sp>
+            <p:sp>
+              <p:nvSpPr>
+                <p:cNvPr id="11" name="Rectangle 10"/>
+                <p:cNvSpPr/>
+                <p:nvPr/>
+              </p:nvSpPr>
+              <p:spPr bwMode="auto">
+                <a:xfrm>
+                  <a:off x="9856872" y="3558517"/>
+                  <a:ext cx="1482848" cy="423074"/>
+                </a:xfrm>
+                <a:prstGeom prst="rect">
+                  <a:avLst/>
+                </a:prstGeom>
+                <a:noFill/>
+                <a:ln w="38100">
+                  <a:solidFill>
+                    <a:schemeClr val="bg1"/>
+                  </a:solidFill>
+                  <a:headEnd type="none" w="med" len="med"/>
+                  <a:tailEnd type="none" w="med" len="med"/>
+                </a:ln>
+              </p:spPr>
+              <p:style>
+                <a:lnRef idx="2">
+                  <a:schemeClr val="accent1"/>
+                </a:lnRef>
+                <a:fillRef idx="1">
+                  <a:schemeClr val="lt1"/>
+                </a:fillRef>
+                <a:effectRef idx="0">
+                  <a:schemeClr val="accent1"/>
+                </a:effectRef>
+                <a:fontRef idx="minor">
+                  <a:schemeClr val="dk1"/>
+                </a:fontRef>
+              </p:style>
+              <p:txBody>
+                <a:bodyPr vert="horz" wrap="square" lIns="0" tIns="46577" rIns="0" bIns="46577" numCol="1" rtlCol="0" anchor="ctr" anchorCtr="0" compatLnSpc="1">
+                  <a:prstTxWarp prst="textNoShape">
+                    <a:avLst/>
+                  </a:prstTxWarp>
+                </a:bodyPr>
+                <a:lstStyle/>
+                <a:p>
+                  <a:pPr algn="ctr" defTabSz="931193" fontAlgn="base">
+                    <a:spcBef>
+                      <a:spcPct val="0"/>
+                    </a:spcBef>
+                    <a:spcAft>
+                      <a:spcPct val="0"/>
+                    </a:spcAft>
+                  </a:pPr>
+                  <a:r>
+                    <a:rPr lang="en-US" sz="1798" dirty="0">
+                      <a:solidFill>
+                        <a:schemeClr val="bg1"/>
+                      </a:solidFill>
+                    </a:rPr>
+                    <a:t>Layer 1</a:t>
+                  </a:r>
+                </a:p>
+              </p:txBody>
+            </p:sp>
+          </p:grpSp>
+          <p:grpSp>
+            <p:nvGrpSpPr>
+              <p:cNvPr id="18" name="Group 17"/>
+              <p:cNvGrpSpPr/>
+              <p:nvPr/>
+            </p:nvGrpSpPr>
+            <p:grpSpPr>
+              <a:xfrm>
+                <a:off x="9646753" y="1567671"/>
+                <a:ext cx="2320104" cy="1329342"/>
+                <a:chOff x="9457595" y="1537072"/>
+                <a:chExt cx="2274818" cy="1303395"/>
+              </a:xfrm>
+            </p:grpSpPr>
+            <p:sp>
+              <p:nvSpPr>
+                <p:cNvPr id="12" name="TextBox 11"/>
+                <p:cNvSpPr txBox="1"/>
+                <p:nvPr/>
+              </p:nvSpPr>
+              <p:spPr>
+                <a:xfrm>
+                  <a:off x="9740343" y="1957194"/>
+                  <a:ext cx="1736673" cy="621342"/>
+                </a:xfrm>
+                <a:prstGeom prst="rect">
+                  <a:avLst/>
+                </a:prstGeom>
+                <a:noFill/>
+              </p:spPr>
+              <p:txBody>
+                <a:bodyPr wrap="square" lIns="182646" tIns="146117" rIns="182646" bIns="146117" rtlCol="0">
+                  <a:spAutoFit/>
+                </a:bodyPr>
+                <a:lstStyle/>
+                <a:p>
+                  <a:pPr algn="ctr">
+                    <a:lnSpc>
+                      <a:spcPct val="90000"/>
+                    </a:lnSpc>
+                    <a:spcAft>
+                      <a:spcPts val="599"/>
+                    </a:spcAft>
+                  </a:pPr>
+                  <a:r>
+                    <a:rPr lang="en-US" sz="2397" dirty="0">
+                      <a:solidFill>
+                        <a:srgbClr val="0078D7"/>
+                      </a:solidFill>
+                    </a:rPr>
+                    <a:t>Sandbox</a:t>
+                  </a:r>
+                </a:p>
+              </p:txBody>
+            </p:sp>
+            <p:pic>
+              <p:nvPicPr>
+                <p:cNvPr id="13" name="Picture 12"/>
+                <p:cNvPicPr>
+                  <a:picLocks noChangeAspect="1"/>
+                </p:cNvPicPr>
+                <p:nvPr/>
+              </p:nvPicPr>
+              <p:blipFill>
+                <a:blip r:embed="rId3"/>
+                <a:stretch>
+                  <a:fillRect/>
+                </a:stretch>
+              </p:blipFill>
+              <p:spPr>
+                <a:xfrm>
+                  <a:off x="9457595" y="1537072"/>
+                  <a:ext cx="2274818" cy="1303395"/>
+                </a:xfrm>
+                <a:prstGeom prst="rect">
+                  <a:avLst/>
+                </a:prstGeom>
+              </p:spPr>
+            </p:pic>
+            <p:sp>
+              <p:nvSpPr>
+                <p:cNvPr id="14" name="TextBox 13"/>
+                <p:cNvSpPr txBox="1"/>
+                <p:nvPr/>
+              </p:nvSpPr>
+              <p:spPr>
+                <a:xfrm>
+                  <a:off x="9575718" y="1682593"/>
+                  <a:ext cx="1936643" cy="621342"/>
+                </a:xfrm>
+                <a:prstGeom prst="rect">
+                  <a:avLst/>
+                </a:prstGeom>
+                <a:noFill/>
+              </p:spPr>
+              <p:txBody>
+                <a:bodyPr wrap="none" lIns="182646" tIns="146117" rIns="182646" bIns="146117" rtlCol="0">
+                  <a:spAutoFit/>
+                </a:bodyPr>
+                <a:lstStyle/>
+                <a:p>
+                  <a:pPr algn="ctr">
+                    <a:lnSpc>
+                      <a:spcPct val="90000"/>
+                    </a:lnSpc>
+                    <a:spcAft>
+                      <a:spcPts val="599"/>
+                    </a:spcAft>
+                  </a:pPr>
+                  <a:r>
+                    <a:rPr lang="en-US" sz="2397" dirty="0">
+                      <a:gradFill>
+                        <a:gsLst>
+                          <a:gs pos="2917">
+                            <a:srgbClr val="FFFFFF"/>
+                          </a:gs>
+                          <a:gs pos="30000">
+                            <a:srgbClr val="FFFFFF"/>
+                          </a:gs>
+                        </a:gsLst>
+                        <a:lin ang="5400000" scaled="0"/>
+                      </a:gradFill>
+                    </a:rPr>
+                    <a:t>Mysite.html</a:t>
+                  </a:r>
+                </a:p>
+              </p:txBody>
+            </p:sp>
+            <p:sp>
+              <p:nvSpPr>
+                <p:cNvPr id="15" name="Rectangle 14"/>
+                <p:cNvSpPr/>
+                <p:nvPr/>
+              </p:nvSpPr>
+              <p:spPr bwMode="auto">
+                <a:xfrm>
+                  <a:off x="9852055" y="2199827"/>
+                  <a:ext cx="1482848" cy="423074"/>
+                </a:xfrm>
+                <a:prstGeom prst="rect">
+                  <a:avLst/>
+                </a:prstGeom>
+                <a:noFill/>
+                <a:ln w="38100">
+                  <a:solidFill>
+                    <a:schemeClr val="bg1"/>
+                  </a:solidFill>
+                  <a:headEnd type="none" w="med" len="med"/>
+                  <a:tailEnd type="none" w="med" len="med"/>
+                </a:ln>
+              </p:spPr>
+              <p:style>
+                <a:lnRef idx="2">
+                  <a:schemeClr val="accent1"/>
+                </a:lnRef>
+                <a:fillRef idx="1">
+                  <a:schemeClr val="lt1"/>
+                </a:fillRef>
+                <a:effectRef idx="0">
+                  <a:schemeClr val="accent1"/>
+                </a:effectRef>
+                <a:fontRef idx="minor">
+                  <a:schemeClr val="dk1"/>
+                </a:fontRef>
+              </p:style>
+              <p:txBody>
+                <a:bodyPr vert="horz" wrap="square" lIns="0" tIns="46577" rIns="0" bIns="46577" numCol="1" rtlCol="0" anchor="ctr" anchorCtr="0" compatLnSpc="1">
+                  <a:prstTxWarp prst="textNoShape">
+                    <a:avLst/>
+                  </a:prstTxWarp>
+                </a:bodyPr>
+                <a:lstStyle/>
+                <a:p>
+                  <a:pPr algn="ctr" defTabSz="931193" fontAlgn="base">
+                    <a:spcBef>
+                      <a:spcPct val="0"/>
+                    </a:spcBef>
+                    <a:spcAft>
+                      <a:spcPct val="0"/>
+                    </a:spcAft>
+                  </a:pPr>
+                  <a:r>
+                    <a:rPr lang="en-US" sz="1798" dirty="0">
+                      <a:solidFill>
+                        <a:schemeClr val="bg1"/>
+                      </a:solidFill>
+                    </a:rPr>
+                    <a:t>Layer 2</a:t>
+                  </a:r>
+                </a:p>
+              </p:txBody>
+            </p:sp>
+          </p:grpSp>
         </p:grpSp>
       </p:grpSp>
       <p:sp>
@@ -37231,7 +35685,7 @@
                                         <p:tgtEl>
                                           <p:spTgt spid="3">
                                             <p:txEl>
-                                              <p:pRg st="1" end="1"/>
+                                              <p:pRg st="2" end="2"/>
                                             </p:txEl>
                                           </p:spTgt>
                                         </p:tgtEl>
@@ -37249,7 +35703,7 @@
                                         <p:tgtEl>
                                           <p:spTgt spid="3">
                                             <p:txEl>
-                                              <p:pRg st="1" end="1"/>
+                                              <p:pRg st="2" end="2"/>
                                             </p:txEl>
                                           </p:spTgt>
                                         </p:tgtEl>
@@ -37292,7 +35746,7 @@
                                         <p:tgtEl>
                                           <p:spTgt spid="3">
                                             <p:txEl>
-                                              <p:pRg st="2" end="2"/>
+                                              <p:pRg st="4" end="4"/>
                                             </p:txEl>
                                           </p:spTgt>
                                         </p:tgtEl>
@@ -37310,7 +35764,7 @@
                                         <p:tgtEl>
                                           <p:spTgt spid="3">
                                             <p:txEl>
-                                              <p:pRg st="2" end="2"/>
+                                              <p:pRg st="4" end="4"/>
                                             </p:txEl>
                                           </p:spTgt>
                                         </p:tgtEl>
@@ -37353,7 +35807,7 @@
                                         <p:tgtEl>
                                           <p:spTgt spid="3">
                                             <p:txEl>
-                                              <p:pRg st="3" end="3"/>
+                                              <p:pRg st="6" end="6"/>
                                             </p:txEl>
                                           </p:spTgt>
                                         </p:tgtEl>
@@ -37371,12 +35825,57 @@
                                         <p:tgtEl>
                                           <p:spTgt spid="3">
                                             <p:txEl>
-                                              <p:pRg st="3" end="3"/>
+                                              <p:pRg st="6" end="6"/>
                                             </p:txEl>
                                           </p:spTgt>
                                         </p:tgtEl>
                                       </p:cBhvr>
                                     </p:animEffect>
+                                  </p:childTnLst>
+                                </p:cTn>
+                              </p:par>
+                            </p:childTnLst>
+                          </p:cTn>
+                        </p:par>
+                      </p:childTnLst>
+                    </p:cTn>
+                  </p:par>
+                  <p:par>
+                    <p:cTn id="23" fill="hold">
+                      <p:stCondLst>
+                        <p:cond delay="indefinite"/>
+                      </p:stCondLst>
+                      <p:childTnLst>
+                        <p:par>
+                          <p:cTn id="24" fill="hold">
+                            <p:stCondLst>
+                              <p:cond delay="0"/>
+                            </p:stCondLst>
+                            <p:childTnLst>
+                              <p:par>
+                                <p:cTn id="25" presetID="1" presetClass="entr" presetSubtype="0" fill="hold" nodeType="clickEffect">
+                                  <p:stCondLst>
+                                    <p:cond delay="0"/>
+                                  </p:stCondLst>
+                                  <p:childTnLst>
+                                    <p:set>
+                                      <p:cBhvr>
+                                        <p:cTn id="26" dur="1" fill="hold">
+                                          <p:stCondLst>
+                                            <p:cond delay="0"/>
+                                          </p:stCondLst>
+                                        </p:cTn>
+                                        <p:tgtEl>
+                                          <p:spTgt spid="19"/>
+                                        </p:tgtEl>
+                                        <p:attrNameLst>
+                                          <p:attrName>style.visibility</p:attrName>
+                                        </p:attrNameLst>
+                                      </p:cBhvr>
+                                      <p:to>
+                                        <p:strVal val="visible"/>
+                                      </p:to>
+                                    </p:set>
                                   </p:childTnLst>
                                 </p:cTn>
                               </p:par>
@@ -38205,10 +36704,10 @@
         </p:nvGrpSpPr>
         <p:grpSpPr>
           <a:xfrm>
-            <a:off x="3398837" y="4092320"/>
-            <a:ext cx="2667000" cy="2470667"/>
+            <a:off x="1417637" y="3954462"/>
+            <a:ext cx="3622902" cy="2428220"/>
             <a:chOff x="4389437" y="3978388"/>
-            <a:chExt cx="2667000" cy="2470667"/>
+            <a:chExt cx="3622902" cy="2428220"/>
           </a:xfrm>
         </p:grpSpPr>
         <p:pic>
@@ -38260,8 +36759,8 @@
           </p:nvSpPr>
           <p:spPr>
             <a:xfrm>
-              <a:off x="4634124" y="6079723"/>
-              <a:ext cx="2293577" cy="369332"/>
+              <a:off x="4541837" y="5883388"/>
+              <a:ext cx="3470502" cy="523220"/>
             </a:xfrm>
             <a:prstGeom prst="rect">
               <a:avLst/>
@@ -38274,12 +36773,12 @@
             <a:lstStyle/>
             <a:p>
               <a:r>
-                <a:rPr lang="en-US" dirty="0">
+                <a:rPr lang="en-US" sz="2800" dirty="0">
                   <a:hlinkClick r:id="rId4"/>
                 </a:rPr>
                 <a:t>http://kubernetes.io/</a:t>
               </a:r>
-              <a:endParaRPr lang="en-US" dirty="0"/>
+              <a:endParaRPr lang="en-US" sz="2800" dirty="0"/>
             </a:p>
           </p:txBody>
         </p:sp>
@@ -38292,10 +36791,10 @@
         </p:nvGrpSpPr>
         <p:grpSpPr>
           <a:xfrm>
-            <a:off x="1570037" y="1676546"/>
-            <a:ext cx="3364706" cy="2021387"/>
-            <a:chOff x="1570037" y="1676546"/>
-            <a:chExt cx="3364706" cy="2021387"/>
+            <a:off x="644711" y="1439862"/>
+            <a:ext cx="4177810" cy="2001780"/>
+            <a:chOff x="1550312" y="1676546"/>
+            <a:chExt cx="4177810" cy="2001780"/>
           </a:xfrm>
         </p:grpSpPr>
         <p:pic>
@@ -38330,8 +36829,8 @@
           </p:nvSpPr>
           <p:spPr>
             <a:xfrm>
-              <a:off x="1870923" y="3328601"/>
-              <a:ext cx="2748060" cy="369332"/>
+              <a:off x="1550312" y="3155106"/>
+              <a:ext cx="4177810" cy="523220"/>
             </a:xfrm>
             <a:prstGeom prst="rect">
               <a:avLst/>
@@ -38344,12 +36843,12 @@
             <a:lstStyle/>
             <a:p>
               <a:r>
-                <a:rPr lang="en-US" dirty="0">
+                <a:rPr lang="en-US" sz="2800" dirty="0">
                   <a:hlinkClick r:id="rId6"/>
                 </a:rPr>
                 <a:t>https://mesosphere.com/</a:t>
               </a:r>
-              <a:endParaRPr lang="en-US" dirty="0"/>
+              <a:endParaRPr lang="en-US" sz="2800" dirty="0"/>
             </a:p>
           </p:txBody>
         </p:sp>
@@ -38362,10 +36861,10 @@
         </p:nvGrpSpPr>
         <p:grpSpPr>
           <a:xfrm>
-            <a:off x="6946306" y="1897062"/>
-            <a:ext cx="5153911" cy="2662221"/>
+            <a:off x="4522321" y="2430462"/>
+            <a:ext cx="7914154" cy="2816109"/>
             <a:chOff x="6751637" y="551965"/>
-            <a:chExt cx="5153911" cy="2662221"/>
+            <a:chExt cx="7914154" cy="2816109"/>
           </a:xfrm>
         </p:grpSpPr>
         <p:pic>
@@ -38401,7 +36900,7 @@
           <p:spPr>
             <a:xfrm>
               <a:off x="6751637" y="2844854"/>
-              <a:ext cx="5153911" cy="369332"/>
+              <a:ext cx="7914154" cy="523220"/>
             </a:xfrm>
             <a:prstGeom prst="rect">
               <a:avLst/>
@@ -38414,12 +36913,12 @@
             <a:lstStyle/>
             <a:p>
               <a:r>
-                <a:rPr lang="en-US" dirty="0">
+                <a:rPr lang="en-US" sz="2800" dirty="0">
                   <a:hlinkClick r:id="rId8"/>
                 </a:rPr>
                 <a:t>https://www.docker.com/products/docker-swarm</a:t>
               </a:r>
-              <a:endParaRPr lang="en-US" dirty="0"/>
+              <a:endParaRPr lang="en-US" sz="2800" dirty="0"/>
             </a:p>
           </p:txBody>
         </p:sp>
@@ -39567,8 +38066,8 @@
         </p:nvSpPr>
         <p:spPr>
           <a:xfrm>
-            <a:off x="549275" y="3364864"/>
-            <a:ext cx="11887200" cy="3447098"/>
+            <a:off x="274639" y="2725856"/>
+            <a:ext cx="12145962" cy="4124206"/>
           </a:xfrm>
         </p:spPr>
         <p:txBody>
@@ -39577,7 +38076,7 @@
           <a:p>
             <a:r>
               <a:rPr lang="en-US" dirty="0"/>
-              <a:t>We’re going to focus on Windows Server 2016</a:t>
+              <a:t>Focus on Windows Server 2016</a:t>
             </a:r>
           </a:p>
           <a:p>
@@ -39603,6 +38102,21 @@
               <a:rPr lang="en-US" dirty="0"/>
               <a:t>We’re not going to make you an expert</a:t>
             </a:r>
+          </a:p>
+          <a:p>
+            <a:r>
+              <a:rPr lang="en-US" dirty="0"/>
+              <a:t>	</a:t>
+            </a:r>
+            <a:r>
+              <a:rPr lang="en-US" dirty="0">
+                <a:solidFill>
+                  <a:schemeClr val="tx1"/>
+                </a:solidFill>
+              </a:rPr>
+              <a:t>Remove the fear!</a:t>
+            </a:r>
+            <a:endParaRPr lang="en-US" dirty="0"/>
           </a:p>
           <a:p>
             <a:endParaRPr lang="en-US" sz="2000" dirty="0"/>
@@ -39809,6 +38323,37 @@
                                   </p:childTnLst>
                                 </p:cTn>
                               </p:par>
+                              <p:par>
+                                <p:cTn id="13" presetID="1" presetClass="entr" presetSubtype="0" fill="hold" nodeType="withEffect">
+                                  <p:stCondLst>
+                                    <p:cond delay="0"/>
+                                  </p:stCondLst>
+                                  <p:childTnLst>
+                                    <p:set>
+                                      <p:cBhvr>
+                                        <p:cTn id="14" dur="1" fill="hold">
+                                          <p:stCondLst>
+                                            <p:cond delay="0"/>
+                                          </p:stCondLst>
+                                        </p:cTn>
+                                        <p:tgtEl>
+                                          <p:spTgt spid="6">
+                                            <p:txEl>
+                                              <p:pRg st="4" end="4"/>
+                                            </p:txEl>
+                                          </p:spTgt>
+                                        </p:tgtEl>
+                                        <p:attrNameLst>
+                                          <p:attrName>style.visibility</p:attrName>
+                                        </p:attrNameLst>
+                                      </p:cBhvr>
+                                      <p:to>
+                                        <p:strVal val="visible"/>
+                                      </p:to>
+                                    </p:set>
+                                  </p:childTnLst>
+                                </p:cTn>
+                              </p:par>
                             </p:childTnLst>
                           </p:cTn>
                         </p:par>
@@ -39816,26 +38361,26 @@
                     </p:cTn>
                   </p:par>
                   <p:par>
-                    <p:cTn id="13" fill="hold">
+                    <p:cTn id="15" fill="hold">
                       <p:stCondLst>
                         <p:cond delay="indefinite"/>
                       </p:stCondLst>
                       <p:childTnLst>
                         <p:par>
-                          <p:cTn id="14" fill="hold">
+                          <p:cTn id="16" fill="hold">
                             <p:stCondLst>
                               <p:cond delay="0"/>
                             </p:stCondLst>
                             <p:childTnLst>
                               <p:par>
-                                <p:cTn id="15" presetID="1" presetClass="entr" presetSubtype="0" fill="hold" nodeType="clickEffect">
+                                <p:cTn id="17" presetID="1" presetClass="entr" presetSubtype="0" fill="hold" nodeType="clickEffect">
                                   <p:stCondLst>
                                     <p:cond delay="0"/>
                                   </p:stCondLst>
                                   <p:childTnLst>
                                     <p:set>
                                       <p:cBhvr>
-                                        <p:cTn id="16" dur="1" fill="hold">
+                                        <p:cTn id="18" dur="1" fill="hold">
                                           <p:stCondLst>
                                             <p:cond delay="0"/>
                                           </p:stCondLst>
@@ -39843,7 +38388,7 @@
                                         <p:tgtEl>
                                           <p:spTgt spid="6">
                                             <p:txEl>
-                                              <p:pRg st="5" end="5"/>
+                                              <p:pRg st="6" end="6"/>
                                             </p:txEl>
                                           </p:spTgt>
                                         </p:tgtEl>
@@ -40350,7 +38895,7 @@
                   <a:schemeClr val="tx1"/>
                 </a:solidFill>
               </a:rPr>
-              <a:t>hub.hub.docker.com</a:t>
+              <a:t>hub.docker.com</a:t>
             </a:r>
           </a:p>
         </p:txBody>
@@ -49708,84 +48253,12 @@
 </file>
 
 <file path=customXml/item1.xml><?xml version="1.0" encoding="utf-8"?>
-<p:properties xmlns:p="http://schemas.microsoft.com/office/2006/metadata/properties" xmlns:xsi="http://www.w3.org/2001/XMLSchema-instance" xmlns:pc="http://schemas.microsoft.com/office/infopath/2007/PartnerControls">
-  <documentManagement>
-    <LikesCount xmlns="http://schemas.microsoft.com/sharepoint/v3" xsi:nil="true"/>
-    <d12e2661e9634d9aa98bbb375f31aced xmlns="01c77077-aee4-4b5f-bd4e-9cd40a6fff29">
-      <Terms xmlns="http://schemas.microsoft.com/office/infopath/2007/PartnerControls">
-        <TermInfo xmlns="http://schemas.microsoft.com/office/infopath/2007/PartnerControls">
-          <TermName xmlns="http://schemas.microsoft.com/office/infopath/2007/PartnerControls">Moscone Center</TermName>
-          <TermId xmlns="http://schemas.microsoft.com/office/infopath/2007/PartnerControls">d4f36a2e-dd0d-4424-990f-7c93b4e9f063</TermId>
-        </TermInfo>
-      </Terms>
-    </d12e2661e9634d9aa98bbb375f31aced>
-    <Event_x0020_Start_x0020_Date xmlns="01c77077-aee4-4b5f-bd4e-9cd40a6fff29">2016-03-30T07:00:00+00:00</Event_x0020_Start_x0020_Date>
-    <Target_x0020_Audiences xmlns="8ff673fc-3231-4e3a-893b-6d7f7cd32766" xsi:nil="true"/>
-    <iaa5f83406f94009a0f6a3e890699ff7 xmlns="01c77077-aee4-4b5f-bd4e-9cd40a6fff29">
-      <Terms xmlns="http://schemas.microsoft.com/office/infopath/2007/PartnerControls">
-        <TermInfo xmlns="http://schemas.microsoft.com/office/infopath/2007/PartnerControls">
-          <TermName xmlns="http://schemas.microsoft.com/office/infopath/2007/PartnerControls">San Francisco</TermName>
-          <TermId xmlns="http://schemas.microsoft.com/office/infopath/2007/PartnerControls">84dfcb53-432b-499d-8965-93d483d36b4a</TermId>
-        </TermInfo>
-      </Terms>
-    </iaa5f83406f94009a0f6a3e890699ff7>
-    <External_x0020_Speaker xmlns="01c77077-aee4-4b5f-bd4e-9cd40a6fff29" xsi:nil="true"/>
-    <m6878b9dd7994da4ba144f95347d99c6 xmlns="01c77077-aee4-4b5f-bd4e-9cd40a6fff29">
-      <Terms xmlns="http://schemas.microsoft.com/office/infopath/2007/PartnerControls"/>
-    </m6878b9dd7994da4ba144f95347d99c6>
-    <Presentation_x0020_Date xmlns="01c77077-aee4-4b5f-bd4e-9cd40a6fff29" xsi:nil="true"/>
-    <fc15c16204564de583b4c942b10d19ec xmlns="01c77077-aee4-4b5f-bd4e-9cd40a6fff29">
-      <Terms xmlns="http://schemas.microsoft.com/office/infopath/2007/PartnerControls"/>
-    </fc15c16204564de583b4c942b10d19ec>
-    <mb2e01f7e2d8413988e28e59aa226eec xmlns="01c77077-aee4-4b5f-bd4e-9cd40a6fff29">
-      <Terms xmlns="http://schemas.microsoft.com/office/infopath/2007/PartnerControls">
-        <TermInfo xmlns="http://schemas.microsoft.com/office/infopath/2007/PartnerControls">
-          <TermName xmlns="http://schemas.microsoft.com/office/infopath/2007/PartnerControls">Build</TermName>
-          <TermId xmlns="http://schemas.microsoft.com/office/infopath/2007/PartnerControls">58542b36-5bf5-46a6-a53f-a41fb7a73785</TermId>
-        </TermInfo>
-      </Terms>
-    </mb2e01f7e2d8413988e28e59aa226eec>
-    <MS_x0020_Content_x0020_Owner xmlns="01c77077-aee4-4b5f-bd4e-9cd40a6fff29">
-      <UserInfo>
-        <DisplayName/>
-        <AccountId xsi:nil="true"/>
-        <AccountType/>
-      </UserInfo>
-    </MS_x0020_Content_x0020_Owner>
-    <Session_x0020_Code xmlns="01c77077-aee4-4b5f-bd4e-9cd40a6fff29" xsi:nil="true"/>
-    <Event_x0020_End_x0020_Date xmlns="01c77077-aee4-4b5f-bd4e-9cd40a6fff29">2016-04-01T07:00:00+00:00</Event_x0020_End_x0020_Date>
-    <o1010385baed4da9b5076a6aa651d1e5 xmlns="01c77077-aee4-4b5f-bd4e-9cd40a6fff29">
-      <Terms xmlns="http://schemas.microsoft.com/office/infopath/2007/PartnerControls"/>
-    </o1010385baed4da9b5076a6aa651d1e5>
-    <kc6d1bd9a46e4e5fbbbf99ca3de7a092 xmlns="01c77077-aee4-4b5f-bd4e-9cd40a6fff29">
-      <Terms xmlns="http://schemas.microsoft.com/office/infopath/2007/PartnerControls"/>
-    </kc6d1bd9a46e4e5fbbbf99ca3de7a092>
-    <MS_x0020_Speaker xmlns="01c77077-aee4-4b5f-bd4e-9cd40a6fff29">
-      <UserInfo>
-        <DisplayName/>
-        <AccountId xsi:nil="true"/>
-        <AccountType/>
-      </UserInfo>
-    </MS_x0020_Speaker>
-    <TaxKeywordTaxHTField xmlns="230e9df3-be65-4c73-a93b-d1236ebd677e">
-      <Terms xmlns="http://schemas.microsoft.com/office/infopath/2007/PartnerControls">
-        <TermInfo xmlns="http://schemas.microsoft.com/office/infopath/2007/PartnerControls">
-          <TermName xmlns="http://schemas.microsoft.com/office/infopath/2007/PartnerControls">Microsoft Build 2016</TermName>
-          <TermId xmlns="http://schemas.microsoft.com/office/infopath/2007/PartnerControls">da8a10b5-9bc3-4217-80aa-6b60d6ec1cee</TermId>
-        </TermInfo>
-      </Terms>
-    </TaxKeywordTaxHTField>
-    <TaxCatchAll xmlns="230e9df3-be65-4c73-a93b-d1236ebd677e">
-      <Value>48</Value>
-      <Value>47</Value>
-      <Value>46</Value>
-      <Value>49</Value>
-    </TaxCatchAll>
-    <NumberofDownloads xmlns="230e9df3-be65-4c73-a93b-d1236ebd677e" xsi:nil="true"/>
-    <_ip_UnifiedCompliancePolicyUIAction xmlns="http://schemas.microsoft.com/sharepoint/v3" xsi:nil="true"/>
-    <_ip_UnifiedCompliancePolicyProperties xmlns="http://schemas.microsoft.com/sharepoint/v3" xsi:nil="true"/>
-  </documentManagement>
-</p:properties>
+<?mso-contentType ?>
+<FormTemplates xmlns="http://schemas.microsoft.com/sharepoint/v3/contenttype/forms">
+  <Display>DocumentLibraryForm</Display>
+  <Edit>DocumentLibraryForm</Edit>
+  <New>DocumentLibraryForm</New>
+</FormTemplates>
 </file>
 
 <file path=customXml/item2.xml><?xml version="1.0" encoding="utf-8"?>
@@ -50172,29 +48645,90 @@
 </file>
 
 <file path=customXml/item3.xml><?xml version="1.0" encoding="utf-8"?>
-<?mso-contentType ?>
-<FormTemplates xmlns="http://schemas.microsoft.com/sharepoint/v3/contenttype/forms">
-  <Display>DocumentLibraryForm</Display>
-  <Edit>DocumentLibraryForm</Edit>
-  <New>DocumentLibraryForm</New>
-</FormTemplates>
+<p:properties xmlns:p="http://schemas.microsoft.com/office/2006/metadata/properties" xmlns:xsi="http://www.w3.org/2001/XMLSchema-instance" xmlns:pc="http://schemas.microsoft.com/office/infopath/2007/PartnerControls">
+  <documentManagement>
+    <LikesCount xmlns="http://schemas.microsoft.com/sharepoint/v3" xsi:nil="true"/>
+    <d12e2661e9634d9aa98bbb375f31aced xmlns="01c77077-aee4-4b5f-bd4e-9cd40a6fff29">
+      <Terms xmlns="http://schemas.microsoft.com/office/infopath/2007/PartnerControls">
+        <TermInfo xmlns="http://schemas.microsoft.com/office/infopath/2007/PartnerControls">
+          <TermName xmlns="http://schemas.microsoft.com/office/infopath/2007/PartnerControls">Moscone Center</TermName>
+          <TermId xmlns="http://schemas.microsoft.com/office/infopath/2007/PartnerControls">d4f36a2e-dd0d-4424-990f-7c93b4e9f063</TermId>
+        </TermInfo>
+      </Terms>
+    </d12e2661e9634d9aa98bbb375f31aced>
+    <Event_x0020_Start_x0020_Date xmlns="01c77077-aee4-4b5f-bd4e-9cd40a6fff29">2016-03-30T07:00:00+00:00</Event_x0020_Start_x0020_Date>
+    <Target_x0020_Audiences xmlns="8ff673fc-3231-4e3a-893b-6d7f7cd32766" xsi:nil="true"/>
+    <iaa5f83406f94009a0f6a3e890699ff7 xmlns="01c77077-aee4-4b5f-bd4e-9cd40a6fff29">
+      <Terms xmlns="http://schemas.microsoft.com/office/infopath/2007/PartnerControls">
+        <TermInfo xmlns="http://schemas.microsoft.com/office/infopath/2007/PartnerControls">
+          <TermName xmlns="http://schemas.microsoft.com/office/infopath/2007/PartnerControls">San Francisco</TermName>
+          <TermId xmlns="http://schemas.microsoft.com/office/infopath/2007/PartnerControls">84dfcb53-432b-499d-8965-93d483d36b4a</TermId>
+        </TermInfo>
+      </Terms>
+    </iaa5f83406f94009a0f6a3e890699ff7>
+    <External_x0020_Speaker xmlns="01c77077-aee4-4b5f-bd4e-9cd40a6fff29" xsi:nil="true"/>
+    <m6878b9dd7994da4ba144f95347d99c6 xmlns="01c77077-aee4-4b5f-bd4e-9cd40a6fff29">
+      <Terms xmlns="http://schemas.microsoft.com/office/infopath/2007/PartnerControls"/>
+    </m6878b9dd7994da4ba144f95347d99c6>
+    <Presentation_x0020_Date xmlns="01c77077-aee4-4b5f-bd4e-9cd40a6fff29" xsi:nil="true"/>
+    <fc15c16204564de583b4c942b10d19ec xmlns="01c77077-aee4-4b5f-bd4e-9cd40a6fff29">
+      <Terms xmlns="http://schemas.microsoft.com/office/infopath/2007/PartnerControls"/>
+    </fc15c16204564de583b4c942b10d19ec>
+    <mb2e01f7e2d8413988e28e59aa226eec xmlns="01c77077-aee4-4b5f-bd4e-9cd40a6fff29">
+      <Terms xmlns="http://schemas.microsoft.com/office/infopath/2007/PartnerControls">
+        <TermInfo xmlns="http://schemas.microsoft.com/office/infopath/2007/PartnerControls">
+          <TermName xmlns="http://schemas.microsoft.com/office/infopath/2007/PartnerControls">Build</TermName>
+          <TermId xmlns="http://schemas.microsoft.com/office/infopath/2007/PartnerControls">58542b36-5bf5-46a6-a53f-a41fb7a73785</TermId>
+        </TermInfo>
+      </Terms>
+    </mb2e01f7e2d8413988e28e59aa226eec>
+    <MS_x0020_Content_x0020_Owner xmlns="01c77077-aee4-4b5f-bd4e-9cd40a6fff29">
+      <UserInfo>
+        <DisplayName/>
+        <AccountId xsi:nil="true"/>
+        <AccountType/>
+      </UserInfo>
+    </MS_x0020_Content_x0020_Owner>
+    <Session_x0020_Code xmlns="01c77077-aee4-4b5f-bd4e-9cd40a6fff29" xsi:nil="true"/>
+    <Event_x0020_End_x0020_Date xmlns="01c77077-aee4-4b5f-bd4e-9cd40a6fff29">2016-04-01T07:00:00+00:00</Event_x0020_End_x0020_Date>
+    <o1010385baed4da9b5076a6aa651d1e5 xmlns="01c77077-aee4-4b5f-bd4e-9cd40a6fff29">
+      <Terms xmlns="http://schemas.microsoft.com/office/infopath/2007/PartnerControls"/>
+    </o1010385baed4da9b5076a6aa651d1e5>
+    <kc6d1bd9a46e4e5fbbbf99ca3de7a092 xmlns="01c77077-aee4-4b5f-bd4e-9cd40a6fff29">
+      <Terms xmlns="http://schemas.microsoft.com/office/infopath/2007/PartnerControls"/>
+    </kc6d1bd9a46e4e5fbbbf99ca3de7a092>
+    <MS_x0020_Speaker xmlns="01c77077-aee4-4b5f-bd4e-9cd40a6fff29">
+      <UserInfo>
+        <DisplayName/>
+        <AccountId xsi:nil="true"/>
+        <AccountType/>
+      </UserInfo>
+    </MS_x0020_Speaker>
+    <TaxKeywordTaxHTField xmlns="230e9df3-be65-4c73-a93b-d1236ebd677e">
+      <Terms xmlns="http://schemas.microsoft.com/office/infopath/2007/PartnerControls">
+        <TermInfo xmlns="http://schemas.microsoft.com/office/infopath/2007/PartnerControls">
+          <TermName xmlns="http://schemas.microsoft.com/office/infopath/2007/PartnerControls">Microsoft Build 2016</TermName>
+          <TermId xmlns="http://schemas.microsoft.com/office/infopath/2007/PartnerControls">da8a10b5-9bc3-4217-80aa-6b60d6ec1cee</TermId>
+        </TermInfo>
+      </Terms>
+    </TaxKeywordTaxHTField>
+    <TaxCatchAll xmlns="230e9df3-be65-4c73-a93b-d1236ebd677e">
+      <Value>48</Value>
+      <Value>47</Value>
+      <Value>46</Value>
+      <Value>49</Value>
+    </TaxCatchAll>
+    <NumberofDownloads xmlns="230e9df3-be65-4c73-a93b-d1236ebd677e" xsi:nil="true"/>
+    <_ip_UnifiedCompliancePolicyUIAction xmlns="http://schemas.microsoft.com/sharepoint/v3" xsi:nil="true"/>
+    <_ip_UnifiedCompliancePolicyProperties xmlns="http://schemas.microsoft.com/sharepoint/v3" xsi:nil="true"/>
+  </documentManagement>
+</p:properties>
 </file>
 
 <file path=customXml/itemProps1.xml><?xml version="1.0" encoding="utf-8"?>
-<ds:datastoreItem xmlns:ds="http://schemas.openxmlformats.org/officeDocument/2006/customXml" ds:itemID="{F990F116-B58F-4255-B05B-DA3808E0E5C6}">
+<ds:datastoreItem xmlns:ds="http://schemas.openxmlformats.org/officeDocument/2006/customXml" ds:itemID="{758FDAC0-319D-4A54-8D8E-1D42CB1F8004}">
   <ds:schemaRefs>
-    <ds:schemaRef ds:uri="http://schemas.microsoft.com/office/2006/metadata/properties"/>
-    <ds:schemaRef ds:uri="8ff673fc-3231-4e3a-893b-6d7f7cd32766"/>
-    <ds:schemaRef ds:uri="http://schemas.microsoft.com/sharepoint/v3"/>
-    <ds:schemaRef ds:uri="230e9df3-be65-4c73-a93b-d1236ebd677e"/>
-    <ds:schemaRef ds:uri="http://purl.org/dc/terms/"/>
-    <ds:schemaRef ds:uri="01c77077-aee4-4b5f-bd4e-9cd40a6fff29"/>
-    <ds:schemaRef ds:uri="http://schemas.microsoft.com/office/2006/documentManagement/types"/>
-    <ds:schemaRef ds:uri="http://schemas.microsoft.com/office/infopath/2007/PartnerControls"/>
-    <ds:schemaRef ds:uri="http://purl.org/dc/elements/1.1/"/>
-    <ds:schemaRef ds:uri="http://schemas.openxmlformats.org/package/2006/metadata/core-properties"/>
-    <ds:schemaRef ds:uri="http://www.w3.org/XML/1998/namespace"/>
-    <ds:schemaRef ds:uri="http://purl.org/dc/dcmitype/"/>
+    <ds:schemaRef ds:uri="http://schemas.microsoft.com/sharepoint/v3/contenttype/forms"/>
   </ds:schemaRefs>
 </ds:datastoreItem>
 </file>
@@ -50221,9 +48755,20 @@
 </file>
 
 <file path=customXml/itemProps3.xml><?xml version="1.0" encoding="utf-8"?>
-<ds:datastoreItem xmlns:ds="http://schemas.openxmlformats.org/officeDocument/2006/customXml" ds:itemID="{758FDAC0-319D-4A54-8D8E-1D42CB1F8004}">
+<ds:datastoreItem xmlns:ds="http://schemas.openxmlformats.org/officeDocument/2006/customXml" ds:itemID="{F990F116-B58F-4255-B05B-DA3808E0E5C6}">
   <ds:schemaRefs>
-    <ds:schemaRef ds:uri="http://schemas.microsoft.com/sharepoint/v3/contenttype/forms"/>
+    <ds:schemaRef ds:uri="http://schemas.microsoft.com/office/2006/metadata/properties"/>
+    <ds:schemaRef ds:uri="8ff673fc-3231-4e3a-893b-6d7f7cd32766"/>
+    <ds:schemaRef ds:uri="http://schemas.microsoft.com/sharepoint/v3"/>
+    <ds:schemaRef ds:uri="230e9df3-be65-4c73-a93b-d1236ebd677e"/>
+    <ds:schemaRef ds:uri="http://purl.org/dc/terms/"/>
+    <ds:schemaRef ds:uri="01c77077-aee4-4b5f-bd4e-9cd40a6fff29"/>
+    <ds:schemaRef ds:uri="http://schemas.microsoft.com/office/2006/documentManagement/types"/>
+    <ds:schemaRef ds:uri="http://schemas.microsoft.com/office/infopath/2007/PartnerControls"/>
+    <ds:schemaRef ds:uri="http://purl.org/dc/elements/1.1/"/>
+    <ds:schemaRef ds:uri="http://schemas.openxmlformats.org/package/2006/metadata/core-properties"/>
+    <ds:schemaRef ds:uri="http://www.w3.org/XML/1998/namespace"/>
+    <ds:schemaRef ds:uri="http://purl.org/dc/dcmitype/"/>
   </ds:schemaRefs>
 </ds:datastoreItem>
 </file>
--- a/Presentations/ContainersForWindowsDevs.pptx
+++ b/Presentations/ContainersForWindowsDevs.pptx
@@ -326,7 +326,7 @@
               <a:rPr lang="en-US" smtClean="0">
                 <a:latin typeface="Segoe UI" pitchFamily="34" charset="0"/>
               </a:rPr>
-              <a:t>8/25/2016 8:24 PM</a:t>
+              <a:t>8/26/2016 8:05 AM</a:t>
             </a:fld>
             <a:endParaRPr lang="en-US" dirty="0">
               <a:latin typeface="Segoe UI" pitchFamily="34" charset="0"/>
@@ -910,7 +910,7 @@
           <a:p>
             <a:fld id="{38EEC551-8CDA-4EB6-89BB-2A86C9F091C8}" type="datetime8">
               <a:rPr lang="en-US" smtClean="0"/>
-              <a:t>8/25/2016 8:24 PM</a:t>
+              <a:t>8/26/2016 8:04 AM</a:t>
             </a:fld>
             <a:endParaRPr lang="en-US" dirty="0"/>
           </a:p>
@@ -1300,7 +1300,7 @@
           <a:p>
             <a:fld id="{38EEC551-8CDA-4EB6-89BB-2A86C9F091C8}" type="datetime8">
               <a:rPr lang="en-US" smtClean="0"/>
-              <a:t>8/25/2016 8:24 PM</a:t>
+              <a:t>8/26/2016 9:46 AM</a:t>
             </a:fld>
             <a:endParaRPr lang="en-US" dirty="0"/>
           </a:p>
@@ -1529,7 +1529,7 @@
           <a:p>
             <a:fld id="{38EEC551-8CDA-4EB6-89BB-2A86C9F091C8}" type="datetime8">
               <a:rPr lang="en-US" smtClean="0"/>
-              <a:t>8/25/2016 8:24 PM</a:t>
+              <a:t>8/26/2016 8:05 AM</a:t>
             </a:fld>
             <a:endParaRPr lang="en-US" dirty="0"/>
           </a:p>
@@ -1732,7 +1732,7 @@
           <a:p>
             <a:fld id="{38EEC551-8CDA-4EB6-89BB-2A86C9F091C8}" type="datetime8">
               <a:rPr lang="en-US" smtClean="0"/>
-              <a:t>8/25/2016 8:24 PM</a:t>
+              <a:t>8/26/2016 8:05 AM</a:t>
             </a:fld>
             <a:endParaRPr lang="en-US" dirty="0"/>
           </a:p>
@@ -3091,7 +3091,7 @@
             </a:r>
             <a:r>
               <a:rPr lang="en-US" sz="900" dirty="0"/>
-              <a:t>'</a:t>
+              <a:t>‘ .</a:t>
             </a:r>
           </a:p>
         </p:txBody>
@@ -3189,7 +3189,7 @@
           <a:p>
             <a:fld id="{38EEC551-8CDA-4EB6-89BB-2A86C9F091C8}" type="datetime8">
               <a:rPr lang="en-US" smtClean="0"/>
-              <a:t>8/25/2016 11:28 PM</a:t>
+              <a:t>8/26/2016 8:05 AM</a:t>
             </a:fld>
             <a:endParaRPr lang="en-US" dirty="0"/>
           </a:p>
@@ -3277,6 +3277,15 @@
           <a:lstStyle/>
           <a:p>
             <a:r>
+              <a:rPr lang="en-US" i="1" dirty="0"/>
+              <a:t>Image from: http://www.allaboutsafes.co.uk/fire-safes-c3/chubbsafes-office-385-e-fire-protection-office-safe-p301</a:t>
+            </a:r>
+          </a:p>
+          <a:p>
+            <a:endParaRPr lang="en-US" dirty="0"/>
+          </a:p>
+          <a:p>
+            <a:r>
               <a:rPr lang="en-US" dirty="0"/>
               <a:t>What we’ve done here (hopefully)</a:t>
             </a:r>
@@ -3532,7 +3541,7 @@
           <a:p>
             <a:fld id="{38EEC551-8CDA-4EB6-89BB-2A86C9F091C8}" type="datetime8">
               <a:rPr lang="en-US" smtClean="0"/>
-              <a:t>8/25/2016 8:24 PM</a:t>
+              <a:t>8/26/2016 8:05 AM</a:t>
             </a:fld>
             <a:endParaRPr lang="en-US" dirty="0"/>
           </a:p>
@@ -4054,7 +4063,7 @@
           <a:p>
             <a:fld id="{6108602D-D426-4C00-B215-BFA18C076426}" type="datetime8">
               <a:rPr lang="en-US" smtClean="0"/>
-              <a:t>8/25/2016 8:24 PM</a:t>
+              <a:t>8/26/2016 8:05 AM</a:t>
             </a:fld>
             <a:endParaRPr lang="en-US" dirty="0"/>
           </a:p>
@@ -4216,8 +4225,13 @@
             <a:pPr lvl="1"/>
             <a:r>
               <a:rPr lang="en-US" dirty="0"/>
-              <a:t>It’s a big topic and more than can be covered in an hour. And its also still evolving (Windows containers are still in preview).</a:t>
-            </a:r>
+              <a:t>It’s a big topic and more than can be covered in an hour. And its also still evolving (Windows containers are still in preview). So my hope is that when you leave</a:t>
+            </a:r>
+            <a:r>
+              <a:rPr lang="en-US" baseline="0" dirty="0"/>
+              <a:t> this session, you may still be afraid of preview software, but hopefully are terrified of containers anymore.</a:t>
+            </a:r>
+            <a:endParaRPr lang="en-US" dirty="0"/>
           </a:p>
           <a:p>
             <a:endParaRPr lang="en-US" sz="2000" dirty="0"/>
@@ -4342,7 +4356,7 @@
           <a:p>
             <a:fld id="{90EC29EE-A8AD-4CE0-9C0B-116E0D4D7533}" type="datetime8">
               <a:rPr lang="en-US" smtClean="0"/>
-              <a:t>8/25/2016 8:24 PM</a:t>
+              <a:t>8/26/2016 8:05 AM</a:t>
             </a:fld>
             <a:endParaRPr lang="en-US" dirty="0"/>
           </a:p>
@@ -4609,7 +4623,7 @@
           <a:p>
             <a:fld id="{90EC29EE-A8AD-4CE0-9C0B-116E0D4D7533}" type="datetime8">
               <a:rPr lang="en-US" smtClean="0"/>
-              <a:t>8/25/2016 8:24 PM</a:t>
+              <a:t>8/26/2016 8:05 AM</a:t>
             </a:fld>
             <a:endParaRPr lang="en-US" dirty="0"/>
           </a:p>
@@ -4697,7 +4711,43 @@
           <a:lstStyle/>
           <a:p>
             <a:r>
-              <a:rPr lang="en-US" dirty="0"/>
+              <a:rPr lang="en-US" b="1" dirty="0"/>
+              <a:t>Engine</a:t>
+            </a:r>
+          </a:p>
+          <a:p>
+            <a:r>
+              <a:rPr lang="en-US" b="0" dirty="0"/>
+              <a:t>The</a:t>
+            </a:r>
+            <a:r>
+              <a:rPr lang="en-US" b="0" baseline="0" dirty="0"/>
+              <a:t> first key thing </a:t>
+            </a:r>
+            <a:r>
+              <a:rPr lang="en-US" b="0" baseline="0" dirty="0" err="1"/>
+              <a:t>docker</a:t>
+            </a:r>
+            <a:r>
+              <a:rPr lang="en-US" b="0" baseline="0" dirty="0"/>
+              <a:t> did was create a simplified interface. While containers were already there, they were difficult to use. I’ve been told (I had turned my focus away from Linux several years earlier) that before </a:t>
+            </a:r>
+            <a:r>
+              <a:rPr lang="en-US" b="0" baseline="0" dirty="0" err="1"/>
+              <a:t>docker</a:t>
+            </a:r>
+            <a:r>
+              <a:rPr lang="en-US" b="0" baseline="0" dirty="0"/>
+              <a:t> you nearly needed an PHD to work affectively with containers.</a:t>
+            </a:r>
+            <a:endParaRPr lang="en-US" b="0" dirty="0"/>
+          </a:p>
+          <a:p>
+            <a:endParaRPr lang="en-US" b="1" dirty="0"/>
+          </a:p>
+          <a:p>
+            <a:r>
+              <a:rPr lang="en-US" b="1" dirty="0"/>
               <a:t>Images</a:t>
             </a:r>
           </a:p>
@@ -4778,7 +4828,7 @@
           </a:p>
           <a:p>
             <a:r>
-              <a:rPr lang="en-US" dirty="0"/>
+              <a:rPr lang="en-US" b="1" dirty="0"/>
               <a:t>Repositories</a:t>
             </a:r>
           </a:p>
@@ -4911,7 +4961,7 @@
           <a:p>
             <a:fld id="{90EC29EE-A8AD-4CE0-9C0B-116E0D4D7533}" type="datetime8">
               <a:rPr lang="en-US" smtClean="0"/>
-              <a:t>8/25/2016 8:24 PM</a:t>
+              <a:t>8/26/2016 8:05 AM</a:t>
             </a:fld>
             <a:endParaRPr lang="en-US" dirty="0"/>
           </a:p>
@@ -5195,7 +5245,7 @@
               <a:pPr defTabSz="932742">
                 <a:defRPr/>
               </a:pPr>
-              <a:t>8/25/2016</a:t>
+              <a:t>8/26/2016</a:t>
             </a:fld>
             <a:endParaRPr lang="en-US" dirty="0">
               <a:solidFill>
@@ -5927,7 +5977,7 @@
           <a:p>
             <a:fld id="{E74353ED-ACB2-44BF-A903-985B0AF962B7}" type="datetime1">
               <a:rPr lang="en-US" smtClean="0"/>
-              <a:t>8/25/2016</a:t>
+              <a:t>8/26/2016</a:t>
             </a:fld>
             <a:endParaRPr lang="en-US" dirty="0"/>
           </a:p>
@@ -21139,6 +21189,36 @@
           </a:prstGeom>
         </p:spPr>
       </p:pic>
+      <p:sp>
+        <p:nvSpPr>
+          <p:cNvPr id="7" name="Rectangle 6"/>
+          <p:cNvSpPr/>
+          <p:nvPr/>
+        </p:nvSpPr>
+        <p:spPr>
+          <a:xfrm>
+            <a:off x="5303869" y="6359852"/>
+            <a:ext cx="7121380" cy="523220"/>
+          </a:xfrm>
+          <a:prstGeom prst="rect">
+            <a:avLst/>
+          </a:prstGeom>
+        </p:spPr>
+        <p:txBody>
+          <a:bodyPr wrap="square">
+            <a:spAutoFit/>
+          </a:bodyPr>
+          <a:lstStyle/>
+          <a:p>
+            <a:pPr algn="ctr"/>
+            <a:r>
+              <a:rPr lang="en-US" sz="2800" b="1" dirty="0"/>
+              <a:t>https://aka.ms/brent-clouddevelop2016</a:t>
+            </a:r>
+            <a:endParaRPr lang="en-US" sz="1600" dirty="0"/>
+          </a:p>
+        </p:txBody>
+      </p:sp>
     </p:spTree>
     <p:extLst>
       <p:ext uri="{BB962C8B-B14F-4D97-AF65-F5344CB8AC3E}">
@@ -34408,8 +34488,8 @@
         </p:nvSpPr>
         <p:spPr>
           <a:xfrm>
-            <a:off x="309790" y="1363662"/>
-            <a:ext cx="11347990" cy="4577755"/>
+            <a:off x="350837" y="1363662"/>
+            <a:ext cx="8128921" cy="4577755"/>
           </a:xfrm>
           <a:prstGeom prst="rect">
             <a:avLst/>
@@ -34417,7 +34497,7 @@
         </p:spPr>
         <p:txBody>
           <a:bodyPr>
-            <a:normAutofit/>
+            <a:normAutofit lnSpcReduction="10000"/>
           </a:bodyPr>
           <a:lstStyle>
             <a:lvl1pPr marL="342900" marR="0" indent="-342900" algn="l" defTabSz="932742" rtl="0" eaLnBrk="1" fontAlgn="auto" latinLnBrk="0" hangingPunct="1">
@@ -34682,6 +34762,7 @@
             </a:r>
           </a:p>
           <a:p>
+            <a:pPr lvl="1"/>
             <a:endParaRPr lang="en-US" dirty="0"/>
           </a:p>
           <a:p>
@@ -34702,11 +34783,44 @@
             <a:pPr lvl="1"/>
             <a:r>
               <a:rPr lang="en-US" dirty="0"/>
-              <a:t>Creates problems with sharing images (missing underlying layers)</a:t>
+              <a:t>Creates problems with sharing images </a:t>
+            </a:r>
+          </a:p>
+          <a:p>
+            <a:pPr marL="342900" lvl="1" indent="0">
+              <a:buNone/>
+            </a:pPr>
+            <a:r>
+              <a:rPr lang="en-US" dirty="0"/>
+              <a:t>	(missing underlying layers)</a:t>
             </a:r>
           </a:p>
         </p:txBody>
       </p:sp>
+      <p:pic>
+        <p:nvPicPr>
+          <p:cNvPr id="3" name="Picture 2"/>
+          <p:cNvPicPr>
+            <a:picLocks noChangeAspect="1"/>
+          </p:cNvPicPr>
+          <p:nvPr/>
+        </p:nvPicPr>
+        <p:blipFill>
+          <a:blip r:embed="rId3"/>
+          <a:stretch>
+            <a:fillRect/>
+          </a:stretch>
+        </p:blipFill>
+        <p:spPr>
+          <a:xfrm>
+            <a:off x="8479758" y="0"/>
+            <a:ext cx="3986879" cy="6994525"/>
+          </a:xfrm>
+          <a:prstGeom prst="rect">
+            <a:avLst/>
+          </a:prstGeom>
+        </p:spPr>
+      </p:pic>
     </p:spTree>
     <p:extLst>
       <p:ext uri="{BB962C8B-B14F-4D97-AF65-F5344CB8AC3E}">
@@ -34948,6 +35062,37 @@
                                           <p:spTgt spid="4">
                                             <p:txEl>
                                               <p:pRg st="7" end="7"/>
+                                            </p:txEl>
+                                          </p:spTgt>
+                                        </p:tgtEl>
+                                        <p:attrNameLst>
+                                          <p:attrName>style.visibility</p:attrName>
+                                        </p:attrNameLst>
+                                      </p:cBhvr>
+                                      <p:to>
+                                        <p:strVal val="visible"/>
+                                      </p:to>
+                                    </p:set>
+                                  </p:childTnLst>
+                                </p:cTn>
+                              </p:par>
+                              <p:par>
+                                <p:cTn id="21" presetID="1" presetClass="entr" presetSubtype="0" fill="hold" nodeType="withEffect">
+                                  <p:stCondLst>
+                                    <p:cond delay="0"/>
+                                  </p:stCondLst>
+                                  <p:childTnLst>
+                                    <p:set>
+                                      <p:cBhvr>
+                                        <p:cTn id="22" dur="1" fill="hold">
+                                          <p:stCondLst>
+                                            <p:cond delay="0"/>
+                                          </p:stCondLst>
+                                        </p:cTn>
+                                        <p:tgtEl>
+                                          <p:spTgt spid="4">
+                                            <p:txEl>
+                                              <p:pRg st="8" end="8"/>
                                             </p:txEl>
                                           </p:spTgt>
                                         </p:tgtEl>
@@ -48383,12 +48528,84 @@
 </file>
 
 <file path=customXml/item1.xml><?xml version="1.0" encoding="utf-8"?>
-<?mso-contentType ?>
-<FormTemplates xmlns="http://schemas.microsoft.com/sharepoint/v3/contenttype/forms">
-  <Display>DocumentLibraryForm</Display>
-  <Edit>DocumentLibraryForm</Edit>
-  <New>DocumentLibraryForm</New>
-</FormTemplates>
+<p:properties xmlns:p="http://schemas.microsoft.com/office/2006/metadata/properties" xmlns:xsi="http://www.w3.org/2001/XMLSchema-instance" xmlns:pc="http://schemas.microsoft.com/office/infopath/2007/PartnerControls">
+  <documentManagement>
+    <LikesCount xmlns="http://schemas.microsoft.com/sharepoint/v3" xsi:nil="true"/>
+    <d12e2661e9634d9aa98bbb375f31aced xmlns="01c77077-aee4-4b5f-bd4e-9cd40a6fff29">
+      <Terms xmlns="http://schemas.microsoft.com/office/infopath/2007/PartnerControls">
+        <TermInfo xmlns="http://schemas.microsoft.com/office/infopath/2007/PartnerControls">
+          <TermName xmlns="http://schemas.microsoft.com/office/infopath/2007/PartnerControls">Moscone Center</TermName>
+          <TermId xmlns="http://schemas.microsoft.com/office/infopath/2007/PartnerControls">d4f36a2e-dd0d-4424-990f-7c93b4e9f063</TermId>
+        </TermInfo>
+      </Terms>
+    </d12e2661e9634d9aa98bbb375f31aced>
+    <Event_x0020_Start_x0020_Date xmlns="01c77077-aee4-4b5f-bd4e-9cd40a6fff29">2016-03-30T07:00:00+00:00</Event_x0020_Start_x0020_Date>
+    <Target_x0020_Audiences xmlns="8ff673fc-3231-4e3a-893b-6d7f7cd32766" xsi:nil="true"/>
+    <iaa5f83406f94009a0f6a3e890699ff7 xmlns="01c77077-aee4-4b5f-bd4e-9cd40a6fff29">
+      <Terms xmlns="http://schemas.microsoft.com/office/infopath/2007/PartnerControls">
+        <TermInfo xmlns="http://schemas.microsoft.com/office/infopath/2007/PartnerControls">
+          <TermName xmlns="http://schemas.microsoft.com/office/infopath/2007/PartnerControls">San Francisco</TermName>
+          <TermId xmlns="http://schemas.microsoft.com/office/infopath/2007/PartnerControls">84dfcb53-432b-499d-8965-93d483d36b4a</TermId>
+        </TermInfo>
+      </Terms>
+    </iaa5f83406f94009a0f6a3e890699ff7>
+    <External_x0020_Speaker xmlns="01c77077-aee4-4b5f-bd4e-9cd40a6fff29" xsi:nil="true"/>
+    <m6878b9dd7994da4ba144f95347d99c6 xmlns="01c77077-aee4-4b5f-bd4e-9cd40a6fff29">
+      <Terms xmlns="http://schemas.microsoft.com/office/infopath/2007/PartnerControls"/>
+    </m6878b9dd7994da4ba144f95347d99c6>
+    <Presentation_x0020_Date xmlns="01c77077-aee4-4b5f-bd4e-9cd40a6fff29" xsi:nil="true"/>
+    <fc15c16204564de583b4c942b10d19ec xmlns="01c77077-aee4-4b5f-bd4e-9cd40a6fff29">
+      <Terms xmlns="http://schemas.microsoft.com/office/infopath/2007/PartnerControls"/>
+    </fc15c16204564de583b4c942b10d19ec>
+    <mb2e01f7e2d8413988e28e59aa226eec xmlns="01c77077-aee4-4b5f-bd4e-9cd40a6fff29">
+      <Terms xmlns="http://schemas.microsoft.com/office/infopath/2007/PartnerControls">
+        <TermInfo xmlns="http://schemas.microsoft.com/office/infopath/2007/PartnerControls">
+          <TermName xmlns="http://schemas.microsoft.com/office/infopath/2007/PartnerControls">Build</TermName>
+          <TermId xmlns="http://schemas.microsoft.com/office/infopath/2007/PartnerControls">58542b36-5bf5-46a6-a53f-a41fb7a73785</TermId>
+        </TermInfo>
+      </Terms>
+    </mb2e01f7e2d8413988e28e59aa226eec>
+    <MS_x0020_Content_x0020_Owner xmlns="01c77077-aee4-4b5f-bd4e-9cd40a6fff29">
+      <UserInfo>
+        <DisplayName/>
+        <AccountId xsi:nil="true"/>
+        <AccountType/>
+      </UserInfo>
+    </MS_x0020_Content_x0020_Owner>
+    <Session_x0020_Code xmlns="01c77077-aee4-4b5f-bd4e-9cd40a6fff29" xsi:nil="true"/>
+    <Event_x0020_End_x0020_Date xmlns="01c77077-aee4-4b5f-bd4e-9cd40a6fff29">2016-04-01T07:00:00+00:00</Event_x0020_End_x0020_Date>
+    <o1010385baed4da9b5076a6aa651d1e5 xmlns="01c77077-aee4-4b5f-bd4e-9cd40a6fff29">
+      <Terms xmlns="http://schemas.microsoft.com/office/infopath/2007/PartnerControls"/>
+    </o1010385baed4da9b5076a6aa651d1e5>
+    <kc6d1bd9a46e4e5fbbbf99ca3de7a092 xmlns="01c77077-aee4-4b5f-bd4e-9cd40a6fff29">
+      <Terms xmlns="http://schemas.microsoft.com/office/infopath/2007/PartnerControls"/>
+    </kc6d1bd9a46e4e5fbbbf99ca3de7a092>
+    <MS_x0020_Speaker xmlns="01c77077-aee4-4b5f-bd4e-9cd40a6fff29">
+      <UserInfo>
+        <DisplayName/>
+        <AccountId xsi:nil="true"/>
+        <AccountType/>
+      </UserInfo>
+    </MS_x0020_Speaker>
+    <TaxKeywordTaxHTField xmlns="230e9df3-be65-4c73-a93b-d1236ebd677e">
+      <Terms xmlns="http://schemas.microsoft.com/office/infopath/2007/PartnerControls">
+        <TermInfo xmlns="http://schemas.microsoft.com/office/infopath/2007/PartnerControls">
+          <TermName xmlns="http://schemas.microsoft.com/office/infopath/2007/PartnerControls">Microsoft Build 2016</TermName>
+          <TermId xmlns="http://schemas.microsoft.com/office/infopath/2007/PartnerControls">da8a10b5-9bc3-4217-80aa-6b60d6ec1cee</TermId>
+        </TermInfo>
+      </Terms>
+    </TaxKeywordTaxHTField>
+    <TaxCatchAll xmlns="230e9df3-be65-4c73-a93b-d1236ebd677e">
+      <Value>48</Value>
+      <Value>47</Value>
+      <Value>46</Value>
+      <Value>49</Value>
+    </TaxCatchAll>
+    <NumberofDownloads xmlns="230e9df3-be65-4c73-a93b-d1236ebd677e" xsi:nil="true"/>
+    <_ip_UnifiedCompliancePolicyUIAction xmlns="http://schemas.microsoft.com/sharepoint/v3" xsi:nil="true"/>
+    <_ip_UnifiedCompliancePolicyProperties xmlns="http://schemas.microsoft.com/sharepoint/v3" xsi:nil="true"/>
+  </documentManagement>
+</p:properties>
 </file>
 
 <file path=customXml/item2.xml><?xml version="1.0" encoding="utf-8"?>
@@ -48775,90 +48992,29 @@
 </file>
 
 <file path=customXml/item3.xml><?xml version="1.0" encoding="utf-8"?>
-<p:properties xmlns:p="http://schemas.microsoft.com/office/2006/metadata/properties" xmlns:xsi="http://www.w3.org/2001/XMLSchema-instance" xmlns:pc="http://schemas.microsoft.com/office/infopath/2007/PartnerControls">
-  <documentManagement>
-    <LikesCount xmlns="http://schemas.microsoft.com/sharepoint/v3" xsi:nil="true"/>
-    <d12e2661e9634d9aa98bbb375f31aced xmlns="01c77077-aee4-4b5f-bd4e-9cd40a6fff29">
-      <Terms xmlns="http://schemas.microsoft.com/office/infopath/2007/PartnerControls">
-        <TermInfo xmlns="http://schemas.microsoft.com/office/infopath/2007/PartnerControls">
-          <TermName xmlns="http://schemas.microsoft.com/office/infopath/2007/PartnerControls">Moscone Center</TermName>
-          <TermId xmlns="http://schemas.microsoft.com/office/infopath/2007/PartnerControls">d4f36a2e-dd0d-4424-990f-7c93b4e9f063</TermId>
-        </TermInfo>
-      </Terms>
-    </d12e2661e9634d9aa98bbb375f31aced>
-    <Event_x0020_Start_x0020_Date xmlns="01c77077-aee4-4b5f-bd4e-9cd40a6fff29">2016-03-30T07:00:00+00:00</Event_x0020_Start_x0020_Date>
-    <Target_x0020_Audiences xmlns="8ff673fc-3231-4e3a-893b-6d7f7cd32766" xsi:nil="true"/>
-    <iaa5f83406f94009a0f6a3e890699ff7 xmlns="01c77077-aee4-4b5f-bd4e-9cd40a6fff29">
-      <Terms xmlns="http://schemas.microsoft.com/office/infopath/2007/PartnerControls">
-        <TermInfo xmlns="http://schemas.microsoft.com/office/infopath/2007/PartnerControls">
-          <TermName xmlns="http://schemas.microsoft.com/office/infopath/2007/PartnerControls">San Francisco</TermName>
-          <TermId xmlns="http://schemas.microsoft.com/office/infopath/2007/PartnerControls">84dfcb53-432b-499d-8965-93d483d36b4a</TermId>
-        </TermInfo>
-      </Terms>
-    </iaa5f83406f94009a0f6a3e890699ff7>
-    <External_x0020_Speaker xmlns="01c77077-aee4-4b5f-bd4e-9cd40a6fff29" xsi:nil="true"/>
-    <m6878b9dd7994da4ba144f95347d99c6 xmlns="01c77077-aee4-4b5f-bd4e-9cd40a6fff29">
-      <Terms xmlns="http://schemas.microsoft.com/office/infopath/2007/PartnerControls"/>
-    </m6878b9dd7994da4ba144f95347d99c6>
-    <Presentation_x0020_Date xmlns="01c77077-aee4-4b5f-bd4e-9cd40a6fff29" xsi:nil="true"/>
-    <fc15c16204564de583b4c942b10d19ec xmlns="01c77077-aee4-4b5f-bd4e-9cd40a6fff29">
-      <Terms xmlns="http://schemas.microsoft.com/office/infopath/2007/PartnerControls"/>
-    </fc15c16204564de583b4c942b10d19ec>
-    <mb2e01f7e2d8413988e28e59aa226eec xmlns="01c77077-aee4-4b5f-bd4e-9cd40a6fff29">
-      <Terms xmlns="http://schemas.microsoft.com/office/infopath/2007/PartnerControls">
-        <TermInfo xmlns="http://schemas.microsoft.com/office/infopath/2007/PartnerControls">
-          <TermName xmlns="http://schemas.microsoft.com/office/infopath/2007/PartnerControls">Build</TermName>
-          <TermId xmlns="http://schemas.microsoft.com/office/infopath/2007/PartnerControls">58542b36-5bf5-46a6-a53f-a41fb7a73785</TermId>
-        </TermInfo>
-      </Terms>
-    </mb2e01f7e2d8413988e28e59aa226eec>
-    <MS_x0020_Content_x0020_Owner xmlns="01c77077-aee4-4b5f-bd4e-9cd40a6fff29">
-      <UserInfo>
-        <DisplayName/>
-        <AccountId xsi:nil="true"/>
-        <AccountType/>
-      </UserInfo>
-    </MS_x0020_Content_x0020_Owner>
-    <Session_x0020_Code xmlns="01c77077-aee4-4b5f-bd4e-9cd40a6fff29" xsi:nil="true"/>
-    <Event_x0020_End_x0020_Date xmlns="01c77077-aee4-4b5f-bd4e-9cd40a6fff29">2016-04-01T07:00:00+00:00</Event_x0020_End_x0020_Date>
-    <o1010385baed4da9b5076a6aa651d1e5 xmlns="01c77077-aee4-4b5f-bd4e-9cd40a6fff29">
-      <Terms xmlns="http://schemas.microsoft.com/office/infopath/2007/PartnerControls"/>
-    </o1010385baed4da9b5076a6aa651d1e5>
-    <kc6d1bd9a46e4e5fbbbf99ca3de7a092 xmlns="01c77077-aee4-4b5f-bd4e-9cd40a6fff29">
-      <Terms xmlns="http://schemas.microsoft.com/office/infopath/2007/PartnerControls"/>
-    </kc6d1bd9a46e4e5fbbbf99ca3de7a092>
-    <MS_x0020_Speaker xmlns="01c77077-aee4-4b5f-bd4e-9cd40a6fff29">
-      <UserInfo>
-        <DisplayName/>
-        <AccountId xsi:nil="true"/>
-        <AccountType/>
-      </UserInfo>
-    </MS_x0020_Speaker>
-    <TaxKeywordTaxHTField xmlns="230e9df3-be65-4c73-a93b-d1236ebd677e">
-      <Terms xmlns="http://schemas.microsoft.com/office/infopath/2007/PartnerControls">
-        <TermInfo xmlns="http://schemas.microsoft.com/office/infopath/2007/PartnerControls">
-          <TermName xmlns="http://schemas.microsoft.com/office/infopath/2007/PartnerControls">Microsoft Build 2016</TermName>
-          <TermId xmlns="http://schemas.microsoft.com/office/infopath/2007/PartnerControls">da8a10b5-9bc3-4217-80aa-6b60d6ec1cee</TermId>
-        </TermInfo>
-      </Terms>
-    </TaxKeywordTaxHTField>
-    <TaxCatchAll xmlns="230e9df3-be65-4c73-a93b-d1236ebd677e">
-      <Value>48</Value>
-      <Value>47</Value>
-      <Value>46</Value>
-      <Value>49</Value>
-    </TaxCatchAll>
-    <NumberofDownloads xmlns="230e9df3-be65-4c73-a93b-d1236ebd677e" xsi:nil="true"/>
-    <_ip_UnifiedCompliancePolicyUIAction xmlns="http://schemas.microsoft.com/sharepoint/v3" xsi:nil="true"/>
-    <_ip_UnifiedCompliancePolicyProperties xmlns="http://schemas.microsoft.com/sharepoint/v3" xsi:nil="true"/>
-  </documentManagement>
-</p:properties>
+<?mso-contentType ?>
+<FormTemplates xmlns="http://schemas.microsoft.com/sharepoint/v3/contenttype/forms">
+  <Display>DocumentLibraryForm</Display>
+  <Edit>DocumentLibraryForm</Edit>
+  <New>DocumentLibraryForm</New>
+</FormTemplates>
 </file>
 
 <file path=customXml/itemProps1.xml><?xml version="1.0" encoding="utf-8"?>
-<ds:datastoreItem xmlns:ds="http://schemas.openxmlformats.org/officeDocument/2006/customXml" ds:itemID="{758FDAC0-319D-4A54-8D8E-1D42CB1F8004}">
+<ds:datastoreItem xmlns:ds="http://schemas.openxmlformats.org/officeDocument/2006/customXml" ds:itemID="{F990F116-B58F-4255-B05B-DA3808E0E5C6}">
   <ds:schemaRefs>
-    <ds:schemaRef ds:uri="http://schemas.microsoft.com/sharepoint/v3/contenttype/forms"/>
+    <ds:schemaRef ds:uri="http://schemas.microsoft.com/sharepoint/v3"/>
+    <ds:schemaRef ds:uri="230e9df3-be65-4c73-a93b-d1236ebd677e"/>
+    <ds:schemaRef ds:uri="01c77077-aee4-4b5f-bd4e-9cd40a6fff29"/>
+    <ds:schemaRef ds:uri="http://purl.org/dc/terms/"/>
+    <ds:schemaRef ds:uri="http://schemas.microsoft.com/office/infopath/2007/PartnerControls"/>
+    <ds:schemaRef ds:uri="http://schemas.microsoft.com/office/2006/documentManagement/types"/>
+    <ds:schemaRef ds:uri="http://schemas.microsoft.com/office/2006/metadata/properties"/>
+    <ds:schemaRef ds:uri="http://purl.org/dc/elements/1.1/"/>
+    <ds:schemaRef ds:uri="http://schemas.openxmlformats.org/package/2006/metadata/core-properties"/>
+    <ds:schemaRef ds:uri="8ff673fc-3231-4e3a-893b-6d7f7cd32766"/>
+    <ds:schemaRef ds:uri="http://www.w3.org/XML/1998/namespace"/>
+    <ds:schemaRef ds:uri="http://purl.org/dc/dcmitype/"/>
   </ds:schemaRefs>
 </ds:datastoreItem>
 </file>
@@ -48885,20 +49041,9 @@
 </file>
 
 <file path=customXml/itemProps3.xml><?xml version="1.0" encoding="utf-8"?>
-<ds:datastoreItem xmlns:ds="http://schemas.openxmlformats.org/officeDocument/2006/customXml" ds:itemID="{F990F116-B58F-4255-B05B-DA3808E0E5C6}">
+<ds:datastoreItem xmlns:ds="http://schemas.openxmlformats.org/officeDocument/2006/customXml" ds:itemID="{758FDAC0-319D-4A54-8D8E-1D42CB1F8004}">
   <ds:schemaRefs>
-    <ds:schemaRef ds:uri="http://schemas.microsoft.com/sharepoint/v3"/>
-    <ds:schemaRef ds:uri="230e9df3-be65-4c73-a93b-d1236ebd677e"/>
-    <ds:schemaRef ds:uri="01c77077-aee4-4b5f-bd4e-9cd40a6fff29"/>
-    <ds:schemaRef ds:uri="http://purl.org/dc/terms/"/>
-    <ds:schemaRef ds:uri="http://schemas.microsoft.com/office/infopath/2007/PartnerControls"/>
-    <ds:schemaRef ds:uri="http://schemas.microsoft.com/office/2006/documentManagement/types"/>
-    <ds:schemaRef ds:uri="http://schemas.microsoft.com/office/2006/metadata/properties"/>
-    <ds:schemaRef ds:uri="http://purl.org/dc/elements/1.1/"/>
-    <ds:schemaRef ds:uri="http://schemas.openxmlformats.org/package/2006/metadata/core-properties"/>
-    <ds:schemaRef ds:uri="8ff673fc-3231-4e3a-893b-6d7f7cd32766"/>
-    <ds:schemaRef ds:uri="http://www.w3.org/XML/1998/namespace"/>
-    <ds:schemaRef ds:uri="http://purl.org/dc/dcmitype/"/>
+    <ds:schemaRef ds:uri="http://schemas.microsoft.com/sharepoint/v3/contenttype/forms"/>
   </ds:schemaRefs>
 </ds:datastoreItem>
 </file>